--- a/PlantBuddy.pptx
+++ b/PlantBuddy.pptx
@@ -4,22 +4,26 @@
   <p:sldMasterIdLst>
     <p:sldMasterId id="2147483648" r:id="rId1"/>
   </p:sldMasterIdLst>
+  <p:notesMasterIdLst>
+    <p:notesMasterId r:id="rId18"/>
+  </p:notesMasterIdLst>
   <p:sldIdLst>
     <p:sldId id="256" r:id="rId2"/>
     <p:sldId id="261" r:id="rId3"/>
-    <p:sldId id="257" r:id="rId4"/>
-    <p:sldId id="268" r:id="rId5"/>
-    <p:sldId id="258" r:id="rId6"/>
-    <p:sldId id="259" r:id="rId7"/>
-    <p:sldId id="260" r:id="rId8"/>
-    <p:sldId id="265" r:id="rId9"/>
-    <p:sldId id="266" r:id="rId10"/>
-    <p:sldId id="270" r:id="rId11"/>
-    <p:sldId id="267" r:id="rId12"/>
-    <p:sldId id="262" r:id="rId13"/>
-    <p:sldId id="263" r:id="rId14"/>
-    <p:sldId id="269" r:id="rId15"/>
-    <p:sldId id="264" r:id="rId16"/>
+    <p:sldId id="271" r:id="rId4"/>
+    <p:sldId id="257" r:id="rId5"/>
+    <p:sldId id="268" r:id="rId6"/>
+    <p:sldId id="258" r:id="rId7"/>
+    <p:sldId id="259" r:id="rId8"/>
+    <p:sldId id="260" r:id="rId9"/>
+    <p:sldId id="265" r:id="rId10"/>
+    <p:sldId id="266" r:id="rId11"/>
+    <p:sldId id="270" r:id="rId12"/>
+    <p:sldId id="267" r:id="rId13"/>
+    <p:sldId id="262" r:id="rId14"/>
+    <p:sldId id="263" r:id="rId15"/>
+    <p:sldId id="269" r:id="rId16"/>
+    <p:sldId id="264" r:id="rId17"/>
   </p:sldIdLst>
   <p:sldSz cx="9144000" cy="6858000" type="screen4x3"/>
   <p:notesSz cx="6858000" cy="9144000"/>
@@ -119,6 +123,1458 @@
     </a:lvl9pPr>
   </p:defaultTextStyle>
 </p:presentation>
+</file>
+
+<file path=ppt/notesMasters/notesMaster1.xml><?xml version="1.0" encoding="utf-8"?>
+<p:notesMaster xmlns:a="http://schemas.openxmlformats.org/drawingml/2006/main" xmlns:r="http://schemas.openxmlformats.org/officeDocument/2006/relationships" xmlns:p="http://schemas.openxmlformats.org/presentationml/2006/main">
+  <p:cSld>
+    <p:bg>
+      <p:bgRef idx="1001">
+        <a:schemeClr val="bg1"/>
+      </p:bgRef>
+    </p:bg>
+    <p:spTree>
+      <p:nvGrpSpPr>
+        <p:cNvPr id="1" name=""/>
+        <p:cNvGrpSpPr/>
+        <p:nvPr/>
+      </p:nvGrpSpPr>
+      <p:grpSpPr>
+        <a:xfrm>
+          <a:off x="0" y="0"/>
+          <a:ext cx="0" cy="0"/>
+          <a:chOff x="0" y="0"/>
+          <a:chExt cx="0" cy="0"/>
+        </a:xfrm>
+      </p:grpSpPr>
+      <p:sp>
+        <p:nvSpPr>
+          <p:cNvPr id="2" name="Header Placeholder 1"/>
+          <p:cNvSpPr>
+            <a:spLocks noGrp="1"/>
+          </p:cNvSpPr>
+          <p:nvPr>
+            <p:ph type="hdr" sz="quarter"/>
+          </p:nvPr>
+        </p:nvSpPr>
+        <p:spPr>
+          <a:xfrm>
+            <a:off x="0" y="0"/>
+            <a:ext cx="2971800" cy="457200"/>
+          </a:xfrm>
+          <a:prstGeom prst="rect">
+            <a:avLst/>
+          </a:prstGeom>
+        </p:spPr>
+        <p:txBody>
+          <a:bodyPr vert="horz" lIns="91440" tIns="45720" rIns="91440" bIns="45720" rtlCol="0"/>
+          <a:lstStyle>
+            <a:lvl1pPr algn="l">
+              <a:defRPr sz="1200"/>
+            </a:lvl1pPr>
+          </a:lstStyle>
+          <a:p>
+            <a:endParaRPr lang="en-CA"/>
+          </a:p>
+        </p:txBody>
+      </p:sp>
+      <p:sp>
+        <p:nvSpPr>
+          <p:cNvPr id="3" name="Date Placeholder 2"/>
+          <p:cNvSpPr>
+            <a:spLocks noGrp="1"/>
+          </p:cNvSpPr>
+          <p:nvPr>
+            <p:ph type="dt" idx="1"/>
+          </p:nvPr>
+        </p:nvSpPr>
+        <p:spPr>
+          <a:xfrm>
+            <a:off x="3884613" y="0"/>
+            <a:ext cx="2971800" cy="457200"/>
+          </a:xfrm>
+          <a:prstGeom prst="rect">
+            <a:avLst/>
+          </a:prstGeom>
+        </p:spPr>
+        <p:txBody>
+          <a:bodyPr vert="horz" lIns="91440" tIns="45720" rIns="91440" bIns="45720" rtlCol="0"/>
+          <a:lstStyle>
+            <a:lvl1pPr algn="r">
+              <a:defRPr sz="1200"/>
+            </a:lvl1pPr>
+          </a:lstStyle>
+          <a:p>
+            <a:fld id="{BB07689F-BFF6-4DB0-9566-67CEE402BF24}" type="datetimeFigureOut">
+              <a:rPr lang="en-US" smtClean="0"/>
+              <a:t>3/27/2018</a:t>
+            </a:fld>
+            <a:endParaRPr lang="en-CA"/>
+          </a:p>
+        </p:txBody>
+      </p:sp>
+      <p:sp>
+        <p:nvSpPr>
+          <p:cNvPr id="4" name="Slide Image Placeholder 3"/>
+          <p:cNvSpPr>
+            <a:spLocks noGrp="1" noRot="1" noChangeAspect="1"/>
+          </p:cNvSpPr>
+          <p:nvPr>
+            <p:ph type="sldImg" idx="2"/>
+          </p:nvPr>
+        </p:nvSpPr>
+        <p:spPr>
+          <a:xfrm>
+            <a:off x="1143000" y="685800"/>
+            <a:ext cx="4572000" cy="3429000"/>
+          </a:xfrm>
+          <a:prstGeom prst="rect">
+            <a:avLst/>
+          </a:prstGeom>
+          <a:noFill/>
+          <a:ln w="12700">
+            <a:solidFill>
+              <a:prstClr val="black"/>
+            </a:solidFill>
+          </a:ln>
+        </p:spPr>
+        <p:txBody>
+          <a:bodyPr vert="horz" lIns="91440" tIns="45720" rIns="91440" bIns="45720" rtlCol="0" anchor="ctr"/>
+          <a:lstStyle/>
+          <a:p>
+            <a:endParaRPr lang="en-CA"/>
+          </a:p>
+        </p:txBody>
+      </p:sp>
+      <p:sp>
+        <p:nvSpPr>
+          <p:cNvPr id="5" name="Notes Placeholder 4"/>
+          <p:cNvSpPr>
+            <a:spLocks noGrp="1"/>
+          </p:cNvSpPr>
+          <p:nvPr>
+            <p:ph type="body" sz="quarter" idx="3"/>
+          </p:nvPr>
+        </p:nvSpPr>
+        <p:spPr>
+          <a:xfrm>
+            <a:off x="685800" y="4343400"/>
+            <a:ext cx="5486400" cy="4114800"/>
+          </a:xfrm>
+          <a:prstGeom prst="rect">
+            <a:avLst/>
+          </a:prstGeom>
+        </p:spPr>
+        <p:txBody>
+          <a:bodyPr vert="horz" lIns="91440" tIns="45720" rIns="91440" bIns="45720" rtlCol="0">
+            <a:normAutofit/>
+          </a:bodyPr>
+          <a:lstStyle/>
+          <a:p>
+            <a:pPr lvl="0"/>
+            <a:r>
+              <a:rPr lang="en-US" smtClean="0"/>
+              <a:t>Click to edit Master text styles</a:t>
+            </a:r>
+          </a:p>
+          <a:p>
+            <a:pPr lvl="1"/>
+            <a:r>
+              <a:rPr lang="en-US" smtClean="0"/>
+              <a:t>Second level</a:t>
+            </a:r>
+          </a:p>
+          <a:p>
+            <a:pPr lvl="2"/>
+            <a:r>
+              <a:rPr lang="en-US" smtClean="0"/>
+              <a:t>Third level</a:t>
+            </a:r>
+          </a:p>
+          <a:p>
+            <a:pPr lvl="3"/>
+            <a:r>
+              <a:rPr lang="en-US" smtClean="0"/>
+              <a:t>Fourth level</a:t>
+            </a:r>
+          </a:p>
+          <a:p>
+            <a:pPr lvl="4"/>
+            <a:r>
+              <a:rPr lang="en-US" smtClean="0"/>
+              <a:t>Fifth level</a:t>
+            </a:r>
+            <a:endParaRPr lang="en-CA"/>
+          </a:p>
+        </p:txBody>
+      </p:sp>
+      <p:sp>
+        <p:nvSpPr>
+          <p:cNvPr id="6" name="Footer Placeholder 5"/>
+          <p:cNvSpPr>
+            <a:spLocks noGrp="1"/>
+          </p:cNvSpPr>
+          <p:nvPr>
+            <p:ph type="ftr" sz="quarter" idx="4"/>
+          </p:nvPr>
+        </p:nvSpPr>
+        <p:spPr>
+          <a:xfrm>
+            <a:off x="0" y="8685213"/>
+            <a:ext cx="2971800" cy="457200"/>
+          </a:xfrm>
+          <a:prstGeom prst="rect">
+            <a:avLst/>
+          </a:prstGeom>
+        </p:spPr>
+        <p:txBody>
+          <a:bodyPr vert="horz" lIns="91440" tIns="45720" rIns="91440" bIns="45720" rtlCol="0" anchor="b"/>
+          <a:lstStyle>
+            <a:lvl1pPr algn="l">
+              <a:defRPr sz="1200"/>
+            </a:lvl1pPr>
+          </a:lstStyle>
+          <a:p>
+            <a:endParaRPr lang="en-CA"/>
+          </a:p>
+        </p:txBody>
+      </p:sp>
+      <p:sp>
+        <p:nvSpPr>
+          <p:cNvPr id="7" name="Slide Number Placeholder 6"/>
+          <p:cNvSpPr>
+            <a:spLocks noGrp="1"/>
+          </p:cNvSpPr>
+          <p:nvPr>
+            <p:ph type="sldNum" sz="quarter" idx="5"/>
+          </p:nvPr>
+        </p:nvSpPr>
+        <p:spPr>
+          <a:xfrm>
+            <a:off x="3884613" y="8685213"/>
+            <a:ext cx="2971800" cy="457200"/>
+          </a:xfrm>
+          <a:prstGeom prst="rect">
+            <a:avLst/>
+          </a:prstGeom>
+        </p:spPr>
+        <p:txBody>
+          <a:bodyPr vert="horz" lIns="91440" tIns="45720" rIns="91440" bIns="45720" rtlCol="0" anchor="b"/>
+          <a:lstStyle>
+            <a:lvl1pPr algn="r">
+              <a:defRPr sz="1200"/>
+            </a:lvl1pPr>
+          </a:lstStyle>
+          <a:p>
+            <a:fld id="{CB84ACFC-E8EE-4602-8A98-FF37F4AF3E83}" type="slidenum">
+              <a:rPr lang="en-CA" smtClean="0"/>
+              <a:t>‹#›</a:t>
+            </a:fld>
+            <a:endParaRPr lang="en-CA"/>
+          </a:p>
+        </p:txBody>
+      </p:sp>
+    </p:spTree>
+  </p:cSld>
+  <p:clrMap bg1="lt1" tx1="dk1" bg2="lt2" tx2="dk2" accent1="accent1" accent2="accent2" accent3="accent3" accent4="accent4" accent5="accent5" accent6="accent6" hlink="hlink" folHlink="folHlink"/>
+  <p:notesStyle>
+    <a:lvl1pPr marL="0" algn="l" defTabSz="914400" rtl="0" eaLnBrk="1" latinLnBrk="0" hangingPunct="1">
+      <a:defRPr sz="1200" kern="1200">
+        <a:solidFill>
+          <a:schemeClr val="tx1"/>
+        </a:solidFill>
+        <a:latin typeface="+mn-lt"/>
+        <a:ea typeface="+mn-ea"/>
+        <a:cs typeface="+mn-cs"/>
+      </a:defRPr>
+    </a:lvl1pPr>
+    <a:lvl2pPr marL="457200" algn="l" defTabSz="914400" rtl="0" eaLnBrk="1" latinLnBrk="0" hangingPunct="1">
+      <a:defRPr sz="1200" kern="1200">
+        <a:solidFill>
+          <a:schemeClr val="tx1"/>
+        </a:solidFill>
+        <a:latin typeface="+mn-lt"/>
+        <a:ea typeface="+mn-ea"/>
+        <a:cs typeface="+mn-cs"/>
+      </a:defRPr>
+    </a:lvl2pPr>
+    <a:lvl3pPr marL="914400" algn="l" defTabSz="914400" rtl="0" eaLnBrk="1" latinLnBrk="0" hangingPunct="1">
+      <a:defRPr sz="1200" kern="1200">
+        <a:solidFill>
+          <a:schemeClr val="tx1"/>
+        </a:solidFill>
+        <a:latin typeface="+mn-lt"/>
+        <a:ea typeface="+mn-ea"/>
+        <a:cs typeface="+mn-cs"/>
+      </a:defRPr>
+    </a:lvl3pPr>
+    <a:lvl4pPr marL="1371600" algn="l" defTabSz="914400" rtl="0" eaLnBrk="1" latinLnBrk="0" hangingPunct="1">
+      <a:defRPr sz="1200" kern="1200">
+        <a:solidFill>
+          <a:schemeClr val="tx1"/>
+        </a:solidFill>
+        <a:latin typeface="+mn-lt"/>
+        <a:ea typeface="+mn-ea"/>
+        <a:cs typeface="+mn-cs"/>
+      </a:defRPr>
+    </a:lvl4pPr>
+    <a:lvl5pPr marL="1828800" algn="l" defTabSz="914400" rtl="0" eaLnBrk="1" latinLnBrk="0" hangingPunct="1">
+      <a:defRPr sz="1200" kern="1200">
+        <a:solidFill>
+          <a:schemeClr val="tx1"/>
+        </a:solidFill>
+        <a:latin typeface="+mn-lt"/>
+        <a:ea typeface="+mn-ea"/>
+        <a:cs typeface="+mn-cs"/>
+      </a:defRPr>
+    </a:lvl5pPr>
+    <a:lvl6pPr marL="2286000" algn="l" defTabSz="914400" rtl="0" eaLnBrk="1" latinLnBrk="0" hangingPunct="1">
+      <a:defRPr sz="1200" kern="1200">
+        <a:solidFill>
+          <a:schemeClr val="tx1"/>
+        </a:solidFill>
+        <a:latin typeface="+mn-lt"/>
+        <a:ea typeface="+mn-ea"/>
+        <a:cs typeface="+mn-cs"/>
+      </a:defRPr>
+    </a:lvl6pPr>
+    <a:lvl7pPr marL="2743200" algn="l" defTabSz="914400" rtl="0" eaLnBrk="1" latinLnBrk="0" hangingPunct="1">
+      <a:defRPr sz="1200" kern="1200">
+        <a:solidFill>
+          <a:schemeClr val="tx1"/>
+        </a:solidFill>
+        <a:latin typeface="+mn-lt"/>
+        <a:ea typeface="+mn-ea"/>
+        <a:cs typeface="+mn-cs"/>
+      </a:defRPr>
+    </a:lvl7pPr>
+    <a:lvl8pPr marL="3200400" algn="l" defTabSz="914400" rtl="0" eaLnBrk="1" latinLnBrk="0" hangingPunct="1">
+      <a:defRPr sz="1200" kern="1200">
+        <a:solidFill>
+          <a:schemeClr val="tx1"/>
+        </a:solidFill>
+        <a:latin typeface="+mn-lt"/>
+        <a:ea typeface="+mn-ea"/>
+        <a:cs typeface="+mn-cs"/>
+      </a:defRPr>
+    </a:lvl8pPr>
+    <a:lvl9pPr marL="3657600" algn="l" defTabSz="914400" rtl="0" eaLnBrk="1" latinLnBrk="0" hangingPunct="1">
+      <a:defRPr sz="1200" kern="1200">
+        <a:solidFill>
+          <a:schemeClr val="tx1"/>
+        </a:solidFill>
+        <a:latin typeface="+mn-lt"/>
+        <a:ea typeface="+mn-ea"/>
+        <a:cs typeface="+mn-cs"/>
+      </a:defRPr>
+    </a:lvl9pPr>
+  </p:notesStyle>
+</p:notesMaster>
+</file>
+
+<file path=ppt/notesSlides/notesSlide1.xml><?xml version="1.0" encoding="utf-8"?>
+<p:notes xmlns:a="http://schemas.openxmlformats.org/drawingml/2006/main" xmlns:r="http://schemas.openxmlformats.org/officeDocument/2006/relationships" xmlns:p="http://schemas.openxmlformats.org/presentationml/2006/main">
+  <p:cSld>
+    <p:spTree>
+      <p:nvGrpSpPr>
+        <p:cNvPr id="1" name=""/>
+        <p:cNvGrpSpPr/>
+        <p:nvPr/>
+      </p:nvGrpSpPr>
+      <p:grpSpPr>
+        <a:xfrm>
+          <a:off x="0" y="0"/>
+          <a:ext cx="0" cy="0"/>
+          <a:chOff x="0" y="0"/>
+          <a:chExt cx="0" cy="0"/>
+        </a:xfrm>
+      </p:grpSpPr>
+      <p:sp>
+        <p:nvSpPr>
+          <p:cNvPr id="2" name="Slide Image Placeholder 1"/>
+          <p:cNvSpPr>
+            <a:spLocks noGrp="1" noRot="1" noChangeAspect="1"/>
+          </p:cNvSpPr>
+          <p:nvPr>
+            <p:ph type="sldImg"/>
+          </p:nvPr>
+        </p:nvSpPr>
+        <p:spPr/>
+      </p:sp>
+      <p:sp>
+        <p:nvSpPr>
+          <p:cNvPr id="3" name="Notes Placeholder 2"/>
+          <p:cNvSpPr>
+            <a:spLocks noGrp="1"/>
+          </p:cNvSpPr>
+          <p:nvPr>
+            <p:ph type="body" idx="1"/>
+          </p:nvPr>
+        </p:nvSpPr>
+        <p:spPr/>
+        <p:txBody>
+          <a:bodyPr>
+            <a:normAutofit/>
+          </a:bodyPr>
+          <a:lstStyle/>
+          <a:p>
+            <a:r>
+              <a:rPr lang="en-CA" dirty="0" smtClean="0"/>
+              <a:t>Wang</a:t>
+            </a:r>
+            <a:endParaRPr lang="en-CA" dirty="0"/>
+          </a:p>
+        </p:txBody>
+      </p:sp>
+      <p:sp>
+        <p:nvSpPr>
+          <p:cNvPr id="4" name="Slide Number Placeholder 3"/>
+          <p:cNvSpPr>
+            <a:spLocks noGrp="1"/>
+          </p:cNvSpPr>
+          <p:nvPr>
+            <p:ph type="sldNum" sz="quarter" idx="10"/>
+          </p:nvPr>
+        </p:nvSpPr>
+        <p:spPr/>
+        <p:txBody>
+          <a:bodyPr/>
+          <a:lstStyle/>
+          <a:p>
+            <a:fld id="{CB84ACFC-E8EE-4602-8A98-FF37F4AF3E83}" type="slidenum">
+              <a:rPr lang="en-CA" smtClean="0"/>
+              <a:t>3</a:t>
+            </a:fld>
+            <a:endParaRPr lang="en-CA"/>
+          </a:p>
+        </p:txBody>
+      </p:sp>
+    </p:spTree>
+  </p:cSld>
+  <p:clrMapOvr>
+    <a:masterClrMapping/>
+  </p:clrMapOvr>
+</p:notes>
+</file>
+
+<file path=ppt/notesSlides/notesSlide10.xml><?xml version="1.0" encoding="utf-8"?>
+<p:notes xmlns:a="http://schemas.openxmlformats.org/drawingml/2006/main" xmlns:r="http://schemas.openxmlformats.org/officeDocument/2006/relationships" xmlns:p="http://schemas.openxmlformats.org/presentationml/2006/main">
+  <p:cSld>
+    <p:spTree>
+      <p:nvGrpSpPr>
+        <p:cNvPr id="1" name=""/>
+        <p:cNvGrpSpPr/>
+        <p:nvPr/>
+      </p:nvGrpSpPr>
+      <p:grpSpPr>
+        <a:xfrm>
+          <a:off x="0" y="0"/>
+          <a:ext cx="0" cy="0"/>
+          <a:chOff x="0" y="0"/>
+          <a:chExt cx="0" cy="0"/>
+        </a:xfrm>
+      </p:grpSpPr>
+      <p:sp>
+        <p:nvSpPr>
+          <p:cNvPr id="2" name="Slide Image Placeholder 1"/>
+          <p:cNvSpPr>
+            <a:spLocks noGrp="1" noRot="1" noChangeAspect="1"/>
+          </p:cNvSpPr>
+          <p:nvPr>
+            <p:ph type="sldImg"/>
+          </p:nvPr>
+        </p:nvSpPr>
+        <p:spPr/>
+      </p:sp>
+      <p:sp>
+        <p:nvSpPr>
+          <p:cNvPr id="3" name="Notes Placeholder 2"/>
+          <p:cNvSpPr>
+            <a:spLocks noGrp="1"/>
+          </p:cNvSpPr>
+          <p:nvPr>
+            <p:ph type="body" idx="1"/>
+          </p:nvPr>
+        </p:nvSpPr>
+        <p:spPr/>
+        <p:txBody>
+          <a:bodyPr>
+            <a:normAutofit/>
+          </a:bodyPr>
+          <a:lstStyle/>
+          <a:p>
+            <a:r>
+              <a:rPr lang="en-CA" dirty="0" smtClean="0"/>
+              <a:t>Andy</a:t>
+            </a:r>
+            <a:endParaRPr lang="en-CA" dirty="0"/>
+          </a:p>
+        </p:txBody>
+      </p:sp>
+      <p:sp>
+        <p:nvSpPr>
+          <p:cNvPr id="4" name="Slide Number Placeholder 3"/>
+          <p:cNvSpPr>
+            <a:spLocks noGrp="1"/>
+          </p:cNvSpPr>
+          <p:nvPr>
+            <p:ph type="sldNum" sz="quarter" idx="10"/>
+          </p:nvPr>
+        </p:nvSpPr>
+        <p:spPr/>
+        <p:txBody>
+          <a:bodyPr/>
+          <a:lstStyle/>
+          <a:p>
+            <a:fld id="{CB84ACFC-E8EE-4602-8A98-FF37F4AF3E83}" type="slidenum">
+              <a:rPr lang="en-CA" smtClean="0"/>
+              <a:t>12</a:t>
+            </a:fld>
+            <a:endParaRPr lang="en-CA"/>
+          </a:p>
+        </p:txBody>
+      </p:sp>
+    </p:spTree>
+  </p:cSld>
+  <p:clrMapOvr>
+    <a:masterClrMapping/>
+  </p:clrMapOvr>
+</p:notes>
+</file>
+
+<file path=ppt/notesSlides/notesSlide11.xml><?xml version="1.0" encoding="utf-8"?>
+<p:notes xmlns:a="http://schemas.openxmlformats.org/drawingml/2006/main" xmlns:r="http://schemas.openxmlformats.org/officeDocument/2006/relationships" xmlns:p="http://schemas.openxmlformats.org/presentationml/2006/main">
+  <p:cSld>
+    <p:spTree>
+      <p:nvGrpSpPr>
+        <p:cNvPr id="1" name=""/>
+        <p:cNvGrpSpPr/>
+        <p:nvPr/>
+      </p:nvGrpSpPr>
+      <p:grpSpPr>
+        <a:xfrm>
+          <a:off x="0" y="0"/>
+          <a:ext cx="0" cy="0"/>
+          <a:chOff x="0" y="0"/>
+          <a:chExt cx="0" cy="0"/>
+        </a:xfrm>
+      </p:grpSpPr>
+      <p:sp>
+        <p:nvSpPr>
+          <p:cNvPr id="2" name="Slide Image Placeholder 1"/>
+          <p:cNvSpPr>
+            <a:spLocks noGrp="1" noRot="1" noChangeAspect="1"/>
+          </p:cNvSpPr>
+          <p:nvPr>
+            <p:ph type="sldImg"/>
+          </p:nvPr>
+        </p:nvSpPr>
+        <p:spPr/>
+      </p:sp>
+      <p:sp>
+        <p:nvSpPr>
+          <p:cNvPr id="3" name="Notes Placeholder 2"/>
+          <p:cNvSpPr>
+            <a:spLocks noGrp="1"/>
+          </p:cNvSpPr>
+          <p:nvPr>
+            <p:ph type="body" idx="1"/>
+          </p:nvPr>
+        </p:nvSpPr>
+        <p:spPr/>
+        <p:txBody>
+          <a:bodyPr>
+            <a:normAutofit/>
+          </a:bodyPr>
+          <a:lstStyle/>
+          <a:p>
+            <a:r>
+              <a:rPr lang="en-CA" dirty="0" smtClean="0"/>
+              <a:t>All</a:t>
+            </a:r>
+            <a:endParaRPr lang="en-CA" dirty="0"/>
+          </a:p>
+        </p:txBody>
+      </p:sp>
+      <p:sp>
+        <p:nvSpPr>
+          <p:cNvPr id="4" name="Slide Number Placeholder 3"/>
+          <p:cNvSpPr>
+            <a:spLocks noGrp="1"/>
+          </p:cNvSpPr>
+          <p:nvPr>
+            <p:ph type="sldNum" sz="quarter" idx="10"/>
+          </p:nvPr>
+        </p:nvSpPr>
+        <p:spPr/>
+        <p:txBody>
+          <a:bodyPr/>
+          <a:lstStyle/>
+          <a:p>
+            <a:fld id="{CB84ACFC-E8EE-4602-8A98-FF37F4AF3E83}" type="slidenum">
+              <a:rPr lang="en-CA" smtClean="0"/>
+              <a:t>13</a:t>
+            </a:fld>
+            <a:endParaRPr lang="en-CA"/>
+          </a:p>
+        </p:txBody>
+      </p:sp>
+    </p:spTree>
+  </p:cSld>
+  <p:clrMapOvr>
+    <a:masterClrMapping/>
+  </p:clrMapOvr>
+</p:notes>
+</file>
+
+<file path=ppt/notesSlides/notesSlide12.xml><?xml version="1.0" encoding="utf-8"?>
+<p:notes xmlns:a="http://schemas.openxmlformats.org/drawingml/2006/main" xmlns:r="http://schemas.openxmlformats.org/officeDocument/2006/relationships" xmlns:p="http://schemas.openxmlformats.org/presentationml/2006/main">
+  <p:cSld>
+    <p:spTree>
+      <p:nvGrpSpPr>
+        <p:cNvPr id="1" name=""/>
+        <p:cNvGrpSpPr/>
+        <p:nvPr/>
+      </p:nvGrpSpPr>
+      <p:grpSpPr>
+        <a:xfrm>
+          <a:off x="0" y="0"/>
+          <a:ext cx="0" cy="0"/>
+          <a:chOff x="0" y="0"/>
+          <a:chExt cx="0" cy="0"/>
+        </a:xfrm>
+      </p:grpSpPr>
+      <p:sp>
+        <p:nvSpPr>
+          <p:cNvPr id="2" name="Slide Image Placeholder 1"/>
+          <p:cNvSpPr>
+            <a:spLocks noGrp="1" noRot="1" noChangeAspect="1"/>
+          </p:cNvSpPr>
+          <p:nvPr>
+            <p:ph type="sldImg"/>
+          </p:nvPr>
+        </p:nvSpPr>
+        <p:spPr/>
+      </p:sp>
+      <p:sp>
+        <p:nvSpPr>
+          <p:cNvPr id="3" name="Notes Placeholder 2"/>
+          <p:cNvSpPr>
+            <a:spLocks noGrp="1"/>
+          </p:cNvSpPr>
+          <p:nvPr>
+            <p:ph type="body" idx="1"/>
+          </p:nvPr>
+        </p:nvSpPr>
+        <p:spPr/>
+        <p:txBody>
+          <a:bodyPr>
+            <a:normAutofit/>
+          </a:bodyPr>
+          <a:lstStyle/>
+          <a:p>
+            <a:r>
+              <a:rPr lang="en-CA" dirty="0" smtClean="0"/>
+              <a:t>Dean</a:t>
+            </a:r>
+            <a:endParaRPr lang="en-CA" dirty="0"/>
+          </a:p>
+        </p:txBody>
+      </p:sp>
+      <p:sp>
+        <p:nvSpPr>
+          <p:cNvPr id="4" name="Slide Number Placeholder 3"/>
+          <p:cNvSpPr>
+            <a:spLocks noGrp="1"/>
+          </p:cNvSpPr>
+          <p:nvPr>
+            <p:ph type="sldNum" sz="quarter" idx="10"/>
+          </p:nvPr>
+        </p:nvSpPr>
+        <p:spPr/>
+        <p:txBody>
+          <a:bodyPr/>
+          <a:lstStyle/>
+          <a:p>
+            <a:fld id="{CB84ACFC-E8EE-4602-8A98-FF37F4AF3E83}" type="slidenum">
+              <a:rPr lang="en-CA" smtClean="0"/>
+              <a:t>14</a:t>
+            </a:fld>
+            <a:endParaRPr lang="en-CA"/>
+          </a:p>
+        </p:txBody>
+      </p:sp>
+    </p:spTree>
+  </p:cSld>
+  <p:clrMapOvr>
+    <a:masterClrMapping/>
+  </p:clrMapOvr>
+</p:notes>
+</file>
+
+<file path=ppt/notesSlides/notesSlide13.xml><?xml version="1.0" encoding="utf-8"?>
+<p:notes xmlns:a="http://schemas.openxmlformats.org/drawingml/2006/main" xmlns:r="http://schemas.openxmlformats.org/officeDocument/2006/relationships" xmlns:p="http://schemas.openxmlformats.org/presentationml/2006/main">
+  <p:cSld>
+    <p:spTree>
+      <p:nvGrpSpPr>
+        <p:cNvPr id="1" name=""/>
+        <p:cNvGrpSpPr/>
+        <p:nvPr/>
+      </p:nvGrpSpPr>
+      <p:grpSpPr>
+        <a:xfrm>
+          <a:off x="0" y="0"/>
+          <a:ext cx="0" cy="0"/>
+          <a:chOff x="0" y="0"/>
+          <a:chExt cx="0" cy="0"/>
+        </a:xfrm>
+      </p:grpSpPr>
+      <p:sp>
+        <p:nvSpPr>
+          <p:cNvPr id="2" name="Slide Image Placeholder 1"/>
+          <p:cNvSpPr>
+            <a:spLocks noGrp="1" noRot="1" noChangeAspect="1"/>
+          </p:cNvSpPr>
+          <p:nvPr>
+            <p:ph type="sldImg"/>
+          </p:nvPr>
+        </p:nvSpPr>
+        <p:spPr/>
+      </p:sp>
+      <p:sp>
+        <p:nvSpPr>
+          <p:cNvPr id="3" name="Notes Placeholder 2"/>
+          <p:cNvSpPr>
+            <a:spLocks noGrp="1"/>
+          </p:cNvSpPr>
+          <p:nvPr>
+            <p:ph type="body" idx="1"/>
+          </p:nvPr>
+        </p:nvSpPr>
+        <p:spPr/>
+        <p:txBody>
+          <a:bodyPr>
+            <a:normAutofit/>
+          </a:bodyPr>
+          <a:lstStyle/>
+          <a:p>
+            <a:r>
+              <a:rPr lang="en-CA" dirty="0" smtClean="0"/>
+              <a:t>All</a:t>
+            </a:r>
+            <a:endParaRPr lang="en-CA" dirty="0"/>
+          </a:p>
+        </p:txBody>
+      </p:sp>
+      <p:sp>
+        <p:nvSpPr>
+          <p:cNvPr id="4" name="Slide Number Placeholder 3"/>
+          <p:cNvSpPr>
+            <a:spLocks noGrp="1"/>
+          </p:cNvSpPr>
+          <p:nvPr>
+            <p:ph type="sldNum" sz="quarter" idx="10"/>
+          </p:nvPr>
+        </p:nvSpPr>
+        <p:spPr/>
+        <p:txBody>
+          <a:bodyPr/>
+          <a:lstStyle/>
+          <a:p>
+            <a:fld id="{CB84ACFC-E8EE-4602-8A98-FF37F4AF3E83}" type="slidenum">
+              <a:rPr lang="en-CA" smtClean="0"/>
+              <a:t>15</a:t>
+            </a:fld>
+            <a:endParaRPr lang="en-CA"/>
+          </a:p>
+        </p:txBody>
+      </p:sp>
+    </p:spTree>
+  </p:cSld>
+  <p:clrMapOvr>
+    <a:masterClrMapping/>
+  </p:clrMapOvr>
+</p:notes>
+</file>
+
+<file path=ppt/notesSlides/notesSlide2.xml><?xml version="1.0" encoding="utf-8"?>
+<p:notes xmlns:a="http://schemas.openxmlformats.org/drawingml/2006/main" xmlns:r="http://schemas.openxmlformats.org/officeDocument/2006/relationships" xmlns:p="http://schemas.openxmlformats.org/presentationml/2006/main">
+  <p:cSld>
+    <p:spTree>
+      <p:nvGrpSpPr>
+        <p:cNvPr id="1" name=""/>
+        <p:cNvGrpSpPr/>
+        <p:nvPr/>
+      </p:nvGrpSpPr>
+      <p:grpSpPr>
+        <a:xfrm>
+          <a:off x="0" y="0"/>
+          <a:ext cx="0" cy="0"/>
+          <a:chOff x="0" y="0"/>
+          <a:chExt cx="0" cy="0"/>
+        </a:xfrm>
+      </p:grpSpPr>
+      <p:sp>
+        <p:nvSpPr>
+          <p:cNvPr id="2" name="Slide Image Placeholder 1"/>
+          <p:cNvSpPr>
+            <a:spLocks noGrp="1" noRot="1" noChangeAspect="1"/>
+          </p:cNvSpPr>
+          <p:nvPr>
+            <p:ph type="sldImg"/>
+          </p:nvPr>
+        </p:nvSpPr>
+        <p:spPr/>
+      </p:sp>
+      <p:sp>
+        <p:nvSpPr>
+          <p:cNvPr id="3" name="Notes Placeholder 2"/>
+          <p:cNvSpPr>
+            <a:spLocks noGrp="1"/>
+          </p:cNvSpPr>
+          <p:nvPr>
+            <p:ph type="body" idx="1"/>
+          </p:nvPr>
+        </p:nvSpPr>
+        <p:spPr/>
+        <p:txBody>
+          <a:bodyPr>
+            <a:normAutofit/>
+          </a:bodyPr>
+          <a:lstStyle/>
+          <a:p>
+            <a:r>
+              <a:rPr lang="en-CA" dirty="0" smtClean="0"/>
+              <a:t>Eugene</a:t>
+            </a:r>
+            <a:endParaRPr lang="en-CA" dirty="0"/>
+          </a:p>
+        </p:txBody>
+      </p:sp>
+      <p:sp>
+        <p:nvSpPr>
+          <p:cNvPr id="4" name="Slide Number Placeholder 3"/>
+          <p:cNvSpPr>
+            <a:spLocks noGrp="1"/>
+          </p:cNvSpPr>
+          <p:nvPr>
+            <p:ph type="sldNum" sz="quarter" idx="10"/>
+          </p:nvPr>
+        </p:nvSpPr>
+        <p:spPr/>
+        <p:txBody>
+          <a:bodyPr/>
+          <a:lstStyle/>
+          <a:p>
+            <a:fld id="{CB84ACFC-E8EE-4602-8A98-FF37F4AF3E83}" type="slidenum">
+              <a:rPr lang="en-CA" smtClean="0"/>
+              <a:t>4</a:t>
+            </a:fld>
+            <a:endParaRPr lang="en-CA"/>
+          </a:p>
+        </p:txBody>
+      </p:sp>
+    </p:spTree>
+  </p:cSld>
+  <p:clrMapOvr>
+    <a:masterClrMapping/>
+  </p:clrMapOvr>
+</p:notes>
+</file>
+
+<file path=ppt/notesSlides/notesSlide3.xml><?xml version="1.0" encoding="utf-8"?>
+<p:notes xmlns:a="http://schemas.openxmlformats.org/drawingml/2006/main" xmlns:r="http://schemas.openxmlformats.org/officeDocument/2006/relationships" xmlns:p="http://schemas.openxmlformats.org/presentationml/2006/main">
+  <p:cSld>
+    <p:spTree>
+      <p:nvGrpSpPr>
+        <p:cNvPr id="1" name=""/>
+        <p:cNvGrpSpPr/>
+        <p:nvPr/>
+      </p:nvGrpSpPr>
+      <p:grpSpPr>
+        <a:xfrm>
+          <a:off x="0" y="0"/>
+          <a:ext cx="0" cy="0"/>
+          <a:chOff x="0" y="0"/>
+          <a:chExt cx="0" cy="0"/>
+        </a:xfrm>
+      </p:grpSpPr>
+      <p:sp>
+        <p:nvSpPr>
+          <p:cNvPr id="2" name="Slide Image Placeholder 1"/>
+          <p:cNvSpPr>
+            <a:spLocks noGrp="1" noRot="1" noChangeAspect="1"/>
+          </p:cNvSpPr>
+          <p:nvPr>
+            <p:ph type="sldImg"/>
+          </p:nvPr>
+        </p:nvSpPr>
+        <p:spPr/>
+      </p:sp>
+      <p:sp>
+        <p:nvSpPr>
+          <p:cNvPr id="3" name="Notes Placeholder 2"/>
+          <p:cNvSpPr>
+            <a:spLocks noGrp="1"/>
+          </p:cNvSpPr>
+          <p:nvPr>
+            <p:ph type="body" idx="1"/>
+          </p:nvPr>
+        </p:nvSpPr>
+        <p:spPr/>
+        <p:txBody>
+          <a:bodyPr>
+            <a:normAutofit/>
+          </a:bodyPr>
+          <a:lstStyle/>
+          <a:p>
+            <a:r>
+              <a:rPr lang="en-CA" dirty="0" smtClean="0"/>
+              <a:t>Dom</a:t>
+            </a:r>
+            <a:endParaRPr lang="en-CA" dirty="0"/>
+          </a:p>
+        </p:txBody>
+      </p:sp>
+      <p:sp>
+        <p:nvSpPr>
+          <p:cNvPr id="4" name="Slide Number Placeholder 3"/>
+          <p:cNvSpPr>
+            <a:spLocks noGrp="1"/>
+          </p:cNvSpPr>
+          <p:nvPr>
+            <p:ph type="sldNum" sz="quarter" idx="10"/>
+          </p:nvPr>
+        </p:nvSpPr>
+        <p:spPr/>
+        <p:txBody>
+          <a:bodyPr/>
+          <a:lstStyle/>
+          <a:p>
+            <a:fld id="{CB84ACFC-E8EE-4602-8A98-FF37F4AF3E83}" type="slidenum">
+              <a:rPr lang="en-CA" smtClean="0"/>
+              <a:t>5</a:t>
+            </a:fld>
+            <a:endParaRPr lang="en-CA"/>
+          </a:p>
+        </p:txBody>
+      </p:sp>
+    </p:spTree>
+  </p:cSld>
+  <p:clrMapOvr>
+    <a:masterClrMapping/>
+  </p:clrMapOvr>
+</p:notes>
+</file>
+
+<file path=ppt/notesSlides/notesSlide4.xml><?xml version="1.0" encoding="utf-8"?>
+<p:notes xmlns:a="http://schemas.openxmlformats.org/drawingml/2006/main" xmlns:r="http://schemas.openxmlformats.org/officeDocument/2006/relationships" xmlns:p="http://schemas.openxmlformats.org/presentationml/2006/main">
+  <p:cSld>
+    <p:spTree>
+      <p:nvGrpSpPr>
+        <p:cNvPr id="1" name=""/>
+        <p:cNvGrpSpPr/>
+        <p:nvPr/>
+      </p:nvGrpSpPr>
+      <p:grpSpPr>
+        <a:xfrm>
+          <a:off x="0" y="0"/>
+          <a:ext cx="0" cy="0"/>
+          <a:chOff x="0" y="0"/>
+          <a:chExt cx="0" cy="0"/>
+        </a:xfrm>
+      </p:grpSpPr>
+      <p:sp>
+        <p:nvSpPr>
+          <p:cNvPr id="2" name="Slide Image Placeholder 1"/>
+          <p:cNvSpPr>
+            <a:spLocks noGrp="1" noRot="1" noChangeAspect="1"/>
+          </p:cNvSpPr>
+          <p:nvPr>
+            <p:ph type="sldImg"/>
+          </p:nvPr>
+        </p:nvSpPr>
+        <p:spPr/>
+      </p:sp>
+      <p:sp>
+        <p:nvSpPr>
+          <p:cNvPr id="3" name="Notes Placeholder 2"/>
+          <p:cNvSpPr>
+            <a:spLocks noGrp="1"/>
+          </p:cNvSpPr>
+          <p:nvPr>
+            <p:ph type="body" idx="1"/>
+          </p:nvPr>
+        </p:nvSpPr>
+        <p:spPr/>
+        <p:txBody>
+          <a:bodyPr>
+            <a:normAutofit/>
+          </a:bodyPr>
+          <a:lstStyle/>
+          <a:p>
+            <a:r>
+              <a:rPr lang="en-CA" dirty="0" smtClean="0"/>
+              <a:t>Dom</a:t>
+            </a:r>
+            <a:endParaRPr lang="en-CA" dirty="0"/>
+          </a:p>
+        </p:txBody>
+      </p:sp>
+      <p:sp>
+        <p:nvSpPr>
+          <p:cNvPr id="4" name="Slide Number Placeholder 3"/>
+          <p:cNvSpPr>
+            <a:spLocks noGrp="1"/>
+          </p:cNvSpPr>
+          <p:nvPr>
+            <p:ph type="sldNum" sz="quarter" idx="10"/>
+          </p:nvPr>
+        </p:nvSpPr>
+        <p:spPr/>
+        <p:txBody>
+          <a:bodyPr/>
+          <a:lstStyle/>
+          <a:p>
+            <a:fld id="{CB84ACFC-E8EE-4602-8A98-FF37F4AF3E83}" type="slidenum">
+              <a:rPr lang="en-CA" smtClean="0"/>
+              <a:t>6</a:t>
+            </a:fld>
+            <a:endParaRPr lang="en-CA"/>
+          </a:p>
+        </p:txBody>
+      </p:sp>
+    </p:spTree>
+  </p:cSld>
+  <p:clrMapOvr>
+    <a:masterClrMapping/>
+  </p:clrMapOvr>
+</p:notes>
+</file>
+
+<file path=ppt/notesSlides/notesSlide5.xml><?xml version="1.0" encoding="utf-8"?>
+<p:notes xmlns:a="http://schemas.openxmlformats.org/drawingml/2006/main" xmlns:r="http://schemas.openxmlformats.org/officeDocument/2006/relationships" xmlns:p="http://schemas.openxmlformats.org/presentationml/2006/main">
+  <p:cSld>
+    <p:spTree>
+      <p:nvGrpSpPr>
+        <p:cNvPr id="1" name=""/>
+        <p:cNvGrpSpPr/>
+        <p:nvPr/>
+      </p:nvGrpSpPr>
+      <p:grpSpPr>
+        <a:xfrm>
+          <a:off x="0" y="0"/>
+          <a:ext cx="0" cy="0"/>
+          <a:chOff x="0" y="0"/>
+          <a:chExt cx="0" cy="0"/>
+        </a:xfrm>
+      </p:grpSpPr>
+      <p:sp>
+        <p:nvSpPr>
+          <p:cNvPr id="2" name="Slide Image Placeholder 1"/>
+          <p:cNvSpPr>
+            <a:spLocks noGrp="1" noRot="1" noChangeAspect="1"/>
+          </p:cNvSpPr>
+          <p:nvPr>
+            <p:ph type="sldImg"/>
+          </p:nvPr>
+        </p:nvSpPr>
+        <p:spPr/>
+      </p:sp>
+      <p:sp>
+        <p:nvSpPr>
+          <p:cNvPr id="3" name="Notes Placeholder 2"/>
+          <p:cNvSpPr>
+            <a:spLocks noGrp="1"/>
+          </p:cNvSpPr>
+          <p:nvPr>
+            <p:ph type="body" idx="1"/>
+          </p:nvPr>
+        </p:nvSpPr>
+        <p:spPr/>
+        <p:txBody>
+          <a:bodyPr>
+            <a:normAutofit/>
+          </a:bodyPr>
+          <a:lstStyle/>
+          <a:p>
+            <a:r>
+              <a:rPr lang="en-CA" smtClean="0"/>
+              <a:t>Wang</a:t>
+            </a:r>
+            <a:endParaRPr lang="en-CA" dirty="0"/>
+          </a:p>
+        </p:txBody>
+      </p:sp>
+      <p:sp>
+        <p:nvSpPr>
+          <p:cNvPr id="4" name="Slide Number Placeholder 3"/>
+          <p:cNvSpPr>
+            <a:spLocks noGrp="1"/>
+          </p:cNvSpPr>
+          <p:nvPr>
+            <p:ph type="sldNum" sz="quarter" idx="10"/>
+          </p:nvPr>
+        </p:nvSpPr>
+        <p:spPr/>
+        <p:txBody>
+          <a:bodyPr/>
+          <a:lstStyle/>
+          <a:p>
+            <a:fld id="{CB84ACFC-E8EE-4602-8A98-FF37F4AF3E83}" type="slidenum">
+              <a:rPr lang="en-CA" smtClean="0"/>
+              <a:t>7</a:t>
+            </a:fld>
+            <a:endParaRPr lang="en-CA"/>
+          </a:p>
+        </p:txBody>
+      </p:sp>
+    </p:spTree>
+  </p:cSld>
+  <p:clrMapOvr>
+    <a:masterClrMapping/>
+  </p:clrMapOvr>
+</p:notes>
+</file>
+
+<file path=ppt/notesSlides/notesSlide6.xml><?xml version="1.0" encoding="utf-8"?>
+<p:notes xmlns:a="http://schemas.openxmlformats.org/drawingml/2006/main" xmlns:r="http://schemas.openxmlformats.org/officeDocument/2006/relationships" xmlns:p="http://schemas.openxmlformats.org/presentationml/2006/main">
+  <p:cSld>
+    <p:spTree>
+      <p:nvGrpSpPr>
+        <p:cNvPr id="1" name=""/>
+        <p:cNvGrpSpPr/>
+        <p:nvPr/>
+      </p:nvGrpSpPr>
+      <p:grpSpPr>
+        <a:xfrm>
+          <a:off x="0" y="0"/>
+          <a:ext cx="0" cy="0"/>
+          <a:chOff x="0" y="0"/>
+          <a:chExt cx="0" cy="0"/>
+        </a:xfrm>
+      </p:grpSpPr>
+      <p:sp>
+        <p:nvSpPr>
+          <p:cNvPr id="2" name="Slide Image Placeholder 1"/>
+          <p:cNvSpPr>
+            <a:spLocks noGrp="1" noRot="1" noChangeAspect="1"/>
+          </p:cNvSpPr>
+          <p:nvPr>
+            <p:ph type="sldImg"/>
+          </p:nvPr>
+        </p:nvSpPr>
+        <p:spPr/>
+      </p:sp>
+      <p:sp>
+        <p:nvSpPr>
+          <p:cNvPr id="3" name="Notes Placeholder 2"/>
+          <p:cNvSpPr>
+            <a:spLocks noGrp="1"/>
+          </p:cNvSpPr>
+          <p:nvPr>
+            <p:ph type="body" idx="1"/>
+          </p:nvPr>
+        </p:nvSpPr>
+        <p:spPr/>
+        <p:txBody>
+          <a:bodyPr>
+            <a:normAutofit/>
+          </a:bodyPr>
+          <a:lstStyle/>
+          <a:p>
+            <a:r>
+              <a:rPr lang="en-CA" dirty="0" smtClean="0"/>
+              <a:t>Roman</a:t>
+            </a:r>
+            <a:endParaRPr lang="en-CA" dirty="0"/>
+          </a:p>
+        </p:txBody>
+      </p:sp>
+      <p:sp>
+        <p:nvSpPr>
+          <p:cNvPr id="4" name="Slide Number Placeholder 3"/>
+          <p:cNvSpPr>
+            <a:spLocks noGrp="1"/>
+          </p:cNvSpPr>
+          <p:nvPr>
+            <p:ph type="sldNum" sz="quarter" idx="10"/>
+          </p:nvPr>
+        </p:nvSpPr>
+        <p:spPr/>
+        <p:txBody>
+          <a:bodyPr/>
+          <a:lstStyle/>
+          <a:p>
+            <a:fld id="{CB84ACFC-E8EE-4602-8A98-FF37F4AF3E83}" type="slidenum">
+              <a:rPr lang="en-CA" smtClean="0"/>
+              <a:t>8</a:t>
+            </a:fld>
+            <a:endParaRPr lang="en-CA"/>
+          </a:p>
+        </p:txBody>
+      </p:sp>
+    </p:spTree>
+  </p:cSld>
+  <p:clrMapOvr>
+    <a:masterClrMapping/>
+  </p:clrMapOvr>
+</p:notes>
+</file>
+
+<file path=ppt/notesSlides/notesSlide7.xml><?xml version="1.0" encoding="utf-8"?>
+<p:notes xmlns:a="http://schemas.openxmlformats.org/drawingml/2006/main" xmlns:r="http://schemas.openxmlformats.org/officeDocument/2006/relationships" xmlns:p="http://schemas.openxmlformats.org/presentationml/2006/main">
+  <p:cSld>
+    <p:spTree>
+      <p:nvGrpSpPr>
+        <p:cNvPr id="1" name=""/>
+        <p:cNvGrpSpPr/>
+        <p:nvPr/>
+      </p:nvGrpSpPr>
+      <p:grpSpPr>
+        <a:xfrm>
+          <a:off x="0" y="0"/>
+          <a:ext cx="0" cy="0"/>
+          <a:chOff x="0" y="0"/>
+          <a:chExt cx="0" cy="0"/>
+        </a:xfrm>
+      </p:grpSpPr>
+      <p:sp>
+        <p:nvSpPr>
+          <p:cNvPr id="2" name="Slide Image Placeholder 1"/>
+          <p:cNvSpPr>
+            <a:spLocks noGrp="1" noRot="1" noChangeAspect="1"/>
+          </p:cNvSpPr>
+          <p:nvPr>
+            <p:ph type="sldImg"/>
+          </p:nvPr>
+        </p:nvSpPr>
+        <p:spPr/>
+      </p:sp>
+      <p:sp>
+        <p:nvSpPr>
+          <p:cNvPr id="3" name="Notes Placeholder 2"/>
+          <p:cNvSpPr>
+            <a:spLocks noGrp="1"/>
+          </p:cNvSpPr>
+          <p:nvPr>
+            <p:ph type="body" idx="1"/>
+          </p:nvPr>
+        </p:nvSpPr>
+        <p:spPr/>
+        <p:txBody>
+          <a:bodyPr>
+            <a:normAutofit/>
+          </a:bodyPr>
+          <a:lstStyle/>
+          <a:p>
+            <a:r>
+              <a:rPr lang="en-CA" dirty="0" smtClean="0"/>
+              <a:t>Andy</a:t>
+            </a:r>
+            <a:endParaRPr lang="en-CA" dirty="0"/>
+          </a:p>
+        </p:txBody>
+      </p:sp>
+      <p:sp>
+        <p:nvSpPr>
+          <p:cNvPr id="4" name="Slide Number Placeholder 3"/>
+          <p:cNvSpPr>
+            <a:spLocks noGrp="1"/>
+          </p:cNvSpPr>
+          <p:nvPr>
+            <p:ph type="sldNum" sz="quarter" idx="10"/>
+          </p:nvPr>
+        </p:nvSpPr>
+        <p:spPr/>
+        <p:txBody>
+          <a:bodyPr/>
+          <a:lstStyle/>
+          <a:p>
+            <a:fld id="{CB84ACFC-E8EE-4602-8A98-FF37F4AF3E83}" type="slidenum">
+              <a:rPr lang="en-CA" smtClean="0"/>
+              <a:t>9</a:t>
+            </a:fld>
+            <a:endParaRPr lang="en-CA"/>
+          </a:p>
+        </p:txBody>
+      </p:sp>
+    </p:spTree>
+  </p:cSld>
+  <p:clrMapOvr>
+    <a:masterClrMapping/>
+  </p:clrMapOvr>
+</p:notes>
+</file>
+
+<file path=ppt/notesSlides/notesSlide8.xml><?xml version="1.0" encoding="utf-8"?>
+<p:notes xmlns:a="http://schemas.openxmlformats.org/drawingml/2006/main" xmlns:r="http://schemas.openxmlformats.org/officeDocument/2006/relationships" xmlns:p="http://schemas.openxmlformats.org/presentationml/2006/main">
+  <p:cSld>
+    <p:spTree>
+      <p:nvGrpSpPr>
+        <p:cNvPr id="1" name=""/>
+        <p:cNvGrpSpPr/>
+        <p:nvPr/>
+      </p:nvGrpSpPr>
+      <p:grpSpPr>
+        <a:xfrm>
+          <a:off x="0" y="0"/>
+          <a:ext cx="0" cy="0"/>
+          <a:chOff x="0" y="0"/>
+          <a:chExt cx="0" cy="0"/>
+        </a:xfrm>
+      </p:grpSpPr>
+      <p:sp>
+        <p:nvSpPr>
+          <p:cNvPr id="2" name="Slide Image Placeholder 1"/>
+          <p:cNvSpPr>
+            <a:spLocks noGrp="1" noRot="1" noChangeAspect="1"/>
+          </p:cNvSpPr>
+          <p:nvPr>
+            <p:ph type="sldImg"/>
+          </p:nvPr>
+        </p:nvSpPr>
+        <p:spPr/>
+      </p:sp>
+      <p:sp>
+        <p:nvSpPr>
+          <p:cNvPr id="3" name="Notes Placeholder 2"/>
+          <p:cNvSpPr>
+            <a:spLocks noGrp="1"/>
+          </p:cNvSpPr>
+          <p:nvPr>
+            <p:ph type="body" idx="1"/>
+          </p:nvPr>
+        </p:nvSpPr>
+        <p:spPr/>
+        <p:txBody>
+          <a:bodyPr>
+            <a:normAutofit/>
+          </a:bodyPr>
+          <a:lstStyle/>
+          <a:p>
+            <a:r>
+              <a:rPr lang="en-CA" dirty="0" smtClean="0"/>
+              <a:t>Andy</a:t>
+            </a:r>
+            <a:endParaRPr lang="en-CA" dirty="0"/>
+          </a:p>
+        </p:txBody>
+      </p:sp>
+      <p:sp>
+        <p:nvSpPr>
+          <p:cNvPr id="4" name="Slide Number Placeholder 3"/>
+          <p:cNvSpPr>
+            <a:spLocks noGrp="1"/>
+          </p:cNvSpPr>
+          <p:nvPr>
+            <p:ph type="sldNum" sz="quarter" idx="10"/>
+          </p:nvPr>
+        </p:nvSpPr>
+        <p:spPr/>
+        <p:txBody>
+          <a:bodyPr/>
+          <a:lstStyle/>
+          <a:p>
+            <a:fld id="{CB84ACFC-E8EE-4602-8A98-FF37F4AF3E83}" type="slidenum">
+              <a:rPr lang="en-CA" smtClean="0"/>
+              <a:t>10</a:t>
+            </a:fld>
+            <a:endParaRPr lang="en-CA"/>
+          </a:p>
+        </p:txBody>
+      </p:sp>
+    </p:spTree>
+  </p:cSld>
+  <p:clrMapOvr>
+    <a:masterClrMapping/>
+  </p:clrMapOvr>
+</p:notes>
+</file>
+
+<file path=ppt/notesSlides/notesSlide9.xml><?xml version="1.0" encoding="utf-8"?>
+<p:notes xmlns:a="http://schemas.openxmlformats.org/drawingml/2006/main" xmlns:r="http://schemas.openxmlformats.org/officeDocument/2006/relationships" xmlns:p="http://schemas.openxmlformats.org/presentationml/2006/main">
+  <p:cSld>
+    <p:spTree>
+      <p:nvGrpSpPr>
+        <p:cNvPr id="1" name=""/>
+        <p:cNvGrpSpPr/>
+        <p:nvPr/>
+      </p:nvGrpSpPr>
+      <p:grpSpPr>
+        <a:xfrm>
+          <a:off x="0" y="0"/>
+          <a:ext cx="0" cy="0"/>
+          <a:chOff x="0" y="0"/>
+          <a:chExt cx="0" cy="0"/>
+        </a:xfrm>
+      </p:grpSpPr>
+      <p:sp>
+        <p:nvSpPr>
+          <p:cNvPr id="2" name="Slide Image Placeholder 1"/>
+          <p:cNvSpPr>
+            <a:spLocks noGrp="1" noRot="1" noChangeAspect="1"/>
+          </p:cNvSpPr>
+          <p:nvPr>
+            <p:ph type="sldImg"/>
+          </p:nvPr>
+        </p:nvSpPr>
+        <p:spPr/>
+      </p:sp>
+      <p:sp>
+        <p:nvSpPr>
+          <p:cNvPr id="3" name="Notes Placeholder 2"/>
+          <p:cNvSpPr>
+            <a:spLocks noGrp="1"/>
+          </p:cNvSpPr>
+          <p:nvPr>
+            <p:ph type="body" idx="1"/>
+          </p:nvPr>
+        </p:nvSpPr>
+        <p:spPr/>
+        <p:txBody>
+          <a:bodyPr>
+            <a:normAutofit/>
+          </a:bodyPr>
+          <a:lstStyle/>
+          <a:p>
+            <a:r>
+              <a:rPr lang="en-CA" dirty="0" smtClean="0"/>
+              <a:t>Andy</a:t>
+            </a:r>
+            <a:endParaRPr lang="en-CA" dirty="0"/>
+          </a:p>
+        </p:txBody>
+      </p:sp>
+      <p:sp>
+        <p:nvSpPr>
+          <p:cNvPr id="4" name="Slide Number Placeholder 3"/>
+          <p:cNvSpPr>
+            <a:spLocks noGrp="1"/>
+          </p:cNvSpPr>
+          <p:nvPr>
+            <p:ph type="sldNum" sz="quarter" idx="10"/>
+          </p:nvPr>
+        </p:nvSpPr>
+        <p:spPr/>
+        <p:txBody>
+          <a:bodyPr/>
+          <a:lstStyle/>
+          <a:p>
+            <a:fld id="{CB84ACFC-E8EE-4602-8A98-FF37F4AF3E83}" type="slidenum">
+              <a:rPr lang="en-CA" smtClean="0"/>
+              <a:t>11</a:t>
+            </a:fld>
+            <a:endParaRPr lang="en-CA"/>
+          </a:p>
+        </p:txBody>
+      </p:sp>
+    </p:spTree>
+  </p:cSld>
+  <p:clrMapOvr>
+    <a:masterClrMapping/>
+  </p:clrMapOvr>
+</p:notes>
 </file>
 
 <file path=ppt/slideLayouts/slideLayout1.xml><?xml version="1.0" encoding="utf-8"?>
@@ -3091,16 +4547,13 @@
           <a:p>
             <a:r>
               <a:rPr lang="en-CA" dirty="0" smtClean="0"/>
-              <a:t>Team </a:t>
-            </a:r>
-            <a:r>
-              <a:rPr lang="en-CA" dirty="0" err="1" smtClean="0"/>
-              <a:t>bearthingy</a:t>
-            </a:r>
-            <a:r>
-              <a:rPr lang="en-CA" dirty="0" smtClean="0"/>
-              <a:t>:</a:t>
-            </a:r>
+              <a:t>By: Team </a:t>
+            </a:r>
+            <a:r>
+              <a:rPr lang="vi-VN" dirty="0"/>
+              <a:t>ʕ•ᴥ•ʔ g̡̡̧̞̥͖̣̫̔̓͑̂̑̂ͪ͋̐ͣ̀̚̚͘i̷̧͕̜͎̮̬̖̼̗̺̭͙̠̗̲͚̘̬̊ͥ̎͂̅̆ͩ̇̾̊̿ͤ̀͢ḋ̴̵̂̐ͮ͛̓͛͂ͪͪ͢҉̘̤̞̩̝̩͍̣̹͖̥̖̗̟͍̜͇͈g̡͐̊́ͭ̍̒̔̓͊͞҉̴̲̠̫̙͔̺̺̙̤͔ũ̸̸͉͔͈̘̬̭͐ͭ͆̑͌̅͆ͪ̂̇̌̓ͣ̃ͪ͊̕͜͜d̷͚̳̯̝͙̫̥̯͚͙ͪ̄̐ͤ͂͋ ̴̡̧̩͓̺̥͚̬̪̹̭̥̜̪͈̳̜͖̊̆̂ͨͦ͑ͨ̊̄̌̏̄ͭ͞</a:t>
+            </a:r>
+            <a:endParaRPr lang="en-CA" dirty="0" smtClean="0"/>
           </a:p>
         </p:txBody>
       </p:sp>
@@ -3146,7 +4599,7 @@
           <a:p>
             <a:r>
               <a:rPr lang="en-CA" dirty="0" smtClean="0"/>
-              <a:t>Hardware Code</a:t>
+              <a:t>Database Schema</a:t>
             </a:r>
             <a:endParaRPr lang="en-CA" dirty="0"/>
           </a:p>
@@ -3167,6 +4620,144 @@
           <a:bodyPr/>
           <a:lstStyle/>
           <a:p>
+            <a:r>
+              <a:rPr lang="en-CA" dirty="0" smtClean="0"/>
+              <a:t>User(username, password, name)</a:t>
+            </a:r>
+          </a:p>
+          <a:p>
+            <a:r>
+              <a:rPr lang="en-CA" dirty="0" smtClean="0"/>
+              <a:t>Owner(</a:t>
+            </a:r>
+            <a:r>
+              <a:rPr lang="en-CA" dirty="0" err="1" smtClean="0"/>
+              <a:t>plantID</a:t>
+            </a:r>
+            <a:r>
+              <a:rPr lang="en-CA" dirty="0" smtClean="0"/>
+              <a:t>, username)</a:t>
+            </a:r>
+          </a:p>
+          <a:p>
+            <a:r>
+              <a:rPr lang="en-CA" dirty="0" smtClean="0"/>
+              <a:t>Plant(</a:t>
+            </a:r>
+            <a:r>
+              <a:rPr lang="en-CA" dirty="0" err="1" smtClean="0"/>
+              <a:t>plantId</a:t>
+            </a:r>
+            <a:r>
+              <a:rPr lang="en-CA" dirty="0" smtClean="0"/>
+              <a:t>, </a:t>
+            </a:r>
+            <a:r>
+              <a:rPr lang="en-CA" dirty="0" err="1" smtClean="0"/>
+              <a:t>plantType</a:t>
+            </a:r>
+            <a:r>
+              <a:rPr lang="en-CA" dirty="0" smtClean="0"/>
+              <a:t>, </a:t>
+            </a:r>
+            <a:r>
+              <a:rPr lang="en-CA" dirty="0" err="1" smtClean="0"/>
+              <a:t>plantName</a:t>
+            </a:r>
+            <a:r>
+              <a:rPr lang="en-CA" dirty="0" smtClean="0"/>
+              <a:t>)</a:t>
+            </a:r>
+          </a:p>
+          <a:p>
+            <a:r>
+              <a:rPr lang="en-CA" dirty="0" smtClean="0"/>
+              <a:t>History(</a:t>
+            </a:r>
+            <a:r>
+              <a:rPr lang="en-CA" dirty="0" err="1" smtClean="0"/>
+              <a:t>plantId</a:t>
+            </a:r>
+            <a:r>
+              <a:rPr lang="en-CA" dirty="0" smtClean="0"/>
+              <a:t>, </a:t>
+            </a:r>
+            <a:r>
+              <a:rPr lang="en-CA" dirty="0" err="1" smtClean="0"/>
+              <a:t>recordDate</a:t>
+            </a:r>
+            <a:r>
+              <a:rPr lang="en-CA" dirty="0" smtClean="0"/>
+              <a:t>, moisture, humidity, temp)</a:t>
+            </a:r>
+          </a:p>
+          <a:p>
+            <a:r>
+              <a:rPr lang="en-CA" dirty="0" smtClean="0"/>
+              <a:t>Optimal(</a:t>
+            </a:r>
+            <a:r>
+              <a:rPr lang="en-CA" dirty="0" err="1" smtClean="0"/>
+              <a:t>plantType</a:t>
+            </a:r>
+            <a:r>
+              <a:rPr lang="en-CA" dirty="0" smtClean="0"/>
+              <a:t>, </a:t>
+            </a:r>
+            <a:r>
+              <a:rPr lang="en-CA" dirty="0" err="1" smtClean="0"/>
+              <a:t>potMoisture</a:t>
+            </a:r>
+            <a:r>
+              <a:rPr lang="en-CA" dirty="0" smtClean="0"/>
+              <a:t>, </a:t>
+            </a:r>
+            <a:r>
+              <a:rPr lang="en-CA" dirty="0" err="1" smtClean="0"/>
+              <a:t>optHumidity</a:t>
+            </a:r>
+            <a:r>
+              <a:rPr lang="en-CA" dirty="0" smtClean="0"/>
+              <a:t>, </a:t>
+            </a:r>
+            <a:r>
+              <a:rPr lang="en-CA" dirty="0" err="1" smtClean="0"/>
+              <a:t>optTemp</a:t>
+            </a:r>
+            <a:r>
+              <a:rPr lang="en-CA" dirty="0" smtClean="0"/>
+              <a:t>)</a:t>
+            </a:r>
+          </a:p>
+          <a:p>
+            <a:r>
+              <a:rPr lang="en-CA" dirty="0" err="1"/>
+              <a:t>M</a:t>
+            </a:r>
+            <a:r>
+              <a:rPr lang="en-CA" dirty="0" err="1" smtClean="0"/>
+              <a:t>anualWater</a:t>
+            </a:r>
+            <a:r>
+              <a:rPr lang="en-CA" dirty="0" smtClean="0"/>
+              <a:t>(</a:t>
+            </a:r>
+            <a:r>
+              <a:rPr lang="en-CA" dirty="0" err="1" smtClean="0"/>
+              <a:t>plantId</a:t>
+            </a:r>
+            <a:r>
+              <a:rPr lang="en-CA" dirty="0" smtClean="0"/>
+              <a:t>, </a:t>
+            </a:r>
+            <a:r>
+              <a:rPr lang="en-CA" dirty="0" err="1" smtClean="0"/>
+              <a:t>doWater</a:t>
+            </a:r>
+            <a:r>
+              <a:rPr lang="en-CA" dirty="0" smtClean="0"/>
+              <a:t>)</a:t>
+            </a:r>
             <a:endParaRPr lang="en-CA" dirty="0"/>
           </a:p>
         </p:txBody>
@@ -3213,7 +4804,7 @@
           <a:p>
             <a:r>
               <a:rPr lang="en-CA" dirty="0" smtClean="0"/>
-              <a:t>Website Code</a:t>
+              <a:t>Hardware Code</a:t>
             </a:r>
             <a:endParaRPr lang="en-CA" dirty="0"/>
           </a:p>
@@ -3234,7 +4825,7 @@
           <a:bodyPr/>
           <a:lstStyle/>
           <a:p>
-            <a:endParaRPr lang="en-CA"/>
+            <a:endParaRPr lang="en-CA" dirty="0"/>
           </a:p>
         </p:txBody>
       </p:sp>
@@ -3280,7 +4871,7 @@
           <a:p>
             <a:r>
               <a:rPr lang="en-CA" dirty="0" smtClean="0"/>
-              <a:t>Software Process</a:t>
+              <a:t>Website Code</a:t>
             </a:r>
             <a:endParaRPr lang="en-CA" dirty="0"/>
           </a:p>
@@ -3298,103 +4889,10 @@
         </p:nvSpPr>
         <p:spPr/>
         <p:txBody>
-          <a:bodyPr>
-            <a:normAutofit fontScale="77500" lnSpcReduction="20000"/>
-          </a:bodyPr>
-          <a:lstStyle/>
-          <a:p>
-            <a:r>
-              <a:rPr lang="en-CA" dirty="0" smtClean="0"/>
-              <a:t>Communication: </a:t>
-            </a:r>
-          </a:p>
-          <a:p>
-            <a:pPr lvl="1"/>
-            <a:r>
-              <a:rPr lang="en-CA" dirty="0" smtClean="0"/>
-              <a:t>Messenger</a:t>
-            </a:r>
-          </a:p>
-          <a:p>
-            <a:pPr lvl="1"/>
-            <a:r>
-              <a:rPr lang="en-CA" dirty="0" err="1" smtClean="0"/>
-              <a:t>Github</a:t>
-            </a:r>
-            <a:endParaRPr lang="en-CA" dirty="0" smtClean="0"/>
-          </a:p>
-          <a:p>
-            <a:pPr lvl="1"/>
-            <a:r>
-              <a:rPr lang="en-CA" dirty="0" smtClean="0"/>
-              <a:t>Meetings:</a:t>
-            </a:r>
-          </a:p>
-          <a:p>
-            <a:pPr lvl="2"/>
-            <a:r>
-              <a:rPr lang="en-CA" dirty="0" smtClean="0"/>
-              <a:t>Whiteboard</a:t>
-            </a:r>
-          </a:p>
-          <a:p>
-            <a:pPr lvl="2"/>
-            <a:r>
-              <a:rPr lang="en-CA" dirty="0" smtClean="0"/>
-              <a:t>For decision Making /Assigning Tasks</a:t>
-            </a:r>
-          </a:p>
-          <a:p>
-            <a:r>
-              <a:rPr lang="en-CA" dirty="0" smtClean="0"/>
-              <a:t>Assigning tasks: based on skills and interest</a:t>
-            </a:r>
-          </a:p>
-          <a:p>
-            <a:pPr lvl="1"/>
-            <a:r>
-              <a:rPr lang="en-CA" dirty="0" smtClean="0"/>
-              <a:t>Dom: hardware</a:t>
-            </a:r>
-          </a:p>
-          <a:p>
-            <a:pPr lvl="1"/>
-            <a:r>
-              <a:rPr lang="en-CA" dirty="0" smtClean="0"/>
-              <a:t>Andy:  hardware</a:t>
-            </a:r>
-          </a:p>
-          <a:p>
-            <a:pPr lvl="1"/>
-            <a:r>
-              <a:rPr lang="en-CA" dirty="0" smtClean="0"/>
-              <a:t>Roman: Web</a:t>
-            </a:r>
-          </a:p>
-          <a:p>
-            <a:pPr lvl="1"/>
-            <a:r>
-              <a:rPr lang="en-CA" dirty="0" smtClean="0"/>
-              <a:t>Dean: Web</a:t>
-            </a:r>
-          </a:p>
-          <a:p>
-            <a:pPr lvl="1"/>
-            <a:r>
-              <a:rPr lang="en-CA" dirty="0" smtClean="0"/>
-              <a:t>Eugene: Web</a:t>
-            </a:r>
-          </a:p>
-          <a:p>
-            <a:pPr lvl="1"/>
-            <a:r>
-              <a:rPr lang="en-CA" dirty="0" smtClean="0"/>
-              <a:t>Daniel: Web (Graphing)</a:t>
-            </a:r>
-          </a:p>
-          <a:p>
-            <a:pPr lvl="1"/>
-            <a:endParaRPr lang="en-CA" dirty="0"/>
+          <a:bodyPr/>
+          <a:lstStyle/>
+          <a:p>
+            <a:endParaRPr lang="en-CA"/>
           </a:p>
         </p:txBody>
       </p:sp>
@@ -3440,7 +4938,7 @@
           <a:p>
             <a:r>
               <a:rPr lang="en-CA" dirty="0" smtClean="0"/>
-              <a:t>Software Architecture</a:t>
+              <a:t>Software Process</a:t>
             </a:r>
             <a:endParaRPr lang="en-CA" dirty="0"/>
           </a:p>
@@ -3458,10 +4956,119 @@
         </p:nvSpPr>
         <p:spPr/>
         <p:txBody>
-          <a:bodyPr/>
-          <a:lstStyle/>
-          <a:p>
-            <a:endParaRPr lang="en-CA"/>
+          <a:bodyPr>
+            <a:normAutofit fontScale="77500" lnSpcReduction="20000"/>
+          </a:bodyPr>
+          <a:lstStyle/>
+          <a:p>
+            <a:r>
+              <a:rPr lang="en-CA" dirty="0" smtClean="0"/>
+              <a:t>Communication: </a:t>
+            </a:r>
+          </a:p>
+          <a:p>
+            <a:pPr lvl="1"/>
+            <a:r>
+              <a:rPr lang="en-CA" dirty="0" smtClean="0"/>
+              <a:t>Messenger</a:t>
+            </a:r>
+          </a:p>
+          <a:p>
+            <a:pPr lvl="1"/>
+            <a:r>
+              <a:rPr lang="en-CA" dirty="0" err="1" smtClean="0"/>
+              <a:t>Github</a:t>
+            </a:r>
+            <a:endParaRPr lang="en-CA" dirty="0" smtClean="0"/>
+          </a:p>
+          <a:p>
+            <a:pPr lvl="1"/>
+            <a:r>
+              <a:rPr lang="en-CA" dirty="0" smtClean="0"/>
+              <a:t>Meetings:</a:t>
+            </a:r>
+          </a:p>
+          <a:p>
+            <a:pPr lvl="2"/>
+            <a:r>
+              <a:rPr lang="en-CA" dirty="0" smtClean="0"/>
+              <a:t>Whiteboard</a:t>
+            </a:r>
+          </a:p>
+          <a:p>
+            <a:pPr lvl="2"/>
+            <a:r>
+              <a:rPr lang="en-CA" dirty="0" smtClean="0"/>
+              <a:t>For decision Making /Assigning Tasks</a:t>
+            </a:r>
+          </a:p>
+          <a:p>
+            <a:r>
+              <a:rPr lang="en-CA" dirty="0" smtClean="0"/>
+              <a:t>Assigning tasks: based on skills and interest</a:t>
+            </a:r>
+          </a:p>
+          <a:p>
+            <a:pPr lvl="1"/>
+            <a:r>
+              <a:rPr lang="en-CA" dirty="0" smtClean="0"/>
+              <a:t>Dom: hardware (</a:t>
+            </a:r>
+            <a:r>
+              <a:rPr lang="en-CA" dirty="0" err="1" smtClean="0"/>
+              <a:t>Arduino</a:t>
+            </a:r>
+            <a:r>
+              <a:rPr lang="en-CA" dirty="0" smtClean="0"/>
+              <a:t>)</a:t>
+            </a:r>
+          </a:p>
+          <a:p>
+            <a:pPr lvl="1"/>
+            <a:r>
+              <a:rPr lang="en-CA" dirty="0" smtClean="0"/>
+              <a:t>Andy:  hardware (</a:t>
+            </a:r>
+            <a:r>
+              <a:rPr lang="en-CA" dirty="0" err="1" smtClean="0"/>
+              <a:t>RaspberryPi</a:t>
+            </a:r>
+            <a:r>
+              <a:rPr lang="en-CA" dirty="0" smtClean="0"/>
+              <a:t>)</a:t>
+            </a:r>
+          </a:p>
+          <a:p>
+            <a:pPr lvl="1"/>
+            <a:r>
+              <a:rPr lang="en-CA" dirty="0" smtClean="0"/>
+              <a:t>Roman: Web (Database and node.js)</a:t>
+            </a:r>
+          </a:p>
+          <a:p>
+            <a:pPr lvl="1"/>
+            <a:r>
+              <a:rPr lang="en-CA" dirty="0" smtClean="0"/>
+              <a:t>Dean: Web (UI/Aesthetics)</a:t>
+            </a:r>
+          </a:p>
+          <a:p>
+            <a:pPr lvl="1"/>
+            <a:r>
+              <a:rPr lang="en-CA" dirty="0" smtClean="0"/>
+              <a:t>Eugene: Web (Controls/Navigation)</a:t>
+            </a:r>
+          </a:p>
+          <a:p>
+            <a:pPr lvl="1"/>
+            <a:r>
+              <a:rPr lang="en-CA" dirty="0" smtClean="0"/>
+              <a:t>Daniel: Web (Graphing)</a:t>
+            </a:r>
+          </a:p>
+          <a:p>
+            <a:pPr lvl="1"/>
+            <a:endParaRPr lang="en-CA" dirty="0"/>
           </a:p>
         </p:txBody>
       </p:sp>
@@ -3507,7 +5114,7 @@
           <a:p>
             <a:r>
               <a:rPr lang="en-CA" dirty="0" smtClean="0"/>
-              <a:t>Challenges</a:t>
+              <a:t>Software Architecture</a:t>
             </a:r>
             <a:endParaRPr lang="en-CA" dirty="0"/>
           </a:p>
@@ -3528,31 +5135,7 @@
           <a:bodyPr/>
           <a:lstStyle/>
           <a:p>
-            <a:r>
-              <a:rPr lang="en-CA" dirty="0" smtClean="0"/>
-              <a:t>Technological:</a:t>
-            </a:r>
-          </a:p>
-          <a:p>
-            <a:pPr lvl="1"/>
-            <a:r>
-              <a:rPr lang="en-CA" dirty="0" smtClean="0"/>
-              <a:t>connecting</a:t>
-            </a:r>
-          </a:p>
-          <a:p>
-            <a:r>
-              <a:rPr lang="en-CA" dirty="0" smtClean="0"/>
-              <a:t>Physical:</a:t>
-            </a:r>
-          </a:p>
-          <a:p>
-            <a:pPr lvl="1"/>
-            <a:r>
-              <a:rPr lang="en-CA" dirty="0" err="1" smtClean="0"/>
-              <a:t>uhh</a:t>
-            </a:r>
-            <a:endParaRPr lang="en-CA" dirty="0"/>
+            <a:endParaRPr lang="en-CA"/>
           </a:p>
         </p:txBody>
       </p:sp>
@@ -3598,7 +5181,7 @@
           <a:p>
             <a:r>
               <a:rPr lang="en-CA" dirty="0" smtClean="0"/>
-              <a:t>Questions To You</a:t>
+              <a:t>Challenges</a:t>
             </a:r>
             <a:endParaRPr lang="en-CA" dirty="0"/>
           </a:p>
@@ -3619,6 +5202,119 @@
           <a:bodyPr/>
           <a:lstStyle/>
           <a:p>
+            <a:r>
+              <a:rPr lang="en-CA" dirty="0" smtClean="0"/>
+              <a:t>Technological:</a:t>
+            </a:r>
+          </a:p>
+          <a:p>
+            <a:pPr lvl="1"/>
+            <a:r>
+              <a:rPr lang="en-CA" dirty="0" smtClean="0"/>
+              <a:t>Communication between Pi, and Web, and Database</a:t>
+            </a:r>
+          </a:p>
+          <a:p>
+            <a:pPr lvl="1"/>
+            <a:r>
+              <a:rPr lang="en-CA" dirty="0" smtClean="0"/>
+              <a:t>Pivotal Trackers</a:t>
+            </a:r>
+          </a:p>
+          <a:p>
+            <a:pPr lvl="1"/>
+            <a:endParaRPr lang="en-CA" dirty="0" smtClean="0"/>
+          </a:p>
+          <a:p>
+            <a:r>
+              <a:rPr lang="en-CA" dirty="0" smtClean="0"/>
+              <a:t>Physical:</a:t>
+            </a:r>
+          </a:p>
+          <a:p>
+            <a:pPr lvl="1"/>
+            <a:r>
+              <a:rPr lang="en-CA" dirty="0" smtClean="0"/>
+              <a:t>Obtaining Materials</a:t>
+            </a:r>
+          </a:p>
+          <a:p>
+            <a:pPr lvl="1"/>
+            <a:r>
+              <a:rPr lang="en-CA" dirty="0" smtClean="0"/>
+              <a:t>Power Delivery</a:t>
+            </a:r>
+            <a:endParaRPr lang="en-CA" dirty="0"/>
+          </a:p>
+        </p:txBody>
+      </p:sp>
+    </p:spTree>
+  </p:cSld>
+  <p:clrMapOvr>
+    <a:masterClrMapping/>
+  </p:clrMapOvr>
+</p:sld>
+</file>
+
+<file path=ppt/slides/slide16.xml><?xml version="1.0" encoding="utf-8"?>
+<p:sld xmlns:a="http://schemas.openxmlformats.org/drawingml/2006/main" xmlns:r="http://schemas.openxmlformats.org/officeDocument/2006/relationships" xmlns:p="http://schemas.openxmlformats.org/presentationml/2006/main">
+  <p:cSld>
+    <p:spTree>
+      <p:nvGrpSpPr>
+        <p:cNvPr id="1" name=""/>
+        <p:cNvGrpSpPr/>
+        <p:nvPr/>
+      </p:nvGrpSpPr>
+      <p:grpSpPr>
+        <a:xfrm>
+          <a:off x="0" y="0"/>
+          <a:ext cx="0" cy="0"/>
+          <a:chOff x="0" y="0"/>
+          <a:chExt cx="0" cy="0"/>
+        </a:xfrm>
+      </p:grpSpPr>
+      <p:sp>
+        <p:nvSpPr>
+          <p:cNvPr id="2" name="Title 1"/>
+          <p:cNvSpPr>
+            <a:spLocks noGrp="1"/>
+          </p:cNvSpPr>
+          <p:nvPr>
+            <p:ph type="title"/>
+          </p:nvPr>
+        </p:nvSpPr>
+        <p:spPr/>
+        <p:txBody>
+          <a:bodyPr/>
+          <a:lstStyle/>
+          <a:p>
+            <a:r>
+              <a:rPr lang="en-CA" dirty="0" smtClean="0"/>
+              <a:t>The End</a:t>
+            </a:r>
+            <a:endParaRPr lang="en-CA" dirty="0"/>
+          </a:p>
+        </p:txBody>
+      </p:sp>
+      <p:sp>
+        <p:nvSpPr>
+          <p:cNvPr id="3" name="Content Placeholder 2"/>
+          <p:cNvSpPr>
+            <a:spLocks noGrp="1"/>
+          </p:cNvSpPr>
+          <p:nvPr>
+            <p:ph idx="1"/>
+          </p:nvPr>
+        </p:nvSpPr>
+        <p:spPr/>
+        <p:txBody>
+          <a:bodyPr/>
+          <a:lstStyle/>
+          <a:p>
+            <a:r>
+              <a:rPr lang="en-CA" dirty="0" smtClean="0"/>
+              <a:t>Questions?</a:t>
+            </a:r>
             <a:endParaRPr lang="en-CA" dirty="0"/>
           </a:p>
         </p:txBody>
@@ -3711,7 +5407,15 @@
             <a:pPr lvl="1"/>
             <a:r>
               <a:rPr lang="en-CA" dirty="0" smtClean="0"/>
-              <a:t>Dean W, </a:t>
+              <a:t>Dean </a:t>
+            </a:r>
+            <a:r>
+              <a:rPr lang="en-CA" dirty="0" err="1" smtClean="0"/>
+              <a:t>Wedgbury</a:t>
+            </a:r>
+            <a:r>
+              <a:rPr lang="en-CA" dirty="0" smtClean="0"/>
+              <a:t>, </a:t>
             </a:r>
           </a:p>
           <a:p>
@@ -3796,7 +5500,7 @@
           <a:p>
             <a:r>
               <a:rPr lang="en-CA" dirty="0" smtClean="0"/>
-              <a:t>Introduction</a:t>
+              <a:t>Personas</a:t>
             </a:r>
             <a:endParaRPr lang="en-CA" dirty="0"/>
           </a:p>
@@ -3817,76 +5521,7 @@
           <a:bodyPr/>
           <a:lstStyle/>
           <a:p>
-            <a:r>
-              <a:rPr lang="en-CA" dirty="0" err="1" smtClean="0"/>
-              <a:t>Arduino</a:t>
-            </a:r>
-            <a:r>
-              <a:rPr lang="en-CA" dirty="0" smtClean="0"/>
-              <a:t>-based </a:t>
-            </a:r>
-            <a:r>
-              <a:rPr lang="en-CA" dirty="0"/>
-              <a:t>automatic plant </a:t>
-            </a:r>
-            <a:r>
-              <a:rPr lang="en-CA" dirty="0" smtClean="0"/>
-              <a:t>maintenance system</a:t>
-            </a:r>
-            <a:r>
-              <a:rPr lang="en-CA" dirty="0"/>
-              <a:t>:</a:t>
-            </a:r>
-            <a:endParaRPr lang="en-CA" dirty="0" smtClean="0"/>
-          </a:p>
-          <a:p>
-            <a:pPr lvl="1"/>
-            <a:r>
-              <a:rPr lang="en-CA" dirty="0" smtClean="0"/>
-              <a:t>Automatic watering based on moisture</a:t>
-            </a:r>
             <a:endParaRPr lang="en-CA" dirty="0"/>
-          </a:p>
-          <a:p>
-            <a:pPr lvl="1"/>
-            <a:r>
-              <a:rPr lang="en-CA" dirty="0" smtClean="0"/>
-              <a:t>Measuring data such as: </a:t>
-            </a:r>
-            <a:r>
-              <a:rPr lang="en-CA" dirty="0"/>
-              <a:t>temperature, </a:t>
-            </a:r>
-            <a:r>
-              <a:rPr lang="en-CA" dirty="0" err="1" smtClean="0"/>
-              <a:t>mpoisture</a:t>
-            </a:r>
-            <a:r>
-              <a:rPr lang="en-CA" dirty="0" smtClean="0"/>
-              <a:t>, </a:t>
-            </a:r>
-            <a:r>
-              <a:rPr lang="en-CA" dirty="0"/>
-              <a:t>and humidity over </a:t>
-            </a:r>
-            <a:r>
-              <a:rPr lang="en-CA" dirty="0" smtClean="0"/>
-              <a:t>time</a:t>
-            </a:r>
-          </a:p>
-          <a:p>
-            <a:pPr lvl="1"/>
-            <a:r>
-              <a:rPr lang="en-CA" dirty="0" smtClean="0"/>
-              <a:t>Keep track of the data for users to see</a:t>
-            </a:r>
-          </a:p>
-          <a:p>
-            <a:pPr lvl="1"/>
-            <a:r>
-              <a:rPr lang="en-CA" dirty="0" smtClean="0"/>
-              <a:t>Access the website for on the go control</a:t>
-            </a:r>
           </a:p>
         </p:txBody>
       </p:sp>
@@ -3932,7 +5567,7 @@
           <a:p>
             <a:r>
               <a:rPr lang="en-CA" dirty="0" smtClean="0"/>
-              <a:t>Competitors</a:t>
+              <a:t>Introduction</a:t>
             </a:r>
             <a:endParaRPr lang="en-CA" dirty="0"/>
           </a:p>
@@ -3953,26 +5588,75 @@
           <a:bodyPr/>
           <a:lstStyle/>
           <a:p>
+            <a:r>
+              <a:rPr lang="en-CA" dirty="0" err="1" smtClean="0"/>
+              <a:t>Arduino</a:t>
+            </a:r>
+            <a:r>
+              <a:rPr lang="en-CA" dirty="0" smtClean="0"/>
+              <a:t>-based </a:t>
+            </a:r>
+            <a:r>
+              <a:rPr lang="en-CA" dirty="0"/>
+              <a:t>automatic plant </a:t>
+            </a:r>
+            <a:r>
+              <a:rPr lang="en-CA" dirty="0" smtClean="0"/>
+              <a:t>maintenance system</a:t>
+            </a:r>
+            <a:r>
+              <a:rPr lang="en-CA" dirty="0"/>
+              <a:t>:</a:t>
+            </a:r>
             <a:endParaRPr lang="en-CA" dirty="0" smtClean="0"/>
           </a:p>
           <a:p>
-            <a:r>
-              <a:rPr lang="en-CA" dirty="0" smtClean="0"/>
-              <a:t>Their product:</a:t>
-            </a:r>
-          </a:p>
-          <a:p>
-            <a:pPr marL="742950" lvl="2" indent="-342900"/>
+            <a:pPr lvl="1"/>
+            <a:r>
+              <a:rPr lang="en-CA" dirty="0" smtClean="0"/>
+              <a:t>Automatic watering based on moisture</a:t>
+            </a:r>
+            <a:endParaRPr lang="en-CA" dirty="0"/>
+          </a:p>
+          <a:p>
+            <a:pPr lvl="1"/>
+            <a:r>
+              <a:rPr lang="en-CA" dirty="0" smtClean="0"/>
+              <a:t>Measuring data such as: </a:t>
+            </a:r>
+            <a:r>
+              <a:rPr lang="en-CA" dirty="0"/>
+              <a:t>temperature, </a:t>
+            </a:r>
             <a:r>
               <a:rPr lang="en-CA" dirty="0" err="1" smtClean="0"/>
-              <a:t>uhh</a:t>
-            </a:r>
-            <a:endParaRPr lang="en-CA" dirty="0" smtClean="0"/>
-          </a:p>
-          <a:p>
-            <a:r>
-              <a:rPr lang="en-CA" dirty="0" smtClean="0"/>
-              <a:t>Our advantage:</a:t>
+              <a:t>mpoisture</a:t>
+            </a:r>
+            <a:r>
+              <a:rPr lang="en-CA" dirty="0" smtClean="0"/>
+              <a:t>, </a:t>
+            </a:r>
+            <a:r>
+              <a:rPr lang="en-CA" dirty="0"/>
+              <a:t>and humidity over </a:t>
+            </a:r>
+            <a:r>
+              <a:rPr lang="en-CA" dirty="0" smtClean="0"/>
+              <a:t>time</a:t>
+            </a:r>
+          </a:p>
+          <a:p>
+            <a:pPr lvl="1"/>
+            <a:r>
+              <a:rPr lang="en-CA" dirty="0" smtClean="0"/>
+              <a:t>Keep track of the data for users to see</a:t>
+            </a:r>
+          </a:p>
+          <a:p>
+            <a:pPr lvl="1"/>
+            <a:r>
+              <a:rPr lang="en-CA" dirty="0" smtClean="0"/>
+              <a:t>Access the website for on the go control</a:t>
             </a:r>
           </a:p>
         </p:txBody>
@@ -4019,7 +5703,7 @@
           <a:p>
             <a:r>
               <a:rPr lang="en-CA" dirty="0" smtClean="0"/>
-              <a:t>Feature 1: Automatic Watering</a:t>
+              <a:t>Competitors</a:t>
             </a:r>
             <a:endParaRPr lang="en-CA" dirty="0"/>
           </a:p>
@@ -4040,17 +5724,27 @@
           <a:bodyPr/>
           <a:lstStyle/>
           <a:p>
-            <a:r>
-              <a:rPr lang="en-CA" dirty="0" smtClean="0"/>
-              <a:t>Demo</a:t>
-            </a:r>
-          </a:p>
-          <a:p>
-            <a:r>
-              <a:rPr lang="en-CA" dirty="0" smtClean="0"/>
-              <a:t>How does it work?</a:t>
-            </a:r>
-            <a:endParaRPr lang="en-CA" dirty="0"/>
+            <a:endParaRPr lang="en-CA" dirty="0" smtClean="0"/>
+          </a:p>
+          <a:p>
+            <a:r>
+              <a:rPr lang="en-CA" dirty="0" smtClean="0"/>
+              <a:t>Their product:</a:t>
+            </a:r>
+          </a:p>
+          <a:p>
+            <a:pPr marL="742950" lvl="2" indent="-342900"/>
+            <a:r>
+              <a:rPr lang="en-CA" dirty="0" err="1" smtClean="0"/>
+              <a:t>uhh</a:t>
+            </a:r>
+            <a:endParaRPr lang="en-CA" dirty="0" smtClean="0"/>
+          </a:p>
+          <a:p>
+            <a:r>
+              <a:rPr lang="en-CA" dirty="0" smtClean="0"/>
+              <a:t>Our advantage:</a:t>
+            </a:r>
           </a:p>
         </p:txBody>
       </p:sp>
@@ -4096,7 +5790,7 @@
           <a:p>
             <a:r>
               <a:rPr lang="en-CA" dirty="0" smtClean="0"/>
-              <a:t>Feature 2: Web and History</a:t>
+              <a:t>Feature 1: Automatic Watering</a:t>
             </a:r>
             <a:endParaRPr lang="en-CA" dirty="0"/>
           </a:p>
@@ -4127,8 +5821,6 @@
               <a:rPr lang="en-CA" dirty="0" smtClean="0"/>
               <a:t>How does it work?</a:t>
             </a:r>
-          </a:p>
-          <a:p>
             <a:endParaRPr lang="en-CA" dirty="0"/>
           </a:p>
         </p:txBody>
@@ -4175,7 +5867,7 @@
           <a:p>
             <a:r>
               <a:rPr lang="en-CA" dirty="0" smtClean="0"/>
-              <a:t>Feature 3: Manual Watering (Web)</a:t>
+              <a:t>Feature 2: Web and History</a:t>
             </a:r>
             <a:endParaRPr lang="en-CA" dirty="0"/>
           </a:p>
@@ -4254,7 +5946,7 @@
           <a:p>
             <a:r>
               <a:rPr lang="en-CA" dirty="0" smtClean="0"/>
-              <a:t>Technologies</a:t>
+              <a:t>Feature 3: Manual Watering (Web)</a:t>
             </a:r>
             <a:endParaRPr lang="en-CA" dirty="0"/>
           </a:p>
@@ -4277,74 +5969,13 @@
           <a:p>
             <a:r>
               <a:rPr lang="en-CA" dirty="0" smtClean="0"/>
-              <a:t>Technologies Used:</a:t>
-            </a:r>
-          </a:p>
-          <a:p>
-            <a:pPr lvl="1"/>
-            <a:r>
-              <a:rPr lang="en-CA" dirty="0" smtClean="0"/>
-              <a:t>C (for </a:t>
-            </a:r>
-            <a:r>
-              <a:rPr lang="en-CA" dirty="0" err="1" smtClean="0"/>
-              <a:t>arduino</a:t>
-            </a:r>
-            <a:r>
-              <a:rPr lang="en-CA" dirty="0" smtClean="0"/>
-              <a:t>)</a:t>
-            </a:r>
-          </a:p>
-          <a:p>
-            <a:pPr lvl="1"/>
-            <a:r>
-              <a:rPr lang="en-CA" dirty="0" smtClean="0"/>
-              <a:t>Python (on </a:t>
-            </a:r>
-            <a:r>
-              <a:rPr lang="en-CA" dirty="0" err="1" smtClean="0"/>
-              <a:t>RaspberryPi</a:t>
-            </a:r>
-            <a:r>
-              <a:rPr lang="en-CA" dirty="0" smtClean="0"/>
-              <a:t>)</a:t>
-            </a:r>
-          </a:p>
-          <a:p>
-            <a:pPr lvl="1"/>
-            <a:r>
-              <a:rPr lang="en-CA" dirty="0" smtClean="0"/>
-              <a:t>SQL</a:t>
-            </a:r>
-          </a:p>
-          <a:p>
-            <a:pPr lvl="1"/>
-            <a:r>
-              <a:rPr lang="en-CA" dirty="0" smtClean="0"/>
-              <a:t> </a:t>
-            </a:r>
-            <a:r>
-              <a:rPr lang="en-CA" dirty="0" err="1" smtClean="0"/>
-              <a:t>Javascript</a:t>
-            </a:r>
-            <a:r>
-              <a:rPr lang="en-CA" dirty="0" smtClean="0"/>
-              <a:t> (node.js, AJAX, </a:t>
-            </a:r>
-            <a:r>
-              <a:rPr lang="en-CA" dirty="0" err="1" smtClean="0"/>
-              <a:t>RESTful</a:t>
-            </a:r>
-            <a:r>
-              <a:rPr lang="en-CA" dirty="0" smtClean="0"/>
-              <a:t> API)</a:t>
-            </a:r>
-          </a:p>
-          <a:p>
-            <a:pPr lvl="1"/>
-            <a:r>
-              <a:rPr lang="en-CA" dirty="0" smtClean="0"/>
-              <a:t>HTML/CSS</a:t>
+              <a:t>Demo</a:t>
+            </a:r>
+          </a:p>
+          <a:p>
+            <a:r>
+              <a:rPr lang="en-CA" dirty="0" smtClean="0"/>
+              <a:t>How does it work?</a:t>
             </a:r>
           </a:p>
           <a:p>
@@ -4394,7 +6025,7 @@
           <a:p>
             <a:r>
               <a:rPr lang="en-CA" dirty="0" smtClean="0"/>
-              <a:t>Database Schema</a:t>
+              <a:t>Technologies</a:t>
             </a:r>
             <a:endParaRPr lang="en-CA" dirty="0"/>
           </a:p>
@@ -4417,142 +6048,77 @@
           <a:p>
             <a:r>
               <a:rPr lang="en-CA" dirty="0" smtClean="0"/>
-              <a:t>User(username, password, name)</a:t>
-            </a:r>
-          </a:p>
-          <a:p>
-            <a:r>
-              <a:rPr lang="en-CA" dirty="0" smtClean="0"/>
-              <a:t>Owner(</a:t>
+              <a:t>Technologies Used:</a:t>
+            </a:r>
+          </a:p>
+          <a:p>
+            <a:pPr lvl="1"/>
+            <a:r>
+              <a:rPr lang="en-CA" dirty="0" smtClean="0"/>
+              <a:t>C (for </a:t>
             </a:r>
             <a:r>
               <a:rPr lang="en-CA" dirty="0" err="1" smtClean="0"/>
-              <a:t>plantID</a:t>
-            </a:r>
-            <a:r>
-              <a:rPr lang="en-CA" dirty="0" smtClean="0"/>
-              <a:t>, username)</a:t>
-            </a:r>
-          </a:p>
-          <a:p>
-            <a:r>
-              <a:rPr lang="en-CA" dirty="0" smtClean="0"/>
-              <a:t>Plant(</a:t>
+              <a:t>arduino</a:t>
+            </a:r>
+            <a:r>
+              <a:rPr lang="en-CA" dirty="0" smtClean="0"/>
+              <a:t>)</a:t>
+            </a:r>
+          </a:p>
+          <a:p>
+            <a:pPr lvl="1"/>
+            <a:r>
+              <a:rPr lang="en-CA" dirty="0" smtClean="0"/>
+              <a:t>Python (on </a:t>
             </a:r>
             <a:r>
               <a:rPr lang="en-CA" dirty="0" err="1" smtClean="0"/>
-              <a:t>plantId</a:t>
-            </a:r>
-            <a:r>
-              <a:rPr lang="en-CA" dirty="0" smtClean="0"/>
-              <a:t>, </a:t>
+              <a:t>RaspberryPi</a:t>
+            </a:r>
+            <a:r>
+              <a:rPr lang="en-CA" dirty="0" smtClean="0"/>
+              <a:t>)</a:t>
+            </a:r>
+          </a:p>
+          <a:p>
+            <a:pPr lvl="1"/>
+            <a:r>
+              <a:rPr lang="en-CA" dirty="0" smtClean="0"/>
+              <a:t>SQL</a:t>
+            </a:r>
+          </a:p>
+          <a:p>
+            <a:pPr lvl="1"/>
+            <a:r>
+              <a:rPr lang="en-CA" dirty="0" smtClean="0"/>
+              <a:t> </a:t>
             </a:r>
             <a:r>
               <a:rPr lang="en-CA" dirty="0" err="1" smtClean="0"/>
-              <a:t>plantType</a:t>
-            </a:r>
-            <a:r>
-              <a:rPr lang="en-CA" dirty="0" smtClean="0"/>
-              <a:t>, </a:t>
+              <a:t>Javascript</a:t>
+            </a:r>
+            <a:r>
+              <a:rPr lang="en-CA" dirty="0" smtClean="0"/>
+              <a:t> (node.js, AJAX, </a:t>
             </a:r>
             <a:r>
               <a:rPr lang="en-CA" dirty="0" err="1" smtClean="0"/>
-              <a:t>plantName</a:t>
-            </a:r>
-            <a:r>
-              <a:rPr lang="en-CA" dirty="0" smtClean="0"/>
-              <a:t>)</a:t>
-            </a:r>
-          </a:p>
-          <a:p>
-            <a:r>
-              <a:rPr lang="en-CA" dirty="0" smtClean="0"/>
-              <a:t>History(</a:t>
-            </a:r>
-            <a:r>
-              <a:rPr lang="en-CA" dirty="0" err="1" smtClean="0"/>
-              <a:t>plantId</a:t>
-            </a:r>
-            <a:r>
-              <a:rPr lang="en-CA" dirty="0" smtClean="0"/>
-              <a:t>, </a:t>
-            </a:r>
-            <a:r>
-              <a:rPr lang="en-CA" dirty="0" err="1" smtClean="0"/>
-              <a:t>recordDate</a:t>
-            </a:r>
-            <a:r>
-              <a:rPr lang="en-CA" dirty="0" smtClean="0"/>
-              <a:t>, moisture, humidity, temp)</a:t>
-            </a:r>
-          </a:p>
-          <a:p>
-            <a:r>
-              <a:rPr lang="en-CA" dirty="0" smtClean="0"/>
-              <a:t>Optimal(</a:t>
-            </a:r>
-            <a:r>
-              <a:rPr lang="en-CA" dirty="0" err="1" smtClean="0"/>
-              <a:t>plantType</a:t>
-            </a:r>
-            <a:r>
-              <a:rPr lang="en-CA" dirty="0" smtClean="0"/>
-              <a:t>, </a:t>
-            </a:r>
-            <a:r>
-              <a:rPr lang="en-CA" dirty="0" err="1" smtClean="0"/>
-              <a:t>potMoisture</a:t>
-            </a:r>
-            <a:r>
-              <a:rPr lang="en-CA" dirty="0" smtClean="0"/>
-              <a:t>, </a:t>
-            </a:r>
-            <a:r>
-              <a:rPr lang="en-CA" dirty="0" err="1" smtClean="0"/>
-              <a:t>optHumidity</a:t>
-            </a:r>
-            <a:r>
-              <a:rPr lang="en-CA" dirty="0" smtClean="0"/>
-              <a:t>, </a:t>
-            </a:r>
-            <a:r>
-              <a:rPr lang="en-CA" dirty="0" err="1" smtClean="0"/>
-              <a:t>optTemp</a:t>
-            </a:r>
-            <a:r>
-              <a:rPr lang="en-CA" dirty="0" smtClean="0"/>
-              <a:t>)</a:t>
-            </a:r>
-          </a:p>
-          <a:p>
-            <a:r>
-              <a:rPr lang="en-CA" dirty="0" err="1"/>
-              <a:t>M</a:t>
-            </a:r>
-            <a:r>
-              <a:rPr lang="en-CA" dirty="0" err="1" smtClean="0"/>
-              <a:t>anualWater</a:t>
-            </a:r>
-            <a:r>
-              <a:rPr lang="en-CA" dirty="0" smtClean="0"/>
-              <a:t>(</a:t>
-            </a:r>
-            <a:r>
-              <a:rPr lang="en-CA" dirty="0" err="1" smtClean="0"/>
-              <a:t>plantId</a:t>
-            </a:r>
-            <a:r>
-              <a:rPr lang="en-CA" dirty="0" smtClean="0"/>
-              <a:t>, </a:t>
-            </a:r>
-            <a:r>
-              <a:rPr lang="en-CA" dirty="0" err="1" smtClean="0"/>
-              <a:t>doWater</a:t>
-            </a:r>
-            <a:r>
-              <a:rPr lang="en-CA" dirty="0" smtClean="0"/>
-              <a:t>)</a:t>
-            </a:r>
+              <a:t>RESTful</a:t>
+            </a:r>
+            <a:r>
+              <a:rPr lang="en-CA" dirty="0" smtClean="0"/>
+              <a:t> API)</a:t>
+            </a:r>
+          </a:p>
+          <a:p>
+            <a:pPr lvl="1"/>
+            <a:r>
+              <a:rPr lang="en-CA" dirty="0" smtClean="0"/>
+              <a:t>HTML/CSS</a:t>
+            </a:r>
+          </a:p>
+          <a:p>
             <a:endParaRPr lang="en-CA" dirty="0"/>
           </a:p>
         </p:txBody>
@@ -4846,4 +6412,287 @@
   <a:objectDefaults/>
   <a:extraClrSchemeLst/>
 </a:theme>
+</file>
+
+<file path=ppt/theme/theme2.xml><?xml version="1.0" encoding="utf-8"?>
+<a:theme xmlns:a="http://schemas.openxmlformats.org/drawingml/2006/main" name="Office Theme">
+  <a:themeElements>
+    <a:clrScheme name="Office">
+      <a:dk1>
+        <a:sysClr val="windowText" lastClr="000000"/>
+      </a:dk1>
+      <a:lt1>
+        <a:sysClr val="window" lastClr="FFFFFF"/>
+      </a:lt1>
+      <a:dk2>
+        <a:srgbClr val="1F497D"/>
+      </a:dk2>
+      <a:lt2>
+        <a:srgbClr val="EEECE1"/>
+      </a:lt2>
+      <a:accent1>
+        <a:srgbClr val="4F81BD"/>
+      </a:accent1>
+      <a:accent2>
+        <a:srgbClr val="C0504D"/>
+      </a:accent2>
+      <a:accent3>
+        <a:srgbClr val="9BBB59"/>
+      </a:accent3>
+      <a:accent4>
+        <a:srgbClr val="8064A2"/>
+      </a:accent4>
+      <a:accent5>
+        <a:srgbClr val="4BACC6"/>
+      </a:accent5>
+      <a:accent6>
+        <a:srgbClr val="F79646"/>
+      </a:accent6>
+      <a:hlink>
+        <a:srgbClr val="0000FF"/>
+      </a:hlink>
+      <a:folHlink>
+        <a:srgbClr val="800080"/>
+      </a:folHlink>
+    </a:clrScheme>
+    <a:fontScheme name="Office">
+      <a:majorFont>
+        <a:latin typeface="Calibri"/>
+        <a:ea typeface=""/>
+        <a:cs typeface=""/>
+        <a:font script="Jpan" typeface="ＭＳ Ｐゴシック"/>
+        <a:font script="Hang" typeface="맑은 고딕"/>
+        <a:font script="Hans" typeface="宋体"/>
+        <a:font script="Hant" typeface="新細明體"/>
+        <a:font script="Arab" typeface="Times New Roman"/>
+        <a:font script="Hebr" typeface="Times New Roman"/>
+        <a:font script="Thai" typeface="Angsana New"/>
+        <a:font script="Ethi" typeface="Nyala"/>
+        <a:font script="Beng" typeface="Vrinda"/>
+        <a:font script="Gujr" typeface="Shruti"/>
+        <a:font script="Khmr" typeface="MoolBoran"/>
+        <a:font script="Knda" typeface="Tunga"/>
+        <a:font script="Guru" typeface="Raavi"/>
+        <a:font script="Cans" typeface="Euphemia"/>
+        <a:font script="Cher" typeface="Plantagenet Cherokee"/>
+        <a:font script="Yiii" typeface="Microsoft Yi Baiti"/>
+        <a:font script="Tibt" typeface="Microsoft Himalaya"/>
+        <a:font script="Thaa" typeface="MV Boli"/>
+        <a:font script="Deva" typeface="Mangal"/>
+        <a:font script="Telu" typeface="Gautami"/>
+        <a:font script="Taml" typeface="Latha"/>
+        <a:font script="Syrc" typeface="Estrangelo Edessa"/>
+        <a:font script="Orya" typeface="Kalinga"/>
+        <a:font script="Mlym" typeface="Kartika"/>
+        <a:font script="Laoo" typeface="DokChampa"/>
+        <a:font script="Sinh" typeface="Iskoola Pota"/>
+        <a:font script="Mong" typeface="Mongolian Baiti"/>
+        <a:font script="Viet" typeface="Times New Roman"/>
+        <a:font script="Uigh" typeface="Microsoft Uighur"/>
+      </a:majorFont>
+      <a:minorFont>
+        <a:latin typeface="Calibri"/>
+        <a:ea typeface=""/>
+        <a:cs typeface=""/>
+        <a:font script="Jpan" typeface="ＭＳ Ｐゴシック"/>
+        <a:font script="Hang" typeface="맑은 고딕"/>
+        <a:font script="Hans" typeface="宋体"/>
+        <a:font script="Hant" typeface="新細明體"/>
+        <a:font script="Arab" typeface="Arial"/>
+        <a:font script="Hebr" typeface="Arial"/>
+        <a:font script="Thai" typeface="Cordia New"/>
+        <a:font script="Ethi" typeface="Nyala"/>
+        <a:font script="Beng" typeface="Vrinda"/>
+        <a:font script="Gujr" typeface="Shruti"/>
+        <a:font script="Khmr" typeface="DaunPenh"/>
+        <a:font script="Knda" typeface="Tunga"/>
+        <a:font script="Guru" typeface="Raavi"/>
+        <a:font script="Cans" typeface="Euphemia"/>
+        <a:font script="Cher" typeface="Plantagenet Cherokee"/>
+        <a:font script="Yiii" typeface="Microsoft Yi Baiti"/>
+        <a:font script="Tibt" typeface="Microsoft Himalaya"/>
+        <a:font script="Thaa" typeface="MV Boli"/>
+        <a:font script="Deva" typeface="Mangal"/>
+        <a:font script="Telu" typeface="Gautami"/>
+        <a:font script="Taml" typeface="Latha"/>
+        <a:font script="Syrc" typeface="Estrangelo Edessa"/>
+        <a:font script="Orya" typeface="Kalinga"/>
+        <a:font script="Mlym" typeface="Kartika"/>
+        <a:font script="Laoo" typeface="DokChampa"/>
+        <a:font script="Sinh" typeface="Iskoola Pota"/>
+        <a:font script="Mong" typeface="Mongolian Baiti"/>
+        <a:font script="Viet" typeface="Arial"/>
+        <a:font script="Uigh" typeface="Microsoft Uighur"/>
+      </a:minorFont>
+    </a:fontScheme>
+    <a:fmtScheme name="Office">
+      <a:fillStyleLst>
+        <a:solidFill>
+          <a:schemeClr val="phClr"/>
+        </a:solidFill>
+        <a:gradFill rotWithShape="1">
+          <a:gsLst>
+            <a:gs pos="0">
+              <a:schemeClr val="phClr">
+                <a:tint val="50000"/>
+                <a:satMod val="300000"/>
+              </a:schemeClr>
+            </a:gs>
+            <a:gs pos="35000">
+              <a:schemeClr val="phClr">
+                <a:tint val="37000"/>
+                <a:satMod val="300000"/>
+              </a:schemeClr>
+            </a:gs>
+            <a:gs pos="100000">
+              <a:schemeClr val="phClr">
+                <a:tint val="15000"/>
+                <a:satMod val="350000"/>
+              </a:schemeClr>
+            </a:gs>
+          </a:gsLst>
+          <a:lin ang="16200000" scaled="1"/>
+        </a:gradFill>
+        <a:gradFill rotWithShape="1">
+          <a:gsLst>
+            <a:gs pos="0">
+              <a:schemeClr val="phClr">
+                <a:shade val="51000"/>
+                <a:satMod val="130000"/>
+              </a:schemeClr>
+            </a:gs>
+            <a:gs pos="80000">
+              <a:schemeClr val="phClr">
+                <a:shade val="93000"/>
+                <a:satMod val="130000"/>
+              </a:schemeClr>
+            </a:gs>
+            <a:gs pos="100000">
+              <a:schemeClr val="phClr">
+                <a:shade val="94000"/>
+                <a:satMod val="135000"/>
+              </a:schemeClr>
+            </a:gs>
+          </a:gsLst>
+          <a:lin ang="16200000" scaled="0"/>
+        </a:gradFill>
+      </a:fillStyleLst>
+      <a:lnStyleLst>
+        <a:ln w="9525" cap="flat" cmpd="sng" algn="ctr">
+          <a:solidFill>
+            <a:schemeClr val="phClr">
+              <a:shade val="95000"/>
+              <a:satMod val="105000"/>
+            </a:schemeClr>
+          </a:solidFill>
+          <a:prstDash val="solid"/>
+        </a:ln>
+        <a:ln w="25400" cap="flat" cmpd="sng" algn="ctr">
+          <a:solidFill>
+            <a:schemeClr val="phClr"/>
+          </a:solidFill>
+          <a:prstDash val="solid"/>
+        </a:ln>
+        <a:ln w="38100" cap="flat" cmpd="sng" algn="ctr">
+          <a:solidFill>
+            <a:schemeClr val="phClr"/>
+          </a:solidFill>
+          <a:prstDash val="solid"/>
+        </a:ln>
+      </a:lnStyleLst>
+      <a:effectStyleLst>
+        <a:effectStyle>
+          <a:effectLst>
+            <a:outerShdw blurRad="40000" dist="20000" dir="5400000" rotWithShape="0">
+              <a:srgbClr val="000000">
+                <a:alpha val="38000"/>
+              </a:srgbClr>
+            </a:outerShdw>
+          </a:effectLst>
+        </a:effectStyle>
+        <a:effectStyle>
+          <a:effectLst>
+            <a:outerShdw blurRad="40000" dist="23000" dir="5400000" rotWithShape="0">
+              <a:srgbClr val="000000">
+                <a:alpha val="35000"/>
+              </a:srgbClr>
+            </a:outerShdw>
+          </a:effectLst>
+        </a:effectStyle>
+        <a:effectStyle>
+          <a:effectLst>
+            <a:outerShdw blurRad="40000" dist="23000" dir="5400000" rotWithShape="0">
+              <a:srgbClr val="000000">
+                <a:alpha val="35000"/>
+              </a:srgbClr>
+            </a:outerShdw>
+          </a:effectLst>
+          <a:scene3d>
+            <a:camera prst="orthographicFront">
+              <a:rot lat="0" lon="0" rev="0"/>
+            </a:camera>
+            <a:lightRig rig="threePt" dir="t">
+              <a:rot lat="0" lon="0" rev="1200000"/>
+            </a:lightRig>
+          </a:scene3d>
+          <a:sp3d>
+            <a:bevelT w="63500" h="25400"/>
+          </a:sp3d>
+        </a:effectStyle>
+      </a:effectStyleLst>
+      <a:bgFillStyleLst>
+        <a:solidFill>
+          <a:schemeClr val="phClr"/>
+        </a:solidFill>
+        <a:gradFill rotWithShape="1">
+          <a:gsLst>
+            <a:gs pos="0">
+              <a:schemeClr val="phClr">
+                <a:tint val="40000"/>
+                <a:satMod val="350000"/>
+              </a:schemeClr>
+            </a:gs>
+            <a:gs pos="40000">
+              <a:schemeClr val="phClr">
+                <a:tint val="45000"/>
+                <a:shade val="99000"/>
+                <a:satMod val="350000"/>
+              </a:schemeClr>
+            </a:gs>
+            <a:gs pos="100000">
+              <a:schemeClr val="phClr">
+                <a:shade val="20000"/>
+                <a:satMod val="255000"/>
+              </a:schemeClr>
+            </a:gs>
+          </a:gsLst>
+          <a:path path="circle">
+            <a:fillToRect l="50000" t="-80000" r="50000" b="180000"/>
+          </a:path>
+        </a:gradFill>
+        <a:gradFill rotWithShape="1">
+          <a:gsLst>
+            <a:gs pos="0">
+              <a:schemeClr val="phClr">
+                <a:tint val="80000"/>
+                <a:satMod val="300000"/>
+              </a:schemeClr>
+            </a:gs>
+            <a:gs pos="100000">
+              <a:schemeClr val="phClr">
+                <a:shade val="30000"/>
+                <a:satMod val="200000"/>
+              </a:schemeClr>
+            </a:gs>
+          </a:gsLst>
+          <a:path path="circle">
+            <a:fillToRect l="50000" t="50000" r="50000" b="50000"/>
+          </a:path>
+        </a:gradFill>
+      </a:bgFillStyleLst>
+    </a:fmtScheme>
+  </a:themeElements>
+  <a:objectDefaults/>
+  <a:extraClrSchemeLst/>
+</a:theme>
 </file>
--- a/PlantBuddy.pptx
+++ b/PlantBuddy.pptx
@@ -2,7 +2,7 @@
 <file path=ppt/presentation.xml><?xml version="1.0" encoding="utf-8"?>
 <p:presentation xmlns:a="http://schemas.openxmlformats.org/drawingml/2006/main" xmlns:r="http://schemas.openxmlformats.org/officeDocument/2006/relationships" xmlns:p="http://schemas.openxmlformats.org/presentationml/2006/main" saveSubsetFonts="1">
   <p:sldMasterIdLst>
-    <p:sldMasterId id="2147483648" r:id="rId1"/>
+    <p:sldMasterId id="2147483677" r:id="rId1"/>
   </p:sldMasterIdLst>
   <p:notesMasterIdLst>
     <p:notesMasterId r:id="rId18"/>
@@ -31,7 +31,7 @@
     <a:defPPr>
       <a:defRPr lang="en-US"/>
     </a:defPPr>
-    <a:lvl1pPr marL="0" algn="l" defTabSz="914400" rtl="0" eaLnBrk="1" latinLnBrk="0" hangingPunct="1">
+    <a:lvl1pPr marL="0" algn="l" defTabSz="457200" rtl="0" eaLnBrk="1" latinLnBrk="0" hangingPunct="1">
       <a:defRPr sz="1800" kern="1200">
         <a:solidFill>
           <a:schemeClr val="tx1"/>
@@ -41,7 +41,7 @@
         <a:cs typeface="+mn-cs"/>
       </a:defRPr>
     </a:lvl1pPr>
-    <a:lvl2pPr marL="457200" algn="l" defTabSz="914400" rtl="0" eaLnBrk="1" latinLnBrk="0" hangingPunct="1">
+    <a:lvl2pPr marL="457200" algn="l" defTabSz="457200" rtl="0" eaLnBrk="1" latinLnBrk="0" hangingPunct="1">
       <a:defRPr sz="1800" kern="1200">
         <a:solidFill>
           <a:schemeClr val="tx1"/>
@@ -51,7 +51,7 @@
         <a:cs typeface="+mn-cs"/>
       </a:defRPr>
     </a:lvl2pPr>
-    <a:lvl3pPr marL="914400" algn="l" defTabSz="914400" rtl="0" eaLnBrk="1" latinLnBrk="0" hangingPunct="1">
+    <a:lvl3pPr marL="914400" algn="l" defTabSz="457200" rtl="0" eaLnBrk="1" latinLnBrk="0" hangingPunct="1">
       <a:defRPr sz="1800" kern="1200">
         <a:solidFill>
           <a:schemeClr val="tx1"/>
@@ -61,7 +61,7 @@
         <a:cs typeface="+mn-cs"/>
       </a:defRPr>
     </a:lvl3pPr>
-    <a:lvl4pPr marL="1371600" algn="l" defTabSz="914400" rtl="0" eaLnBrk="1" latinLnBrk="0" hangingPunct="1">
+    <a:lvl4pPr marL="1371600" algn="l" defTabSz="457200" rtl="0" eaLnBrk="1" latinLnBrk="0" hangingPunct="1">
       <a:defRPr sz="1800" kern="1200">
         <a:solidFill>
           <a:schemeClr val="tx1"/>
@@ -71,7 +71,7 @@
         <a:cs typeface="+mn-cs"/>
       </a:defRPr>
     </a:lvl4pPr>
-    <a:lvl5pPr marL="1828800" algn="l" defTabSz="914400" rtl="0" eaLnBrk="1" latinLnBrk="0" hangingPunct="1">
+    <a:lvl5pPr marL="1828800" algn="l" defTabSz="457200" rtl="0" eaLnBrk="1" latinLnBrk="0" hangingPunct="1">
       <a:defRPr sz="1800" kern="1200">
         <a:solidFill>
           <a:schemeClr val="tx1"/>
@@ -81,7 +81,7 @@
         <a:cs typeface="+mn-cs"/>
       </a:defRPr>
     </a:lvl5pPr>
-    <a:lvl6pPr marL="2286000" algn="l" defTabSz="914400" rtl="0" eaLnBrk="1" latinLnBrk="0" hangingPunct="1">
+    <a:lvl6pPr marL="2286000" algn="l" defTabSz="457200" rtl="0" eaLnBrk="1" latinLnBrk="0" hangingPunct="1">
       <a:defRPr sz="1800" kern="1200">
         <a:solidFill>
           <a:schemeClr val="tx1"/>
@@ -91,7 +91,7 @@
         <a:cs typeface="+mn-cs"/>
       </a:defRPr>
     </a:lvl6pPr>
-    <a:lvl7pPr marL="2743200" algn="l" defTabSz="914400" rtl="0" eaLnBrk="1" latinLnBrk="0" hangingPunct="1">
+    <a:lvl7pPr marL="2743200" algn="l" defTabSz="457200" rtl="0" eaLnBrk="1" latinLnBrk="0" hangingPunct="1">
       <a:defRPr sz="1800" kern="1200">
         <a:solidFill>
           <a:schemeClr val="tx1"/>
@@ -101,7 +101,7 @@
         <a:cs typeface="+mn-cs"/>
       </a:defRPr>
     </a:lvl7pPr>
-    <a:lvl8pPr marL="3200400" algn="l" defTabSz="914400" rtl="0" eaLnBrk="1" latinLnBrk="0" hangingPunct="1">
+    <a:lvl8pPr marL="3200400" algn="l" defTabSz="457200" rtl="0" eaLnBrk="1" latinLnBrk="0" hangingPunct="1">
       <a:defRPr sz="1800" kern="1200">
         <a:solidFill>
           <a:schemeClr val="tx1"/>
@@ -111,7 +111,7 @@
         <a:cs typeface="+mn-cs"/>
       </a:defRPr>
     </a:lvl8pPr>
-    <a:lvl9pPr marL="3657600" algn="l" defTabSz="914400" rtl="0" eaLnBrk="1" latinLnBrk="0" hangingPunct="1">
+    <a:lvl9pPr marL="3657600" algn="l" defTabSz="457200" rtl="0" eaLnBrk="1" latinLnBrk="0" hangingPunct="1">
       <a:defRPr sz="1800" kern="1200">
         <a:solidFill>
           <a:schemeClr val="tx1"/>
@@ -122,6 +122,22 @@
       </a:defRPr>
     </a:lvl9pPr>
   </p:defaultTextStyle>
+  <p:extLst>
+    <p:ext uri="{EFAFB233-063F-42B5-8137-9DF3F51BA10A}">
+      <p15:sldGuideLst xmlns:p15="http://schemas.microsoft.com/office/powerpoint/2012/main">
+        <p15:guide id="1" orient="horz" pos="2160">
+          <p15:clr>
+            <a:srgbClr val="A4A3A4"/>
+          </p15:clr>
+        </p15:guide>
+        <p15:guide id="2" pos="2880">
+          <p15:clr>
+            <a:srgbClr val="A4A3A4"/>
+          </p15:clr>
+        </p15:guide>
+      </p15:sldGuideLst>
+    </p:ext>
+  </p:extLst>
 </p:presentation>
 </file>
 
@@ -207,7 +223,7 @@
           <a:p>
             <a:fld id="{BB07689F-BFF6-4DB0-9566-67CEE402BF24}" type="datetimeFigureOut">
               <a:rPr lang="en-US" smtClean="0"/>
-              <a:t>3/27/2018</a:t>
+              <a:t>3/28/2018</a:t>
             </a:fld>
             <a:endParaRPr lang="en-CA"/>
           </a:p>
@@ -273,35 +289,35 @@
           <a:p>
             <a:pPr lvl="0"/>
             <a:r>
-              <a:rPr lang="en-US" smtClean="0"/>
+              <a:rPr lang="en-US"/>
               <a:t>Click to edit Master text styles</a:t>
             </a:r>
           </a:p>
           <a:p>
             <a:pPr lvl="1"/>
             <a:r>
-              <a:rPr lang="en-US" smtClean="0"/>
+              <a:rPr lang="en-US"/>
               <a:t>Second level</a:t>
             </a:r>
           </a:p>
           <a:p>
             <a:pPr lvl="2"/>
             <a:r>
-              <a:rPr lang="en-US" smtClean="0"/>
+              <a:rPr lang="en-US"/>
               <a:t>Third level</a:t>
             </a:r>
           </a:p>
           <a:p>
             <a:pPr lvl="3"/>
             <a:r>
-              <a:rPr lang="en-US" smtClean="0"/>
+              <a:rPr lang="en-US"/>
               <a:t>Fourth level</a:t>
             </a:r>
           </a:p>
           <a:p>
             <a:pPr lvl="4"/>
             <a:r>
-              <a:rPr lang="en-US" smtClean="0"/>
+              <a:rPr lang="en-US"/>
               <a:t>Fifth level</a:t>
             </a:r>
             <a:endParaRPr lang="en-CA"/>
@@ -519,10 +535,9 @@
           <a:lstStyle/>
           <a:p>
             <a:r>
-              <a:rPr lang="en-CA" dirty="0" smtClean="0"/>
+              <a:rPr lang="en-CA" dirty="0"/>
               <a:t>Wang</a:t>
             </a:r>
-            <a:endParaRPr lang="en-CA" dirty="0"/>
           </a:p>
         </p:txBody>
       </p:sp>
@@ -604,10 +619,9 @@
           <a:lstStyle/>
           <a:p>
             <a:r>
-              <a:rPr lang="en-CA" dirty="0" smtClean="0"/>
+              <a:rPr lang="en-CA" dirty="0"/>
               <a:t>Andy</a:t>
             </a:r>
-            <a:endParaRPr lang="en-CA" dirty="0"/>
           </a:p>
         </p:txBody>
       </p:sp>
@@ -689,10 +703,9 @@
           <a:lstStyle/>
           <a:p>
             <a:r>
-              <a:rPr lang="en-CA" dirty="0" smtClean="0"/>
+              <a:rPr lang="en-CA" dirty="0"/>
               <a:t>All</a:t>
             </a:r>
-            <a:endParaRPr lang="en-CA" dirty="0"/>
           </a:p>
         </p:txBody>
       </p:sp>
@@ -774,10 +787,9 @@
           <a:lstStyle/>
           <a:p>
             <a:r>
-              <a:rPr lang="en-CA" dirty="0" smtClean="0"/>
+              <a:rPr lang="en-CA" dirty="0"/>
               <a:t>Dean</a:t>
             </a:r>
-            <a:endParaRPr lang="en-CA" dirty="0"/>
           </a:p>
         </p:txBody>
       </p:sp>
@@ -859,10 +871,9 @@
           <a:lstStyle/>
           <a:p>
             <a:r>
-              <a:rPr lang="en-CA" dirty="0" smtClean="0"/>
+              <a:rPr lang="en-CA" dirty="0"/>
               <a:t>All</a:t>
             </a:r>
-            <a:endParaRPr lang="en-CA" dirty="0"/>
           </a:p>
         </p:txBody>
       </p:sp>
@@ -944,10 +955,9 @@
           <a:lstStyle/>
           <a:p>
             <a:r>
-              <a:rPr lang="en-CA" dirty="0" smtClean="0"/>
+              <a:rPr lang="en-CA" dirty="0"/>
               <a:t>Eugene</a:t>
             </a:r>
-            <a:endParaRPr lang="en-CA" dirty="0"/>
           </a:p>
         </p:txBody>
       </p:sp>
@@ -1029,10 +1039,9 @@
           <a:lstStyle/>
           <a:p>
             <a:r>
-              <a:rPr lang="en-CA" dirty="0" smtClean="0"/>
+              <a:rPr lang="en-CA" dirty="0"/>
               <a:t>Dom</a:t>
             </a:r>
-            <a:endParaRPr lang="en-CA" dirty="0"/>
           </a:p>
         </p:txBody>
       </p:sp>
@@ -1114,10 +1123,9 @@
           <a:lstStyle/>
           <a:p>
             <a:r>
-              <a:rPr lang="en-CA" dirty="0" smtClean="0"/>
+              <a:rPr lang="en-CA" dirty="0"/>
               <a:t>Dom</a:t>
             </a:r>
-            <a:endParaRPr lang="en-CA" dirty="0"/>
           </a:p>
         </p:txBody>
       </p:sp>
@@ -1199,7 +1207,7 @@
           <a:lstStyle/>
           <a:p>
             <a:r>
-              <a:rPr lang="en-CA" smtClean="0"/>
+              <a:rPr lang="en-CA"/>
               <a:t>Wang</a:t>
             </a:r>
             <a:endParaRPr lang="en-CA" dirty="0"/>
@@ -1284,10 +1292,9 @@
           <a:lstStyle/>
           <a:p>
             <a:r>
-              <a:rPr lang="en-CA" dirty="0" smtClean="0"/>
+              <a:rPr lang="en-CA" dirty="0"/>
               <a:t>Roman</a:t>
             </a:r>
-            <a:endParaRPr lang="en-CA" dirty="0"/>
           </a:p>
         </p:txBody>
       </p:sp>
@@ -1369,10 +1376,9 @@
           <a:lstStyle/>
           <a:p>
             <a:r>
-              <a:rPr lang="en-CA" dirty="0" smtClean="0"/>
+              <a:rPr lang="en-CA" dirty="0"/>
               <a:t>Andy</a:t>
             </a:r>
-            <a:endParaRPr lang="en-CA" dirty="0"/>
           </a:p>
         </p:txBody>
       </p:sp>
@@ -1454,10 +1460,9 @@
           <a:lstStyle/>
           <a:p>
             <a:r>
-              <a:rPr lang="en-CA" dirty="0" smtClean="0"/>
+              <a:rPr lang="en-CA" dirty="0"/>
               <a:t>Andy</a:t>
             </a:r>
-            <a:endParaRPr lang="en-CA" dirty="0"/>
           </a:p>
         </p:txBody>
       </p:sp>
@@ -1539,10 +1544,9 @@
           <a:lstStyle/>
           <a:p>
             <a:r>
-              <a:rPr lang="en-CA" dirty="0" smtClean="0"/>
+              <a:rPr lang="en-CA" dirty="0"/>
               <a:t>Andy</a:t>
             </a:r>
-            <a:endParaRPr lang="en-CA" dirty="0"/>
           </a:p>
         </p:txBody>
       </p:sp>
@@ -1578,7 +1582,7 @@
 </file>
 
 <file path=ppt/slideLayouts/slideLayout1.xml><?xml version="1.0" encoding="utf-8"?>
-<p:sldLayout xmlns:a="http://schemas.openxmlformats.org/drawingml/2006/main" xmlns:r="http://schemas.openxmlformats.org/officeDocument/2006/relationships" xmlns:p="http://schemas.openxmlformats.org/presentationml/2006/main" type="title" preserve="1">
+<p:sldLayout xmlns:a="http://schemas.openxmlformats.org/drawingml/2006/main" xmlns:r="http://schemas.openxmlformats.org/officeDocument/2006/relationships" xmlns:p="http://schemas.openxmlformats.org/presentationml/2006/main" showMasterSp="0" type="title" preserve="1">
   <p:cSld name="Title Slide">
     <p:spTree>
       <p:nvGrpSpPr>
@@ -1594,6 +1598,611 @@
           <a:chExt cx="0" cy="0"/>
         </a:xfrm>
       </p:grpSpPr>
+      <p:grpSp>
+        <p:nvGrpSpPr>
+          <p:cNvPr id="7" name="Group 6"/>
+          <p:cNvGrpSpPr/>
+          <p:nvPr/>
+        </p:nvGrpSpPr>
+        <p:grpSpPr>
+          <a:xfrm>
+            <a:off x="-8466" y="-8468"/>
+            <a:ext cx="9169804" cy="6874935"/>
+            <a:chOff x="-8466" y="-8468"/>
+            <a:chExt cx="9169804" cy="6874935"/>
+          </a:xfrm>
+        </p:grpSpPr>
+        <p:cxnSp>
+          <p:nvCxnSpPr>
+            <p:cNvPr id="17" name="Straight Connector 16"/>
+            <p:cNvCxnSpPr/>
+            <p:nvPr/>
+          </p:nvCxnSpPr>
+          <p:spPr>
+            <a:xfrm flipV="1">
+              <a:off x="5130830" y="4175605"/>
+              <a:ext cx="4022475" cy="2682396"/>
+            </a:xfrm>
+            <a:prstGeom prst="line">
+              <a:avLst/>
+            </a:prstGeom>
+            <a:ln w="9525">
+              <a:solidFill>
+                <a:schemeClr val="bg1">
+                  <a:lumMod val="85000"/>
+                  <a:lumOff val="15000"/>
+                </a:schemeClr>
+              </a:solidFill>
+            </a:ln>
+          </p:spPr>
+          <p:style>
+            <a:lnRef idx="2">
+              <a:schemeClr val="accent1"/>
+            </a:lnRef>
+            <a:fillRef idx="0">
+              <a:schemeClr val="accent1"/>
+            </a:fillRef>
+            <a:effectRef idx="1">
+              <a:schemeClr val="accent1"/>
+            </a:effectRef>
+            <a:fontRef idx="minor">
+              <a:schemeClr val="tx1"/>
+            </a:fontRef>
+          </p:style>
+        </p:cxnSp>
+        <p:cxnSp>
+          <p:nvCxnSpPr>
+            <p:cNvPr id="18" name="Straight Connector 17"/>
+            <p:cNvCxnSpPr/>
+            <p:nvPr/>
+          </p:nvCxnSpPr>
+          <p:spPr>
+            <a:xfrm>
+              <a:off x="7042707" y="0"/>
+              <a:ext cx="1219200" cy="6858000"/>
+            </a:xfrm>
+            <a:prstGeom prst="line">
+              <a:avLst/>
+            </a:prstGeom>
+            <a:ln w="9525">
+              <a:solidFill>
+                <a:schemeClr val="bg1">
+                  <a:lumMod val="85000"/>
+                  <a:lumOff val="15000"/>
+                </a:schemeClr>
+              </a:solidFill>
+            </a:ln>
+          </p:spPr>
+          <p:style>
+            <a:lnRef idx="2">
+              <a:schemeClr val="accent1"/>
+            </a:lnRef>
+            <a:fillRef idx="0">
+              <a:schemeClr val="accent1"/>
+            </a:fillRef>
+            <a:effectRef idx="1">
+              <a:schemeClr val="accent1"/>
+            </a:effectRef>
+            <a:fontRef idx="minor">
+              <a:schemeClr val="tx1"/>
+            </a:fontRef>
+          </p:style>
+        </p:cxnSp>
+        <p:sp>
+          <p:nvSpPr>
+            <p:cNvPr id="19" name="Freeform 18"/>
+            <p:cNvSpPr/>
+            <p:nvPr/>
+          </p:nvSpPr>
+          <p:spPr>
+            <a:xfrm>
+              <a:off x="6891896" y="1"/>
+              <a:ext cx="2269442" cy="6866466"/>
+            </a:xfrm>
+            <a:custGeom>
+              <a:avLst/>
+              <a:gdLst/>
+              <a:ahLst/>
+              <a:cxnLst/>
+              <a:rect l="l" t="t" r="r" b="b"/>
+              <a:pathLst>
+                <a:path w="2269442" h="6866466">
+                  <a:moveTo>
+                    <a:pt x="2023534" y="0"/>
+                  </a:moveTo>
+                  <a:lnTo>
+                    <a:pt x="0" y="6858000"/>
+                  </a:lnTo>
+                  <a:lnTo>
+                    <a:pt x="2269067" y="6866466"/>
+                  </a:lnTo>
+                  <a:cubicBezTo>
+                    <a:pt x="2271889" y="4580466"/>
+                    <a:pt x="2257778" y="2294466"/>
+                    <a:pt x="2260600" y="8466"/>
+                  </a:cubicBezTo>
+                  <a:lnTo>
+                    <a:pt x="2023534" y="0"/>
+                  </a:lnTo>
+                  <a:close/>
+                </a:path>
+              </a:pathLst>
+            </a:custGeom>
+            <a:solidFill>
+              <a:schemeClr val="accent1">
+                <a:alpha val="30000"/>
+              </a:schemeClr>
+            </a:solidFill>
+            <a:ln>
+              <a:noFill/>
+            </a:ln>
+            <a:effectLst/>
+          </p:spPr>
+          <p:style>
+            <a:lnRef idx="1">
+              <a:schemeClr val="accent1"/>
+            </a:lnRef>
+            <a:fillRef idx="3">
+              <a:schemeClr val="accent1"/>
+            </a:fillRef>
+            <a:effectRef idx="2">
+              <a:schemeClr val="accent1"/>
+            </a:effectRef>
+            <a:fontRef idx="minor">
+              <a:schemeClr val="lt1"/>
+            </a:fontRef>
+          </p:style>
+        </p:sp>
+        <p:sp>
+          <p:nvSpPr>
+            <p:cNvPr id="20" name="Freeform 19"/>
+            <p:cNvSpPr/>
+            <p:nvPr/>
+          </p:nvSpPr>
+          <p:spPr>
+            <a:xfrm>
+              <a:off x="7205158" y="-8467"/>
+              <a:ext cx="1948147" cy="6866467"/>
+            </a:xfrm>
+            <a:custGeom>
+              <a:avLst/>
+              <a:gdLst/>
+              <a:ahLst/>
+              <a:cxnLst/>
+              <a:rect l="l" t="t" r="r" b="b"/>
+              <a:pathLst>
+                <a:path w="1948147" h="6866467">
+                  <a:moveTo>
+                    <a:pt x="0" y="0"/>
+                  </a:moveTo>
+                  <a:lnTo>
+                    <a:pt x="1202267" y="6866467"/>
+                  </a:lnTo>
+                  <a:lnTo>
+                    <a:pt x="1947333" y="6866467"/>
+                  </a:lnTo>
+                  <a:cubicBezTo>
+                    <a:pt x="1944511" y="4577645"/>
+                    <a:pt x="1950155" y="2288822"/>
+                    <a:pt x="1947333" y="0"/>
+                  </a:cubicBezTo>
+                  <a:lnTo>
+                    <a:pt x="0" y="0"/>
+                  </a:lnTo>
+                  <a:close/>
+                </a:path>
+              </a:pathLst>
+            </a:custGeom>
+            <a:solidFill>
+              <a:schemeClr val="accent1">
+                <a:alpha val="20000"/>
+              </a:schemeClr>
+            </a:solidFill>
+            <a:ln>
+              <a:noFill/>
+            </a:ln>
+            <a:effectLst/>
+          </p:spPr>
+          <p:style>
+            <a:lnRef idx="1">
+              <a:schemeClr val="accent1"/>
+            </a:lnRef>
+            <a:fillRef idx="3">
+              <a:schemeClr val="accent1"/>
+            </a:fillRef>
+            <a:effectRef idx="2">
+              <a:schemeClr val="accent1"/>
+            </a:effectRef>
+            <a:fontRef idx="minor">
+              <a:schemeClr val="lt1"/>
+            </a:fontRef>
+          </p:style>
+        </p:sp>
+        <p:sp>
+          <p:nvSpPr>
+            <p:cNvPr id="21" name="Freeform 20"/>
+            <p:cNvSpPr/>
+            <p:nvPr/>
+          </p:nvSpPr>
+          <p:spPr>
+            <a:xfrm>
+              <a:off x="6637896" y="3920066"/>
+              <a:ext cx="2513565" cy="2937933"/>
+            </a:xfrm>
+            <a:custGeom>
+              <a:avLst/>
+              <a:gdLst/>
+              <a:ahLst/>
+              <a:cxnLst/>
+              <a:rect l="l" t="t" r="r" b="b"/>
+              <a:pathLst>
+                <a:path w="3259667" h="3810000">
+                  <a:moveTo>
+                    <a:pt x="0" y="3810000"/>
+                  </a:moveTo>
+                  <a:lnTo>
+                    <a:pt x="3251200" y="0"/>
+                  </a:lnTo>
+                  <a:cubicBezTo>
+                    <a:pt x="3254022" y="1270000"/>
+                    <a:pt x="3256845" y="2540000"/>
+                    <a:pt x="3259667" y="3810000"/>
+                  </a:cubicBezTo>
+                  <a:lnTo>
+                    <a:pt x="0" y="3810000"/>
+                  </a:lnTo>
+                  <a:close/>
+                </a:path>
+              </a:pathLst>
+            </a:custGeom>
+            <a:solidFill>
+              <a:schemeClr val="accent2">
+                <a:alpha val="72000"/>
+              </a:schemeClr>
+            </a:solidFill>
+            <a:ln>
+              <a:noFill/>
+            </a:ln>
+            <a:effectLst/>
+          </p:spPr>
+          <p:style>
+            <a:lnRef idx="1">
+              <a:schemeClr val="accent1"/>
+            </a:lnRef>
+            <a:fillRef idx="3">
+              <a:schemeClr val="accent1"/>
+            </a:fillRef>
+            <a:effectRef idx="2">
+              <a:schemeClr val="accent1"/>
+            </a:effectRef>
+            <a:fontRef idx="minor">
+              <a:schemeClr val="lt1"/>
+            </a:fontRef>
+          </p:style>
+        </p:sp>
+        <p:sp>
+          <p:nvSpPr>
+            <p:cNvPr id="22" name="Freeform 21"/>
+            <p:cNvSpPr/>
+            <p:nvPr/>
+          </p:nvSpPr>
+          <p:spPr>
+            <a:xfrm>
+              <a:off x="7010429" y="-8467"/>
+              <a:ext cx="2142876" cy="6866467"/>
+            </a:xfrm>
+            <a:custGeom>
+              <a:avLst/>
+              <a:gdLst/>
+              <a:ahLst/>
+              <a:cxnLst/>
+              <a:rect l="l" t="t" r="r" b="b"/>
+              <a:pathLst>
+                <a:path w="2853267" h="6866467">
+                  <a:moveTo>
+                    <a:pt x="0" y="0"/>
+                  </a:moveTo>
+                  <a:lnTo>
+                    <a:pt x="2472267" y="6866467"/>
+                  </a:lnTo>
+                  <a:lnTo>
+                    <a:pt x="2853267" y="6858000"/>
+                  </a:lnTo>
+                  <a:lnTo>
+                    <a:pt x="2853267" y="0"/>
+                  </a:lnTo>
+                  <a:lnTo>
+                    <a:pt x="0" y="0"/>
+                  </a:lnTo>
+                  <a:close/>
+                </a:path>
+              </a:pathLst>
+            </a:custGeom>
+            <a:solidFill>
+              <a:schemeClr val="accent2">
+                <a:lumMod val="75000"/>
+                <a:alpha val="70000"/>
+              </a:schemeClr>
+            </a:solidFill>
+            <a:ln>
+              <a:noFill/>
+            </a:ln>
+            <a:effectLst/>
+          </p:spPr>
+          <p:style>
+            <a:lnRef idx="1">
+              <a:schemeClr val="accent1"/>
+            </a:lnRef>
+            <a:fillRef idx="3">
+              <a:schemeClr val="accent1"/>
+            </a:fillRef>
+            <a:effectRef idx="2">
+              <a:schemeClr val="accent1"/>
+            </a:effectRef>
+            <a:fontRef idx="minor">
+              <a:schemeClr val="lt1"/>
+            </a:fontRef>
+          </p:style>
+        </p:sp>
+        <p:sp>
+          <p:nvSpPr>
+            <p:cNvPr id="23" name="Freeform 22"/>
+            <p:cNvSpPr/>
+            <p:nvPr/>
+          </p:nvSpPr>
+          <p:spPr>
+            <a:xfrm>
+              <a:off x="8295776" y="-8467"/>
+              <a:ext cx="857530" cy="6866467"/>
+            </a:xfrm>
+            <a:custGeom>
+              <a:avLst/>
+              <a:gdLst/>
+              <a:ahLst/>
+              <a:cxnLst/>
+              <a:rect l="l" t="t" r="r" b="b"/>
+              <a:pathLst>
+                <a:path w="1286933" h="6866467">
+                  <a:moveTo>
+                    <a:pt x="1016000" y="0"/>
+                  </a:moveTo>
+                  <a:lnTo>
+                    <a:pt x="0" y="6866467"/>
+                  </a:lnTo>
+                  <a:lnTo>
+                    <a:pt x="1286933" y="6866467"/>
+                  </a:lnTo>
+                  <a:cubicBezTo>
+                    <a:pt x="1284111" y="4577645"/>
+                    <a:pt x="1281288" y="2288822"/>
+                    <a:pt x="1278466" y="0"/>
+                  </a:cubicBezTo>
+                  <a:lnTo>
+                    <a:pt x="1016000" y="0"/>
+                  </a:lnTo>
+                  <a:close/>
+                </a:path>
+              </a:pathLst>
+            </a:custGeom>
+            <a:solidFill>
+              <a:schemeClr val="accent1">
+                <a:lumMod val="60000"/>
+                <a:lumOff val="40000"/>
+                <a:alpha val="70000"/>
+              </a:schemeClr>
+            </a:solidFill>
+            <a:ln>
+              <a:noFill/>
+            </a:ln>
+            <a:effectLst/>
+          </p:spPr>
+          <p:style>
+            <a:lnRef idx="1">
+              <a:schemeClr val="accent1"/>
+            </a:lnRef>
+            <a:fillRef idx="3">
+              <a:schemeClr val="accent1"/>
+            </a:fillRef>
+            <a:effectRef idx="2">
+              <a:schemeClr val="accent1"/>
+            </a:effectRef>
+            <a:fontRef idx="minor">
+              <a:schemeClr val="lt1"/>
+            </a:fontRef>
+          </p:style>
+        </p:sp>
+        <p:sp>
+          <p:nvSpPr>
+            <p:cNvPr id="24" name="Freeform 23"/>
+            <p:cNvSpPr/>
+            <p:nvPr/>
+          </p:nvSpPr>
+          <p:spPr>
+            <a:xfrm>
+              <a:off x="8077231" y="-8468"/>
+              <a:ext cx="1066770" cy="6866467"/>
+            </a:xfrm>
+            <a:custGeom>
+              <a:avLst/>
+              <a:gdLst/>
+              <a:ahLst/>
+              <a:cxnLst/>
+              <a:rect l="l" t="t" r="r" b="b"/>
+              <a:pathLst>
+                <a:path w="1270244" h="6866467">
+                  <a:moveTo>
+                    <a:pt x="0" y="0"/>
+                  </a:moveTo>
+                  <a:lnTo>
+                    <a:pt x="1117600" y="6866467"/>
+                  </a:lnTo>
+                  <a:lnTo>
+                    <a:pt x="1270000" y="6866467"/>
+                  </a:lnTo>
+                  <a:cubicBezTo>
+                    <a:pt x="1272822" y="4574822"/>
+                    <a:pt x="1250245" y="2291645"/>
+                    <a:pt x="1253067" y="0"/>
+                  </a:cubicBezTo>
+                  <a:lnTo>
+                    <a:pt x="0" y="0"/>
+                  </a:lnTo>
+                  <a:close/>
+                </a:path>
+              </a:pathLst>
+            </a:custGeom>
+            <a:solidFill>
+              <a:schemeClr val="accent1">
+                <a:alpha val="65000"/>
+              </a:schemeClr>
+            </a:solidFill>
+            <a:ln>
+              <a:noFill/>
+            </a:ln>
+            <a:effectLst/>
+          </p:spPr>
+          <p:style>
+            <a:lnRef idx="1">
+              <a:schemeClr val="accent1"/>
+            </a:lnRef>
+            <a:fillRef idx="3">
+              <a:schemeClr val="accent1"/>
+            </a:fillRef>
+            <a:effectRef idx="2">
+              <a:schemeClr val="accent1"/>
+            </a:effectRef>
+            <a:fontRef idx="minor">
+              <a:schemeClr val="lt1"/>
+            </a:fontRef>
+          </p:style>
+        </p:sp>
+        <p:sp>
+          <p:nvSpPr>
+            <p:cNvPr id="25" name="Freeform 24"/>
+            <p:cNvSpPr/>
+            <p:nvPr/>
+          </p:nvSpPr>
+          <p:spPr>
+            <a:xfrm>
+              <a:off x="8060297" y="4893733"/>
+              <a:ext cx="1094086" cy="1964267"/>
+            </a:xfrm>
+            <a:custGeom>
+              <a:avLst/>
+              <a:gdLst/>
+              <a:ahLst/>
+              <a:cxnLst/>
+              <a:rect l="l" t="t" r="r" b="b"/>
+              <a:pathLst>
+                <a:path w="1820333" h="3268133">
+                  <a:moveTo>
+                    <a:pt x="0" y="3268133"/>
+                  </a:moveTo>
+                  <a:lnTo>
+                    <a:pt x="1811866" y="0"/>
+                  </a:lnTo>
+                  <a:cubicBezTo>
+                    <a:pt x="1814688" y="1086555"/>
+                    <a:pt x="1817511" y="2173111"/>
+                    <a:pt x="1820333" y="3259666"/>
+                  </a:cubicBezTo>
+                  <a:lnTo>
+                    <a:pt x="0" y="3268133"/>
+                  </a:lnTo>
+                  <a:close/>
+                </a:path>
+              </a:pathLst>
+            </a:custGeom>
+            <a:solidFill>
+              <a:schemeClr val="accent1">
+                <a:alpha val="80000"/>
+              </a:schemeClr>
+            </a:solidFill>
+            <a:ln>
+              <a:noFill/>
+            </a:ln>
+            <a:effectLst/>
+          </p:spPr>
+          <p:style>
+            <a:lnRef idx="1">
+              <a:schemeClr val="accent1"/>
+            </a:lnRef>
+            <a:fillRef idx="3">
+              <a:schemeClr val="accent1"/>
+            </a:fillRef>
+            <a:effectRef idx="2">
+              <a:schemeClr val="accent1"/>
+            </a:effectRef>
+            <a:fontRef idx="minor">
+              <a:schemeClr val="lt1"/>
+            </a:fontRef>
+          </p:style>
+        </p:sp>
+        <p:sp>
+          <p:nvSpPr>
+            <p:cNvPr id="29" name="Freeform 28"/>
+            <p:cNvSpPr/>
+            <p:nvPr/>
+          </p:nvSpPr>
+          <p:spPr>
+            <a:xfrm>
+              <a:off x="-8466" y="-8468"/>
+              <a:ext cx="863600" cy="5698067"/>
+            </a:xfrm>
+            <a:custGeom>
+              <a:avLst/>
+              <a:gdLst/>
+              <a:ahLst/>
+              <a:cxnLst/>
+              <a:rect l="l" t="t" r="r" b="b"/>
+              <a:pathLst>
+                <a:path w="863600" h="5698067">
+                  <a:moveTo>
+                    <a:pt x="0" y="8467"/>
+                  </a:moveTo>
+                  <a:lnTo>
+                    <a:pt x="863600" y="0"/>
+                  </a:lnTo>
+                  <a:lnTo>
+                    <a:pt x="863600" y="16934"/>
+                  </a:lnTo>
+                  <a:lnTo>
+                    <a:pt x="0" y="5698067"/>
+                  </a:lnTo>
+                  <a:lnTo>
+                    <a:pt x="0" y="8467"/>
+                  </a:lnTo>
+                  <a:close/>
+                </a:path>
+              </a:pathLst>
+            </a:custGeom>
+            <a:solidFill>
+              <a:schemeClr val="accent1">
+                <a:lumMod val="75000"/>
+                <a:alpha val="85000"/>
+              </a:schemeClr>
+            </a:solidFill>
+            <a:ln>
+              <a:noFill/>
+            </a:ln>
+            <a:effectLst/>
+          </p:spPr>
+          <p:style>
+            <a:lnRef idx="1">
+              <a:schemeClr val="accent1"/>
+            </a:lnRef>
+            <a:fillRef idx="3">
+              <a:schemeClr val="accent1"/>
+            </a:fillRef>
+            <a:effectRef idx="2">
+              <a:schemeClr val="accent1"/>
+            </a:effectRef>
+            <a:fontRef idx="minor">
+              <a:schemeClr val="lt1"/>
+            </a:fontRef>
+          </p:style>
+        </p:sp>
+      </p:grpSp>
       <p:sp>
         <p:nvSpPr>
           <p:cNvPr id="2" name="Title 1"/>
@@ -1606,19 +2215,29 @@
         </p:nvSpPr>
         <p:spPr>
           <a:xfrm>
-            <a:off x="685800" y="2130425"/>
-            <a:ext cx="7772400" cy="1470025"/>
+            <a:off x="1130595" y="2404534"/>
+            <a:ext cx="5826719" cy="1646302"/>
           </a:xfrm>
         </p:spPr>
         <p:txBody>
-          <a:bodyPr/>
-          <a:lstStyle/>
-          <a:p>
-            <a:r>
-              <a:rPr lang="en-US" smtClean="0"/>
+          <a:bodyPr anchor="b">
+            <a:noAutofit/>
+          </a:bodyPr>
+          <a:lstStyle>
+            <a:lvl1pPr algn="r">
+              <a:defRPr sz="5400">
+                <a:solidFill>
+                  <a:schemeClr val="accent1"/>
+                </a:solidFill>
+              </a:defRPr>
+            </a:lvl1pPr>
+          </a:lstStyle>
+          <a:p>
+            <a:r>
+              <a:rPr lang="en-US"/>
               <a:t>Click to edit Master title style</a:t>
             </a:r>
-            <a:endParaRPr lang="en-CA"/>
+            <a:endParaRPr lang="en-US" dirty="0"/>
           </a:p>
         </p:txBody>
       </p:sp>
@@ -1634,19 +2253,20 @@
         </p:nvSpPr>
         <p:spPr>
           <a:xfrm>
-            <a:off x="1371600" y="3886200"/>
-            <a:ext cx="6400800" cy="1752600"/>
+            <a:off x="1130595" y="4050834"/>
+            <a:ext cx="5826719" cy="1096899"/>
           </a:xfrm>
         </p:spPr>
         <p:txBody>
-          <a:bodyPr/>
+          <a:bodyPr anchor="t"/>
           <a:lstStyle>
-            <a:lvl1pPr marL="0" indent="0" algn="ctr">
+            <a:lvl1pPr marL="0" indent="0" algn="r">
               <a:buNone/>
               <a:defRPr>
                 <a:solidFill>
                   <a:schemeClr val="tx1">
-                    <a:tint val="75000"/>
+                    <a:lumMod val="50000"/>
+                    <a:lumOff val="50000"/>
                   </a:schemeClr>
                 </a:solidFill>
               </a:defRPr>
@@ -1734,10 +2354,10 @@
           </a:lstStyle>
           <a:p>
             <a:r>
-              <a:rPr lang="en-US" smtClean="0"/>
+              <a:rPr lang="en-US"/>
               <a:t>Click to edit Master subtitle style</a:t>
             </a:r>
-            <a:endParaRPr lang="en-CA"/>
+            <a:endParaRPr lang="en-US" dirty="0"/>
           </a:p>
         </p:txBody>
       </p:sp>
@@ -1758,7 +2378,7 @@
           <a:p>
             <a:fld id="{EA6D3D03-B31B-4939-8E10-752301E5E0B4}" type="datetimeFigureOut">
               <a:rPr lang="en-US" smtClean="0"/>
-              <a:t>3/27/2018</a:t>
+              <a:t>3/28/2018</a:t>
             </a:fld>
             <a:endParaRPr lang="en-CA"/>
           </a:p>
@@ -1807,6 +2427,11 @@
         </p:txBody>
       </p:sp>
     </p:spTree>
+    <p:extLst>
+      <p:ext uri="{BB962C8B-B14F-4D97-AF65-F5344CB8AC3E}">
+        <p14:creationId xmlns:p14="http://schemas.microsoft.com/office/powerpoint/2010/main" val="3375410856"/>
+      </p:ext>
+    </p:extLst>
   </p:cSld>
   <p:clrMapOvr>
     <a:masterClrMapping/>
@@ -1815,6 +2440,1599 @@
 </file>
 
 <file path=ppt/slideLayouts/slideLayout10.xml><?xml version="1.0" encoding="utf-8"?>
+<p:sldLayout xmlns:a="http://schemas.openxmlformats.org/drawingml/2006/main" xmlns:r="http://schemas.openxmlformats.org/officeDocument/2006/relationships" xmlns:p="http://schemas.openxmlformats.org/presentationml/2006/main" preserve="1">
+  <p:cSld name="Title and Caption">
+    <p:spTree>
+      <p:nvGrpSpPr>
+        <p:cNvPr id="1" name=""/>
+        <p:cNvGrpSpPr/>
+        <p:nvPr/>
+      </p:nvGrpSpPr>
+      <p:grpSpPr>
+        <a:xfrm>
+          <a:off x="0" y="0"/>
+          <a:ext cx="0" cy="0"/>
+          <a:chOff x="0" y="0"/>
+          <a:chExt cx="0" cy="0"/>
+        </a:xfrm>
+      </p:grpSpPr>
+      <p:sp>
+        <p:nvSpPr>
+          <p:cNvPr id="2" name="Title 1"/>
+          <p:cNvSpPr>
+            <a:spLocks noGrp="1"/>
+          </p:cNvSpPr>
+          <p:nvPr>
+            <p:ph type="title"/>
+          </p:nvPr>
+        </p:nvSpPr>
+        <p:spPr>
+          <a:xfrm>
+            <a:off x="609600" y="609600"/>
+            <a:ext cx="6347714" cy="3403600"/>
+          </a:xfrm>
+        </p:spPr>
+        <p:txBody>
+          <a:bodyPr anchor="ctr">
+            <a:normAutofit/>
+          </a:bodyPr>
+          <a:lstStyle>
+            <a:lvl1pPr algn="l">
+              <a:defRPr sz="4400" b="0" cap="none"/>
+            </a:lvl1pPr>
+          </a:lstStyle>
+          <a:p>
+            <a:r>
+              <a:rPr lang="en-US"/>
+              <a:t>Click to edit Master title style</a:t>
+            </a:r>
+            <a:endParaRPr lang="en-US" dirty="0"/>
+          </a:p>
+        </p:txBody>
+      </p:sp>
+      <p:sp>
+        <p:nvSpPr>
+          <p:cNvPr id="3" name="Text Placeholder 2"/>
+          <p:cNvSpPr>
+            <a:spLocks noGrp="1"/>
+          </p:cNvSpPr>
+          <p:nvPr>
+            <p:ph type="body" idx="1"/>
+          </p:nvPr>
+        </p:nvSpPr>
+        <p:spPr>
+          <a:xfrm>
+            <a:off x="609600" y="4470400"/>
+            <a:ext cx="6347714" cy="1570962"/>
+          </a:xfrm>
+        </p:spPr>
+        <p:txBody>
+          <a:bodyPr anchor="ctr">
+            <a:normAutofit/>
+          </a:bodyPr>
+          <a:lstStyle>
+            <a:lvl1pPr marL="0" indent="0" algn="l">
+              <a:buNone/>
+              <a:defRPr sz="1800">
+                <a:solidFill>
+                  <a:schemeClr val="tx1">
+                    <a:lumMod val="75000"/>
+                    <a:lumOff val="25000"/>
+                  </a:schemeClr>
+                </a:solidFill>
+              </a:defRPr>
+            </a:lvl1pPr>
+            <a:lvl2pPr marL="457200" indent="0">
+              <a:buNone/>
+              <a:defRPr sz="1800">
+                <a:solidFill>
+                  <a:schemeClr val="tx1">
+                    <a:tint val="75000"/>
+                  </a:schemeClr>
+                </a:solidFill>
+              </a:defRPr>
+            </a:lvl2pPr>
+            <a:lvl3pPr marL="914400" indent="0">
+              <a:buNone/>
+              <a:defRPr sz="1600">
+                <a:solidFill>
+                  <a:schemeClr val="tx1">
+                    <a:tint val="75000"/>
+                  </a:schemeClr>
+                </a:solidFill>
+              </a:defRPr>
+            </a:lvl3pPr>
+            <a:lvl4pPr marL="1371600" indent="0">
+              <a:buNone/>
+              <a:defRPr sz="1400">
+                <a:solidFill>
+                  <a:schemeClr val="tx1">
+                    <a:tint val="75000"/>
+                  </a:schemeClr>
+                </a:solidFill>
+              </a:defRPr>
+            </a:lvl4pPr>
+            <a:lvl5pPr marL="1828800" indent="0">
+              <a:buNone/>
+              <a:defRPr sz="1400">
+                <a:solidFill>
+                  <a:schemeClr val="tx1">
+                    <a:tint val="75000"/>
+                  </a:schemeClr>
+                </a:solidFill>
+              </a:defRPr>
+            </a:lvl5pPr>
+            <a:lvl6pPr marL="2286000" indent="0">
+              <a:buNone/>
+              <a:defRPr sz="1400">
+                <a:solidFill>
+                  <a:schemeClr val="tx1">
+                    <a:tint val="75000"/>
+                  </a:schemeClr>
+                </a:solidFill>
+              </a:defRPr>
+            </a:lvl6pPr>
+            <a:lvl7pPr marL="2743200" indent="0">
+              <a:buNone/>
+              <a:defRPr sz="1400">
+                <a:solidFill>
+                  <a:schemeClr val="tx1">
+                    <a:tint val="75000"/>
+                  </a:schemeClr>
+                </a:solidFill>
+              </a:defRPr>
+            </a:lvl7pPr>
+            <a:lvl8pPr marL="3200400" indent="0">
+              <a:buNone/>
+              <a:defRPr sz="1400">
+                <a:solidFill>
+                  <a:schemeClr val="tx1">
+                    <a:tint val="75000"/>
+                  </a:schemeClr>
+                </a:solidFill>
+              </a:defRPr>
+            </a:lvl8pPr>
+            <a:lvl9pPr marL="3657600" indent="0">
+              <a:buNone/>
+              <a:defRPr sz="1400">
+                <a:solidFill>
+                  <a:schemeClr val="tx1">
+                    <a:tint val="75000"/>
+                  </a:schemeClr>
+                </a:solidFill>
+              </a:defRPr>
+            </a:lvl9pPr>
+          </a:lstStyle>
+          <a:p>
+            <a:pPr lvl="0"/>
+            <a:r>
+              <a:rPr lang="en-US"/>
+              <a:t>Edit Master text styles</a:t>
+            </a:r>
+          </a:p>
+        </p:txBody>
+      </p:sp>
+      <p:sp>
+        <p:nvSpPr>
+          <p:cNvPr id="4" name="Date Placeholder 3"/>
+          <p:cNvSpPr>
+            <a:spLocks noGrp="1"/>
+          </p:cNvSpPr>
+          <p:nvPr>
+            <p:ph type="dt" sz="half" idx="10"/>
+          </p:nvPr>
+        </p:nvSpPr>
+        <p:spPr/>
+        <p:txBody>
+          <a:bodyPr/>
+          <a:lstStyle/>
+          <a:p>
+            <a:fld id="{EA6D3D03-B31B-4939-8E10-752301E5E0B4}" type="datetimeFigureOut">
+              <a:rPr lang="en-US" smtClean="0"/>
+              <a:t>3/28/2018</a:t>
+            </a:fld>
+            <a:endParaRPr lang="en-CA"/>
+          </a:p>
+        </p:txBody>
+      </p:sp>
+      <p:sp>
+        <p:nvSpPr>
+          <p:cNvPr id="5" name="Footer Placeholder 4"/>
+          <p:cNvSpPr>
+            <a:spLocks noGrp="1"/>
+          </p:cNvSpPr>
+          <p:nvPr>
+            <p:ph type="ftr" sz="quarter" idx="11"/>
+          </p:nvPr>
+        </p:nvSpPr>
+        <p:spPr/>
+        <p:txBody>
+          <a:bodyPr/>
+          <a:lstStyle/>
+          <a:p>
+            <a:endParaRPr lang="en-CA"/>
+          </a:p>
+        </p:txBody>
+      </p:sp>
+      <p:sp>
+        <p:nvSpPr>
+          <p:cNvPr id="6" name="Slide Number Placeholder 5"/>
+          <p:cNvSpPr>
+            <a:spLocks noGrp="1"/>
+          </p:cNvSpPr>
+          <p:nvPr>
+            <p:ph type="sldNum" sz="quarter" idx="12"/>
+          </p:nvPr>
+        </p:nvSpPr>
+        <p:spPr/>
+        <p:txBody>
+          <a:bodyPr/>
+          <a:lstStyle/>
+          <a:p>
+            <a:fld id="{3CCFE09A-2A8C-4448-A0A7-06AEDA26591C}" type="slidenum">
+              <a:rPr lang="en-CA" smtClean="0"/>
+              <a:t>‹#›</a:t>
+            </a:fld>
+            <a:endParaRPr lang="en-CA"/>
+          </a:p>
+        </p:txBody>
+      </p:sp>
+    </p:spTree>
+    <p:extLst>
+      <p:ext uri="{BB962C8B-B14F-4D97-AF65-F5344CB8AC3E}">
+        <p14:creationId xmlns:p14="http://schemas.microsoft.com/office/powerpoint/2010/main" val="3278299927"/>
+      </p:ext>
+    </p:extLst>
+  </p:cSld>
+  <p:clrMapOvr>
+    <a:masterClrMapping/>
+  </p:clrMapOvr>
+</p:sldLayout>
+</file>
+
+<file path=ppt/slideLayouts/slideLayout11.xml><?xml version="1.0" encoding="utf-8"?>
+<p:sldLayout xmlns:a="http://schemas.openxmlformats.org/drawingml/2006/main" xmlns:r="http://schemas.openxmlformats.org/officeDocument/2006/relationships" xmlns:p="http://schemas.openxmlformats.org/presentationml/2006/main" preserve="1">
+  <p:cSld name="Quote with Caption">
+    <p:spTree>
+      <p:nvGrpSpPr>
+        <p:cNvPr id="1" name=""/>
+        <p:cNvGrpSpPr/>
+        <p:nvPr/>
+      </p:nvGrpSpPr>
+      <p:grpSpPr>
+        <a:xfrm>
+          <a:off x="0" y="0"/>
+          <a:ext cx="0" cy="0"/>
+          <a:chOff x="0" y="0"/>
+          <a:chExt cx="0" cy="0"/>
+        </a:xfrm>
+      </p:grpSpPr>
+      <p:sp>
+        <p:nvSpPr>
+          <p:cNvPr id="2" name="Title 1"/>
+          <p:cNvSpPr>
+            <a:spLocks noGrp="1"/>
+          </p:cNvSpPr>
+          <p:nvPr>
+            <p:ph type="title"/>
+          </p:nvPr>
+        </p:nvSpPr>
+        <p:spPr>
+          <a:xfrm>
+            <a:off x="774885" y="609600"/>
+            <a:ext cx="6072182" cy="3022600"/>
+          </a:xfrm>
+        </p:spPr>
+        <p:txBody>
+          <a:bodyPr anchor="ctr">
+            <a:normAutofit/>
+          </a:bodyPr>
+          <a:lstStyle>
+            <a:lvl1pPr algn="l">
+              <a:defRPr sz="4400" b="0" cap="none"/>
+            </a:lvl1pPr>
+          </a:lstStyle>
+          <a:p>
+            <a:r>
+              <a:rPr lang="en-US"/>
+              <a:t>Click to edit Master title style</a:t>
+            </a:r>
+            <a:endParaRPr lang="en-US" dirty="0"/>
+          </a:p>
+        </p:txBody>
+      </p:sp>
+      <p:sp>
+        <p:nvSpPr>
+          <p:cNvPr id="23" name="Text Placeholder 9"/>
+          <p:cNvSpPr>
+            <a:spLocks noGrp="1"/>
+          </p:cNvSpPr>
+          <p:nvPr>
+            <p:ph type="body" sz="quarter" idx="13"/>
+          </p:nvPr>
+        </p:nvSpPr>
+        <p:spPr>
+          <a:xfrm>
+            <a:off x="1101074" y="3632200"/>
+            <a:ext cx="5419804" cy="381000"/>
+          </a:xfrm>
+        </p:spPr>
+        <p:txBody>
+          <a:bodyPr anchor="ctr">
+            <a:noAutofit/>
+          </a:bodyPr>
+          <a:lstStyle>
+            <a:lvl1pPr marL="0" indent="0">
+              <a:buFontTx/>
+              <a:buNone/>
+              <a:defRPr sz="1600">
+                <a:solidFill>
+                  <a:schemeClr val="tx1">
+                    <a:lumMod val="50000"/>
+                    <a:lumOff val="50000"/>
+                  </a:schemeClr>
+                </a:solidFill>
+              </a:defRPr>
+            </a:lvl1pPr>
+            <a:lvl2pPr marL="457200" indent="0">
+              <a:buFontTx/>
+              <a:buNone/>
+              <a:defRPr/>
+            </a:lvl2pPr>
+            <a:lvl3pPr marL="914400" indent="0">
+              <a:buFontTx/>
+              <a:buNone/>
+              <a:defRPr/>
+            </a:lvl3pPr>
+            <a:lvl4pPr marL="1371600" indent="0">
+              <a:buFontTx/>
+              <a:buNone/>
+              <a:defRPr/>
+            </a:lvl4pPr>
+            <a:lvl5pPr marL="1828800" indent="0">
+              <a:buFontTx/>
+              <a:buNone/>
+              <a:defRPr/>
+            </a:lvl5pPr>
+          </a:lstStyle>
+          <a:p>
+            <a:pPr lvl="0"/>
+            <a:r>
+              <a:rPr lang="en-US"/>
+              <a:t>Edit Master text styles</a:t>
+            </a:r>
+          </a:p>
+        </p:txBody>
+      </p:sp>
+      <p:sp>
+        <p:nvSpPr>
+          <p:cNvPr id="3" name="Text Placeholder 2"/>
+          <p:cNvSpPr>
+            <a:spLocks noGrp="1"/>
+          </p:cNvSpPr>
+          <p:nvPr>
+            <p:ph type="body" idx="1"/>
+          </p:nvPr>
+        </p:nvSpPr>
+        <p:spPr>
+          <a:xfrm>
+            <a:off x="609598" y="4470400"/>
+            <a:ext cx="6347715" cy="1570962"/>
+          </a:xfrm>
+        </p:spPr>
+        <p:txBody>
+          <a:bodyPr anchor="ctr">
+            <a:normAutofit/>
+          </a:bodyPr>
+          <a:lstStyle>
+            <a:lvl1pPr marL="0" indent="0" algn="l">
+              <a:buNone/>
+              <a:defRPr sz="1800">
+                <a:solidFill>
+                  <a:schemeClr val="tx1">
+                    <a:lumMod val="75000"/>
+                    <a:lumOff val="25000"/>
+                  </a:schemeClr>
+                </a:solidFill>
+              </a:defRPr>
+            </a:lvl1pPr>
+            <a:lvl2pPr marL="457200" indent="0">
+              <a:buNone/>
+              <a:defRPr sz="1800">
+                <a:solidFill>
+                  <a:schemeClr val="tx1">
+                    <a:tint val="75000"/>
+                  </a:schemeClr>
+                </a:solidFill>
+              </a:defRPr>
+            </a:lvl2pPr>
+            <a:lvl3pPr marL="914400" indent="0">
+              <a:buNone/>
+              <a:defRPr sz="1600">
+                <a:solidFill>
+                  <a:schemeClr val="tx1">
+                    <a:tint val="75000"/>
+                  </a:schemeClr>
+                </a:solidFill>
+              </a:defRPr>
+            </a:lvl3pPr>
+            <a:lvl4pPr marL="1371600" indent="0">
+              <a:buNone/>
+              <a:defRPr sz="1400">
+                <a:solidFill>
+                  <a:schemeClr val="tx1">
+                    <a:tint val="75000"/>
+                  </a:schemeClr>
+                </a:solidFill>
+              </a:defRPr>
+            </a:lvl4pPr>
+            <a:lvl5pPr marL="1828800" indent="0">
+              <a:buNone/>
+              <a:defRPr sz="1400">
+                <a:solidFill>
+                  <a:schemeClr val="tx1">
+                    <a:tint val="75000"/>
+                  </a:schemeClr>
+                </a:solidFill>
+              </a:defRPr>
+            </a:lvl5pPr>
+            <a:lvl6pPr marL="2286000" indent="0">
+              <a:buNone/>
+              <a:defRPr sz="1400">
+                <a:solidFill>
+                  <a:schemeClr val="tx1">
+                    <a:tint val="75000"/>
+                  </a:schemeClr>
+                </a:solidFill>
+              </a:defRPr>
+            </a:lvl6pPr>
+            <a:lvl7pPr marL="2743200" indent="0">
+              <a:buNone/>
+              <a:defRPr sz="1400">
+                <a:solidFill>
+                  <a:schemeClr val="tx1">
+                    <a:tint val="75000"/>
+                  </a:schemeClr>
+                </a:solidFill>
+              </a:defRPr>
+            </a:lvl7pPr>
+            <a:lvl8pPr marL="3200400" indent="0">
+              <a:buNone/>
+              <a:defRPr sz="1400">
+                <a:solidFill>
+                  <a:schemeClr val="tx1">
+                    <a:tint val="75000"/>
+                  </a:schemeClr>
+                </a:solidFill>
+              </a:defRPr>
+            </a:lvl8pPr>
+            <a:lvl9pPr marL="3657600" indent="0">
+              <a:buNone/>
+              <a:defRPr sz="1400">
+                <a:solidFill>
+                  <a:schemeClr val="tx1">
+                    <a:tint val="75000"/>
+                  </a:schemeClr>
+                </a:solidFill>
+              </a:defRPr>
+            </a:lvl9pPr>
+          </a:lstStyle>
+          <a:p>
+            <a:pPr lvl="0"/>
+            <a:r>
+              <a:rPr lang="en-US"/>
+              <a:t>Edit Master text styles</a:t>
+            </a:r>
+          </a:p>
+        </p:txBody>
+      </p:sp>
+      <p:sp>
+        <p:nvSpPr>
+          <p:cNvPr id="4" name="Date Placeholder 3"/>
+          <p:cNvSpPr>
+            <a:spLocks noGrp="1"/>
+          </p:cNvSpPr>
+          <p:nvPr>
+            <p:ph type="dt" sz="half" idx="10"/>
+          </p:nvPr>
+        </p:nvSpPr>
+        <p:spPr/>
+        <p:txBody>
+          <a:bodyPr/>
+          <a:lstStyle/>
+          <a:p>
+            <a:fld id="{EA6D3D03-B31B-4939-8E10-752301E5E0B4}" type="datetimeFigureOut">
+              <a:rPr lang="en-US" smtClean="0"/>
+              <a:t>3/28/2018</a:t>
+            </a:fld>
+            <a:endParaRPr lang="en-CA"/>
+          </a:p>
+        </p:txBody>
+      </p:sp>
+      <p:sp>
+        <p:nvSpPr>
+          <p:cNvPr id="5" name="Footer Placeholder 4"/>
+          <p:cNvSpPr>
+            <a:spLocks noGrp="1"/>
+          </p:cNvSpPr>
+          <p:nvPr>
+            <p:ph type="ftr" sz="quarter" idx="11"/>
+          </p:nvPr>
+        </p:nvSpPr>
+        <p:spPr/>
+        <p:txBody>
+          <a:bodyPr/>
+          <a:lstStyle/>
+          <a:p>
+            <a:endParaRPr lang="en-CA"/>
+          </a:p>
+        </p:txBody>
+      </p:sp>
+      <p:sp>
+        <p:nvSpPr>
+          <p:cNvPr id="6" name="Slide Number Placeholder 5"/>
+          <p:cNvSpPr>
+            <a:spLocks noGrp="1"/>
+          </p:cNvSpPr>
+          <p:nvPr>
+            <p:ph type="sldNum" sz="quarter" idx="12"/>
+          </p:nvPr>
+        </p:nvSpPr>
+        <p:spPr/>
+        <p:txBody>
+          <a:bodyPr/>
+          <a:lstStyle/>
+          <a:p>
+            <a:fld id="{3CCFE09A-2A8C-4448-A0A7-06AEDA26591C}" type="slidenum">
+              <a:rPr lang="en-CA" smtClean="0"/>
+              <a:t>‹#›</a:t>
+            </a:fld>
+            <a:endParaRPr lang="en-CA"/>
+          </a:p>
+        </p:txBody>
+      </p:sp>
+      <p:sp>
+        <p:nvSpPr>
+          <p:cNvPr id="24" name="TextBox 23"/>
+          <p:cNvSpPr txBox="1"/>
+          <p:nvPr/>
+        </p:nvSpPr>
+        <p:spPr>
+          <a:xfrm>
+            <a:off x="482711" y="790378"/>
+            <a:ext cx="457319" cy="584776"/>
+          </a:xfrm>
+          <a:prstGeom prst="rect">
+            <a:avLst/>
+          </a:prstGeom>
+        </p:spPr>
+        <p:txBody>
+          <a:bodyPr vert="horz" lIns="91440" tIns="45720" rIns="91440" bIns="45720" rtlCol="0" anchor="ctr">
+            <a:noAutofit/>
+          </a:bodyPr>
+          <a:lstStyle/>
+          <a:p>
+            <a:pPr lvl="0"/>
+            <a:r>
+              <a:rPr lang="en-US" sz="8000" baseline="0" dirty="0">
+                <a:ln w="3175" cmpd="sng">
+                  <a:noFill/>
+                </a:ln>
+                <a:solidFill>
+                  <a:schemeClr val="accent1"/>
+                </a:solidFill>
+                <a:effectLst/>
+                <a:latin typeface="Arial"/>
+              </a:rPr>
+              <a:t>“</a:t>
+            </a:r>
+          </a:p>
+        </p:txBody>
+      </p:sp>
+      <p:sp>
+        <p:nvSpPr>
+          <p:cNvPr id="25" name="TextBox 24"/>
+          <p:cNvSpPr txBox="1"/>
+          <p:nvPr/>
+        </p:nvSpPr>
+        <p:spPr>
+          <a:xfrm>
+            <a:off x="6747699" y="2886556"/>
+            <a:ext cx="457319" cy="584776"/>
+          </a:xfrm>
+          <a:prstGeom prst="rect">
+            <a:avLst/>
+          </a:prstGeom>
+        </p:spPr>
+        <p:txBody>
+          <a:bodyPr vert="horz" lIns="91440" tIns="45720" rIns="91440" bIns="45720" rtlCol="0" anchor="ctr">
+            <a:noAutofit/>
+          </a:bodyPr>
+          <a:lstStyle/>
+          <a:p>
+            <a:pPr lvl="0"/>
+            <a:r>
+              <a:rPr lang="en-US" sz="8000" baseline="0" dirty="0">
+                <a:ln w="3175" cmpd="sng">
+                  <a:noFill/>
+                </a:ln>
+                <a:solidFill>
+                  <a:schemeClr val="accent1"/>
+                </a:solidFill>
+                <a:effectLst/>
+                <a:latin typeface="Arial"/>
+              </a:rPr>
+              <a:t>”</a:t>
+            </a:r>
+          </a:p>
+        </p:txBody>
+      </p:sp>
+    </p:spTree>
+    <p:extLst>
+      <p:ext uri="{BB962C8B-B14F-4D97-AF65-F5344CB8AC3E}">
+        <p14:creationId xmlns:p14="http://schemas.microsoft.com/office/powerpoint/2010/main" val="3083507667"/>
+      </p:ext>
+    </p:extLst>
+  </p:cSld>
+  <p:clrMapOvr>
+    <a:masterClrMapping/>
+  </p:clrMapOvr>
+</p:sldLayout>
+</file>
+
+<file path=ppt/slideLayouts/slideLayout12.xml><?xml version="1.0" encoding="utf-8"?>
+<p:sldLayout xmlns:a="http://schemas.openxmlformats.org/drawingml/2006/main" xmlns:r="http://schemas.openxmlformats.org/officeDocument/2006/relationships" xmlns:p="http://schemas.openxmlformats.org/presentationml/2006/main" preserve="1">
+  <p:cSld name="Name Card">
+    <p:spTree>
+      <p:nvGrpSpPr>
+        <p:cNvPr id="1" name=""/>
+        <p:cNvGrpSpPr/>
+        <p:nvPr/>
+      </p:nvGrpSpPr>
+      <p:grpSpPr>
+        <a:xfrm>
+          <a:off x="0" y="0"/>
+          <a:ext cx="0" cy="0"/>
+          <a:chOff x="0" y="0"/>
+          <a:chExt cx="0" cy="0"/>
+        </a:xfrm>
+      </p:grpSpPr>
+      <p:sp>
+        <p:nvSpPr>
+          <p:cNvPr id="2" name="Title 1"/>
+          <p:cNvSpPr>
+            <a:spLocks noGrp="1"/>
+          </p:cNvSpPr>
+          <p:nvPr>
+            <p:ph type="title"/>
+          </p:nvPr>
+        </p:nvSpPr>
+        <p:spPr>
+          <a:xfrm>
+            <a:off x="609598" y="1931988"/>
+            <a:ext cx="6347715" cy="2595460"/>
+          </a:xfrm>
+        </p:spPr>
+        <p:txBody>
+          <a:bodyPr anchor="b">
+            <a:normAutofit/>
+          </a:bodyPr>
+          <a:lstStyle>
+            <a:lvl1pPr algn="l">
+              <a:defRPr sz="4400" b="0" cap="none"/>
+            </a:lvl1pPr>
+          </a:lstStyle>
+          <a:p>
+            <a:r>
+              <a:rPr lang="en-US"/>
+              <a:t>Click to edit Master title style</a:t>
+            </a:r>
+            <a:endParaRPr lang="en-US" dirty="0"/>
+          </a:p>
+        </p:txBody>
+      </p:sp>
+      <p:sp>
+        <p:nvSpPr>
+          <p:cNvPr id="3" name="Text Placeholder 2"/>
+          <p:cNvSpPr>
+            <a:spLocks noGrp="1"/>
+          </p:cNvSpPr>
+          <p:nvPr>
+            <p:ph type="body" idx="1"/>
+          </p:nvPr>
+        </p:nvSpPr>
+        <p:spPr>
+          <a:xfrm>
+            <a:off x="609598" y="4527448"/>
+            <a:ext cx="6347715" cy="1513914"/>
+          </a:xfrm>
+        </p:spPr>
+        <p:txBody>
+          <a:bodyPr anchor="t">
+            <a:normAutofit/>
+          </a:bodyPr>
+          <a:lstStyle>
+            <a:lvl1pPr marL="0" indent="0" algn="l">
+              <a:buNone/>
+              <a:defRPr sz="1800">
+                <a:solidFill>
+                  <a:schemeClr val="tx1">
+                    <a:lumMod val="75000"/>
+                    <a:lumOff val="25000"/>
+                  </a:schemeClr>
+                </a:solidFill>
+              </a:defRPr>
+            </a:lvl1pPr>
+            <a:lvl2pPr marL="457200" indent="0">
+              <a:buNone/>
+              <a:defRPr sz="1800">
+                <a:solidFill>
+                  <a:schemeClr val="tx1">
+                    <a:tint val="75000"/>
+                  </a:schemeClr>
+                </a:solidFill>
+              </a:defRPr>
+            </a:lvl2pPr>
+            <a:lvl3pPr marL="914400" indent="0">
+              <a:buNone/>
+              <a:defRPr sz="1600">
+                <a:solidFill>
+                  <a:schemeClr val="tx1">
+                    <a:tint val="75000"/>
+                  </a:schemeClr>
+                </a:solidFill>
+              </a:defRPr>
+            </a:lvl3pPr>
+            <a:lvl4pPr marL="1371600" indent="0">
+              <a:buNone/>
+              <a:defRPr sz="1400">
+                <a:solidFill>
+                  <a:schemeClr val="tx1">
+                    <a:tint val="75000"/>
+                  </a:schemeClr>
+                </a:solidFill>
+              </a:defRPr>
+            </a:lvl4pPr>
+            <a:lvl5pPr marL="1828800" indent="0">
+              <a:buNone/>
+              <a:defRPr sz="1400">
+                <a:solidFill>
+                  <a:schemeClr val="tx1">
+                    <a:tint val="75000"/>
+                  </a:schemeClr>
+                </a:solidFill>
+              </a:defRPr>
+            </a:lvl5pPr>
+            <a:lvl6pPr marL="2286000" indent="0">
+              <a:buNone/>
+              <a:defRPr sz="1400">
+                <a:solidFill>
+                  <a:schemeClr val="tx1">
+                    <a:tint val="75000"/>
+                  </a:schemeClr>
+                </a:solidFill>
+              </a:defRPr>
+            </a:lvl6pPr>
+            <a:lvl7pPr marL="2743200" indent="0">
+              <a:buNone/>
+              <a:defRPr sz="1400">
+                <a:solidFill>
+                  <a:schemeClr val="tx1">
+                    <a:tint val="75000"/>
+                  </a:schemeClr>
+                </a:solidFill>
+              </a:defRPr>
+            </a:lvl7pPr>
+            <a:lvl8pPr marL="3200400" indent="0">
+              <a:buNone/>
+              <a:defRPr sz="1400">
+                <a:solidFill>
+                  <a:schemeClr val="tx1">
+                    <a:tint val="75000"/>
+                  </a:schemeClr>
+                </a:solidFill>
+              </a:defRPr>
+            </a:lvl8pPr>
+            <a:lvl9pPr marL="3657600" indent="0">
+              <a:buNone/>
+              <a:defRPr sz="1400">
+                <a:solidFill>
+                  <a:schemeClr val="tx1">
+                    <a:tint val="75000"/>
+                  </a:schemeClr>
+                </a:solidFill>
+              </a:defRPr>
+            </a:lvl9pPr>
+          </a:lstStyle>
+          <a:p>
+            <a:pPr lvl="0"/>
+            <a:r>
+              <a:rPr lang="en-US"/>
+              <a:t>Edit Master text styles</a:t>
+            </a:r>
+          </a:p>
+        </p:txBody>
+      </p:sp>
+      <p:sp>
+        <p:nvSpPr>
+          <p:cNvPr id="4" name="Date Placeholder 3"/>
+          <p:cNvSpPr>
+            <a:spLocks noGrp="1"/>
+          </p:cNvSpPr>
+          <p:nvPr>
+            <p:ph type="dt" sz="half" idx="10"/>
+          </p:nvPr>
+        </p:nvSpPr>
+        <p:spPr/>
+        <p:txBody>
+          <a:bodyPr/>
+          <a:lstStyle/>
+          <a:p>
+            <a:fld id="{EA6D3D03-B31B-4939-8E10-752301E5E0B4}" type="datetimeFigureOut">
+              <a:rPr lang="en-US" smtClean="0"/>
+              <a:t>3/28/2018</a:t>
+            </a:fld>
+            <a:endParaRPr lang="en-CA"/>
+          </a:p>
+        </p:txBody>
+      </p:sp>
+      <p:sp>
+        <p:nvSpPr>
+          <p:cNvPr id="5" name="Footer Placeholder 4"/>
+          <p:cNvSpPr>
+            <a:spLocks noGrp="1"/>
+          </p:cNvSpPr>
+          <p:nvPr>
+            <p:ph type="ftr" sz="quarter" idx="11"/>
+          </p:nvPr>
+        </p:nvSpPr>
+        <p:spPr/>
+        <p:txBody>
+          <a:bodyPr/>
+          <a:lstStyle/>
+          <a:p>
+            <a:endParaRPr lang="en-CA"/>
+          </a:p>
+        </p:txBody>
+      </p:sp>
+      <p:sp>
+        <p:nvSpPr>
+          <p:cNvPr id="6" name="Slide Number Placeholder 5"/>
+          <p:cNvSpPr>
+            <a:spLocks noGrp="1"/>
+          </p:cNvSpPr>
+          <p:nvPr>
+            <p:ph type="sldNum" sz="quarter" idx="12"/>
+          </p:nvPr>
+        </p:nvSpPr>
+        <p:spPr/>
+        <p:txBody>
+          <a:bodyPr/>
+          <a:lstStyle/>
+          <a:p>
+            <a:fld id="{3CCFE09A-2A8C-4448-A0A7-06AEDA26591C}" type="slidenum">
+              <a:rPr lang="en-CA" smtClean="0"/>
+              <a:t>‹#›</a:t>
+            </a:fld>
+            <a:endParaRPr lang="en-CA"/>
+          </a:p>
+        </p:txBody>
+      </p:sp>
+    </p:spTree>
+    <p:extLst>
+      <p:ext uri="{BB962C8B-B14F-4D97-AF65-F5344CB8AC3E}">
+        <p14:creationId xmlns:p14="http://schemas.microsoft.com/office/powerpoint/2010/main" val="4242284155"/>
+      </p:ext>
+    </p:extLst>
+  </p:cSld>
+  <p:clrMapOvr>
+    <a:masterClrMapping/>
+  </p:clrMapOvr>
+</p:sldLayout>
+</file>
+
+<file path=ppt/slideLayouts/slideLayout13.xml><?xml version="1.0" encoding="utf-8"?>
+<p:sldLayout xmlns:a="http://schemas.openxmlformats.org/drawingml/2006/main" xmlns:r="http://schemas.openxmlformats.org/officeDocument/2006/relationships" xmlns:p="http://schemas.openxmlformats.org/presentationml/2006/main" preserve="1">
+  <p:cSld name="Quote Name Card">
+    <p:spTree>
+      <p:nvGrpSpPr>
+        <p:cNvPr id="1" name=""/>
+        <p:cNvGrpSpPr/>
+        <p:nvPr/>
+      </p:nvGrpSpPr>
+      <p:grpSpPr>
+        <a:xfrm>
+          <a:off x="0" y="0"/>
+          <a:ext cx="0" cy="0"/>
+          <a:chOff x="0" y="0"/>
+          <a:chExt cx="0" cy="0"/>
+        </a:xfrm>
+      </p:grpSpPr>
+      <p:sp>
+        <p:nvSpPr>
+          <p:cNvPr id="2" name="Title 1"/>
+          <p:cNvSpPr>
+            <a:spLocks noGrp="1"/>
+          </p:cNvSpPr>
+          <p:nvPr>
+            <p:ph type="title"/>
+          </p:nvPr>
+        </p:nvSpPr>
+        <p:spPr>
+          <a:xfrm>
+            <a:off x="774885" y="609600"/>
+            <a:ext cx="6072182" cy="3022600"/>
+          </a:xfrm>
+        </p:spPr>
+        <p:txBody>
+          <a:bodyPr anchor="ctr">
+            <a:normAutofit/>
+          </a:bodyPr>
+          <a:lstStyle>
+            <a:lvl1pPr algn="l">
+              <a:defRPr sz="4400" b="0" cap="none"/>
+            </a:lvl1pPr>
+          </a:lstStyle>
+          <a:p>
+            <a:r>
+              <a:rPr lang="en-US"/>
+              <a:t>Click to edit Master title style</a:t>
+            </a:r>
+            <a:endParaRPr lang="en-US" dirty="0"/>
+          </a:p>
+        </p:txBody>
+      </p:sp>
+      <p:sp>
+        <p:nvSpPr>
+          <p:cNvPr id="23" name="Text Placeholder 9"/>
+          <p:cNvSpPr>
+            <a:spLocks noGrp="1"/>
+          </p:cNvSpPr>
+          <p:nvPr>
+            <p:ph type="body" sz="quarter" idx="13"/>
+          </p:nvPr>
+        </p:nvSpPr>
+        <p:spPr>
+          <a:xfrm>
+            <a:off x="609597" y="4013200"/>
+            <a:ext cx="6347716" cy="514248"/>
+          </a:xfrm>
+        </p:spPr>
+        <p:txBody>
+          <a:bodyPr anchor="b">
+            <a:noAutofit/>
+          </a:bodyPr>
+          <a:lstStyle>
+            <a:lvl1pPr marL="0" indent="0">
+              <a:buFontTx/>
+              <a:buNone/>
+              <a:defRPr sz="2400">
+                <a:solidFill>
+                  <a:schemeClr val="tx1">
+                    <a:lumMod val="75000"/>
+                    <a:lumOff val="25000"/>
+                  </a:schemeClr>
+                </a:solidFill>
+              </a:defRPr>
+            </a:lvl1pPr>
+            <a:lvl2pPr marL="457200" indent="0">
+              <a:buFontTx/>
+              <a:buNone/>
+              <a:defRPr/>
+            </a:lvl2pPr>
+            <a:lvl3pPr marL="914400" indent="0">
+              <a:buFontTx/>
+              <a:buNone/>
+              <a:defRPr/>
+            </a:lvl3pPr>
+            <a:lvl4pPr marL="1371600" indent="0">
+              <a:buFontTx/>
+              <a:buNone/>
+              <a:defRPr/>
+            </a:lvl4pPr>
+            <a:lvl5pPr marL="1828800" indent="0">
+              <a:buFontTx/>
+              <a:buNone/>
+              <a:defRPr/>
+            </a:lvl5pPr>
+          </a:lstStyle>
+          <a:p>
+            <a:pPr lvl="0"/>
+            <a:r>
+              <a:rPr lang="en-US"/>
+              <a:t>Edit Master text styles</a:t>
+            </a:r>
+          </a:p>
+        </p:txBody>
+      </p:sp>
+      <p:sp>
+        <p:nvSpPr>
+          <p:cNvPr id="3" name="Text Placeholder 2"/>
+          <p:cNvSpPr>
+            <a:spLocks noGrp="1"/>
+          </p:cNvSpPr>
+          <p:nvPr>
+            <p:ph type="body" idx="1"/>
+          </p:nvPr>
+        </p:nvSpPr>
+        <p:spPr>
+          <a:xfrm>
+            <a:off x="609598" y="4527448"/>
+            <a:ext cx="6347715" cy="1513914"/>
+          </a:xfrm>
+        </p:spPr>
+        <p:txBody>
+          <a:bodyPr anchor="t">
+            <a:normAutofit/>
+          </a:bodyPr>
+          <a:lstStyle>
+            <a:lvl1pPr marL="0" indent="0" algn="l">
+              <a:buNone/>
+              <a:defRPr sz="1800">
+                <a:solidFill>
+                  <a:schemeClr val="tx1">
+                    <a:lumMod val="50000"/>
+                    <a:lumOff val="50000"/>
+                  </a:schemeClr>
+                </a:solidFill>
+              </a:defRPr>
+            </a:lvl1pPr>
+            <a:lvl2pPr marL="457200" indent="0">
+              <a:buNone/>
+              <a:defRPr sz="1800">
+                <a:solidFill>
+                  <a:schemeClr val="tx1">
+                    <a:tint val="75000"/>
+                  </a:schemeClr>
+                </a:solidFill>
+              </a:defRPr>
+            </a:lvl2pPr>
+            <a:lvl3pPr marL="914400" indent="0">
+              <a:buNone/>
+              <a:defRPr sz="1600">
+                <a:solidFill>
+                  <a:schemeClr val="tx1">
+                    <a:tint val="75000"/>
+                  </a:schemeClr>
+                </a:solidFill>
+              </a:defRPr>
+            </a:lvl3pPr>
+            <a:lvl4pPr marL="1371600" indent="0">
+              <a:buNone/>
+              <a:defRPr sz="1400">
+                <a:solidFill>
+                  <a:schemeClr val="tx1">
+                    <a:tint val="75000"/>
+                  </a:schemeClr>
+                </a:solidFill>
+              </a:defRPr>
+            </a:lvl4pPr>
+            <a:lvl5pPr marL="1828800" indent="0">
+              <a:buNone/>
+              <a:defRPr sz="1400">
+                <a:solidFill>
+                  <a:schemeClr val="tx1">
+                    <a:tint val="75000"/>
+                  </a:schemeClr>
+                </a:solidFill>
+              </a:defRPr>
+            </a:lvl5pPr>
+            <a:lvl6pPr marL="2286000" indent="0">
+              <a:buNone/>
+              <a:defRPr sz="1400">
+                <a:solidFill>
+                  <a:schemeClr val="tx1">
+                    <a:tint val="75000"/>
+                  </a:schemeClr>
+                </a:solidFill>
+              </a:defRPr>
+            </a:lvl6pPr>
+            <a:lvl7pPr marL="2743200" indent="0">
+              <a:buNone/>
+              <a:defRPr sz="1400">
+                <a:solidFill>
+                  <a:schemeClr val="tx1">
+                    <a:tint val="75000"/>
+                  </a:schemeClr>
+                </a:solidFill>
+              </a:defRPr>
+            </a:lvl7pPr>
+            <a:lvl8pPr marL="3200400" indent="0">
+              <a:buNone/>
+              <a:defRPr sz="1400">
+                <a:solidFill>
+                  <a:schemeClr val="tx1">
+                    <a:tint val="75000"/>
+                  </a:schemeClr>
+                </a:solidFill>
+              </a:defRPr>
+            </a:lvl8pPr>
+            <a:lvl9pPr marL="3657600" indent="0">
+              <a:buNone/>
+              <a:defRPr sz="1400">
+                <a:solidFill>
+                  <a:schemeClr val="tx1">
+                    <a:tint val="75000"/>
+                  </a:schemeClr>
+                </a:solidFill>
+              </a:defRPr>
+            </a:lvl9pPr>
+          </a:lstStyle>
+          <a:p>
+            <a:pPr lvl="0"/>
+            <a:r>
+              <a:rPr lang="en-US"/>
+              <a:t>Edit Master text styles</a:t>
+            </a:r>
+          </a:p>
+        </p:txBody>
+      </p:sp>
+      <p:sp>
+        <p:nvSpPr>
+          <p:cNvPr id="4" name="Date Placeholder 3"/>
+          <p:cNvSpPr>
+            <a:spLocks noGrp="1"/>
+          </p:cNvSpPr>
+          <p:nvPr>
+            <p:ph type="dt" sz="half" idx="10"/>
+          </p:nvPr>
+        </p:nvSpPr>
+        <p:spPr/>
+        <p:txBody>
+          <a:bodyPr/>
+          <a:lstStyle/>
+          <a:p>
+            <a:fld id="{EA6D3D03-B31B-4939-8E10-752301E5E0B4}" type="datetimeFigureOut">
+              <a:rPr lang="en-US" smtClean="0"/>
+              <a:t>3/28/2018</a:t>
+            </a:fld>
+            <a:endParaRPr lang="en-CA"/>
+          </a:p>
+        </p:txBody>
+      </p:sp>
+      <p:sp>
+        <p:nvSpPr>
+          <p:cNvPr id="5" name="Footer Placeholder 4"/>
+          <p:cNvSpPr>
+            <a:spLocks noGrp="1"/>
+          </p:cNvSpPr>
+          <p:nvPr>
+            <p:ph type="ftr" sz="quarter" idx="11"/>
+          </p:nvPr>
+        </p:nvSpPr>
+        <p:spPr/>
+        <p:txBody>
+          <a:bodyPr/>
+          <a:lstStyle/>
+          <a:p>
+            <a:endParaRPr lang="en-CA"/>
+          </a:p>
+        </p:txBody>
+      </p:sp>
+      <p:sp>
+        <p:nvSpPr>
+          <p:cNvPr id="6" name="Slide Number Placeholder 5"/>
+          <p:cNvSpPr>
+            <a:spLocks noGrp="1"/>
+          </p:cNvSpPr>
+          <p:nvPr>
+            <p:ph type="sldNum" sz="quarter" idx="12"/>
+          </p:nvPr>
+        </p:nvSpPr>
+        <p:spPr/>
+        <p:txBody>
+          <a:bodyPr/>
+          <a:lstStyle/>
+          <a:p>
+            <a:fld id="{3CCFE09A-2A8C-4448-A0A7-06AEDA26591C}" type="slidenum">
+              <a:rPr lang="en-CA" smtClean="0"/>
+              <a:t>‹#›</a:t>
+            </a:fld>
+            <a:endParaRPr lang="en-CA"/>
+          </a:p>
+        </p:txBody>
+      </p:sp>
+      <p:sp>
+        <p:nvSpPr>
+          <p:cNvPr id="24" name="TextBox 23"/>
+          <p:cNvSpPr txBox="1"/>
+          <p:nvPr/>
+        </p:nvSpPr>
+        <p:spPr>
+          <a:xfrm>
+            <a:off x="482711" y="790378"/>
+            <a:ext cx="457319" cy="584776"/>
+          </a:xfrm>
+          <a:prstGeom prst="rect">
+            <a:avLst/>
+          </a:prstGeom>
+        </p:spPr>
+        <p:txBody>
+          <a:bodyPr vert="horz" lIns="91440" tIns="45720" rIns="91440" bIns="45720" rtlCol="0" anchor="ctr">
+            <a:noAutofit/>
+          </a:bodyPr>
+          <a:lstStyle/>
+          <a:p>
+            <a:pPr lvl="0"/>
+            <a:r>
+              <a:rPr lang="en-US" sz="8000" baseline="0" dirty="0">
+                <a:ln w="3175" cmpd="sng">
+                  <a:noFill/>
+                </a:ln>
+                <a:solidFill>
+                  <a:schemeClr val="accent1"/>
+                </a:solidFill>
+                <a:effectLst/>
+                <a:latin typeface="Arial"/>
+              </a:rPr>
+              <a:t>“</a:t>
+            </a:r>
+          </a:p>
+        </p:txBody>
+      </p:sp>
+      <p:sp>
+        <p:nvSpPr>
+          <p:cNvPr id="25" name="TextBox 24"/>
+          <p:cNvSpPr txBox="1"/>
+          <p:nvPr/>
+        </p:nvSpPr>
+        <p:spPr>
+          <a:xfrm>
+            <a:off x="6747699" y="2886556"/>
+            <a:ext cx="457319" cy="584776"/>
+          </a:xfrm>
+          <a:prstGeom prst="rect">
+            <a:avLst/>
+          </a:prstGeom>
+        </p:spPr>
+        <p:txBody>
+          <a:bodyPr vert="horz" lIns="91440" tIns="45720" rIns="91440" bIns="45720" rtlCol="0" anchor="ctr">
+            <a:noAutofit/>
+          </a:bodyPr>
+          <a:lstStyle/>
+          <a:p>
+            <a:pPr lvl="0"/>
+            <a:r>
+              <a:rPr lang="en-US" sz="8000" baseline="0" dirty="0">
+                <a:ln w="3175" cmpd="sng">
+                  <a:noFill/>
+                </a:ln>
+                <a:solidFill>
+                  <a:schemeClr val="accent1"/>
+                </a:solidFill>
+                <a:effectLst/>
+                <a:latin typeface="Arial"/>
+              </a:rPr>
+              <a:t>”</a:t>
+            </a:r>
+          </a:p>
+        </p:txBody>
+      </p:sp>
+    </p:spTree>
+    <p:extLst>
+      <p:ext uri="{BB962C8B-B14F-4D97-AF65-F5344CB8AC3E}">
+        <p14:creationId xmlns:p14="http://schemas.microsoft.com/office/powerpoint/2010/main" val="3419011775"/>
+      </p:ext>
+    </p:extLst>
+  </p:cSld>
+  <p:clrMapOvr>
+    <a:masterClrMapping/>
+  </p:clrMapOvr>
+</p:sldLayout>
+</file>
+
+<file path=ppt/slideLayouts/slideLayout14.xml><?xml version="1.0" encoding="utf-8"?>
+<p:sldLayout xmlns:a="http://schemas.openxmlformats.org/drawingml/2006/main" xmlns:r="http://schemas.openxmlformats.org/officeDocument/2006/relationships" xmlns:p="http://schemas.openxmlformats.org/presentationml/2006/main" preserve="1">
+  <p:cSld name="True or False">
+    <p:spTree>
+      <p:nvGrpSpPr>
+        <p:cNvPr id="1" name=""/>
+        <p:cNvGrpSpPr/>
+        <p:nvPr/>
+      </p:nvGrpSpPr>
+      <p:grpSpPr>
+        <a:xfrm>
+          <a:off x="0" y="0"/>
+          <a:ext cx="0" cy="0"/>
+          <a:chOff x="0" y="0"/>
+          <a:chExt cx="0" cy="0"/>
+        </a:xfrm>
+      </p:grpSpPr>
+      <p:sp>
+        <p:nvSpPr>
+          <p:cNvPr id="2" name="Title 1"/>
+          <p:cNvSpPr>
+            <a:spLocks noGrp="1"/>
+          </p:cNvSpPr>
+          <p:nvPr>
+            <p:ph type="title"/>
+          </p:nvPr>
+        </p:nvSpPr>
+        <p:spPr>
+          <a:xfrm>
+            <a:off x="615848" y="609600"/>
+            <a:ext cx="6341465" cy="3022600"/>
+          </a:xfrm>
+        </p:spPr>
+        <p:txBody>
+          <a:bodyPr anchor="ctr">
+            <a:normAutofit/>
+          </a:bodyPr>
+          <a:lstStyle>
+            <a:lvl1pPr algn="l">
+              <a:defRPr sz="4400" b="0" cap="none"/>
+            </a:lvl1pPr>
+          </a:lstStyle>
+          <a:p>
+            <a:r>
+              <a:rPr lang="en-US"/>
+              <a:t>Click to edit Master title style</a:t>
+            </a:r>
+            <a:endParaRPr lang="en-US" dirty="0"/>
+          </a:p>
+        </p:txBody>
+      </p:sp>
+      <p:sp>
+        <p:nvSpPr>
+          <p:cNvPr id="23" name="Text Placeholder 9"/>
+          <p:cNvSpPr>
+            <a:spLocks noGrp="1"/>
+          </p:cNvSpPr>
+          <p:nvPr>
+            <p:ph type="body" sz="quarter" idx="13"/>
+          </p:nvPr>
+        </p:nvSpPr>
+        <p:spPr>
+          <a:xfrm>
+            <a:off x="609597" y="4013200"/>
+            <a:ext cx="6347716" cy="514248"/>
+          </a:xfrm>
+        </p:spPr>
+        <p:txBody>
+          <a:bodyPr anchor="b">
+            <a:noAutofit/>
+          </a:bodyPr>
+          <a:lstStyle>
+            <a:lvl1pPr marL="0" indent="0">
+              <a:buFontTx/>
+              <a:buNone/>
+              <a:defRPr sz="2400">
+                <a:solidFill>
+                  <a:schemeClr val="accent1"/>
+                </a:solidFill>
+              </a:defRPr>
+            </a:lvl1pPr>
+            <a:lvl2pPr marL="457200" indent="0">
+              <a:buFontTx/>
+              <a:buNone/>
+              <a:defRPr/>
+            </a:lvl2pPr>
+            <a:lvl3pPr marL="914400" indent="0">
+              <a:buFontTx/>
+              <a:buNone/>
+              <a:defRPr/>
+            </a:lvl3pPr>
+            <a:lvl4pPr marL="1371600" indent="0">
+              <a:buFontTx/>
+              <a:buNone/>
+              <a:defRPr/>
+            </a:lvl4pPr>
+            <a:lvl5pPr marL="1828800" indent="0">
+              <a:buFontTx/>
+              <a:buNone/>
+              <a:defRPr/>
+            </a:lvl5pPr>
+          </a:lstStyle>
+          <a:p>
+            <a:pPr lvl="0"/>
+            <a:r>
+              <a:rPr lang="en-US"/>
+              <a:t>Edit Master text styles</a:t>
+            </a:r>
+          </a:p>
+        </p:txBody>
+      </p:sp>
+      <p:sp>
+        <p:nvSpPr>
+          <p:cNvPr id="3" name="Text Placeholder 2"/>
+          <p:cNvSpPr>
+            <a:spLocks noGrp="1"/>
+          </p:cNvSpPr>
+          <p:nvPr>
+            <p:ph type="body" idx="1"/>
+          </p:nvPr>
+        </p:nvSpPr>
+        <p:spPr>
+          <a:xfrm>
+            <a:off x="609598" y="4527448"/>
+            <a:ext cx="6347715" cy="1513914"/>
+          </a:xfrm>
+        </p:spPr>
+        <p:txBody>
+          <a:bodyPr anchor="t">
+            <a:normAutofit/>
+          </a:bodyPr>
+          <a:lstStyle>
+            <a:lvl1pPr marL="0" indent="0" algn="l">
+              <a:buNone/>
+              <a:defRPr sz="1800">
+                <a:solidFill>
+                  <a:schemeClr val="tx1">
+                    <a:lumMod val="50000"/>
+                    <a:lumOff val="50000"/>
+                  </a:schemeClr>
+                </a:solidFill>
+              </a:defRPr>
+            </a:lvl1pPr>
+            <a:lvl2pPr marL="457200" indent="0">
+              <a:buNone/>
+              <a:defRPr sz="1800">
+                <a:solidFill>
+                  <a:schemeClr val="tx1">
+                    <a:tint val="75000"/>
+                  </a:schemeClr>
+                </a:solidFill>
+              </a:defRPr>
+            </a:lvl2pPr>
+            <a:lvl3pPr marL="914400" indent="0">
+              <a:buNone/>
+              <a:defRPr sz="1600">
+                <a:solidFill>
+                  <a:schemeClr val="tx1">
+                    <a:tint val="75000"/>
+                  </a:schemeClr>
+                </a:solidFill>
+              </a:defRPr>
+            </a:lvl3pPr>
+            <a:lvl4pPr marL="1371600" indent="0">
+              <a:buNone/>
+              <a:defRPr sz="1400">
+                <a:solidFill>
+                  <a:schemeClr val="tx1">
+                    <a:tint val="75000"/>
+                  </a:schemeClr>
+                </a:solidFill>
+              </a:defRPr>
+            </a:lvl4pPr>
+            <a:lvl5pPr marL="1828800" indent="0">
+              <a:buNone/>
+              <a:defRPr sz="1400">
+                <a:solidFill>
+                  <a:schemeClr val="tx1">
+                    <a:tint val="75000"/>
+                  </a:schemeClr>
+                </a:solidFill>
+              </a:defRPr>
+            </a:lvl5pPr>
+            <a:lvl6pPr marL="2286000" indent="0">
+              <a:buNone/>
+              <a:defRPr sz="1400">
+                <a:solidFill>
+                  <a:schemeClr val="tx1">
+                    <a:tint val="75000"/>
+                  </a:schemeClr>
+                </a:solidFill>
+              </a:defRPr>
+            </a:lvl6pPr>
+            <a:lvl7pPr marL="2743200" indent="0">
+              <a:buNone/>
+              <a:defRPr sz="1400">
+                <a:solidFill>
+                  <a:schemeClr val="tx1">
+                    <a:tint val="75000"/>
+                  </a:schemeClr>
+                </a:solidFill>
+              </a:defRPr>
+            </a:lvl7pPr>
+            <a:lvl8pPr marL="3200400" indent="0">
+              <a:buNone/>
+              <a:defRPr sz="1400">
+                <a:solidFill>
+                  <a:schemeClr val="tx1">
+                    <a:tint val="75000"/>
+                  </a:schemeClr>
+                </a:solidFill>
+              </a:defRPr>
+            </a:lvl8pPr>
+            <a:lvl9pPr marL="3657600" indent="0">
+              <a:buNone/>
+              <a:defRPr sz="1400">
+                <a:solidFill>
+                  <a:schemeClr val="tx1">
+                    <a:tint val="75000"/>
+                  </a:schemeClr>
+                </a:solidFill>
+              </a:defRPr>
+            </a:lvl9pPr>
+          </a:lstStyle>
+          <a:p>
+            <a:pPr lvl="0"/>
+            <a:r>
+              <a:rPr lang="en-US"/>
+              <a:t>Edit Master text styles</a:t>
+            </a:r>
+          </a:p>
+        </p:txBody>
+      </p:sp>
+      <p:sp>
+        <p:nvSpPr>
+          <p:cNvPr id="4" name="Date Placeholder 3"/>
+          <p:cNvSpPr>
+            <a:spLocks noGrp="1"/>
+          </p:cNvSpPr>
+          <p:nvPr>
+            <p:ph type="dt" sz="half" idx="10"/>
+          </p:nvPr>
+        </p:nvSpPr>
+        <p:spPr/>
+        <p:txBody>
+          <a:bodyPr/>
+          <a:lstStyle/>
+          <a:p>
+            <a:fld id="{EA6D3D03-B31B-4939-8E10-752301E5E0B4}" type="datetimeFigureOut">
+              <a:rPr lang="en-US" smtClean="0"/>
+              <a:t>3/28/2018</a:t>
+            </a:fld>
+            <a:endParaRPr lang="en-CA"/>
+          </a:p>
+        </p:txBody>
+      </p:sp>
+      <p:sp>
+        <p:nvSpPr>
+          <p:cNvPr id="5" name="Footer Placeholder 4"/>
+          <p:cNvSpPr>
+            <a:spLocks noGrp="1"/>
+          </p:cNvSpPr>
+          <p:nvPr>
+            <p:ph type="ftr" sz="quarter" idx="11"/>
+          </p:nvPr>
+        </p:nvSpPr>
+        <p:spPr/>
+        <p:txBody>
+          <a:bodyPr/>
+          <a:lstStyle/>
+          <a:p>
+            <a:endParaRPr lang="en-CA"/>
+          </a:p>
+        </p:txBody>
+      </p:sp>
+      <p:sp>
+        <p:nvSpPr>
+          <p:cNvPr id="6" name="Slide Number Placeholder 5"/>
+          <p:cNvSpPr>
+            <a:spLocks noGrp="1"/>
+          </p:cNvSpPr>
+          <p:nvPr>
+            <p:ph type="sldNum" sz="quarter" idx="12"/>
+          </p:nvPr>
+        </p:nvSpPr>
+        <p:spPr/>
+        <p:txBody>
+          <a:bodyPr/>
+          <a:lstStyle/>
+          <a:p>
+            <a:fld id="{3CCFE09A-2A8C-4448-A0A7-06AEDA26591C}" type="slidenum">
+              <a:rPr lang="en-CA" smtClean="0"/>
+              <a:t>‹#›</a:t>
+            </a:fld>
+            <a:endParaRPr lang="en-CA"/>
+          </a:p>
+        </p:txBody>
+      </p:sp>
+    </p:spTree>
+    <p:extLst>
+      <p:ext uri="{BB962C8B-B14F-4D97-AF65-F5344CB8AC3E}">
+        <p14:creationId xmlns:p14="http://schemas.microsoft.com/office/powerpoint/2010/main" val="2195923325"/>
+      </p:ext>
+    </p:extLst>
+  </p:cSld>
+  <p:clrMapOvr>
+    <a:masterClrMapping/>
+  </p:clrMapOvr>
+</p:sldLayout>
+</file>
+
+<file path=ppt/slideLayouts/slideLayout15.xml><?xml version="1.0" encoding="utf-8"?>
 <p:sldLayout xmlns:a="http://schemas.openxmlformats.org/drawingml/2006/main" xmlns:r="http://schemas.openxmlformats.org/officeDocument/2006/relationships" xmlns:p="http://schemas.openxmlformats.org/presentationml/2006/main" type="vertTx" preserve="1">
   <p:cSld name="Title and Vertical Text">
     <p:spTree>
@@ -1847,10 +4065,10 @@
           <a:lstStyle/>
           <a:p>
             <a:r>
-              <a:rPr lang="en-US" smtClean="0"/>
+              <a:rPr lang="en-US"/>
               <a:t>Click to edit Master title style</a:t>
             </a:r>
-            <a:endParaRPr lang="en-CA"/>
+            <a:endParaRPr lang="en-US" dirty="0"/>
           </a:p>
         </p:txBody>
       </p:sp>
@@ -1871,38 +4089,38 @@
           <a:p>
             <a:pPr lvl="0"/>
             <a:r>
-              <a:rPr lang="en-US" smtClean="0"/>
-              <a:t>Click to edit Master text styles</a:t>
+              <a:rPr lang="en-US"/>
+              <a:t>Edit Master text styles</a:t>
             </a:r>
           </a:p>
           <a:p>
             <a:pPr lvl="1"/>
             <a:r>
-              <a:rPr lang="en-US" smtClean="0"/>
+              <a:rPr lang="en-US"/>
               <a:t>Second level</a:t>
             </a:r>
           </a:p>
           <a:p>
             <a:pPr lvl="2"/>
             <a:r>
-              <a:rPr lang="en-US" smtClean="0"/>
+              <a:rPr lang="en-US"/>
               <a:t>Third level</a:t>
             </a:r>
           </a:p>
           <a:p>
             <a:pPr lvl="3"/>
             <a:r>
-              <a:rPr lang="en-US" smtClean="0"/>
+              <a:rPr lang="en-US"/>
               <a:t>Fourth level</a:t>
             </a:r>
           </a:p>
           <a:p>
             <a:pPr lvl="4"/>
             <a:r>
-              <a:rPr lang="en-US" smtClean="0"/>
+              <a:rPr lang="en-US"/>
               <a:t>Fifth level</a:t>
             </a:r>
-            <a:endParaRPr lang="en-CA"/>
+            <a:endParaRPr lang="en-US" dirty="0"/>
           </a:p>
         </p:txBody>
       </p:sp>
@@ -1923,7 +4141,7 @@
           <a:p>
             <a:fld id="{EA6D3D03-B31B-4939-8E10-752301E5E0B4}" type="datetimeFigureOut">
               <a:rPr lang="en-US" smtClean="0"/>
-              <a:t>3/27/2018</a:t>
+              <a:t>3/28/2018</a:t>
             </a:fld>
             <a:endParaRPr lang="en-CA"/>
           </a:p>
@@ -1972,6 +4190,11 @@
         </p:txBody>
       </p:sp>
     </p:spTree>
+    <p:extLst>
+      <p:ext uri="{BB962C8B-B14F-4D97-AF65-F5344CB8AC3E}">
+        <p14:creationId xmlns:p14="http://schemas.microsoft.com/office/powerpoint/2010/main" val="3576287190"/>
+      </p:ext>
+    </p:extLst>
   </p:cSld>
   <p:clrMapOvr>
     <a:masterClrMapping/>
@@ -1979,7 +4202,7 @@
 </p:sldLayout>
 </file>
 
-<file path=ppt/slideLayouts/slideLayout11.xml><?xml version="1.0" encoding="utf-8"?>
+<file path=ppt/slideLayouts/slideLayout16.xml><?xml version="1.0" encoding="utf-8"?>
 <p:sldLayout xmlns:a="http://schemas.openxmlformats.org/drawingml/2006/main" xmlns:r="http://schemas.openxmlformats.org/officeDocument/2006/relationships" xmlns:p="http://schemas.openxmlformats.org/presentationml/2006/main" type="vertTitleAndTx" preserve="1">
   <p:cSld name="Vertical Title and Text">
     <p:spTree>
@@ -2008,19 +4231,19 @@
         </p:nvSpPr>
         <p:spPr>
           <a:xfrm>
-            <a:off x="6629400" y="274638"/>
-            <a:ext cx="2057400" cy="5851525"/>
+            <a:off x="5977312" y="609600"/>
+            <a:ext cx="978812" cy="5251451"/>
           </a:xfrm>
         </p:spPr>
         <p:txBody>
-          <a:bodyPr vert="eaVert"/>
-          <a:lstStyle/>
-          <a:p>
-            <a:r>
-              <a:rPr lang="en-US" smtClean="0"/>
+          <a:bodyPr vert="eaVert" anchor="ctr"/>
+          <a:lstStyle/>
+          <a:p>
+            <a:r>
+              <a:rPr lang="en-US"/>
               <a:t>Click to edit Master title style</a:t>
             </a:r>
-            <a:endParaRPr lang="en-CA"/>
+            <a:endParaRPr lang="en-US" dirty="0"/>
           </a:p>
         </p:txBody>
       </p:sp>
@@ -2036,8 +4259,8 @@
         </p:nvSpPr>
         <p:spPr>
           <a:xfrm>
-            <a:off x="457200" y="274638"/>
-            <a:ext cx="6019800" cy="5851525"/>
+            <a:off x="609599" y="609600"/>
+            <a:ext cx="5195026" cy="5251451"/>
           </a:xfrm>
         </p:spPr>
         <p:txBody>
@@ -2046,38 +4269,38 @@
           <a:p>
             <a:pPr lvl="0"/>
             <a:r>
-              <a:rPr lang="en-US" smtClean="0"/>
-              <a:t>Click to edit Master text styles</a:t>
+              <a:rPr lang="en-US"/>
+              <a:t>Edit Master text styles</a:t>
             </a:r>
           </a:p>
           <a:p>
             <a:pPr lvl="1"/>
             <a:r>
-              <a:rPr lang="en-US" smtClean="0"/>
+              <a:rPr lang="en-US"/>
               <a:t>Second level</a:t>
             </a:r>
           </a:p>
           <a:p>
             <a:pPr lvl="2"/>
             <a:r>
-              <a:rPr lang="en-US" smtClean="0"/>
+              <a:rPr lang="en-US"/>
               <a:t>Third level</a:t>
             </a:r>
           </a:p>
           <a:p>
             <a:pPr lvl="3"/>
             <a:r>
-              <a:rPr lang="en-US" smtClean="0"/>
+              <a:rPr lang="en-US"/>
               <a:t>Fourth level</a:t>
             </a:r>
           </a:p>
           <a:p>
             <a:pPr lvl="4"/>
             <a:r>
-              <a:rPr lang="en-US" smtClean="0"/>
+              <a:rPr lang="en-US"/>
               <a:t>Fifth level</a:t>
             </a:r>
-            <a:endParaRPr lang="en-CA"/>
+            <a:endParaRPr lang="en-US" dirty="0"/>
           </a:p>
         </p:txBody>
       </p:sp>
@@ -2098,7 +4321,7 @@
           <a:p>
             <a:fld id="{EA6D3D03-B31B-4939-8E10-752301E5E0B4}" type="datetimeFigureOut">
               <a:rPr lang="en-US" smtClean="0"/>
-              <a:t>3/27/2018</a:t>
+              <a:t>3/28/2018</a:t>
             </a:fld>
             <a:endParaRPr lang="en-CA"/>
           </a:p>
@@ -2147,6 +4370,11 @@
         </p:txBody>
       </p:sp>
     </p:spTree>
+    <p:extLst>
+      <p:ext uri="{BB962C8B-B14F-4D97-AF65-F5344CB8AC3E}">
+        <p14:creationId xmlns:p14="http://schemas.microsoft.com/office/powerpoint/2010/main" val="3692130385"/>
+      </p:ext>
+    </p:extLst>
   </p:cSld>
   <p:clrMapOvr>
     <a:masterClrMapping/>
@@ -2183,66 +4411,72 @@
         </p:nvSpPr>
         <p:spPr/>
         <p:txBody>
+          <a:bodyPr>
+            <a:normAutofit/>
+          </a:bodyPr>
+          <a:lstStyle>
+            <a:lvl1pPr>
+              <a:defRPr sz="3600"/>
+            </a:lvl1pPr>
+          </a:lstStyle>
+          <a:p>
+            <a:r>
+              <a:rPr lang="en-US"/>
+              <a:t>Click to edit Master title style</a:t>
+            </a:r>
+            <a:endParaRPr lang="en-US" dirty="0"/>
+          </a:p>
+        </p:txBody>
+      </p:sp>
+      <p:sp>
+        <p:nvSpPr>
+          <p:cNvPr id="3" name="Content Placeholder 2"/>
+          <p:cNvSpPr>
+            <a:spLocks noGrp="1"/>
+          </p:cNvSpPr>
+          <p:nvPr>
+            <p:ph idx="1"/>
+          </p:nvPr>
+        </p:nvSpPr>
+        <p:spPr/>
+        <p:txBody>
           <a:bodyPr/>
           <a:lstStyle/>
           <a:p>
-            <a:r>
-              <a:rPr lang="en-US" smtClean="0"/>
-              <a:t>Click to edit Master title style</a:t>
-            </a:r>
-            <a:endParaRPr lang="en-CA"/>
-          </a:p>
-        </p:txBody>
-      </p:sp>
-      <p:sp>
-        <p:nvSpPr>
-          <p:cNvPr id="3" name="Content Placeholder 2"/>
-          <p:cNvSpPr>
-            <a:spLocks noGrp="1"/>
-          </p:cNvSpPr>
-          <p:nvPr>
-            <p:ph idx="1"/>
-          </p:nvPr>
-        </p:nvSpPr>
-        <p:spPr/>
-        <p:txBody>
-          <a:bodyPr/>
-          <a:lstStyle/>
-          <a:p>
             <a:pPr lvl="0"/>
             <a:r>
-              <a:rPr lang="en-US" smtClean="0"/>
-              <a:t>Click to edit Master text styles</a:t>
+              <a:rPr lang="en-US"/>
+              <a:t>Edit Master text styles</a:t>
             </a:r>
           </a:p>
           <a:p>
             <a:pPr lvl="1"/>
             <a:r>
-              <a:rPr lang="en-US" smtClean="0"/>
+              <a:rPr lang="en-US"/>
               <a:t>Second level</a:t>
             </a:r>
           </a:p>
           <a:p>
             <a:pPr lvl="2"/>
             <a:r>
-              <a:rPr lang="en-US" smtClean="0"/>
+              <a:rPr lang="en-US"/>
               <a:t>Third level</a:t>
             </a:r>
           </a:p>
           <a:p>
             <a:pPr lvl="3"/>
             <a:r>
-              <a:rPr lang="en-US" smtClean="0"/>
+              <a:rPr lang="en-US"/>
               <a:t>Fourth level</a:t>
             </a:r>
           </a:p>
           <a:p>
             <a:pPr lvl="4"/>
             <a:r>
-              <a:rPr lang="en-US" smtClean="0"/>
+              <a:rPr lang="en-US"/>
               <a:t>Fifth level</a:t>
             </a:r>
-            <a:endParaRPr lang="en-CA"/>
+            <a:endParaRPr lang="en-US" dirty="0"/>
           </a:p>
         </p:txBody>
       </p:sp>
@@ -2263,7 +4497,7 @@
           <a:p>
             <a:fld id="{EA6D3D03-B31B-4939-8E10-752301E5E0B4}" type="datetimeFigureOut">
               <a:rPr lang="en-US" smtClean="0"/>
-              <a:t>3/27/2018</a:t>
+              <a:t>3/28/2018</a:t>
             </a:fld>
             <a:endParaRPr lang="en-CA"/>
           </a:p>
@@ -2312,6 +4546,11 @@
         </p:txBody>
       </p:sp>
     </p:spTree>
+    <p:extLst>
+      <p:ext uri="{BB962C8B-B14F-4D97-AF65-F5344CB8AC3E}">
+        <p14:creationId xmlns:p14="http://schemas.microsoft.com/office/powerpoint/2010/main" val="2127136034"/>
+      </p:ext>
+    </p:extLst>
   </p:cSld>
   <p:clrMapOvr>
     <a:masterClrMapping/>
@@ -2348,52 +4587,50 @@
         </p:nvSpPr>
         <p:spPr>
           <a:xfrm>
-            <a:off x="722313" y="4406900"/>
-            <a:ext cx="7772400" cy="1362075"/>
+            <a:off x="609598" y="2700868"/>
+            <a:ext cx="6347715" cy="1826581"/>
           </a:xfrm>
         </p:spPr>
         <p:txBody>
+          <a:bodyPr anchor="b"/>
+          <a:lstStyle>
+            <a:lvl1pPr algn="l">
+              <a:defRPr sz="4000" b="0" cap="none"/>
+            </a:lvl1pPr>
+          </a:lstStyle>
+          <a:p>
+            <a:r>
+              <a:rPr lang="en-US"/>
+              <a:t>Click to edit Master title style</a:t>
+            </a:r>
+            <a:endParaRPr lang="en-US" dirty="0"/>
+          </a:p>
+        </p:txBody>
+      </p:sp>
+      <p:sp>
+        <p:nvSpPr>
+          <p:cNvPr id="3" name="Text Placeholder 2"/>
+          <p:cNvSpPr>
+            <a:spLocks noGrp="1"/>
+          </p:cNvSpPr>
+          <p:nvPr>
+            <p:ph type="body" idx="1"/>
+          </p:nvPr>
+        </p:nvSpPr>
+        <p:spPr>
+          <a:xfrm>
+            <a:off x="609598" y="4527448"/>
+            <a:ext cx="6347715" cy="860400"/>
+          </a:xfrm>
+        </p:spPr>
+        <p:txBody>
           <a:bodyPr anchor="t"/>
           <a:lstStyle>
-            <a:lvl1pPr algn="l">
-              <a:defRPr sz="4000" b="1" cap="all"/>
-            </a:lvl1pPr>
-          </a:lstStyle>
-          <a:p>
-            <a:r>
-              <a:rPr lang="en-US" smtClean="0"/>
-              <a:t>Click to edit Master title style</a:t>
-            </a:r>
-            <a:endParaRPr lang="en-CA"/>
-          </a:p>
-        </p:txBody>
-      </p:sp>
-      <p:sp>
-        <p:nvSpPr>
-          <p:cNvPr id="3" name="Text Placeholder 2"/>
-          <p:cNvSpPr>
-            <a:spLocks noGrp="1"/>
-          </p:cNvSpPr>
-          <p:nvPr>
-            <p:ph type="body" idx="1"/>
-          </p:nvPr>
-        </p:nvSpPr>
-        <p:spPr>
-          <a:xfrm>
-            <a:off x="722313" y="2906713"/>
-            <a:ext cx="7772400" cy="1500187"/>
-          </a:xfrm>
-        </p:spPr>
-        <p:txBody>
-          <a:bodyPr anchor="b"/>
-          <a:lstStyle>
-            <a:lvl1pPr marL="0" indent="0">
+            <a:lvl1pPr marL="0" indent="0" algn="l">
               <a:buNone/>
               <a:defRPr sz="2000">
                 <a:solidFill>
-                  <a:schemeClr val="tx1">
-                    <a:tint val="75000"/>
-                  </a:schemeClr>
+                  <a:schemeClr val="tx1"/>
                 </a:solidFill>
               </a:defRPr>
             </a:lvl1pPr>
@@ -2481,8 +4718,8 @@
           <a:p>
             <a:pPr lvl="0"/>
             <a:r>
-              <a:rPr lang="en-US" smtClean="0"/>
-              <a:t>Click to edit Master text styles</a:t>
+              <a:rPr lang="en-US"/>
+              <a:t>Edit Master text styles</a:t>
             </a:r>
           </a:p>
         </p:txBody>
@@ -2504,7 +4741,7 @@
           <a:p>
             <a:fld id="{EA6D3D03-B31B-4939-8E10-752301E5E0B4}" type="datetimeFigureOut">
               <a:rPr lang="en-US" smtClean="0"/>
-              <a:t>3/27/2018</a:t>
+              <a:t>3/28/2018</a:t>
             </a:fld>
             <a:endParaRPr lang="en-CA"/>
           </a:p>
@@ -2553,6 +4790,11 @@
         </p:txBody>
       </p:sp>
     </p:spTree>
+    <p:extLst>
+      <p:ext uri="{BB962C8B-B14F-4D97-AF65-F5344CB8AC3E}">
+        <p14:creationId xmlns:p14="http://schemas.microsoft.com/office/powerpoint/2010/main" val="2690625469"/>
+      </p:ext>
+    </p:extLst>
   </p:cSld>
   <p:clrMapOvr>
     <a:masterClrMapping/>
@@ -2587,101 +4829,108 @@
             <p:ph type="title"/>
           </p:nvPr>
         </p:nvSpPr>
-        <p:spPr/>
-        <p:txBody>
-          <a:bodyPr/>
-          <a:lstStyle/>
-          <a:p>
-            <a:r>
-              <a:rPr lang="en-US" smtClean="0"/>
-              <a:t>Click to edit Master title style</a:t>
-            </a:r>
-            <a:endParaRPr lang="en-CA"/>
-          </a:p>
-        </p:txBody>
-      </p:sp>
-      <p:sp>
-        <p:nvSpPr>
-          <p:cNvPr id="3" name="Content Placeholder 2"/>
-          <p:cNvSpPr>
-            <a:spLocks noGrp="1"/>
-          </p:cNvSpPr>
-          <p:nvPr>
-            <p:ph sz="half" idx="1"/>
-          </p:nvPr>
-        </p:nvSpPr>
         <p:spPr>
           <a:xfrm>
-            <a:off x="457200" y="1600200"/>
-            <a:ext cx="4038600" cy="4525963"/>
+            <a:off x="609600" y="609600"/>
+            <a:ext cx="6347714" cy="1320800"/>
           </a:xfrm>
         </p:spPr>
         <p:txBody>
           <a:bodyPr/>
+          <a:lstStyle/>
+          <a:p>
+            <a:r>
+              <a:rPr lang="en-US"/>
+              <a:t>Click to edit Master title style</a:t>
+            </a:r>
+            <a:endParaRPr lang="en-US" dirty="0"/>
+          </a:p>
+        </p:txBody>
+      </p:sp>
+      <p:sp>
+        <p:nvSpPr>
+          <p:cNvPr id="3" name="Content Placeholder 2"/>
+          <p:cNvSpPr>
+            <a:spLocks noGrp="1"/>
+          </p:cNvSpPr>
+          <p:nvPr>
+            <p:ph sz="half" idx="1"/>
+          </p:nvPr>
+        </p:nvSpPr>
+        <p:spPr>
+          <a:xfrm>
+            <a:off x="609600" y="2160589"/>
+            <a:ext cx="3088109" cy="3880772"/>
+          </a:xfrm>
+        </p:spPr>
+        <p:txBody>
+          <a:bodyPr>
+            <a:normAutofit/>
+          </a:bodyPr>
           <a:lstStyle>
             <a:lvl1pPr>
-              <a:defRPr sz="2800"/>
+              <a:defRPr sz="1800"/>
             </a:lvl1pPr>
             <a:lvl2pPr>
-              <a:defRPr sz="2400"/>
+              <a:defRPr sz="1600"/>
             </a:lvl2pPr>
             <a:lvl3pPr>
-              <a:defRPr sz="2000"/>
+              <a:defRPr sz="1400"/>
             </a:lvl3pPr>
             <a:lvl4pPr>
-              <a:defRPr sz="1800"/>
+              <a:defRPr sz="1200"/>
             </a:lvl4pPr>
             <a:lvl5pPr>
-              <a:defRPr sz="1800"/>
+              <a:defRPr sz="1200"/>
             </a:lvl5pPr>
             <a:lvl6pPr>
-              <a:defRPr sz="1800"/>
+              <a:defRPr sz="1200"/>
             </a:lvl6pPr>
             <a:lvl7pPr>
-              <a:defRPr sz="1800"/>
+              <a:defRPr sz="1200"/>
             </a:lvl7pPr>
             <a:lvl8pPr>
-              <a:defRPr sz="1800"/>
+              <a:defRPr sz="1200"/>
             </a:lvl8pPr>
             <a:lvl9pPr>
-              <a:defRPr sz="1800"/>
+              <a:defRPr sz="1200"/>
             </a:lvl9pPr>
           </a:lstStyle>
           <a:p>
             <a:pPr lvl="0"/>
             <a:r>
-              <a:rPr lang="en-US" smtClean="0"/>
-              <a:t>Click to edit Master text styles</a:t>
+              <a:rPr lang="en-US"/>
+              <a:t>Edit Master text styles</a:t>
             </a:r>
           </a:p>
           <a:p>
             <a:pPr lvl="1"/>
             <a:r>
-              <a:rPr lang="en-US" smtClean="0"/>
+              <a:rPr lang="en-US"/>
               <a:t>Second level</a:t>
             </a:r>
           </a:p>
           <a:p>
             <a:pPr lvl="2"/>
             <a:r>
-              <a:rPr lang="en-US" smtClean="0"/>
+              <a:rPr lang="en-US"/>
               <a:t>Third level</a:t>
             </a:r>
           </a:p>
           <a:p>
             <a:pPr lvl="3"/>
             <a:r>
-              <a:rPr lang="en-US" smtClean="0"/>
+              <a:rPr lang="en-US"/>
               <a:t>Fourth level</a:t>
             </a:r>
           </a:p>
           <a:p>
             <a:pPr lvl="4"/>
             <a:r>
-              <a:rPr lang="en-US" smtClean="0"/>
+              <a:rPr lang="en-US"/>
               <a:t>Fifth level</a:t>
             </a:r>
-            <a:endParaRPr lang="en-CA"/>
+            <a:endParaRPr lang="en-US" dirty="0"/>
           </a:p>
         </p:txBody>
       </p:sp>
@@ -2697,76 +4946,78 @@
         </p:nvSpPr>
         <p:spPr>
           <a:xfrm>
-            <a:off x="4648200" y="1600200"/>
-            <a:ext cx="4038600" cy="4525963"/>
+            <a:off x="3869204" y="2160590"/>
+            <a:ext cx="3088110" cy="3880773"/>
           </a:xfrm>
         </p:spPr>
         <p:txBody>
-          <a:bodyPr/>
+          <a:bodyPr>
+            <a:normAutofit/>
+          </a:bodyPr>
           <a:lstStyle>
             <a:lvl1pPr>
-              <a:defRPr sz="2800"/>
+              <a:defRPr sz="1800"/>
             </a:lvl1pPr>
             <a:lvl2pPr>
-              <a:defRPr sz="2400"/>
+              <a:defRPr sz="1600"/>
             </a:lvl2pPr>
             <a:lvl3pPr>
-              <a:defRPr sz="2000"/>
+              <a:defRPr sz="1400"/>
             </a:lvl3pPr>
             <a:lvl4pPr>
-              <a:defRPr sz="1800"/>
+              <a:defRPr sz="1200"/>
             </a:lvl4pPr>
             <a:lvl5pPr>
-              <a:defRPr sz="1800"/>
+              <a:defRPr sz="1200"/>
             </a:lvl5pPr>
             <a:lvl6pPr>
-              <a:defRPr sz="1800"/>
+              <a:defRPr sz="1200"/>
             </a:lvl6pPr>
             <a:lvl7pPr>
-              <a:defRPr sz="1800"/>
+              <a:defRPr sz="1200"/>
             </a:lvl7pPr>
             <a:lvl8pPr>
-              <a:defRPr sz="1800"/>
+              <a:defRPr sz="1200"/>
             </a:lvl8pPr>
             <a:lvl9pPr>
-              <a:defRPr sz="1800"/>
+              <a:defRPr sz="1200"/>
             </a:lvl9pPr>
           </a:lstStyle>
           <a:p>
             <a:pPr lvl="0"/>
             <a:r>
-              <a:rPr lang="en-US" smtClean="0"/>
-              <a:t>Click to edit Master text styles</a:t>
+              <a:rPr lang="en-US"/>
+              <a:t>Edit Master text styles</a:t>
             </a:r>
           </a:p>
           <a:p>
             <a:pPr lvl="1"/>
             <a:r>
-              <a:rPr lang="en-US" smtClean="0"/>
+              <a:rPr lang="en-US"/>
               <a:t>Second level</a:t>
             </a:r>
           </a:p>
           <a:p>
             <a:pPr lvl="2"/>
             <a:r>
-              <a:rPr lang="en-US" smtClean="0"/>
+              <a:rPr lang="en-US"/>
               <a:t>Third level</a:t>
             </a:r>
           </a:p>
           <a:p>
             <a:pPr lvl="3"/>
             <a:r>
-              <a:rPr lang="en-US" smtClean="0"/>
+              <a:rPr lang="en-US"/>
               <a:t>Fourth level</a:t>
             </a:r>
           </a:p>
           <a:p>
             <a:pPr lvl="4"/>
             <a:r>
-              <a:rPr lang="en-US" smtClean="0"/>
+              <a:rPr lang="en-US"/>
               <a:t>Fifth level</a:t>
             </a:r>
-            <a:endParaRPr lang="en-CA"/>
+            <a:endParaRPr lang="en-US" dirty="0"/>
           </a:p>
         </p:txBody>
       </p:sp>
@@ -2787,7 +5038,7 @@
           <a:p>
             <a:fld id="{EA6D3D03-B31B-4939-8E10-752301E5E0B4}" type="datetimeFigureOut">
               <a:rPr lang="en-US" smtClean="0"/>
-              <a:t>3/27/2018</a:t>
+              <a:t>3/28/2018</a:t>
             </a:fld>
             <a:endParaRPr lang="en-CA"/>
           </a:p>
@@ -2836,6 +5087,11 @@
         </p:txBody>
       </p:sp>
     </p:spTree>
+    <p:extLst>
+      <p:ext uri="{BB962C8B-B14F-4D97-AF65-F5344CB8AC3E}">
+        <p14:creationId xmlns:p14="http://schemas.microsoft.com/office/powerpoint/2010/main" val="3885108021"/>
+      </p:ext>
+    </p:extLst>
   </p:cSld>
   <p:clrMapOvr>
     <a:masterClrMapping/>
@@ -2870,7 +5126,12 @@
             <p:ph type="title"/>
           </p:nvPr>
         </p:nvSpPr>
-        <p:spPr/>
+        <p:spPr>
+          <a:xfrm>
+            <a:off x="609599" y="609600"/>
+            <a:ext cx="6347713" cy="1320800"/>
+          </a:xfrm>
+        </p:spPr>
         <p:txBody>
           <a:bodyPr/>
           <a:lstStyle>
@@ -2880,10 +5141,10 @@
           </a:lstStyle>
           <a:p>
             <a:r>
-              <a:rPr lang="en-US" smtClean="0"/>
+              <a:rPr lang="en-US"/>
               <a:t>Click to edit Master title style</a:t>
             </a:r>
-            <a:endParaRPr lang="en-CA"/>
+            <a:endParaRPr lang="en-US" dirty="0"/>
           </a:p>
         </p:txBody>
       </p:sp>
@@ -2899,16 +5160,18 @@
         </p:nvSpPr>
         <p:spPr>
           <a:xfrm>
-            <a:off x="457200" y="1535113"/>
-            <a:ext cx="4040188" cy="639762"/>
+            <a:off x="609599" y="2160983"/>
+            <a:ext cx="3090672" cy="576262"/>
           </a:xfrm>
         </p:spPr>
         <p:txBody>
-          <a:bodyPr anchor="b"/>
+          <a:bodyPr anchor="b">
+            <a:noAutofit/>
+          </a:bodyPr>
           <a:lstStyle>
             <a:lvl1pPr marL="0" indent="0">
               <a:buNone/>
-              <a:defRPr sz="2400" b="1"/>
+              <a:defRPr sz="2400" b="0"/>
             </a:lvl1pPr>
             <a:lvl2pPr marL="457200" indent="0">
               <a:buNone/>
@@ -2946,8 +5209,8 @@
           <a:p>
             <a:pPr lvl="0"/>
             <a:r>
-              <a:rPr lang="en-US" smtClean="0"/>
-              <a:t>Click to edit Master text styles</a:t>
+              <a:rPr lang="en-US"/>
+              <a:t>Edit Master text styles</a:t>
             </a:r>
           </a:p>
         </p:txBody>
@@ -2964,76 +5227,50 @@
         </p:nvSpPr>
         <p:spPr>
           <a:xfrm>
-            <a:off x="457200" y="2174875"/>
-            <a:ext cx="4040188" cy="3951288"/>
+            <a:off x="609599" y="2737246"/>
+            <a:ext cx="3090672" cy="3304117"/>
           </a:xfrm>
         </p:spPr>
         <p:txBody>
-          <a:bodyPr/>
-          <a:lstStyle>
-            <a:lvl1pPr>
-              <a:defRPr sz="2400"/>
-            </a:lvl1pPr>
-            <a:lvl2pPr>
-              <a:defRPr sz="2000"/>
-            </a:lvl2pPr>
-            <a:lvl3pPr>
-              <a:defRPr sz="1800"/>
-            </a:lvl3pPr>
-            <a:lvl4pPr>
-              <a:defRPr sz="1600"/>
-            </a:lvl4pPr>
-            <a:lvl5pPr>
-              <a:defRPr sz="1600"/>
-            </a:lvl5pPr>
-            <a:lvl6pPr>
-              <a:defRPr sz="1600"/>
-            </a:lvl6pPr>
-            <a:lvl7pPr>
-              <a:defRPr sz="1600"/>
-            </a:lvl7pPr>
-            <a:lvl8pPr>
-              <a:defRPr sz="1600"/>
-            </a:lvl8pPr>
-            <a:lvl9pPr>
-              <a:defRPr sz="1600"/>
-            </a:lvl9pPr>
-          </a:lstStyle>
+          <a:bodyPr>
+            <a:normAutofit/>
+          </a:bodyPr>
+          <a:lstStyle/>
           <a:p>
             <a:pPr lvl="0"/>
             <a:r>
-              <a:rPr lang="en-US" smtClean="0"/>
-              <a:t>Click to edit Master text styles</a:t>
+              <a:rPr lang="en-US"/>
+              <a:t>Edit Master text styles</a:t>
             </a:r>
           </a:p>
           <a:p>
             <a:pPr lvl="1"/>
             <a:r>
-              <a:rPr lang="en-US" smtClean="0"/>
+              <a:rPr lang="en-US"/>
               <a:t>Second level</a:t>
             </a:r>
           </a:p>
           <a:p>
             <a:pPr lvl="2"/>
             <a:r>
-              <a:rPr lang="en-US" smtClean="0"/>
+              <a:rPr lang="en-US"/>
               <a:t>Third level</a:t>
             </a:r>
           </a:p>
           <a:p>
             <a:pPr lvl="3"/>
             <a:r>
-              <a:rPr lang="en-US" smtClean="0"/>
+              <a:rPr lang="en-US"/>
               <a:t>Fourth level</a:t>
             </a:r>
           </a:p>
           <a:p>
             <a:pPr lvl="4"/>
             <a:r>
-              <a:rPr lang="en-US" smtClean="0"/>
+              <a:rPr lang="en-US"/>
               <a:t>Fifth level</a:t>
             </a:r>
-            <a:endParaRPr lang="en-CA"/>
+            <a:endParaRPr lang="en-US" dirty="0"/>
           </a:p>
         </p:txBody>
       </p:sp>
@@ -3049,16 +5286,18 @@
         </p:nvSpPr>
         <p:spPr>
           <a:xfrm>
-            <a:off x="4645025" y="1535113"/>
-            <a:ext cx="4041775" cy="639762"/>
+            <a:off x="3866640" y="2160983"/>
+            <a:ext cx="3090672" cy="576262"/>
           </a:xfrm>
         </p:spPr>
         <p:txBody>
-          <a:bodyPr anchor="b"/>
+          <a:bodyPr anchor="b">
+            <a:noAutofit/>
+          </a:bodyPr>
           <a:lstStyle>
             <a:lvl1pPr marL="0" indent="0">
               <a:buNone/>
-              <a:defRPr sz="2400" b="1"/>
+              <a:defRPr sz="2400" b="0"/>
             </a:lvl1pPr>
             <a:lvl2pPr marL="457200" indent="0">
               <a:buNone/>
@@ -3096,8 +5335,8 @@
           <a:p>
             <a:pPr lvl="0"/>
             <a:r>
-              <a:rPr lang="en-US" smtClean="0"/>
-              <a:t>Click to edit Master text styles</a:t>
+              <a:rPr lang="en-US"/>
+              <a:t>Edit Master text styles</a:t>
             </a:r>
           </a:p>
         </p:txBody>
@@ -3114,76 +5353,50 @@
         </p:nvSpPr>
         <p:spPr>
           <a:xfrm>
-            <a:off x="4645025" y="2174875"/>
-            <a:ext cx="4041775" cy="3951288"/>
+            <a:off x="3866640" y="2737246"/>
+            <a:ext cx="3090672" cy="3304117"/>
           </a:xfrm>
         </p:spPr>
         <p:txBody>
-          <a:bodyPr/>
-          <a:lstStyle>
-            <a:lvl1pPr>
-              <a:defRPr sz="2400"/>
-            </a:lvl1pPr>
-            <a:lvl2pPr>
-              <a:defRPr sz="2000"/>
-            </a:lvl2pPr>
-            <a:lvl3pPr>
-              <a:defRPr sz="1800"/>
-            </a:lvl3pPr>
-            <a:lvl4pPr>
-              <a:defRPr sz="1600"/>
-            </a:lvl4pPr>
-            <a:lvl5pPr>
-              <a:defRPr sz="1600"/>
-            </a:lvl5pPr>
-            <a:lvl6pPr>
-              <a:defRPr sz="1600"/>
-            </a:lvl6pPr>
-            <a:lvl7pPr>
-              <a:defRPr sz="1600"/>
-            </a:lvl7pPr>
-            <a:lvl8pPr>
-              <a:defRPr sz="1600"/>
-            </a:lvl8pPr>
-            <a:lvl9pPr>
-              <a:defRPr sz="1600"/>
-            </a:lvl9pPr>
-          </a:lstStyle>
+          <a:bodyPr>
+            <a:normAutofit/>
+          </a:bodyPr>
+          <a:lstStyle/>
           <a:p>
             <a:pPr lvl="0"/>
             <a:r>
-              <a:rPr lang="en-US" smtClean="0"/>
-              <a:t>Click to edit Master text styles</a:t>
+              <a:rPr lang="en-US"/>
+              <a:t>Edit Master text styles</a:t>
             </a:r>
           </a:p>
           <a:p>
             <a:pPr lvl="1"/>
             <a:r>
-              <a:rPr lang="en-US" smtClean="0"/>
+              <a:rPr lang="en-US"/>
               <a:t>Second level</a:t>
             </a:r>
           </a:p>
           <a:p>
             <a:pPr lvl="2"/>
             <a:r>
-              <a:rPr lang="en-US" smtClean="0"/>
+              <a:rPr lang="en-US"/>
               <a:t>Third level</a:t>
             </a:r>
           </a:p>
           <a:p>
             <a:pPr lvl="3"/>
             <a:r>
-              <a:rPr lang="en-US" smtClean="0"/>
+              <a:rPr lang="en-US"/>
               <a:t>Fourth level</a:t>
             </a:r>
           </a:p>
           <a:p>
             <a:pPr lvl="4"/>
             <a:r>
-              <a:rPr lang="en-US" smtClean="0"/>
+              <a:rPr lang="en-US"/>
               <a:t>Fifth level</a:t>
             </a:r>
-            <a:endParaRPr lang="en-CA"/>
+            <a:endParaRPr lang="en-US" dirty="0"/>
           </a:p>
         </p:txBody>
       </p:sp>
@@ -3204,7 +5417,7 @@
           <a:p>
             <a:fld id="{EA6D3D03-B31B-4939-8E10-752301E5E0B4}" type="datetimeFigureOut">
               <a:rPr lang="en-US" smtClean="0"/>
-              <a:t>3/27/2018</a:t>
+              <a:t>3/28/2018</a:t>
             </a:fld>
             <a:endParaRPr lang="en-CA"/>
           </a:p>
@@ -3253,6 +5466,11 @@
         </p:txBody>
       </p:sp>
     </p:spTree>
+    <p:extLst>
+      <p:ext uri="{BB962C8B-B14F-4D97-AF65-F5344CB8AC3E}">
+        <p14:creationId xmlns:p14="http://schemas.microsoft.com/office/powerpoint/2010/main" val="2439734103"/>
+      </p:ext>
+    </p:extLst>
   </p:cSld>
   <p:clrMapOvr>
     <a:masterClrMapping/>
@@ -3287,16 +5505,21 @@
             <p:ph type="title"/>
           </p:nvPr>
         </p:nvSpPr>
-        <p:spPr/>
+        <p:spPr>
+          <a:xfrm>
+            <a:off x="609599" y="609600"/>
+            <a:ext cx="6347714" cy="1320800"/>
+          </a:xfrm>
+        </p:spPr>
         <p:txBody>
           <a:bodyPr/>
           <a:lstStyle/>
           <a:p>
             <a:r>
-              <a:rPr lang="en-US" smtClean="0"/>
+              <a:rPr lang="en-US"/>
               <a:t>Click to edit Master title style</a:t>
             </a:r>
-            <a:endParaRPr lang="en-CA"/>
+            <a:endParaRPr lang="en-US" dirty="0"/>
           </a:p>
         </p:txBody>
       </p:sp>
@@ -3317,7 +5540,7 @@
           <a:p>
             <a:fld id="{EA6D3D03-B31B-4939-8E10-752301E5E0B4}" type="datetimeFigureOut">
               <a:rPr lang="en-US" smtClean="0"/>
-              <a:t>3/27/2018</a:t>
+              <a:t>3/28/2018</a:t>
             </a:fld>
             <a:endParaRPr lang="en-CA"/>
           </a:p>
@@ -3366,6 +5589,11 @@
         </p:txBody>
       </p:sp>
     </p:spTree>
+    <p:extLst>
+      <p:ext uri="{BB962C8B-B14F-4D97-AF65-F5344CB8AC3E}">
+        <p14:creationId xmlns:p14="http://schemas.microsoft.com/office/powerpoint/2010/main" val="2273027832"/>
+      </p:ext>
+    </p:extLst>
   </p:cSld>
   <p:clrMapOvr>
     <a:masterClrMapping/>
@@ -3407,7 +5635,7 @@
           <a:p>
             <a:fld id="{EA6D3D03-B31B-4939-8E10-752301E5E0B4}" type="datetimeFigureOut">
               <a:rPr lang="en-US" smtClean="0"/>
-              <a:t>3/27/2018</a:t>
+              <a:t>3/28/2018</a:t>
             </a:fld>
             <a:endParaRPr lang="en-CA"/>
           </a:p>
@@ -3456,6 +5684,11 @@
         </p:txBody>
       </p:sp>
     </p:spTree>
+    <p:extLst>
+      <p:ext uri="{BB962C8B-B14F-4D97-AF65-F5344CB8AC3E}">
+        <p14:creationId xmlns:p14="http://schemas.microsoft.com/office/powerpoint/2010/main" val="3260960635"/>
+      </p:ext>
+    </p:extLst>
   </p:cSld>
   <p:clrMapOvr>
     <a:masterClrMapping/>
@@ -3492,23 +5725,25 @@
         </p:nvSpPr>
         <p:spPr>
           <a:xfrm>
-            <a:off x="457200" y="273050"/>
-            <a:ext cx="3008313" cy="1162050"/>
+            <a:off x="609599" y="1498604"/>
+            <a:ext cx="2790182" cy="1278466"/>
           </a:xfrm>
         </p:spPr>
         <p:txBody>
-          <a:bodyPr anchor="b"/>
+          <a:bodyPr anchor="b">
+            <a:normAutofit/>
+          </a:bodyPr>
           <a:lstStyle>
-            <a:lvl1pPr algn="l">
-              <a:defRPr sz="2000" b="1"/>
+            <a:lvl1pPr>
+              <a:defRPr sz="2000"/>
             </a:lvl1pPr>
           </a:lstStyle>
           <a:p>
             <a:r>
-              <a:rPr lang="en-US" smtClean="0"/>
+              <a:rPr lang="en-US"/>
               <a:t>Click to edit Master title style</a:t>
             </a:r>
-            <a:endParaRPr lang="en-CA"/>
+            <a:endParaRPr lang="en-US" dirty="0"/>
           </a:p>
         </p:txBody>
       </p:sp>
@@ -3524,140 +5759,116 @@
         </p:nvSpPr>
         <p:spPr>
           <a:xfrm>
-            <a:off x="3575050" y="273050"/>
-            <a:ext cx="5111750" cy="5853113"/>
+            <a:off x="3571275" y="514925"/>
+            <a:ext cx="3386037" cy="5526437"/>
           </a:xfrm>
         </p:spPr>
         <p:txBody>
-          <a:bodyPr/>
+          <a:bodyPr>
+            <a:normAutofit/>
+          </a:bodyPr>
+          <a:lstStyle/>
+          <a:p>
+            <a:pPr lvl="0"/>
+            <a:r>
+              <a:rPr lang="en-US"/>
+              <a:t>Edit Master text styles</a:t>
+            </a:r>
+          </a:p>
+          <a:p>
+            <a:pPr lvl="1"/>
+            <a:r>
+              <a:rPr lang="en-US"/>
+              <a:t>Second level</a:t>
+            </a:r>
+          </a:p>
+          <a:p>
+            <a:pPr lvl="2"/>
+            <a:r>
+              <a:rPr lang="en-US"/>
+              <a:t>Third level</a:t>
+            </a:r>
+          </a:p>
+          <a:p>
+            <a:pPr lvl="3"/>
+            <a:r>
+              <a:rPr lang="en-US"/>
+              <a:t>Fourth level</a:t>
+            </a:r>
+          </a:p>
+          <a:p>
+            <a:pPr lvl="4"/>
+            <a:r>
+              <a:rPr lang="en-US"/>
+              <a:t>Fifth level</a:t>
+            </a:r>
+            <a:endParaRPr lang="en-US" dirty="0"/>
+          </a:p>
+        </p:txBody>
+      </p:sp>
+      <p:sp>
+        <p:nvSpPr>
+          <p:cNvPr id="4" name="Text Placeholder 3"/>
+          <p:cNvSpPr>
+            <a:spLocks noGrp="1"/>
+          </p:cNvSpPr>
+          <p:nvPr>
+            <p:ph type="body" sz="half" idx="2"/>
+          </p:nvPr>
+        </p:nvSpPr>
+        <p:spPr>
+          <a:xfrm>
+            <a:off x="609599" y="2777069"/>
+            <a:ext cx="2790182" cy="2584449"/>
+          </a:xfrm>
+        </p:spPr>
+        <p:txBody>
+          <a:bodyPr>
+            <a:normAutofit/>
+          </a:bodyPr>
           <a:lstStyle>
-            <a:lvl1pPr>
-              <a:defRPr sz="3200"/>
+            <a:lvl1pPr marL="0" indent="0">
+              <a:buNone/>
+              <a:defRPr sz="1400"/>
             </a:lvl1pPr>
-            <a:lvl2pPr>
-              <a:defRPr sz="2800"/>
+            <a:lvl2pPr marL="342900" indent="0">
+              <a:buNone/>
+              <a:defRPr sz="1050"/>
             </a:lvl2pPr>
-            <a:lvl3pPr>
-              <a:defRPr sz="2400"/>
+            <a:lvl3pPr marL="685800" indent="0">
+              <a:buNone/>
+              <a:defRPr sz="900"/>
             </a:lvl3pPr>
-            <a:lvl4pPr>
-              <a:defRPr sz="2000"/>
+            <a:lvl4pPr marL="1028700" indent="0">
+              <a:buNone/>
+              <a:defRPr sz="750"/>
             </a:lvl4pPr>
-            <a:lvl5pPr>
-              <a:defRPr sz="2000"/>
+            <a:lvl5pPr marL="1371600" indent="0">
+              <a:buNone/>
+              <a:defRPr sz="750"/>
             </a:lvl5pPr>
-            <a:lvl6pPr>
-              <a:defRPr sz="2000"/>
+            <a:lvl6pPr marL="1714500" indent="0">
+              <a:buNone/>
+              <a:defRPr sz="750"/>
             </a:lvl6pPr>
-            <a:lvl7pPr>
-              <a:defRPr sz="2000"/>
+            <a:lvl7pPr marL="2057400" indent="0">
+              <a:buNone/>
+              <a:defRPr sz="750"/>
             </a:lvl7pPr>
-            <a:lvl8pPr>
-              <a:defRPr sz="2000"/>
+            <a:lvl8pPr marL="2400300" indent="0">
+              <a:buNone/>
+              <a:defRPr sz="750"/>
             </a:lvl8pPr>
-            <a:lvl9pPr>
-              <a:defRPr sz="2000"/>
+            <a:lvl9pPr marL="2743200" indent="0">
+              <a:buNone/>
+              <a:defRPr sz="750"/>
             </a:lvl9pPr>
           </a:lstStyle>
           <a:p>
             <a:pPr lvl="0"/>
             <a:r>
-              <a:rPr lang="en-US" smtClean="0"/>
-              <a:t>Click to edit Master text styles</a:t>
-            </a:r>
-          </a:p>
-          <a:p>
-            <a:pPr lvl="1"/>
-            <a:r>
-              <a:rPr lang="en-US" smtClean="0"/>
-              <a:t>Second level</a:t>
-            </a:r>
-          </a:p>
-          <a:p>
-            <a:pPr lvl="2"/>
-            <a:r>
-              <a:rPr lang="en-US" smtClean="0"/>
-              <a:t>Third level</a:t>
-            </a:r>
-          </a:p>
-          <a:p>
-            <a:pPr lvl="3"/>
-            <a:r>
-              <a:rPr lang="en-US" smtClean="0"/>
-              <a:t>Fourth level</a:t>
-            </a:r>
-          </a:p>
-          <a:p>
-            <a:pPr lvl="4"/>
-            <a:r>
-              <a:rPr lang="en-US" smtClean="0"/>
-              <a:t>Fifth level</a:t>
-            </a:r>
-            <a:endParaRPr lang="en-CA"/>
-          </a:p>
-        </p:txBody>
-      </p:sp>
-      <p:sp>
-        <p:nvSpPr>
-          <p:cNvPr id="4" name="Text Placeholder 3"/>
-          <p:cNvSpPr>
-            <a:spLocks noGrp="1"/>
-          </p:cNvSpPr>
-          <p:nvPr>
-            <p:ph type="body" sz="half" idx="2"/>
-          </p:nvPr>
-        </p:nvSpPr>
-        <p:spPr>
-          <a:xfrm>
-            <a:off x="457200" y="1435100"/>
-            <a:ext cx="3008313" cy="4691063"/>
-          </a:xfrm>
-        </p:spPr>
-        <p:txBody>
-          <a:bodyPr/>
-          <a:lstStyle>
-            <a:lvl1pPr marL="0" indent="0">
-              <a:buNone/>
-              <a:defRPr sz="1400"/>
-            </a:lvl1pPr>
-            <a:lvl2pPr marL="457200" indent="0">
-              <a:buNone/>
-              <a:defRPr sz="1200"/>
-            </a:lvl2pPr>
-            <a:lvl3pPr marL="914400" indent="0">
-              <a:buNone/>
-              <a:defRPr sz="1000"/>
-            </a:lvl3pPr>
-            <a:lvl4pPr marL="1371600" indent="0">
-              <a:buNone/>
-              <a:defRPr sz="900"/>
-            </a:lvl4pPr>
-            <a:lvl5pPr marL="1828800" indent="0">
-              <a:buNone/>
-              <a:defRPr sz="900"/>
-            </a:lvl5pPr>
-            <a:lvl6pPr marL="2286000" indent="0">
-              <a:buNone/>
-              <a:defRPr sz="900"/>
-            </a:lvl6pPr>
-            <a:lvl7pPr marL="2743200" indent="0">
-              <a:buNone/>
-              <a:defRPr sz="900"/>
-            </a:lvl7pPr>
-            <a:lvl8pPr marL="3200400" indent="0">
-              <a:buNone/>
-              <a:defRPr sz="900"/>
-            </a:lvl8pPr>
-            <a:lvl9pPr marL="3657600" indent="0">
-              <a:buNone/>
-              <a:defRPr sz="900"/>
-            </a:lvl9pPr>
-          </a:lstStyle>
-          <a:p>
-            <a:pPr lvl="0"/>
-            <a:r>
-              <a:rPr lang="en-US" smtClean="0"/>
-              <a:t>Click to edit Master text styles</a:t>
+              <a:rPr lang="en-US"/>
+              <a:t>Edit Master text styles</a:t>
             </a:r>
           </a:p>
         </p:txBody>
@@ -3679,7 +5890,7 @@
           <a:p>
             <a:fld id="{EA6D3D03-B31B-4939-8E10-752301E5E0B4}" type="datetimeFigureOut">
               <a:rPr lang="en-US" smtClean="0"/>
-              <a:t>3/27/2018</a:t>
+              <a:t>3/28/2018</a:t>
             </a:fld>
             <a:endParaRPr lang="en-CA"/>
           </a:p>
@@ -3728,6 +5939,11 @@
         </p:txBody>
       </p:sp>
     </p:spTree>
+    <p:extLst>
+      <p:ext uri="{BB962C8B-B14F-4D97-AF65-F5344CB8AC3E}">
+        <p14:creationId xmlns:p14="http://schemas.microsoft.com/office/powerpoint/2010/main" val="2919220374"/>
+      </p:ext>
+    </p:extLst>
   </p:cSld>
   <p:clrMapOvr>
     <a:masterClrMapping/>
@@ -3764,23 +5980,25 @@
         </p:nvSpPr>
         <p:spPr>
           <a:xfrm>
-            <a:off x="1792288" y="4800600"/>
-            <a:ext cx="5486400" cy="566738"/>
+            <a:off x="609599" y="4800600"/>
+            <a:ext cx="6347714" cy="566738"/>
           </a:xfrm>
         </p:spPr>
         <p:txBody>
-          <a:bodyPr anchor="b"/>
+          <a:bodyPr anchor="b">
+            <a:normAutofit/>
+          </a:bodyPr>
           <a:lstStyle>
             <a:lvl1pPr algn="l">
-              <a:defRPr sz="2000" b="1"/>
+              <a:defRPr sz="2400" b="0"/>
             </a:lvl1pPr>
           </a:lstStyle>
           <a:p>
             <a:r>
-              <a:rPr lang="en-US" smtClean="0"/>
+              <a:rPr lang="en-US"/>
               <a:t>Click to edit Master title style</a:t>
             </a:r>
-            <a:endParaRPr lang="en-CA"/>
+            <a:endParaRPr lang="en-US" dirty="0"/>
           </a:p>
         </p:txBody>
       </p:sp>
@@ -3788,7 +6006,7 @@
         <p:nvSpPr>
           <p:cNvPr id="3" name="Picture Placeholder 2"/>
           <p:cNvSpPr>
-            <a:spLocks noGrp="1"/>
+            <a:spLocks noGrp="1" noChangeAspect="1"/>
           </p:cNvSpPr>
           <p:nvPr>
             <p:ph type="pic" idx="1"/>
@@ -3796,77 +6014,85 @@
         </p:nvSpPr>
         <p:spPr>
           <a:xfrm>
-            <a:off x="1792288" y="612775"/>
-            <a:ext cx="5486400" cy="4114800"/>
+            <a:off x="609599" y="609600"/>
+            <a:ext cx="6347714" cy="3845718"/>
           </a:xfrm>
         </p:spPr>
         <p:txBody>
-          <a:bodyPr/>
+          <a:bodyPr anchor="t">
+            <a:normAutofit/>
+          </a:bodyPr>
+          <a:lstStyle>
+            <a:lvl1pPr marL="0" indent="0" algn="ctr">
+              <a:buNone/>
+              <a:defRPr sz="1600"/>
+            </a:lvl1pPr>
+            <a:lvl2pPr marL="457200" indent="0">
+              <a:buNone/>
+              <a:defRPr sz="1600"/>
+            </a:lvl2pPr>
+            <a:lvl3pPr marL="914400" indent="0">
+              <a:buNone/>
+              <a:defRPr sz="1600"/>
+            </a:lvl3pPr>
+            <a:lvl4pPr marL="1371600" indent="0">
+              <a:buNone/>
+              <a:defRPr sz="1600"/>
+            </a:lvl4pPr>
+            <a:lvl5pPr marL="1828800" indent="0">
+              <a:buNone/>
+              <a:defRPr sz="1600"/>
+            </a:lvl5pPr>
+            <a:lvl6pPr marL="2286000" indent="0">
+              <a:buNone/>
+              <a:defRPr sz="1600"/>
+            </a:lvl6pPr>
+            <a:lvl7pPr marL="2743200" indent="0">
+              <a:buNone/>
+              <a:defRPr sz="1600"/>
+            </a:lvl7pPr>
+            <a:lvl8pPr marL="3200400" indent="0">
+              <a:buNone/>
+              <a:defRPr sz="1600"/>
+            </a:lvl8pPr>
+            <a:lvl9pPr marL="3657600" indent="0">
+              <a:buNone/>
+              <a:defRPr sz="1600"/>
+            </a:lvl9pPr>
+          </a:lstStyle>
+          <a:p>
+            <a:r>
+              <a:rPr lang="en-US"/>
+              <a:t>Click icon to add picture</a:t>
+            </a:r>
+            <a:endParaRPr lang="en-US" dirty="0"/>
+          </a:p>
+        </p:txBody>
+      </p:sp>
+      <p:sp>
+        <p:nvSpPr>
+          <p:cNvPr id="4" name="Text Placeholder 3"/>
+          <p:cNvSpPr>
+            <a:spLocks noGrp="1"/>
+          </p:cNvSpPr>
+          <p:nvPr>
+            <p:ph type="body" sz="half" idx="2"/>
+          </p:nvPr>
+        </p:nvSpPr>
+        <p:spPr>
+          <a:xfrm>
+            <a:off x="609599" y="5367338"/>
+            <a:ext cx="6347714" cy="674024"/>
+          </a:xfrm>
+        </p:spPr>
+        <p:txBody>
+          <a:bodyPr>
+            <a:normAutofit/>
+          </a:bodyPr>
           <a:lstStyle>
             <a:lvl1pPr marL="0" indent="0">
               <a:buNone/>
-              <a:defRPr sz="3200"/>
-            </a:lvl1pPr>
-            <a:lvl2pPr marL="457200" indent="0">
-              <a:buNone/>
-              <a:defRPr sz="2800"/>
-            </a:lvl2pPr>
-            <a:lvl3pPr marL="914400" indent="0">
-              <a:buNone/>
-              <a:defRPr sz="2400"/>
-            </a:lvl3pPr>
-            <a:lvl4pPr marL="1371600" indent="0">
-              <a:buNone/>
-              <a:defRPr sz="2000"/>
-            </a:lvl4pPr>
-            <a:lvl5pPr marL="1828800" indent="0">
-              <a:buNone/>
-              <a:defRPr sz="2000"/>
-            </a:lvl5pPr>
-            <a:lvl6pPr marL="2286000" indent="0">
-              <a:buNone/>
-              <a:defRPr sz="2000"/>
-            </a:lvl6pPr>
-            <a:lvl7pPr marL="2743200" indent="0">
-              <a:buNone/>
-              <a:defRPr sz="2000"/>
-            </a:lvl7pPr>
-            <a:lvl8pPr marL="3200400" indent="0">
-              <a:buNone/>
-              <a:defRPr sz="2000"/>
-            </a:lvl8pPr>
-            <a:lvl9pPr marL="3657600" indent="0">
-              <a:buNone/>
-              <a:defRPr sz="2000"/>
-            </a:lvl9pPr>
-          </a:lstStyle>
-          <a:p>
-            <a:endParaRPr lang="en-CA"/>
-          </a:p>
-        </p:txBody>
-      </p:sp>
-      <p:sp>
-        <p:nvSpPr>
-          <p:cNvPr id="4" name="Text Placeholder 3"/>
-          <p:cNvSpPr>
-            <a:spLocks noGrp="1"/>
-          </p:cNvSpPr>
-          <p:nvPr>
-            <p:ph type="body" sz="half" idx="2"/>
-          </p:nvPr>
-        </p:nvSpPr>
-        <p:spPr>
-          <a:xfrm>
-            <a:off x="1792288" y="5367338"/>
-            <a:ext cx="5486400" cy="804862"/>
-          </a:xfrm>
-        </p:spPr>
-        <p:txBody>
-          <a:bodyPr/>
-          <a:lstStyle>
-            <a:lvl1pPr marL="0" indent="0">
-              <a:buNone/>
-              <a:defRPr sz="1400"/>
+              <a:defRPr sz="1200"/>
             </a:lvl1pPr>
             <a:lvl2pPr marL="457200" indent="0">
               <a:buNone/>
@@ -3904,8 +6130,8 @@
           <a:p>
             <a:pPr lvl="0"/>
             <a:r>
-              <a:rPr lang="en-US" smtClean="0"/>
-              <a:t>Click to edit Master text styles</a:t>
+              <a:rPr lang="en-US"/>
+              <a:t>Edit Master text styles</a:t>
             </a:r>
           </a:p>
         </p:txBody>
@@ -3927,7 +6153,7 @@
           <a:p>
             <a:fld id="{EA6D3D03-B31B-4939-8E10-752301E5E0B4}" type="datetimeFigureOut">
               <a:rPr lang="en-US" smtClean="0"/>
-              <a:t>3/27/2018</a:t>
+              <a:t>3/28/2018</a:t>
             </a:fld>
             <a:endParaRPr lang="en-CA"/>
           </a:p>
@@ -3976,6 +6202,11 @@
         </p:txBody>
       </p:sp>
     </p:spTree>
+    <p:extLst>
+      <p:ext uri="{BB962C8B-B14F-4D97-AF65-F5344CB8AC3E}">
+        <p14:creationId xmlns:p14="http://schemas.microsoft.com/office/powerpoint/2010/main" val="1980857344"/>
+      </p:ext>
+    </p:extLst>
   </p:cSld>
   <p:clrMapOvr>
     <a:masterClrMapping/>
@@ -3988,7 +6219,7 @@
   <p:cSld>
     <p:bg>
       <p:bgRef idx="1001">
-        <a:schemeClr val="bg1"/>
+        <a:schemeClr val="bg2"/>
       </p:bgRef>
     </p:bg>
     <p:spTree>
@@ -4005,6 +6236,609 @@
           <a:chExt cx="0" cy="0"/>
         </a:xfrm>
       </p:grpSpPr>
+      <p:grpSp>
+        <p:nvGrpSpPr>
+          <p:cNvPr id="17" name="Group 16"/>
+          <p:cNvGrpSpPr/>
+          <p:nvPr/>
+        </p:nvGrpSpPr>
+        <p:grpSpPr>
+          <a:xfrm>
+            <a:off x="-8467" y="-8468"/>
+            <a:ext cx="9169805" cy="6874935"/>
+            <a:chOff x="-8467" y="-8468"/>
+            <a:chExt cx="9169805" cy="6874935"/>
+          </a:xfrm>
+        </p:grpSpPr>
+        <p:cxnSp>
+          <p:nvCxnSpPr>
+            <p:cNvPr id="7" name="Straight Connector 6"/>
+            <p:cNvCxnSpPr/>
+            <p:nvPr/>
+          </p:nvCxnSpPr>
+          <p:spPr>
+            <a:xfrm flipV="1">
+              <a:off x="5130830" y="4175605"/>
+              <a:ext cx="4022475" cy="2682396"/>
+            </a:xfrm>
+            <a:prstGeom prst="line">
+              <a:avLst/>
+            </a:prstGeom>
+            <a:ln w="9525">
+              <a:solidFill>
+                <a:schemeClr val="bg1">
+                  <a:lumMod val="85000"/>
+                  <a:lumOff val="15000"/>
+                </a:schemeClr>
+              </a:solidFill>
+            </a:ln>
+          </p:spPr>
+          <p:style>
+            <a:lnRef idx="2">
+              <a:schemeClr val="accent1"/>
+            </a:lnRef>
+            <a:fillRef idx="0">
+              <a:schemeClr val="accent1"/>
+            </a:fillRef>
+            <a:effectRef idx="1">
+              <a:schemeClr val="accent1"/>
+            </a:effectRef>
+            <a:fontRef idx="minor">
+              <a:schemeClr val="tx1"/>
+            </a:fontRef>
+          </p:style>
+        </p:cxnSp>
+        <p:cxnSp>
+          <p:nvCxnSpPr>
+            <p:cNvPr id="8" name="Straight Connector 7"/>
+            <p:cNvCxnSpPr/>
+            <p:nvPr/>
+          </p:nvCxnSpPr>
+          <p:spPr>
+            <a:xfrm>
+              <a:off x="7042707" y="0"/>
+              <a:ext cx="1219200" cy="6858000"/>
+            </a:xfrm>
+            <a:prstGeom prst="line">
+              <a:avLst/>
+            </a:prstGeom>
+            <a:ln w="9525">
+              <a:solidFill>
+                <a:schemeClr val="bg1">
+                  <a:lumMod val="85000"/>
+                  <a:lumOff val="15000"/>
+                </a:schemeClr>
+              </a:solidFill>
+            </a:ln>
+          </p:spPr>
+          <p:style>
+            <a:lnRef idx="2">
+              <a:schemeClr val="accent1"/>
+            </a:lnRef>
+            <a:fillRef idx="0">
+              <a:schemeClr val="accent1"/>
+            </a:fillRef>
+            <a:effectRef idx="1">
+              <a:schemeClr val="accent1"/>
+            </a:effectRef>
+            <a:fontRef idx="minor">
+              <a:schemeClr val="tx1"/>
+            </a:fontRef>
+          </p:style>
+        </p:cxnSp>
+        <p:sp>
+          <p:nvSpPr>
+            <p:cNvPr id="9" name="Freeform 8"/>
+            <p:cNvSpPr/>
+            <p:nvPr/>
+          </p:nvSpPr>
+          <p:spPr>
+            <a:xfrm>
+              <a:off x="-8467" y="4013200"/>
+              <a:ext cx="457200" cy="2853267"/>
+            </a:xfrm>
+            <a:custGeom>
+              <a:avLst/>
+              <a:gdLst/>
+              <a:ahLst/>
+              <a:cxnLst/>
+              <a:rect l="l" t="t" r="r" b="b"/>
+              <a:pathLst>
+                <a:path w="457200" h="2853267">
+                  <a:moveTo>
+                    <a:pt x="0" y="0"/>
+                  </a:moveTo>
+                  <a:lnTo>
+                    <a:pt x="457200" y="2853267"/>
+                  </a:lnTo>
+                  <a:lnTo>
+                    <a:pt x="0" y="2844800"/>
+                  </a:lnTo>
+                  <a:cubicBezTo>
+                    <a:pt x="2822" y="1905000"/>
+                    <a:pt x="5645" y="965200"/>
+                    <a:pt x="0" y="0"/>
+                  </a:cubicBezTo>
+                  <a:close/>
+                </a:path>
+              </a:pathLst>
+            </a:custGeom>
+            <a:solidFill>
+              <a:schemeClr val="accent1">
+                <a:alpha val="85000"/>
+              </a:schemeClr>
+            </a:solidFill>
+            <a:ln>
+              <a:noFill/>
+            </a:ln>
+            <a:effectLst/>
+          </p:spPr>
+          <p:style>
+            <a:lnRef idx="1">
+              <a:schemeClr val="accent1"/>
+            </a:lnRef>
+            <a:fillRef idx="3">
+              <a:schemeClr val="accent1"/>
+            </a:fillRef>
+            <a:effectRef idx="2">
+              <a:schemeClr val="accent1"/>
+            </a:effectRef>
+            <a:fontRef idx="minor">
+              <a:schemeClr val="lt1"/>
+            </a:fontRef>
+          </p:style>
+        </p:sp>
+        <p:sp>
+          <p:nvSpPr>
+            <p:cNvPr id="10" name="Freeform 9"/>
+            <p:cNvSpPr/>
+            <p:nvPr/>
+          </p:nvSpPr>
+          <p:spPr>
+            <a:xfrm>
+              <a:off x="6891896" y="1"/>
+              <a:ext cx="2269442" cy="6866466"/>
+            </a:xfrm>
+            <a:custGeom>
+              <a:avLst/>
+              <a:gdLst/>
+              <a:ahLst/>
+              <a:cxnLst/>
+              <a:rect l="l" t="t" r="r" b="b"/>
+              <a:pathLst>
+                <a:path w="2269442" h="6866466">
+                  <a:moveTo>
+                    <a:pt x="2023534" y="0"/>
+                  </a:moveTo>
+                  <a:lnTo>
+                    <a:pt x="0" y="6858000"/>
+                  </a:lnTo>
+                  <a:lnTo>
+                    <a:pt x="2269067" y="6866466"/>
+                  </a:lnTo>
+                  <a:cubicBezTo>
+                    <a:pt x="2271889" y="4580466"/>
+                    <a:pt x="2257778" y="2294466"/>
+                    <a:pt x="2260600" y="8466"/>
+                  </a:cubicBezTo>
+                  <a:lnTo>
+                    <a:pt x="2023534" y="0"/>
+                  </a:lnTo>
+                  <a:close/>
+                </a:path>
+              </a:pathLst>
+            </a:custGeom>
+            <a:solidFill>
+              <a:schemeClr val="accent1">
+                <a:alpha val="30000"/>
+              </a:schemeClr>
+            </a:solidFill>
+            <a:ln>
+              <a:noFill/>
+            </a:ln>
+            <a:effectLst/>
+          </p:spPr>
+          <p:style>
+            <a:lnRef idx="1">
+              <a:schemeClr val="accent1"/>
+            </a:lnRef>
+            <a:fillRef idx="3">
+              <a:schemeClr val="accent1"/>
+            </a:fillRef>
+            <a:effectRef idx="2">
+              <a:schemeClr val="accent1"/>
+            </a:effectRef>
+            <a:fontRef idx="minor">
+              <a:schemeClr val="lt1"/>
+            </a:fontRef>
+          </p:style>
+        </p:sp>
+        <p:sp>
+          <p:nvSpPr>
+            <p:cNvPr id="11" name="Freeform 10"/>
+            <p:cNvSpPr/>
+            <p:nvPr/>
+          </p:nvSpPr>
+          <p:spPr>
+            <a:xfrm>
+              <a:off x="7205158" y="-8467"/>
+              <a:ext cx="1948147" cy="6866467"/>
+            </a:xfrm>
+            <a:custGeom>
+              <a:avLst/>
+              <a:gdLst/>
+              <a:ahLst/>
+              <a:cxnLst/>
+              <a:rect l="l" t="t" r="r" b="b"/>
+              <a:pathLst>
+                <a:path w="1948147" h="6866467">
+                  <a:moveTo>
+                    <a:pt x="0" y="0"/>
+                  </a:moveTo>
+                  <a:lnTo>
+                    <a:pt x="1202267" y="6866467"/>
+                  </a:lnTo>
+                  <a:lnTo>
+                    <a:pt x="1947333" y="6866467"/>
+                  </a:lnTo>
+                  <a:cubicBezTo>
+                    <a:pt x="1944511" y="4577645"/>
+                    <a:pt x="1950155" y="2288822"/>
+                    <a:pt x="1947333" y="0"/>
+                  </a:cubicBezTo>
+                  <a:lnTo>
+                    <a:pt x="0" y="0"/>
+                  </a:lnTo>
+                  <a:close/>
+                </a:path>
+              </a:pathLst>
+            </a:custGeom>
+            <a:solidFill>
+              <a:schemeClr val="accent1">
+                <a:alpha val="20000"/>
+              </a:schemeClr>
+            </a:solidFill>
+            <a:ln>
+              <a:noFill/>
+            </a:ln>
+            <a:effectLst/>
+          </p:spPr>
+          <p:style>
+            <a:lnRef idx="1">
+              <a:schemeClr val="accent1"/>
+            </a:lnRef>
+            <a:fillRef idx="3">
+              <a:schemeClr val="accent1"/>
+            </a:fillRef>
+            <a:effectRef idx="2">
+              <a:schemeClr val="accent1"/>
+            </a:effectRef>
+            <a:fontRef idx="minor">
+              <a:schemeClr val="lt1"/>
+            </a:fontRef>
+          </p:style>
+        </p:sp>
+        <p:sp>
+          <p:nvSpPr>
+            <p:cNvPr id="12" name="Freeform 11"/>
+            <p:cNvSpPr/>
+            <p:nvPr/>
+          </p:nvSpPr>
+          <p:spPr>
+            <a:xfrm>
+              <a:off x="6637896" y="3920066"/>
+              <a:ext cx="2513565" cy="2937933"/>
+            </a:xfrm>
+            <a:custGeom>
+              <a:avLst/>
+              <a:gdLst/>
+              <a:ahLst/>
+              <a:cxnLst/>
+              <a:rect l="l" t="t" r="r" b="b"/>
+              <a:pathLst>
+                <a:path w="3259667" h="3810000">
+                  <a:moveTo>
+                    <a:pt x="0" y="3810000"/>
+                  </a:moveTo>
+                  <a:lnTo>
+                    <a:pt x="3251200" y="0"/>
+                  </a:lnTo>
+                  <a:cubicBezTo>
+                    <a:pt x="3254022" y="1270000"/>
+                    <a:pt x="3256845" y="2540000"/>
+                    <a:pt x="3259667" y="3810000"/>
+                  </a:cubicBezTo>
+                  <a:lnTo>
+                    <a:pt x="0" y="3810000"/>
+                  </a:lnTo>
+                  <a:close/>
+                </a:path>
+              </a:pathLst>
+            </a:custGeom>
+            <a:solidFill>
+              <a:schemeClr val="accent2">
+                <a:alpha val="72000"/>
+              </a:schemeClr>
+            </a:solidFill>
+            <a:ln>
+              <a:noFill/>
+            </a:ln>
+            <a:effectLst/>
+          </p:spPr>
+          <p:style>
+            <a:lnRef idx="1">
+              <a:schemeClr val="accent1"/>
+            </a:lnRef>
+            <a:fillRef idx="3">
+              <a:schemeClr val="accent1"/>
+            </a:fillRef>
+            <a:effectRef idx="2">
+              <a:schemeClr val="accent1"/>
+            </a:effectRef>
+            <a:fontRef idx="minor">
+              <a:schemeClr val="lt1"/>
+            </a:fontRef>
+          </p:style>
+        </p:sp>
+        <p:sp>
+          <p:nvSpPr>
+            <p:cNvPr id="13" name="Freeform 12"/>
+            <p:cNvSpPr/>
+            <p:nvPr/>
+          </p:nvSpPr>
+          <p:spPr>
+            <a:xfrm>
+              <a:off x="7010429" y="-8467"/>
+              <a:ext cx="2142876" cy="6866467"/>
+            </a:xfrm>
+            <a:custGeom>
+              <a:avLst/>
+              <a:gdLst/>
+              <a:ahLst/>
+              <a:cxnLst/>
+              <a:rect l="l" t="t" r="r" b="b"/>
+              <a:pathLst>
+                <a:path w="2853267" h="6866467">
+                  <a:moveTo>
+                    <a:pt x="0" y="0"/>
+                  </a:moveTo>
+                  <a:lnTo>
+                    <a:pt x="2472267" y="6866467"/>
+                  </a:lnTo>
+                  <a:lnTo>
+                    <a:pt x="2853267" y="6858000"/>
+                  </a:lnTo>
+                  <a:lnTo>
+                    <a:pt x="2853267" y="0"/>
+                  </a:lnTo>
+                  <a:lnTo>
+                    <a:pt x="0" y="0"/>
+                  </a:lnTo>
+                  <a:close/>
+                </a:path>
+              </a:pathLst>
+            </a:custGeom>
+            <a:solidFill>
+              <a:schemeClr val="accent2">
+                <a:lumMod val="75000"/>
+                <a:alpha val="70000"/>
+              </a:schemeClr>
+            </a:solidFill>
+            <a:ln>
+              <a:noFill/>
+            </a:ln>
+            <a:effectLst/>
+          </p:spPr>
+          <p:style>
+            <a:lnRef idx="1">
+              <a:schemeClr val="accent1"/>
+            </a:lnRef>
+            <a:fillRef idx="3">
+              <a:schemeClr val="accent1"/>
+            </a:fillRef>
+            <a:effectRef idx="2">
+              <a:schemeClr val="accent1"/>
+            </a:effectRef>
+            <a:fontRef idx="minor">
+              <a:schemeClr val="lt1"/>
+            </a:fontRef>
+          </p:style>
+        </p:sp>
+        <p:sp>
+          <p:nvSpPr>
+            <p:cNvPr id="14" name="Freeform 13"/>
+            <p:cNvSpPr/>
+            <p:nvPr/>
+          </p:nvSpPr>
+          <p:spPr>
+            <a:xfrm>
+              <a:off x="8295776" y="-8467"/>
+              <a:ext cx="857530" cy="6866467"/>
+            </a:xfrm>
+            <a:custGeom>
+              <a:avLst/>
+              <a:gdLst/>
+              <a:ahLst/>
+              <a:cxnLst/>
+              <a:rect l="l" t="t" r="r" b="b"/>
+              <a:pathLst>
+                <a:path w="1286933" h="6866467">
+                  <a:moveTo>
+                    <a:pt x="1016000" y="0"/>
+                  </a:moveTo>
+                  <a:lnTo>
+                    <a:pt x="0" y="6866467"/>
+                  </a:lnTo>
+                  <a:lnTo>
+                    <a:pt x="1286933" y="6866467"/>
+                  </a:lnTo>
+                  <a:cubicBezTo>
+                    <a:pt x="1284111" y="4577645"/>
+                    <a:pt x="1281288" y="2288822"/>
+                    <a:pt x="1278466" y="0"/>
+                  </a:cubicBezTo>
+                  <a:lnTo>
+                    <a:pt x="1016000" y="0"/>
+                  </a:lnTo>
+                  <a:close/>
+                </a:path>
+              </a:pathLst>
+            </a:custGeom>
+            <a:solidFill>
+              <a:schemeClr val="accent1">
+                <a:lumMod val="60000"/>
+                <a:lumOff val="40000"/>
+                <a:alpha val="70000"/>
+              </a:schemeClr>
+            </a:solidFill>
+            <a:ln>
+              <a:noFill/>
+            </a:ln>
+            <a:effectLst/>
+          </p:spPr>
+          <p:style>
+            <a:lnRef idx="1">
+              <a:schemeClr val="accent1"/>
+            </a:lnRef>
+            <a:fillRef idx="3">
+              <a:schemeClr val="accent1"/>
+            </a:fillRef>
+            <a:effectRef idx="2">
+              <a:schemeClr val="accent1"/>
+            </a:effectRef>
+            <a:fontRef idx="minor">
+              <a:schemeClr val="lt1"/>
+            </a:fontRef>
+          </p:style>
+        </p:sp>
+        <p:sp>
+          <p:nvSpPr>
+            <p:cNvPr id="15" name="Freeform 14"/>
+            <p:cNvSpPr/>
+            <p:nvPr/>
+          </p:nvSpPr>
+          <p:spPr>
+            <a:xfrm>
+              <a:off x="8077231" y="-8468"/>
+              <a:ext cx="1066770" cy="6866467"/>
+            </a:xfrm>
+            <a:custGeom>
+              <a:avLst/>
+              <a:gdLst/>
+              <a:ahLst/>
+              <a:cxnLst/>
+              <a:rect l="l" t="t" r="r" b="b"/>
+              <a:pathLst>
+                <a:path w="1270244" h="6866467">
+                  <a:moveTo>
+                    <a:pt x="0" y="0"/>
+                  </a:moveTo>
+                  <a:lnTo>
+                    <a:pt x="1117600" y="6866467"/>
+                  </a:lnTo>
+                  <a:lnTo>
+                    <a:pt x="1270000" y="6866467"/>
+                  </a:lnTo>
+                  <a:cubicBezTo>
+                    <a:pt x="1272822" y="4574822"/>
+                    <a:pt x="1250245" y="2291645"/>
+                    <a:pt x="1253067" y="0"/>
+                  </a:cubicBezTo>
+                  <a:lnTo>
+                    <a:pt x="0" y="0"/>
+                  </a:lnTo>
+                  <a:close/>
+                </a:path>
+              </a:pathLst>
+            </a:custGeom>
+            <a:solidFill>
+              <a:schemeClr val="accent1">
+                <a:alpha val="65000"/>
+              </a:schemeClr>
+            </a:solidFill>
+            <a:ln>
+              <a:noFill/>
+            </a:ln>
+            <a:effectLst/>
+          </p:spPr>
+          <p:style>
+            <a:lnRef idx="1">
+              <a:schemeClr val="accent1"/>
+            </a:lnRef>
+            <a:fillRef idx="3">
+              <a:schemeClr val="accent1"/>
+            </a:fillRef>
+            <a:effectRef idx="2">
+              <a:schemeClr val="accent1"/>
+            </a:effectRef>
+            <a:fontRef idx="minor">
+              <a:schemeClr val="lt1"/>
+            </a:fontRef>
+          </p:style>
+        </p:sp>
+        <p:sp>
+          <p:nvSpPr>
+            <p:cNvPr id="16" name="Freeform 15"/>
+            <p:cNvSpPr/>
+            <p:nvPr/>
+          </p:nvSpPr>
+          <p:spPr>
+            <a:xfrm>
+              <a:off x="8060297" y="4893733"/>
+              <a:ext cx="1094086" cy="1964267"/>
+            </a:xfrm>
+            <a:custGeom>
+              <a:avLst/>
+              <a:gdLst/>
+              <a:ahLst/>
+              <a:cxnLst/>
+              <a:rect l="l" t="t" r="r" b="b"/>
+              <a:pathLst>
+                <a:path w="1820333" h="3268133">
+                  <a:moveTo>
+                    <a:pt x="0" y="3268133"/>
+                  </a:moveTo>
+                  <a:lnTo>
+                    <a:pt x="1811866" y="0"/>
+                  </a:lnTo>
+                  <a:cubicBezTo>
+                    <a:pt x="1814688" y="1086555"/>
+                    <a:pt x="1817511" y="2173111"/>
+                    <a:pt x="1820333" y="3259666"/>
+                  </a:cubicBezTo>
+                  <a:lnTo>
+                    <a:pt x="0" y="3268133"/>
+                  </a:lnTo>
+                  <a:close/>
+                </a:path>
+              </a:pathLst>
+            </a:custGeom>
+            <a:solidFill>
+              <a:schemeClr val="accent1">
+                <a:alpha val="80000"/>
+              </a:schemeClr>
+            </a:solidFill>
+            <a:ln>
+              <a:noFill/>
+            </a:ln>
+            <a:effectLst/>
+          </p:spPr>
+          <p:style>
+            <a:lnRef idx="1">
+              <a:schemeClr val="accent1"/>
+            </a:lnRef>
+            <a:fillRef idx="3">
+              <a:schemeClr val="accent1"/>
+            </a:fillRef>
+            <a:effectRef idx="2">
+              <a:schemeClr val="accent1"/>
+            </a:effectRef>
+            <a:fontRef idx="minor">
+              <a:schemeClr val="lt1"/>
+            </a:fontRef>
+          </p:style>
+        </p:sp>
+      </p:grpSp>
       <p:sp>
         <p:nvSpPr>
           <p:cNvPr id="2" name="Title Placeholder 1"/>
@@ -4017,24 +6851,24 @@
         </p:nvSpPr>
         <p:spPr>
           <a:xfrm>
-            <a:off x="457200" y="274638"/>
-            <a:ext cx="8229600" cy="1143000"/>
+            <a:off x="609599" y="609600"/>
+            <a:ext cx="6347713" cy="1320800"/>
           </a:xfrm>
           <a:prstGeom prst="rect">
             <a:avLst/>
           </a:prstGeom>
         </p:spPr>
         <p:txBody>
-          <a:bodyPr vert="horz" lIns="91440" tIns="45720" rIns="91440" bIns="45720" rtlCol="0" anchor="ctr">
+          <a:bodyPr vert="horz" lIns="91440" tIns="45720" rIns="91440" bIns="45720" rtlCol="0" anchor="t">
             <a:normAutofit/>
           </a:bodyPr>
           <a:lstStyle/>
           <a:p>
             <a:r>
-              <a:rPr lang="en-US" smtClean="0"/>
+              <a:rPr lang="en-US"/>
               <a:t>Click to edit Master title style</a:t>
             </a:r>
-            <a:endParaRPr lang="en-CA"/>
+            <a:endParaRPr lang="en-US" dirty="0"/>
           </a:p>
         </p:txBody>
       </p:sp>
@@ -4050,8 +6884,8 @@
         </p:nvSpPr>
         <p:spPr>
           <a:xfrm>
-            <a:off x="457200" y="1600200"/>
-            <a:ext cx="8229600" cy="4525963"/>
+            <a:off x="609599" y="2160590"/>
+            <a:ext cx="6347714" cy="3880773"/>
           </a:xfrm>
           <a:prstGeom prst="rect">
             <a:avLst/>
@@ -4065,38 +6899,38 @@
           <a:p>
             <a:pPr lvl="0"/>
             <a:r>
-              <a:rPr lang="en-US" smtClean="0"/>
-              <a:t>Click to edit Master text styles</a:t>
+              <a:rPr lang="en-US"/>
+              <a:t>Edit Master text styles</a:t>
             </a:r>
           </a:p>
           <a:p>
             <a:pPr lvl="1"/>
             <a:r>
-              <a:rPr lang="en-US" smtClean="0"/>
+              <a:rPr lang="en-US"/>
               <a:t>Second level</a:t>
             </a:r>
           </a:p>
           <a:p>
             <a:pPr lvl="2"/>
             <a:r>
-              <a:rPr lang="en-US" smtClean="0"/>
+              <a:rPr lang="en-US"/>
               <a:t>Third level</a:t>
             </a:r>
           </a:p>
           <a:p>
             <a:pPr lvl="3"/>
             <a:r>
-              <a:rPr lang="en-US" smtClean="0"/>
+              <a:rPr lang="en-US"/>
               <a:t>Fourth level</a:t>
             </a:r>
           </a:p>
           <a:p>
             <a:pPr lvl="4"/>
             <a:r>
-              <a:rPr lang="en-US" smtClean="0"/>
+              <a:rPr lang="en-US"/>
               <a:t>Fifth level</a:t>
             </a:r>
-            <a:endParaRPr lang="en-CA"/>
+            <a:endParaRPr lang="en-US" dirty="0"/>
           </a:p>
         </p:txBody>
       </p:sp>
@@ -4112,8 +6946,8 @@
         </p:nvSpPr>
         <p:spPr>
           <a:xfrm>
-            <a:off x="457200" y="6356350"/>
-            <a:ext cx="2133600" cy="365125"/>
+            <a:off x="5405258" y="6041363"/>
+            <a:ext cx="684132" cy="365125"/>
           </a:xfrm>
           <a:prstGeom prst="rect">
             <a:avLst/>
@@ -4122,8 +6956,8 @@
         <p:txBody>
           <a:bodyPr vert="horz" lIns="91440" tIns="45720" rIns="91440" bIns="45720" rtlCol="0" anchor="ctr"/>
           <a:lstStyle>
-            <a:lvl1pPr algn="l">
-              <a:defRPr sz="1200">
+            <a:lvl1pPr algn="r">
+              <a:defRPr sz="900">
                 <a:solidFill>
                   <a:schemeClr val="tx1">
                     <a:tint val="75000"/>
@@ -4135,7 +6969,7 @@
           <a:p>
             <a:fld id="{EA6D3D03-B31B-4939-8E10-752301E5E0B4}" type="datetimeFigureOut">
               <a:rPr lang="en-US" smtClean="0"/>
-              <a:t>3/27/2018</a:t>
+              <a:t>3/28/2018</a:t>
             </a:fld>
             <a:endParaRPr lang="en-CA"/>
           </a:p>
@@ -4153,8 +6987,8 @@
         </p:nvSpPr>
         <p:spPr>
           <a:xfrm>
-            <a:off x="3124200" y="6356350"/>
-            <a:ext cx="2895600" cy="365125"/>
+            <a:off x="609599" y="6041363"/>
+            <a:ext cx="4622973" cy="365125"/>
           </a:xfrm>
           <a:prstGeom prst="rect">
             <a:avLst/>
@@ -4163,8 +6997,8 @@
         <p:txBody>
           <a:bodyPr vert="horz" lIns="91440" tIns="45720" rIns="91440" bIns="45720" rtlCol="0" anchor="ctr"/>
           <a:lstStyle>
-            <a:lvl1pPr algn="ctr">
-              <a:defRPr sz="1200">
+            <a:lvl1pPr algn="l">
+              <a:defRPr sz="900">
                 <a:solidFill>
                   <a:schemeClr val="tx1">
                     <a:tint val="75000"/>
@@ -4190,8 +7024,8 @@
         </p:nvSpPr>
         <p:spPr>
           <a:xfrm>
-            <a:off x="6553200" y="6356350"/>
-            <a:ext cx="2133600" cy="365125"/>
+            <a:off x="6444676" y="6041363"/>
+            <a:ext cx="512638" cy="365125"/>
           </a:xfrm>
           <a:prstGeom prst="rect">
             <a:avLst/>
@@ -4201,11 +7035,9 @@
           <a:bodyPr vert="horz" lIns="91440" tIns="45720" rIns="91440" bIns="45720" rtlCol="0" anchor="ctr"/>
           <a:lstStyle>
             <a:lvl1pPr algn="r">
-              <a:defRPr sz="1200">
+              <a:defRPr sz="900">
                 <a:solidFill>
-                  <a:schemeClr val="tx1">
-                    <a:tint val="75000"/>
-                  </a:schemeClr>
+                  <a:schemeClr val="accent1"/>
                 </a:solidFill>
               </a:defRPr>
             </a:lvl1pPr>
@@ -4220,168 +7052,324 @@
         </p:txBody>
       </p:sp>
     </p:spTree>
+    <p:extLst>
+      <p:ext uri="{BB962C8B-B14F-4D97-AF65-F5344CB8AC3E}">
+        <p14:creationId xmlns:p14="http://schemas.microsoft.com/office/powerpoint/2010/main" val="2551172983"/>
+      </p:ext>
+    </p:extLst>
   </p:cSld>
-  <p:clrMap bg1="lt1" tx1="dk1" bg2="lt2" tx2="dk2" accent1="accent1" accent2="accent2" accent3="accent3" accent4="accent4" accent5="accent5" accent6="accent6" hlink="hlink" folHlink="folHlink"/>
+  <p:clrMap bg1="dk1" tx1="lt1" bg2="dk2" tx2="lt2" accent1="accent1" accent2="accent2" accent3="accent3" accent4="accent4" accent5="accent5" accent6="accent6" hlink="hlink" folHlink="folHlink"/>
   <p:sldLayoutIdLst>
-    <p:sldLayoutId id="2147483649" r:id="rId1"/>
-    <p:sldLayoutId id="2147483650" r:id="rId2"/>
-    <p:sldLayoutId id="2147483651" r:id="rId3"/>
-    <p:sldLayoutId id="2147483652" r:id="rId4"/>
-    <p:sldLayoutId id="2147483653" r:id="rId5"/>
-    <p:sldLayoutId id="2147483654" r:id="rId6"/>
-    <p:sldLayoutId id="2147483655" r:id="rId7"/>
-    <p:sldLayoutId id="2147483656" r:id="rId8"/>
-    <p:sldLayoutId id="2147483657" r:id="rId9"/>
-    <p:sldLayoutId id="2147483658" r:id="rId10"/>
-    <p:sldLayoutId id="2147483659" r:id="rId11"/>
+    <p:sldLayoutId id="2147483678" r:id="rId1"/>
+    <p:sldLayoutId id="2147483679" r:id="rId2"/>
+    <p:sldLayoutId id="2147483680" r:id="rId3"/>
+    <p:sldLayoutId id="2147483681" r:id="rId4"/>
+    <p:sldLayoutId id="2147483682" r:id="rId5"/>
+    <p:sldLayoutId id="2147483683" r:id="rId6"/>
+    <p:sldLayoutId id="2147483684" r:id="rId7"/>
+    <p:sldLayoutId id="2147483685" r:id="rId8"/>
+    <p:sldLayoutId id="2147483686" r:id="rId9"/>
+    <p:sldLayoutId id="2147483687" r:id="rId10"/>
+    <p:sldLayoutId id="2147483688" r:id="rId11"/>
+    <p:sldLayoutId id="2147483689" r:id="rId12"/>
+    <p:sldLayoutId id="2147483690" r:id="rId13"/>
+    <p:sldLayoutId id="2147483691" r:id="rId14"/>
+    <p:sldLayoutId id="2147483692" r:id="rId15"/>
+    <p:sldLayoutId id="2147483693" r:id="rId16"/>
   </p:sldLayoutIdLst>
   <p:txStyles>
     <p:titleStyle>
-      <a:lvl1pPr algn="ctr" defTabSz="914400" rtl="0" eaLnBrk="1" latinLnBrk="0" hangingPunct="1">
+      <a:lvl1pPr algn="l" defTabSz="457200" rtl="0" eaLnBrk="1" latinLnBrk="0" hangingPunct="1">
         <a:spcBef>
           <a:spcPct val="0"/>
         </a:spcBef>
         <a:buNone/>
-        <a:defRPr sz="4400" kern="1200">
+        <a:defRPr sz="3600" kern="1200">
           <a:solidFill>
-            <a:schemeClr val="tx1"/>
+            <a:schemeClr val="accent1"/>
           </a:solidFill>
           <a:latin typeface="+mj-lt"/>
           <a:ea typeface="+mj-ea"/>
           <a:cs typeface="+mj-cs"/>
         </a:defRPr>
       </a:lvl1pPr>
+      <a:lvl2pPr eaLnBrk="1" hangingPunct="1">
+        <a:defRPr>
+          <a:solidFill>
+            <a:schemeClr val="tx2"/>
+          </a:solidFill>
+        </a:defRPr>
+      </a:lvl2pPr>
+      <a:lvl3pPr eaLnBrk="1" hangingPunct="1">
+        <a:defRPr>
+          <a:solidFill>
+            <a:schemeClr val="tx2"/>
+          </a:solidFill>
+        </a:defRPr>
+      </a:lvl3pPr>
+      <a:lvl4pPr eaLnBrk="1" hangingPunct="1">
+        <a:defRPr>
+          <a:solidFill>
+            <a:schemeClr val="tx2"/>
+          </a:solidFill>
+        </a:defRPr>
+      </a:lvl4pPr>
+      <a:lvl5pPr eaLnBrk="1" hangingPunct="1">
+        <a:defRPr>
+          <a:solidFill>
+            <a:schemeClr val="tx2"/>
+          </a:solidFill>
+        </a:defRPr>
+      </a:lvl5pPr>
+      <a:lvl6pPr eaLnBrk="1" hangingPunct="1">
+        <a:defRPr>
+          <a:solidFill>
+            <a:schemeClr val="tx2"/>
+          </a:solidFill>
+        </a:defRPr>
+      </a:lvl6pPr>
+      <a:lvl7pPr eaLnBrk="1" hangingPunct="1">
+        <a:defRPr>
+          <a:solidFill>
+            <a:schemeClr val="tx2"/>
+          </a:solidFill>
+        </a:defRPr>
+      </a:lvl7pPr>
+      <a:lvl8pPr eaLnBrk="1" hangingPunct="1">
+        <a:defRPr>
+          <a:solidFill>
+            <a:schemeClr val="tx2"/>
+          </a:solidFill>
+        </a:defRPr>
+      </a:lvl8pPr>
+      <a:lvl9pPr eaLnBrk="1" hangingPunct="1">
+        <a:defRPr>
+          <a:solidFill>
+            <a:schemeClr val="tx2"/>
+          </a:solidFill>
+        </a:defRPr>
+      </a:lvl9pPr>
     </p:titleStyle>
     <p:bodyStyle>
-      <a:lvl1pPr marL="342900" indent="-342900" algn="l" defTabSz="914400" rtl="0" eaLnBrk="1" latinLnBrk="0" hangingPunct="1">
+      <a:lvl1pPr marL="342900" indent="-342900" algn="l" defTabSz="457200" rtl="0" eaLnBrk="1" latinLnBrk="0" hangingPunct="1">
         <a:spcBef>
-          <a:spcPct val="20000"/>
+          <a:spcPts val="1000"/>
         </a:spcBef>
-        <a:buFont typeface="Arial" pitchFamily="34" charset="0"/>
-        <a:buChar char="•"/>
-        <a:defRPr sz="3200" kern="1200">
+        <a:spcAft>
+          <a:spcPts val="0"/>
+        </a:spcAft>
+        <a:buClr>
+          <a:schemeClr val="accent1"/>
+        </a:buClr>
+        <a:buSzPct val="80000"/>
+        <a:buFont typeface="Wingdings 3" charset="2"/>
+        <a:buChar char=""/>
+        <a:defRPr sz="1800" kern="1200">
           <a:solidFill>
-            <a:schemeClr val="tx1"/>
+            <a:schemeClr val="tx1">
+              <a:lumMod val="75000"/>
+              <a:lumOff val="25000"/>
+            </a:schemeClr>
           </a:solidFill>
           <a:latin typeface="+mn-lt"/>
           <a:ea typeface="+mn-ea"/>
           <a:cs typeface="+mn-cs"/>
         </a:defRPr>
       </a:lvl1pPr>
-      <a:lvl2pPr marL="742950" indent="-285750" algn="l" defTabSz="914400" rtl="0" eaLnBrk="1" latinLnBrk="0" hangingPunct="1">
+      <a:lvl2pPr marL="742950" indent="-285750" algn="l" defTabSz="457200" rtl="0" eaLnBrk="1" latinLnBrk="0" hangingPunct="1">
         <a:spcBef>
-          <a:spcPct val="20000"/>
+          <a:spcPts val="1000"/>
         </a:spcBef>
-        <a:buFont typeface="Arial" pitchFamily="34" charset="0"/>
-        <a:buChar char="–"/>
-        <a:defRPr sz="2800" kern="1200">
+        <a:spcAft>
+          <a:spcPts val="0"/>
+        </a:spcAft>
+        <a:buClr>
+          <a:schemeClr val="accent1"/>
+        </a:buClr>
+        <a:buSzPct val="80000"/>
+        <a:buFont typeface="Wingdings 3" charset="2"/>
+        <a:buChar char=""/>
+        <a:defRPr sz="1600" kern="1200">
           <a:solidFill>
-            <a:schemeClr val="tx1"/>
+            <a:schemeClr val="tx1">
+              <a:lumMod val="75000"/>
+              <a:lumOff val="25000"/>
+            </a:schemeClr>
           </a:solidFill>
           <a:latin typeface="+mn-lt"/>
           <a:ea typeface="+mn-ea"/>
           <a:cs typeface="+mn-cs"/>
         </a:defRPr>
       </a:lvl2pPr>
-      <a:lvl3pPr marL="1143000" indent="-228600" algn="l" defTabSz="914400" rtl="0" eaLnBrk="1" latinLnBrk="0" hangingPunct="1">
+      <a:lvl3pPr marL="1143000" indent="-228600" algn="l" defTabSz="457200" rtl="0" eaLnBrk="1" latinLnBrk="0" hangingPunct="1">
         <a:spcBef>
-          <a:spcPct val="20000"/>
+          <a:spcPts val="1000"/>
         </a:spcBef>
-        <a:buFont typeface="Arial" pitchFamily="34" charset="0"/>
-        <a:buChar char="•"/>
-        <a:defRPr sz="2400" kern="1200">
+        <a:spcAft>
+          <a:spcPts val="0"/>
+        </a:spcAft>
+        <a:buClr>
+          <a:schemeClr val="accent1"/>
+        </a:buClr>
+        <a:buSzPct val="80000"/>
+        <a:buFont typeface="Wingdings 3" charset="2"/>
+        <a:buChar char=""/>
+        <a:defRPr sz="1400" kern="1200">
           <a:solidFill>
-            <a:schemeClr val="tx1"/>
+            <a:schemeClr val="tx1">
+              <a:lumMod val="75000"/>
+              <a:lumOff val="25000"/>
+            </a:schemeClr>
           </a:solidFill>
           <a:latin typeface="+mn-lt"/>
           <a:ea typeface="+mn-ea"/>
           <a:cs typeface="+mn-cs"/>
         </a:defRPr>
       </a:lvl3pPr>
-      <a:lvl4pPr marL="1600200" indent="-228600" algn="l" defTabSz="914400" rtl="0" eaLnBrk="1" latinLnBrk="0" hangingPunct="1">
+      <a:lvl4pPr marL="1600200" indent="-228600" algn="l" defTabSz="457200" rtl="0" eaLnBrk="1" latinLnBrk="0" hangingPunct="1">
         <a:spcBef>
-          <a:spcPct val="20000"/>
+          <a:spcPts val="1000"/>
         </a:spcBef>
-        <a:buFont typeface="Arial" pitchFamily="34" charset="0"/>
-        <a:buChar char="–"/>
-        <a:defRPr sz="2000" kern="1200">
+        <a:spcAft>
+          <a:spcPts val="0"/>
+        </a:spcAft>
+        <a:buClr>
+          <a:schemeClr val="accent1"/>
+        </a:buClr>
+        <a:buSzPct val="80000"/>
+        <a:buFont typeface="Wingdings 3" charset="2"/>
+        <a:buChar char=""/>
+        <a:defRPr sz="1200" kern="1200">
           <a:solidFill>
-            <a:schemeClr val="tx1"/>
+            <a:schemeClr val="tx1">
+              <a:lumMod val="75000"/>
+              <a:lumOff val="25000"/>
+            </a:schemeClr>
           </a:solidFill>
           <a:latin typeface="+mn-lt"/>
           <a:ea typeface="+mn-ea"/>
           <a:cs typeface="+mn-cs"/>
         </a:defRPr>
       </a:lvl4pPr>
-      <a:lvl5pPr marL="2057400" indent="-228600" algn="l" defTabSz="914400" rtl="0" eaLnBrk="1" latinLnBrk="0" hangingPunct="1">
+      <a:lvl5pPr marL="2057400" indent="-228600" algn="l" defTabSz="457200" rtl="0" eaLnBrk="1" latinLnBrk="0" hangingPunct="1">
         <a:spcBef>
-          <a:spcPct val="20000"/>
+          <a:spcPts val="1000"/>
         </a:spcBef>
-        <a:buFont typeface="Arial" pitchFamily="34" charset="0"/>
-        <a:buChar char="»"/>
-        <a:defRPr sz="2000" kern="1200">
+        <a:spcAft>
+          <a:spcPts val="0"/>
+        </a:spcAft>
+        <a:buClr>
+          <a:schemeClr val="accent1"/>
+        </a:buClr>
+        <a:buSzPct val="80000"/>
+        <a:buFont typeface="Wingdings 3" charset="2"/>
+        <a:buChar char=""/>
+        <a:defRPr sz="1200" kern="1200">
           <a:solidFill>
-            <a:schemeClr val="tx1"/>
+            <a:schemeClr val="tx1">
+              <a:lumMod val="75000"/>
+              <a:lumOff val="25000"/>
+            </a:schemeClr>
           </a:solidFill>
           <a:latin typeface="+mn-lt"/>
           <a:ea typeface="+mn-ea"/>
           <a:cs typeface="+mn-cs"/>
         </a:defRPr>
       </a:lvl5pPr>
-      <a:lvl6pPr marL="2514600" indent="-228600" algn="l" defTabSz="914400" rtl="0" eaLnBrk="1" latinLnBrk="0" hangingPunct="1">
+      <a:lvl6pPr marL="2514600" indent="-228600" algn="l" defTabSz="457200" rtl="0" eaLnBrk="1" latinLnBrk="0" hangingPunct="1">
         <a:spcBef>
-          <a:spcPct val="20000"/>
+          <a:spcPts val="1000"/>
         </a:spcBef>
-        <a:buFont typeface="Arial" pitchFamily="34" charset="0"/>
-        <a:buChar char="•"/>
-        <a:defRPr sz="2000" kern="1200">
+        <a:spcAft>
+          <a:spcPts val="0"/>
+        </a:spcAft>
+        <a:buClr>
+          <a:schemeClr val="accent1"/>
+        </a:buClr>
+        <a:buSzPct val="80000"/>
+        <a:buFont typeface="Wingdings 3" charset="2"/>
+        <a:buChar char=""/>
+        <a:defRPr sz="1200" kern="1200">
           <a:solidFill>
-            <a:schemeClr val="tx1"/>
+            <a:schemeClr val="tx1">
+              <a:lumMod val="75000"/>
+              <a:lumOff val="25000"/>
+            </a:schemeClr>
           </a:solidFill>
           <a:latin typeface="+mn-lt"/>
           <a:ea typeface="+mn-ea"/>
           <a:cs typeface="+mn-cs"/>
         </a:defRPr>
       </a:lvl6pPr>
-      <a:lvl7pPr marL="2971800" indent="-228600" algn="l" defTabSz="914400" rtl="0" eaLnBrk="1" latinLnBrk="0" hangingPunct="1">
+      <a:lvl7pPr marL="2971800" indent="-228600" algn="l" defTabSz="457200" rtl="0" eaLnBrk="1" latinLnBrk="0" hangingPunct="1">
         <a:spcBef>
-          <a:spcPct val="20000"/>
+          <a:spcPts val="1000"/>
         </a:spcBef>
-        <a:buFont typeface="Arial" pitchFamily="34" charset="0"/>
-        <a:buChar char="•"/>
-        <a:defRPr sz="2000" kern="1200">
+        <a:spcAft>
+          <a:spcPts val="0"/>
+        </a:spcAft>
+        <a:buClr>
+          <a:schemeClr val="accent1"/>
+        </a:buClr>
+        <a:buSzPct val="80000"/>
+        <a:buFont typeface="Wingdings 3" charset="2"/>
+        <a:buChar char=""/>
+        <a:defRPr sz="1200" kern="1200">
           <a:solidFill>
-            <a:schemeClr val="tx1"/>
+            <a:schemeClr val="tx1">
+              <a:lumMod val="75000"/>
+              <a:lumOff val="25000"/>
+            </a:schemeClr>
           </a:solidFill>
           <a:latin typeface="+mn-lt"/>
           <a:ea typeface="+mn-ea"/>
           <a:cs typeface="+mn-cs"/>
         </a:defRPr>
       </a:lvl7pPr>
-      <a:lvl8pPr marL="3429000" indent="-228600" algn="l" defTabSz="914400" rtl="0" eaLnBrk="1" latinLnBrk="0" hangingPunct="1">
+      <a:lvl8pPr marL="3429000" indent="-228600" algn="l" defTabSz="457200" rtl="0" eaLnBrk="1" latinLnBrk="0" hangingPunct="1">
         <a:spcBef>
-          <a:spcPct val="20000"/>
+          <a:spcPts val="1000"/>
         </a:spcBef>
-        <a:buFont typeface="Arial" pitchFamily="34" charset="0"/>
-        <a:buChar char="•"/>
-        <a:defRPr sz="2000" kern="1200">
+        <a:spcAft>
+          <a:spcPts val="0"/>
+        </a:spcAft>
+        <a:buClr>
+          <a:schemeClr val="accent1"/>
+        </a:buClr>
+        <a:buSzPct val="80000"/>
+        <a:buFont typeface="Wingdings 3" charset="2"/>
+        <a:buChar char=""/>
+        <a:defRPr sz="1200" kern="1200">
           <a:solidFill>
-            <a:schemeClr val="tx1"/>
+            <a:schemeClr val="tx1">
+              <a:lumMod val="75000"/>
+              <a:lumOff val="25000"/>
+            </a:schemeClr>
           </a:solidFill>
           <a:latin typeface="+mn-lt"/>
           <a:ea typeface="+mn-ea"/>
           <a:cs typeface="+mn-cs"/>
         </a:defRPr>
       </a:lvl8pPr>
-      <a:lvl9pPr marL="3886200" indent="-228600" algn="l" defTabSz="914400" rtl="0" eaLnBrk="1" latinLnBrk="0" hangingPunct="1">
+      <a:lvl9pPr marL="3886200" indent="-228600" algn="l" defTabSz="457200" rtl="0" eaLnBrk="1" latinLnBrk="0" hangingPunct="1">
         <a:spcBef>
-          <a:spcPct val="20000"/>
+          <a:spcPts val="1000"/>
         </a:spcBef>
-        <a:buFont typeface="Arial" pitchFamily="34" charset="0"/>
-        <a:buChar char="•"/>
-        <a:defRPr sz="2000" kern="1200">
+        <a:spcAft>
+          <a:spcPts val="0"/>
+        </a:spcAft>
+        <a:buClr>
+          <a:schemeClr val="accent1"/>
+        </a:buClr>
+        <a:buSzPct val="80000"/>
+        <a:buFont typeface="Wingdings 3" charset="2"/>
+        <a:buChar char=""/>
+        <a:defRPr sz="1200" kern="1200">
           <a:solidFill>
-            <a:schemeClr val="tx1"/>
+            <a:schemeClr val="tx1">
+              <a:lumMod val="75000"/>
+              <a:lumOff val="25000"/>
+            </a:schemeClr>
           </a:solidFill>
           <a:latin typeface="+mn-lt"/>
           <a:ea typeface="+mn-ea"/>
@@ -4393,7 +7381,7 @@
       <a:defPPr>
         <a:defRPr lang="en-US"/>
       </a:defPPr>
-      <a:lvl1pPr marL="0" algn="l" defTabSz="914400" rtl="0" eaLnBrk="1" latinLnBrk="0" hangingPunct="1">
+      <a:lvl1pPr marL="0" algn="l" defTabSz="457200" rtl="0" eaLnBrk="1" latinLnBrk="0" hangingPunct="1">
         <a:defRPr sz="1800" kern="1200">
           <a:solidFill>
             <a:schemeClr val="tx1"/>
@@ -4403,7 +7391,7 @@
           <a:cs typeface="+mn-cs"/>
         </a:defRPr>
       </a:lvl1pPr>
-      <a:lvl2pPr marL="457200" algn="l" defTabSz="914400" rtl="0" eaLnBrk="1" latinLnBrk="0" hangingPunct="1">
+      <a:lvl2pPr marL="457200" algn="l" defTabSz="457200" rtl="0" eaLnBrk="1" latinLnBrk="0" hangingPunct="1">
         <a:defRPr sz="1800" kern="1200">
           <a:solidFill>
             <a:schemeClr val="tx1"/>
@@ -4413,7 +7401,7 @@
           <a:cs typeface="+mn-cs"/>
         </a:defRPr>
       </a:lvl2pPr>
-      <a:lvl3pPr marL="914400" algn="l" defTabSz="914400" rtl="0" eaLnBrk="1" latinLnBrk="0" hangingPunct="1">
+      <a:lvl3pPr marL="914400" algn="l" defTabSz="457200" rtl="0" eaLnBrk="1" latinLnBrk="0" hangingPunct="1">
         <a:defRPr sz="1800" kern="1200">
           <a:solidFill>
             <a:schemeClr val="tx1"/>
@@ -4423,7 +7411,7 @@
           <a:cs typeface="+mn-cs"/>
         </a:defRPr>
       </a:lvl3pPr>
-      <a:lvl4pPr marL="1371600" algn="l" defTabSz="914400" rtl="0" eaLnBrk="1" latinLnBrk="0" hangingPunct="1">
+      <a:lvl4pPr marL="1371600" algn="l" defTabSz="457200" rtl="0" eaLnBrk="1" latinLnBrk="0" hangingPunct="1">
         <a:defRPr sz="1800" kern="1200">
           <a:solidFill>
             <a:schemeClr val="tx1"/>
@@ -4433,7 +7421,7 @@
           <a:cs typeface="+mn-cs"/>
         </a:defRPr>
       </a:lvl4pPr>
-      <a:lvl5pPr marL="1828800" algn="l" defTabSz="914400" rtl="0" eaLnBrk="1" latinLnBrk="0" hangingPunct="1">
+      <a:lvl5pPr marL="1828800" algn="l" defTabSz="457200" rtl="0" eaLnBrk="1" latinLnBrk="0" hangingPunct="1">
         <a:defRPr sz="1800" kern="1200">
           <a:solidFill>
             <a:schemeClr val="tx1"/>
@@ -4443,7 +7431,7 @@
           <a:cs typeface="+mn-cs"/>
         </a:defRPr>
       </a:lvl5pPr>
-      <a:lvl6pPr marL="2286000" algn="l" defTabSz="914400" rtl="0" eaLnBrk="1" latinLnBrk="0" hangingPunct="1">
+      <a:lvl6pPr marL="2286000" algn="l" defTabSz="457200" rtl="0" eaLnBrk="1" latinLnBrk="0" hangingPunct="1">
         <a:defRPr sz="1800" kern="1200">
           <a:solidFill>
             <a:schemeClr val="tx1"/>
@@ -4453,7 +7441,7 @@
           <a:cs typeface="+mn-cs"/>
         </a:defRPr>
       </a:lvl6pPr>
-      <a:lvl7pPr marL="2743200" algn="l" defTabSz="914400" rtl="0" eaLnBrk="1" latinLnBrk="0" hangingPunct="1">
+      <a:lvl7pPr marL="2743200" algn="l" defTabSz="457200" rtl="0" eaLnBrk="1" latinLnBrk="0" hangingPunct="1">
         <a:defRPr sz="1800" kern="1200">
           <a:solidFill>
             <a:schemeClr val="tx1"/>
@@ -4463,7 +7451,7 @@
           <a:cs typeface="+mn-cs"/>
         </a:defRPr>
       </a:lvl7pPr>
-      <a:lvl8pPr marL="3200400" algn="l" defTabSz="914400" rtl="0" eaLnBrk="1" latinLnBrk="0" hangingPunct="1">
+      <a:lvl8pPr marL="3200400" algn="l" defTabSz="457200" rtl="0" eaLnBrk="1" latinLnBrk="0" hangingPunct="1">
         <a:defRPr sz="1800" kern="1200">
           <a:solidFill>
             <a:schemeClr val="tx1"/>
@@ -4473,7 +7461,7 @@
           <a:cs typeface="+mn-cs"/>
         </a:defRPr>
       </a:lvl8pPr>
-      <a:lvl9pPr marL="3657600" algn="l" defTabSz="914400" rtl="0" eaLnBrk="1" latinLnBrk="0" hangingPunct="1">
+      <a:lvl9pPr marL="3657600" algn="l" defTabSz="457200" rtl="0" eaLnBrk="1" latinLnBrk="0" hangingPunct="1">
         <a:defRPr sz="1800" kern="1200">
           <a:solidFill>
             <a:schemeClr val="tx1"/>
@@ -4521,7 +7509,7 @@
           <a:lstStyle/>
           <a:p>
             <a:r>
-              <a:rPr lang="en-CA" dirty="0" err="1" smtClean="0"/>
+              <a:rPr lang="en-CA" dirty="0" err="1"/>
               <a:t>PlantBuddy</a:t>
             </a:r>
             <a:endParaRPr lang="en-CA" dirty="0"/>
@@ -4546,14 +7534,14 @@
           <a:lstStyle/>
           <a:p>
             <a:r>
-              <a:rPr lang="en-CA" dirty="0" smtClean="0"/>
+              <a:rPr lang="en-CA" dirty="0"/>
               <a:t>By: Team </a:t>
             </a:r>
             <a:r>
               <a:rPr lang="vi-VN" dirty="0"/>
               <a:t>ʕ•ᴥ•ʔ g̡̡̧̞̥͖̣̫̔̓͑̂̑̂ͪ͋̐ͣ̀̚̚͘i̷̧͕̜͎̮̬̖̼̗̺̭͙̠̗̲͚̘̬̊ͥ̎͂̅̆ͩ̇̾̊̿ͤ̀͢ḋ̴̵̂̐ͮ͛̓͛͂ͪͪ͢҉̘̤̞̩̝̩͍̣̹͖̥̖̗̟͍̜͇͈g̡͐̊́ͭ̍̒̔̓͊͞҉̴̲̠̫̙͔̺̺̙̤͔ũ̸̸͉͔͈̘̬̭͐ͭ͆̑͌̅͆ͪ̂̇̌̓ͣ̃ͪ͊̕͜͜d̷͚̳̯̝͙̫̥̯͚͙ͪ̄̐ͤ͂͋ ̴̡̧̩͓̺̥͚̬̪̹̭̥̜̪͈̳̜͖̊̆̂ͨͦ͑ͨ̊̄̌̏̄ͭ͞</a:t>
             </a:r>
-            <a:endParaRPr lang="en-CA" dirty="0" smtClean="0"/>
+            <a:endParaRPr lang="en-CA" dirty="0"/>
           </a:p>
         </p:txBody>
       </p:sp>
@@ -4598,10 +7586,9 @@
           <a:lstStyle/>
           <a:p>
             <a:r>
-              <a:rPr lang="en-CA" dirty="0" smtClean="0"/>
+              <a:rPr lang="en-CA" dirty="0"/>
               <a:t>Database Schema</a:t>
             </a:r>
-            <a:endParaRPr lang="en-CA" dirty="0"/>
           </a:p>
         </p:txBody>
       </p:sp>
@@ -4621,144 +7608,139 @@
           <a:lstStyle/>
           <a:p>
             <a:r>
-              <a:rPr lang="en-CA" dirty="0" smtClean="0"/>
+              <a:rPr lang="en-CA" dirty="0"/>
               <a:t>User(username, password, name)</a:t>
             </a:r>
           </a:p>
           <a:p>
             <a:r>
-              <a:rPr lang="en-CA" dirty="0" smtClean="0"/>
+              <a:rPr lang="en-CA" dirty="0"/>
               <a:t>Owner(</a:t>
             </a:r>
             <a:r>
-              <a:rPr lang="en-CA" dirty="0" err="1" smtClean="0"/>
+              <a:rPr lang="en-CA" dirty="0" err="1"/>
               <a:t>plantID</a:t>
             </a:r>
             <a:r>
-              <a:rPr lang="en-CA" dirty="0" smtClean="0"/>
+              <a:rPr lang="en-CA" dirty="0"/>
               <a:t>, username)</a:t>
             </a:r>
           </a:p>
           <a:p>
             <a:r>
-              <a:rPr lang="en-CA" dirty="0" smtClean="0"/>
+              <a:rPr lang="en-CA" dirty="0"/>
               <a:t>Plant(</a:t>
             </a:r>
             <a:r>
-              <a:rPr lang="en-CA" dirty="0" err="1" smtClean="0"/>
+              <a:rPr lang="en-CA" dirty="0" err="1"/>
               <a:t>plantId</a:t>
             </a:r>
             <a:r>
-              <a:rPr lang="en-CA" dirty="0" smtClean="0"/>
+              <a:rPr lang="en-CA" dirty="0"/>
               <a:t>, </a:t>
             </a:r>
             <a:r>
-              <a:rPr lang="en-CA" dirty="0" err="1" smtClean="0"/>
+              <a:rPr lang="en-CA" dirty="0" err="1"/>
               <a:t>plantType</a:t>
             </a:r>
             <a:r>
-              <a:rPr lang="en-CA" dirty="0" smtClean="0"/>
+              <a:rPr lang="en-CA" dirty="0"/>
               <a:t>, </a:t>
             </a:r>
             <a:r>
-              <a:rPr lang="en-CA" dirty="0" err="1" smtClean="0"/>
+              <a:rPr lang="en-CA" dirty="0" err="1"/>
               <a:t>plantName</a:t>
             </a:r>
             <a:r>
-              <a:rPr lang="en-CA" dirty="0" smtClean="0"/>
+              <a:rPr lang="en-CA" dirty="0"/>
               <a:t>)</a:t>
             </a:r>
           </a:p>
           <a:p>
             <a:r>
-              <a:rPr lang="en-CA" dirty="0" smtClean="0"/>
+              <a:rPr lang="en-CA" dirty="0"/>
               <a:t>History(</a:t>
             </a:r>
             <a:r>
-              <a:rPr lang="en-CA" dirty="0" err="1" smtClean="0"/>
+              <a:rPr lang="en-CA" dirty="0" err="1"/>
               <a:t>plantId</a:t>
             </a:r>
             <a:r>
-              <a:rPr lang="en-CA" dirty="0" smtClean="0"/>
+              <a:rPr lang="en-CA" dirty="0"/>
               <a:t>, </a:t>
             </a:r>
             <a:r>
-              <a:rPr lang="en-CA" dirty="0" err="1" smtClean="0"/>
+              <a:rPr lang="en-CA" dirty="0" err="1"/>
               <a:t>recordDate</a:t>
             </a:r>
             <a:r>
-              <a:rPr lang="en-CA" dirty="0" smtClean="0"/>
+              <a:rPr lang="en-CA" dirty="0"/>
               <a:t>, moisture, humidity, temp)</a:t>
             </a:r>
           </a:p>
           <a:p>
             <a:r>
-              <a:rPr lang="en-CA" dirty="0" smtClean="0"/>
+              <a:rPr lang="en-CA" dirty="0"/>
               <a:t>Optimal(</a:t>
             </a:r>
             <a:r>
-              <a:rPr lang="en-CA" dirty="0" err="1" smtClean="0"/>
+              <a:rPr lang="en-CA" dirty="0" err="1"/>
               <a:t>plantType</a:t>
             </a:r>
             <a:r>
-              <a:rPr lang="en-CA" dirty="0" smtClean="0"/>
+              <a:rPr lang="en-CA" dirty="0"/>
               <a:t>, </a:t>
             </a:r>
             <a:r>
-              <a:rPr lang="en-CA" dirty="0" err="1" smtClean="0"/>
+              <a:rPr lang="en-CA" dirty="0" err="1"/>
               <a:t>potMoisture</a:t>
             </a:r>
             <a:r>
-              <a:rPr lang="en-CA" dirty="0" smtClean="0"/>
+              <a:rPr lang="en-CA" dirty="0"/>
               <a:t>, </a:t>
             </a:r>
             <a:r>
-              <a:rPr lang="en-CA" dirty="0" err="1" smtClean="0"/>
+              <a:rPr lang="en-CA" dirty="0" err="1"/>
               <a:t>optHumidity</a:t>
             </a:r>
             <a:r>
-              <a:rPr lang="en-CA" dirty="0" smtClean="0"/>
+              <a:rPr lang="en-CA" dirty="0"/>
               <a:t>, </a:t>
             </a:r>
             <a:r>
-              <a:rPr lang="en-CA" dirty="0" err="1" smtClean="0"/>
+              <a:rPr lang="en-CA" dirty="0" err="1"/>
               <a:t>optTemp</a:t>
             </a:r>
             <a:r>
-              <a:rPr lang="en-CA" dirty="0" smtClean="0"/>
+              <a:rPr lang="en-CA" dirty="0"/>
               <a:t>)</a:t>
             </a:r>
           </a:p>
           <a:p>
             <a:r>
               <a:rPr lang="en-CA" dirty="0" err="1"/>
-              <a:t>M</a:t>
-            </a:r>
-            <a:r>
-              <a:rPr lang="en-CA" dirty="0" err="1" smtClean="0"/>
-              <a:t>anualWater</a:t>
-            </a:r>
-            <a:r>
-              <a:rPr lang="en-CA" dirty="0" smtClean="0"/>
+              <a:t>ManualWater</a:t>
+            </a:r>
+            <a:r>
+              <a:rPr lang="en-CA" dirty="0"/>
               <a:t>(</a:t>
             </a:r>
             <a:r>
-              <a:rPr lang="en-CA" dirty="0" err="1" smtClean="0"/>
+              <a:rPr lang="en-CA" dirty="0" err="1"/>
               <a:t>plantId</a:t>
             </a:r>
             <a:r>
-              <a:rPr lang="en-CA" dirty="0" smtClean="0"/>
+              <a:rPr lang="en-CA" dirty="0"/>
               <a:t>, </a:t>
             </a:r>
             <a:r>
-              <a:rPr lang="en-CA" dirty="0" err="1" smtClean="0"/>
+              <a:rPr lang="en-CA" dirty="0" err="1"/>
               <a:t>doWater</a:t>
             </a:r>
             <a:r>
-              <a:rPr lang="en-CA" dirty="0" smtClean="0"/>
+              <a:rPr lang="en-CA" dirty="0"/>
               <a:t>)</a:t>
             </a:r>
-            <a:endParaRPr lang="en-CA" dirty="0"/>
           </a:p>
         </p:txBody>
       </p:sp>
@@ -4803,10 +7785,9 @@
           <a:lstStyle/>
           <a:p>
             <a:r>
-              <a:rPr lang="en-CA" dirty="0" smtClean="0"/>
+              <a:rPr lang="en-CA" dirty="0"/>
               <a:t>Hardware Code</a:t>
             </a:r>
-            <a:endParaRPr lang="en-CA" dirty="0"/>
           </a:p>
         </p:txBody>
       </p:sp>
@@ -4870,10 +7851,9 @@
           <a:lstStyle/>
           <a:p>
             <a:r>
-              <a:rPr lang="en-CA" dirty="0" smtClean="0"/>
+              <a:rPr lang="en-CA" dirty="0"/>
               <a:t>Website Code</a:t>
             </a:r>
-            <a:endParaRPr lang="en-CA" dirty="0"/>
           </a:p>
         </p:txBody>
       </p:sp>
@@ -4937,132 +7917,131 @@
           <a:lstStyle/>
           <a:p>
             <a:r>
-              <a:rPr lang="en-CA" dirty="0" smtClean="0"/>
+              <a:rPr lang="en-CA" dirty="0"/>
               <a:t>Software Process</a:t>
             </a:r>
+          </a:p>
+        </p:txBody>
+      </p:sp>
+      <p:sp>
+        <p:nvSpPr>
+          <p:cNvPr id="3" name="Content Placeholder 2"/>
+          <p:cNvSpPr>
+            <a:spLocks noGrp="1"/>
+          </p:cNvSpPr>
+          <p:nvPr>
+            <p:ph idx="1"/>
+          </p:nvPr>
+        </p:nvSpPr>
+        <p:spPr/>
+        <p:txBody>
+          <a:bodyPr>
+            <a:normAutofit fontScale="85000" lnSpcReduction="20000"/>
+          </a:bodyPr>
+          <a:lstStyle/>
+          <a:p>
+            <a:r>
+              <a:rPr lang="en-CA" dirty="0"/>
+              <a:t>Communication: </a:t>
+            </a:r>
+          </a:p>
+          <a:p>
+            <a:pPr lvl="1"/>
+            <a:r>
+              <a:rPr lang="en-CA" dirty="0"/>
+              <a:t>Messenger</a:t>
+            </a:r>
+          </a:p>
+          <a:p>
+            <a:pPr lvl="1"/>
+            <a:r>
+              <a:rPr lang="en-CA" dirty="0" err="1"/>
+              <a:t>Github</a:t>
+            </a:r>
             <a:endParaRPr lang="en-CA" dirty="0"/>
           </a:p>
-        </p:txBody>
-      </p:sp>
-      <p:sp>
-        <p:nvSpPr>
-          <p:cNvPr id="3" name="Content Placeholder 2"/>
-          <p:cNvSpPr>
-            <a:spLocks noGrp="1"/>
-          </p:cNvSpPr>
-          <p:nvPr>
-            <p:ph idx="1"/>
-          </p:nvPr>
-        </p:nvSpPr>
-        <p:spPr/>
-        <p:txBody>
-          <a:bodyPr>
-            <a:normAutofit fontScale="77500" lnSpcReduction="20000"/>
-          </a:bodyPr>
-          <a:lstStyle/>
-          <a:p>
-            <a:r>
-              <a:rPr lang="en-CA" dirty="0" smtClean="0"/>
-              <a:t>Communication: </a:t>
-            </a:r>
-          </a:p>
           <a:p>
             <a:pPr lvl="1"/>
             <a:r>
-              <a:rPr lang="en-CA" dirty="0" smtClean="0"/>
-              <a:t>Messenger</a:t>
+              <a:rPr lang="en-CA" dirty="0"/>
+              <a:t>Meetings:</a:t>
+            </a:r>
+          </a:p>
+          <a:p>
+            <a:pPr lvl="2"/>
+            <a:r>
+              <a:rPr lang="en-CA" dirty="0"/>
+              <a:t>Whiteboard</a:t>
+            </a:r>
+          </a:p>
+          <a:p>
+            <a:pPr lvl="2"/>
+            <a:r>
+              <a:rPr lang="en-CA" dirty="0"/>
+              <a:t>For decision Making /Assigning Tasks</a:t>
+            </a:r>
+          </a:p>
+          <a:p>
+            <a:r>
+              <a:rPr lang="en-CA" dirty="0"/>
+              <a:t>Assigning tasks: based on skills and interest</a:t>
             </a:r>
           </a:p>
           <a:p>
             <a:pPr lvl="1"/>
             <a:r>
-              <a:rPr lang="en-CA" dirty="0" err="1" smtClean="0"/>
-              <a:t>Github</a:t>
-            </a:r>
-            <a:endParaRPr lang="en-CA" dirty="0" smtClean="0"/>
+              <a:rPr lang="en-CA" dirty="0"/>
+              <a:t>Dom: hardware (</a:t>
+            </a:r>
+            <a:r>
+              <a:rPr lang="en-CA" dirty="0" err="1"/>
+              <a:t>Arduino</a:t>
+            </a:r>
+            <a:r>
+              <a:rPr lang="en-CA" dirty="0"/>
+              <a:t>)</a:t>
+            </a:r>
           </a:p>
           <a:p>
             <a:pPr lvl="1"/>
             <a:r>
-              <a:rPr lang="en-CA" dirty="0" smtClean="0"/>
-              <a:t>Meetings:</a:t>
-            </a:r>
-          </a:p>
-          <a:p>
-            <a:pPr lvl="2"/>
-            <a:r>
-              <a:rPr lang="en-CA" dirty="0" smtClean="0"/>
-              <a:t>Whiteboard</a:t>
-            </a:r>
-          </a:p>
-          <a:p>
-            <a:pPr lvl="2"/>
-            <a:r>
-              <a:rPr lang="en-CA" dirty="0" smtClean="0"/>
-              <a:t>For decision Making /Assigning Tasks</a:t>
-            </a:r>
-          </a:p>
-          <a:p>
-            <a:r>
-              <a:rPr lang="en-CA" dirty="0" smtClean="0"/>
-              <a:t>Assigning tasks: based on skills and interest</a:t>
+              <a:rPr lang="en-CA" dirty="0"/>
+              <a:t>Andy:  hardware (</a:t>
+            </a:r>
+            <a:r>
+              <a:rPr lang="en-CA" dirty="0" err="1"/>
+              <a:t>RaspberryPi</a:t>
+            </a:r>
+            <a:r>
+              <a:rPr lang="en-CA" dirty="0"/>
+              <a:t>)</a:t>
             </a:r>
           </a:p>
           <a:p>
             <a:pPr lvl="1"/>
             <a:r>
-              <a:rPr lang="en-CA" dirty="0" smtClean="0"/>
-              <a:t>Dom: hardware (</a:t>
-            </a:r>
-            <a:r>
-              <a:rPr lang="en-CA" dirty="0" err="1" smtClean="0"/>
-              <a:t>Arduino</a:t>
-            </a:r>
-            <a:r>
-              <a:rPr lang="en-CA" dirty="0" smtClean="0"/>
-              <a:t>)</a:t>
+              <a:rPr lang="en-CA" dirty="0"/>
+              <a:t>Roman: Web (Database and node.js)</a:t>
             </a:r>
           </a:p>
           <a:p>
             <a:pPr lvl="1"/>
             <a:r>
-              <a:rPr lang="en-CA" dirty="0" smtClean="0"/>
-              <a:t>Andy:  hardware (</a:t>
-            </a:r>
-            <a:r>
-              <a:rPr lang="en-CA" dirty="0" err="1" smtClean="0"/>
-              <a:t>RaspberryPi</a:t>
-            </a:r>
-            <a:r>
-              <a:rPr lang="en-CA" dirty="0" smtClean="0"/>
-              <a:t>)</a:t>
+              <a:rPr lang="en-CA" dirty="0"/>
+              <a:t>Dean: Web (UI/Aesthetics)</a:t>
             </a:r>
           </a:p>
           <a:p>
             <a:pPr lvl="1"/>
             <a:r>
-              <a:rPr lang="en-CA" dirty="0" smtClean="0"/>
-              <a:t>Roman: Web (Database and node.js)</a:t>
+              <a:rPr lang="en-CA" dirty="0"/>
+              <a:t>Eugene: Web (Controls/Navigation)</a:t>
             </a:r>
           </a:p>
           <a:p>
             <a:pPr lvl="1"/>
             <a:r>
-              <a:rPr lang="en-CA" dirty="0" smtClean="0"/>
-              <a:t>Dean: Web (UI/Aesthetics)</a:t>
-            </a:r>
-          </a:p>
-          <a:p>
-            <a:pPr lvl="1"/>
-            <a:r>
-              <a:rPr lang="en-CA" dirty="0" smtClean="0"/>
-              <a:t>Eugene: Web (Controls/Navigation)</a:t>
-            </a:r>
-          </a:p>
-          <a:p>
-            <a:pPr lvl="1"/>
-            <a:r>
-              <a:rPr lang="en-CA" dirty="0" smtClean="0"/>
+              <a:rPr lang="en-CA" dirty="0"/>
               <a:t>Daniel: Web (Graphing)</a:t>
             </a:r>
           </a:p>
@@ -5113,10 +8092,9 @@
           <a:lstStyle/>
           <a:p>
             <a:r>
-              <a:rPr lang="en-CA" dirty="0" smtClean="0"/>
+              <a:rPr lang="en-CA" dirty="0"/>
               <a:t>Software Architecture</a:t>
             </a:r>
-            <a:endParaRPr lang="en-CA" dirty="0"/>
           </a:p>
         </p:txBody>
       </p:sp>
@@ -5180,71 +8158,69 @@
           <a:lstStyle/>
           <a:p>
             <a:r>
-              <a:rPr lang="en-CA" dirty="0" smtClean="0"/>
+              <a:rPr lang="en-CA" dirty="0"/>
               <a:t>Challenges</a:t>
             </a:r>
+          </a:p>
+        </p:txBody>
+      </p:sp>
+      <p:sp>
+        <p:nvSpPr>
+          <p:cNvPr id="3" name="Content Placeholder 2"/>
+          <p:cNvSpPr>
+            <a:spLocks noGrp="1"/>
+          </p:cNvSpPr>
+          <p:nvPr>
+            <p:ph idx="1"/>
+          </p:nvPr>
+        </p:nvSpPr>
+        <p:spPr/>
+        <p:txBody>
+          <a:bodyPr/>
+          <a:lstStyle/>
+          <a:p>
+            <a:r>
+              <a:rPr lang="en-CA" dirty="0"/>
+              <a:t>Technological:</a:t>
+            </a:r>
+          </a:p>
+          <a:p>
+            <a:pPr lvl="1"/>
+            <a:r>
+              <a:rPr lang="en-CA" dirty="0"/>
+              <a:t>Communication between Pi, and Web, and Database</a:t>
+            </a:r>
+          </a:p>
+          <a:p>
+            <a:pPr lvl="1"/>
+            <a:r>
+              <a:rPr lang="en-CA" dirty="0"/>
+              <a:t>Pivotal Trackers</a:t>
+            </a:r>
+          </a:p>
+          <a:p>
+            <a:pPr lvl="1"/>
             <a:endParaRPr lang="en-CA" dirty="0"/>
           </a:p>
-        </p:txBody>
-      </p:sp>
-      <p:sp>
-        <p:nvSpPr>
-          <p:cNvPr id="3" name="Content Placeholder 2"/>
-          <p:cNvSpPr>
-            <a:spLocks noGrp="1"/>
-          </p:cNvSpPr>
-          <p:nvPr>
-            <p:ph idx="1"/>
-          </p:nvPr>
-        </p:nvSpPr>
-        <p:spPr/>
-        <p:txBody>
-          <a:bodyPr/>
-          <a:lstStyle/>
-          <a:p>
-            <a:r>
-              <a:rPr lang="en-CA" dirty="0" smtClean="0"/>
-              <a:t>Technological:</a:t>
+          <a:p>
+            <a:r>
+              <a:rPr lang="en-CA" dirty="0"/>
+              <a:t>Physical:</a:t>
             </a:r>
           </a:p>
           <a:p>
             <a:pPr lvl="1"/>
             <a:r>
-              <a:rPr lang="en-CA" dirty="0" smtClean="0"/>
-              <a:t>Communication between Pi, and Web, and Database</a:t>
+              <a:rPr lang="en-CA" dirty="0"/>
+              <a:t>Obtaining Materials</a:t>
             </a:r>
           </a:p>
           <a:p>
             <a:pPr lvl="1"/>
             <a:r>
-              <a:rPr lang="en-CA" dirty="0" smtClean="0"/>
-              <a:t>Pivotal Trackers</a:t>
-            </a:r>
-          </a:p>
-          <a:p>
-            <a:pPr lvl="1"/>
-            <a:endParaRPr lang="en-CA" dirty="0" smtClean="0"/>
-          </a:p>
-          <a:p>
-            <a:r>
-              <a:rPr lang="en-CA" dirty="0" smtClean="0"/>
-              <a:t>Physical:</a:t>
-            </a:r>
-          </a:p>
-          <a:p>
-            <a:pPr lvl="1"/>
-            <a:r>
-              <a:rPr lang="en-CA" dirty="0" smtClean="0"/>
-              <a:t>Obtaining Materials</a:t>
-            </a:r>
-          </a:p>
-          <a:p>
-            <a:pPr lvl="1"/>
-            <a:r>
-              <a:rPr lang="en-CA" dirty="0" smtClean="0"/>
+              <a:rPr lang="en-CA" dirty="0"/>
               <a:t>Power Delivery</a:t>
             </a:r>
-            <a:endParaRPr lang="en-CA" dirty="0"/>
           </a:p>
         </p:txBody>
       </p:sp>
@@ -5289,10 +8265,9 @@
           <a:lstStyle/>
           <a:p>
             <a:r>
-              <a:rPr lang="en-CA" dirty="0" smtClean="0"/>
+              <a:rPr lang="en-CA" dirty="0"/>
               <a:t>The End</a:t>
             </a:r>
-            <a:endParaRPr lang="en-CA" dirty="0"/>
           </a:p>
         </p:txBody>
       </p:sp>
@@ -5312,10 +8287,9 @@
           <a:lstStyle/>
           <a:p>
             <a:r>
-              <a:rPr lang="en-CA" dirty="0" smtClean="0"/>
+              <a:rPr lang="en-CA" dirty="0"/>
               <a:t>Questions?</a:t>
             </a:r>
-            <a:endParaRPr lang="en-CA" dirty="0"/>
           </a:p>
         </p:txBody>
       </p:sp>
@@ -5360,10 +8334,9 @@
           <a:lstStyle/>
           <a:p>
             <a:r>
-              <a:rPr lang="en-CA" dirty="0" smtClean="0"/>
+              <a:rPr lang="en-CA" dirty="0"/>
               <a:t>About the Team</a:t>
             </a:r>
-            <a:endParaRPr lang="en-CA" dirty="0"/>
           </a:p>
         </p:txBody>
       </p:sp>
@@ -5385,76 +8358,76 @@
           <a:lstStyle/>
           <a:p>
             <a:r>
-              <a:rPr lang="en-CA" dirty="0" smtClean="0"/>
+              <a:rPr lang="en-CA" dirty="0"/>
               <a:t>Members: </a:t>
             </a:r>
           </a:p>
           <a:p>
             <a:pPr lvl="1"/>
             <a:r>
-              <a:rPr lang="en-CA" dirty="0" smtClean="0"/>
+              <a:rPr lang="en-CA" dirty="0"/>
               <a:t>Andersen Chan, </a:t>
             </a:r>
           </a:p>
           <a:p>
             <a:pPr lvl="1"/>
             <a:r>
-              <a:rPr lang="en-CA" dirty="0" smtClean="0"/>
+              <a:rPr lang="en-CA" dirty="0"/>
               <a:t>Roman Huts, </a:t>
             </a:r>
           </a:p>
           <a:p>
             <a:pPr lvl="1"/>
             <a:r>
-              <a:rPr lang="en-CA" dirty="0" smtClean="0"/>
+              <a:rPr lang="en-CA" dirty="0"/>
               <a:t>Dean </a:t>
             </a:r>
             <a:r>
-              <a:rPr lang="en-CA" dirty="0" err="1" smtClean="0"/>
+              <a:rPr lang="en-CA" dirty="0" err="1"/>
               <a:t>Wedgbury</a:t>
             </a:r>
             <a:r>
-              <a:rPr lang="en-CA" dirty="0" smtClean="0"/>
+              <a:rPr lang="en-CA" dirty="0"/>
               <a:t>, </a:t>
             </a:r>
           </a:p>
           <a:p>
             <a:pPr lvl="1"/>
             <a:r>
-              <a:rPr lang="en-CA" dirty="0" smtClean="0"/>
+              <a:rPr lang="en-CA" dirty="0"/>
               <a:t>Daniel Wang, </a:t>
             </a:r>
           </a:p>
           <a:p>
             <a:pPr lvl="1"/>
             <a:r>
-              <a:rPr lang="en-CA" dirty="0" smtClean="0"/>
+              <a:rPr lang="en-CA" dirty="0"/>
               <a:t>Eugene Au </a:t>
             </a:r>
             <a:r>
-              <a:rPr lang="en-CA" dirty="0" err="1" smtClean="0"/>
+              <a:rPr lang="en-CA" dirty="0" err="1"/>
               <a:t>Yeung</a:t>
             </a:r>
             <a:r>
-              <a:rPr lang="en-CA" dirty="0" smtClean="0"/>
+              <a:rPr lang="en-CA" dirty="0"/>
               <a:t>, </a:t>
             </a:r>
           </a:p>
           <a:p>
             <a:pPr lvl="1"/>
             <a:r>
-              <a:rPr lang="en-CA" dirty="0" err="1" smtClean="0"/>
+              <a:rPr lang="en-CA" dirty="0" err="1"/>
               <a:t>Dominik</a:t>
             </a:r>
             <a:r>
-              <a:rPr lang="en-CA" dirty="0" smtClean="0"/>
+              <a:rPr lang="en-CA" dirty="0"/>
               <a:t> </a:t>
             </a:r>
             <a:r>
-              <a:rPr lang="en-CA" dirty="0" err="1" smtClean="0"/>
+              <a:rPr lang="en-CA" dirty="0" err="1"/>
               <a:t>Loncar</a:t>
             </a:r>
-            <a:endParaRPr lang="en-CA" dirty="0" smtClean="0"/>
+            <a:endParaRPr lang="en-CA" dirty="0"/>
           </a:p>
         </p:txBody>
       </p:sp>
@@ -5499,10 +8472,9 @@
           <a:lstStyle/>
           <a:p>
             <a:r>
-              <a:rPr lang="en-CA" dirty="0" smtClean="0"/>
+              <a:rPr lang="en-CA" dirty="0"/>
               <a:t>Personas</a:t>
             </a:r>
-            <a:endParaRPr lang="en-CA" dirty="0"/>
           </a:p>
         </p:txBody>
       </p:sp>
@@ -5566,10 +8538,9 @@
           <a:lstStyle/>
           <a:p>
             <a:r>
-              <a:rPr lang="en-CA" dirty="0" smtClean="0"/>
+              <a:rPr lang="en-CA" dirty="0"/>
               <a:t>Introduction</a:t>
             </a:r>
-            <a:endParaRPr lang="en-CA" dirty="0"/>
           </a:p>
         </p:txBody>
       </p:sp>
@@ -5589,73 +8560,47 @@
           <a:lstStyle/>
           <a:p>
             <a:r>
-              <a:rPr lang="en-CA" dirty="0" err="1" smtClean="0"/>
+              <a:rPr lang="en-CA" dirty="0" err="1"/>
               <a:t>Arduino</a:t>
             </a:r>
             <a:r>
-              <a:rPr lang="en-CA" dirty="0" smtClean="0"/>
-              <a:t>-based </a:t>
-            </a:r>
-            <a:r>
-              <a:rPr lang="en-CA" dirty="0"/>
-              <a:t>automatic plant </a:t>
-            </a:r>
-            <a:r>
-              <a:rPr lang="en-CA" dirty="0" smtClean="0"/>
-              <a:t>maintenance system</a:t>
-            </a:r>
-            <a:r>
-              <a:rPr lang="en-CA" dirty="0"/>
-              <a:t>:</a:t>
-            </a:r>
-            <a:endParaRPr lang="en-CA" dirty="0" smtClean="0"/>
+              <a:rPr lang="en-CA" dirty="0"/>
+              <a:t>-based automatic plant maintenance system:</a:t>
+            </a:r>
           </a:p>
           <a:p>
             <a:pPr lvl="1"/>
             <a:r>
-              <a:rPr lang="en-CA" dirty="0" smtClean="0"/>
+              <a:rPr lang="en-CA" dirty="0"/>
               <a:t>Automatic watering based on moisture</a:t>
             </a:r>
-            <a:endParaRPr lang="en-CA" dirty="0"/>
           </a:p>
           <a:p>
             <a:pPr lvl="1"/>
             <a:r>
-              <a:rPr lang="en-CA" dirty="0" smtClean="0"/>
-              <a:t>Measuring data such as: </a:t>
-            </a:r>
-            <a:r>
-              <a:rPr lang="en-CA" dirty="0"/>
-              <a:t>temperature, </a:t>
-            </a:r>
-            <a:r>
-              <a:rPr lang="en-CA" dirty="0" err="1" smtClean="0"/>
+              <a:rPr lang="en-CA" dirty="0"/>
+              <a:t>Measuring data such as: temperature, </a:t>
+            </a:r>
+            <a:r>
+              <a:rPr lang="en-CA" dirty="0" err="1"/>
               <a:t>mpoisture</a:t>
             </a:r>
             <a:r>
-              <a:rPr lang="en-CA" dirty="0" smtClean="0"/>
-              <a:t>, </a:t>
-            </a:r>
-            <a:r>
-              <a:rPr lang="en-CA" dirty="0"/>
-              <a:t>and humidity over </a:t>
-            </a:r>
-            <a:r>
-              <a:rPr lang="en-CA" dirty="0" smtClean="0"/>
-              <a:t>time</a:t>
+              <a:rPr lang="en-CA" dirty="0"/>
+              <a:t>, and humidity over time</a:t>
             </a:r>
           </a:p>
           <a:p>
             <a:pPr lvl="1"/>
             <a:r>
-              <a:rPr lang="en-CA" dirty="0" smtClean="0"/>
+              <a:rPr lang="en-CA" dirty="0"/>
               <a:t>Keep track of the data for users to see</a:t>
             </a:r>
           </a:p>
           <a:p>
             <a:pPr lvl="1"/>
             <a:r>
-              <a:rPr lang="en-CA" dirty="0" smtClean="0"/>
+              <a:rPr lang="en-CA" dirty="0"/>
               <a:t>Access the website for on the go control</a:t>
             </a:r>
           </a:p>
@@ -5702,47 +8647,46 @@
           <a:lstStyle/>
           <a:p>
             <a:r>
-              <a:rPr lang="en-CA" dirty="0" smtClean="0"/>
+              <a:rPr lang="en-CA" dirty="0"/>
               <a:t>Competitors</a:t>
             </a:r>
+          </a:p>
+        </p:txBody>
+      </p:sp>
+      <p:sp>
+        <p:nvSpPr>
+          <p:cNvPr id="3" name="Content Placeholder 2"/>
+          <p:cNvSpPr>
+            <a:spLocks noGrp="1"/>
+          </p:cNvSpPr>
+          <p:nvPr>
+            <p:ph idx="1"/>
+          </p:nvPr>
+        </p:nvSpPr>
+        <p:spPr/>
+        <p:txBody>
+          <a:bodyPr/>
+          <a:lstStyle/>
+          <a:p>
             <a:endParaRPr lang="en-CA" dirty="0"/>
           </a:p>
-        </p:txBody>
-      </p:sp>
-      <p:sp>
-        <p:nvSpPr>
-          <p:cNvPr id="3" name="Content Placeholder 2"/>
-          <p:cNvSpPr>
-            <a:spLocks noGrp="1"/>
-          </p:cNvSpPr>
-          <p:nvPr>
-            <p:ph idx="1"/>
-          </p:nvPr>
-        </p:nvSpPr>
-        <p:spPr/>
-        <p:txBody>
-          <a:bodyPr/>
-          <a:lstStyle/>
-          <a:p>
-            <a:endParaRPr lang="en-CA" dirty="0" smtClean="0"/>
-          </a:p>
-          <a:p>
-            <a:r>
-              <a:rPr lang="en-CA" dirty="0" smtClean="0"/>
+          <a:p>
+            <a:r>
+              <a:rPr lang="en-CA" dirty="0"/>
               <a:t>Their product:</a:t>
             </a:r>
           </a:p>
           <a:p>
             <a:pPr marL="742950" lvl="2" indent="-342900"/>
             <a:r>
-              <a:rPr lang="en-CA" dirty="0" err="1" smtClean="0"/>
+              <a:rPr lang="en-CA" dirty="0" err="1"/>
               <a:t>uhh</a:t>
             </a:r>
-            <a:endParaRPr lang="en-CA" dirty="0" smtClean="0"/>
-          </a:p>
-          <a:p>
-            <a:r>
-              <a:rPr lang="en-CA" dirty="0" smtClean="0"/>
+            <a:endParaRPr lang="en-CA" dirty="0"/>
+          </a:p>
+          <a:p>
+            <a:r>
+              <a:rPr lang="en-CA" dirty="0"/>
               <a:t>Our advantage:</a:t>
             </a:r>
           </a:p>
@@ -5789,10 +8733,9 @@
           <a:lstStyle/>
           <a:p>
             <a:r>
-              <a:rPr lang="en-CA" dirty="0" smtClean="0"/>
+              <a:rPr lang="en-CA" dirty="0"/>
               <a:t>Feature 1: Automatic Watering</a:t>
             </a:r>
-            <a:endParaRPr lang="en-CA" dirty="0"/>
           </a:p>
         </p:txBody>
       </p:sp>
@@ -5812,16 +8755,15 @@
           <a:lstStyle/>
           <a:p>
             <a:r>
-              <a:rPr lang="en-CA" dirty="0" smtClean="0"/>
+              <a:rPr lang="en-CA" dirty="0"/>
               <a:t>Demo</a:t>
             </a:r>
           </a:p>
           <a:p>
             <a:r>
-              <a:rPr lang="en-CA" dirty="0" smtClean="0"/>
+              <a:rPr lang="en-CA" dirty="0"/>
               <a:t>How does it work?</a:t>
             </a:r>
-            <a:endParaRPr lang="en-CA" dirty="0"/>
           </a:p>
         </p:txBody>
       </p:sp>
@@ -5866,10 +8808,9 @@
           <a:lstStyle/>
           <a:p>
             <a:r>
-              <a:rPr lang="en-CA" dirty="0" smtClean="0"/>
+              <a:rPr lang="en-CA" dirty="0"/>
               <a:t>Feature 2: Web and History</a:t>
             </a:r>
-            <a:endParaRPr lang="en-CA" dirty="0"/>
           </a:p>
         </p:txBody>
       </p:sp>
@@ -5889,13 +8830,13 @@
           <a:lstStyle/>
           <a:p>
             <a:r>
-              <a:rPr lang="en-CA" dirty="0" smtClean="0"/>
+              <a:rPr lang="en-CA" dirty="0"/>
               <a:t>Demo</a:t>
             </a:r>
           </a:p>
           <a:p>
             <a:r>
-              <a:rPr lang="en-CA" dirty="0" smtClean="0"/>
+              <a:rPr lang="en-CA" dirty="0"/>
               <a:t>How does it work?</a:t>
             </a:r>
           </a:p>
@@ -5945,10 +8886,9 @@
           <a:lstStyle/>
           <a:p>
             <a:r>
-              <a:rPr lang="en-CA" dirty="0" smtClean="0"/>
+              <a:rPr lang="en-CA" dirty="0"/>
               <a:t>Feature 3: Manual Watering (Web)</a:t>
             </a:r>
-            <a:endParaRPr lang="en-CA" dirty="0"/>
           </a:p>
         </p:txBody>
       </p:sp>
@@ -5968,13 +8908,13 @@
           <a:lstStyle/>
           <a:p>
             <a:r>
-              <a:rPr lang="en-CA" dirty="0" smtClean="0"/>
+              <a:rPr lang="en-CA" dirty="0"/>
               <a:t>Demo</a:t>
             </a:r>
           </a:p>
           <a:p>
             <a:r>
-              <a:rPr lang="en-CA" dirty="0" smtClean="0"/>
+              <a:rPr lang="en-CA" dirty="0"/>
               <a:t>How does it work?</a:t>
             </a:r>
           </a:p>
@@ -6024,10 +8964,9 @@
           <a:lstStyle/>
           <a:p>
             <a:r>
-              <a:rPr lang="en-CA" dirty="0" smtClean="0"/>
+              <a:rPr lang="en-CA" dirty="0"/>
               <a:t>Technologies</a:t>
             </a:r>
-            <a:endParaRPr lang="en-CA" dirty="0"/>
           </a:p>
         </p:txBody>
       </p:sp>
@@ -6047,74 +8986,74 @@
           <a:lstStyle/>
           <a:p>
             <a:r>
-              <a:rPr lang="en-CA" dirty="0" smtClean="0"/>
+              <a:rPr lang="en-CA" dirty="0"/>
               <a:t>Technologies Used:</a:t>
             </a:r>
           </a:p>
           <a:p>
             <a:pPr lvl="1"/>
             <a:r>
-              <a:rPr lang="en-CA" dirty="0" smtClean="0"/>
+              <a:rPr lang="en-CA" dirty="0"/>
               <a:t>C (for </a:t>
             </a:r>
             <a:r>
-              <a:rPr lang="en-CA" dirty="0" err="1" smtClean="0"/>
+              <a:rPr lang="en-CA" dirty="0" err="1"/>
               <a:t>arduino</a:t>
             </a:r>
             <a:r>
-              <a:rPr lang="en-CA" dirty="0" smtClean="0"/>
+              <a:rPr lang="en-CA" dirty="0"/>
               <a:t>)</a:t>
             </a:r>
           </a:p>
           <a:p>
             <a:pPr lvl="1"/>
             <a:r>
-              <a:rPr lang="en-CA" dirty="0" smtClean="0"/>
+              <a:rPr lang="en-CA" dirty="0"/>
               <a:t>Python (on </a:t>
             </a:r>
             <a:r>
-              <a:rPr lang="en-CA" dirty="0" err="1" smtClean="0"/>
+              <a:rPr lang="en-CA" dirty="0" err="1"/>
               <a:t>RaspberryPi</a:t>
             </a:r>
             <a:r>
-              <a:rPr lang="en-CA" dirty="0" smtClean="0"/>
+              <a:rPr lang="en-CA" dirty="0"/>
               <a:t>)</a:t>
             </a:r>
           </a:p>
           <a:p>
             <a:pPr lvl="1"/>
             <a:r>
-              <a:rPr lang="en-CA" dirty="0" smtClean="0"/>
+              <a:rPr lang="en-CA" dirty="0"/>
               <a:t>SQL</a:t>
             </a:r>
           </a:p>
           <a:p>
             <a:pPr lvl="1"/>
             <a:r>
-              <a:rPr lang="en-CA" dirty="0" smtClean="0"/>
+              <a:rPr lang="en-CA" dirty="0"/>
               <a:t> </a:t>
             </a:r>
             <a:r>
-              <a:rPr lang="en-CA" dirty="0" err="1" smtClean="0"/>
+              <a:rPr lang="en-CA" dirty="0" err="1"/>
               <a:t>Javascript</a:t>
             </a:r>
             <a:r>
-              <a:rPr lang="en-CA" dirty="0" smtClean="0"/>
+              <a:rPr lang="en-CA" dirty="0"/>
               <a:t> (node.js, AJAX, </a:t>
             </a:r>
             <a:r>
-              <a:rPr lang="en-CA" dirty="0" err="1" smtClean="0"/>
+              <a:rPr lang="en-CA" dirty="0" err="1"/>
               <a:t>RESTful</a:t>
             </a:r>
             <a:r>
-              <a:rPr lang="en-CA" dirty="0" smtClean="0"/>
+              <a:rPr lang="en-CA" dirty="0"/>
               <a:t> API)</a:t>
             </a:r>
           </a:p>
           <a:p>
             <a:pPr lvl="1"/>
             <a:r>
-              <a:rPr lang="en-CA" dirty="0" smtClean="0"/>
+              <a:rPr lang="en-CA" dirty="0"/>
               <a:t>HTML/CSS</a:t>
             </a:r>
           </a:p>
@@ -6132,9 +9071,9 @@
 </file>
 
 <file path=ppt/theme/theme1.xml><?xml version="1.0" encoding="utf-8"?>
-<a:theme xmlns:a="http://schemas.openxmlformats.org/drawingml/2006/main" name="Office Theme">
+<a:theme xmlns:a="http://schemas.openxmlformats.org/drawingml/2006/main" name="Facet">
   <a:themeElements>
-    <a:clrScheme name="Office">
+    <a:clrScheme name="Facet">
       <a:dk1>
         <a:sysClr val="windowText" lastClr="000000"/>
       </a:dk1>
@@ -6142,80 +9081,46 @@
         <a:sysClr val="window" lastClr="FFFFFF"/>
       </a:lt1>
       <a:dk2>
-        <a:srgbClr val="1F497D"/>
+        <a:srgbClr val="2C3C43"/>
       </a:dk2>
       <a:lt2>
-        <a:srgbClr val="EEECE1"/>
+        <a:srgbClr val="EBEBEB"/>
       </a:lt2>
       <a:accent1>
-        <a:srgbClr val="4F81BD"/>
+        <a:srgbClr val="90C226"/>
       </a:accent1>
       <a:accent2>
-        <a:srgbClr val="C0504D"/>
+        <a:srgbClr val="54A021"/>
       </a:accent2>
       <a:accent3>
-        <a:srgbClr val="9BBB59"/>
+        <a:srgbClr val="E6B91E"/>
       </a:accent3>
       <a:accent4>
-        <a:srgbClr val="8064A2"/>
+        <a:srgbClr val="E76618"/>
       </a:accent4>
       <a:accent5>
-        <a:srgbClr val="4BACC6"/>
+        <a:srgbClr val="C42F1A"/>
       </a:accent5>
       <a:accent6>
-        <a:srgbClr val="F79646"/>
+        <a:srgbClr val="918655"/>
       </a:accent6>
       <a:hlink>
-        <a:srgbClr val="0000FF"/>
+        <a:srgbClr val="99CA3C"/>
       </a:hlink>
       <a:folHlink>
-        <a:srgbClr val="800080"/>
+        <a:srgbClr val="B9D181"/>
       </a:folHlink>
     </a:clrScheme>
-    <a:fontScheme name="Office">
+    <a:fontScheme name="Facet">
       <a:majorFont>
-        <a:latin typeface="Calibri"/>
+        <a:latin typeface="Trebuchet MS" panose="020B0603020202020204"/>
         <a:ea typeface=""/>
         <a:cs typeface=""/>
-        <a:font script="Jpan" typeface="ＭＳ Ｐゴシック"/>
+        <a:font script="Jpan" typeface="メイリオ"/>
         <a:font script="Hang" typeface="맑은 고딕"/>
-        <a:font script="Hans" typeface="宋体"/>
-        <a:font script="Hant" typeface="新細明體"/>
-        <a:font script="Arab" typeface="Times New Roman"/>
-        <a:font script="Hebr" typeface="Times New Roman"/>
-        <a:font script="Thai" typeface="Angsana New"/>
-        <a:font script="Ethi" typeface="Nyala"/>
-        <a:font script="Beng" typeface="Vrinda"/>
-        <a:font script="Gujr" typeface="Shruti"/>
-        <a:font script="Khmr" typeface="MoolBoran"/>
-        <a:font script="Knda" typeface="Tunga"/>
-        <a:font script="Guru" typeface="Raavi"/>
-        <a:font script="Cans" typeface="Euphemia"/>
-        <a:font script="Cher" typeface="Plantagenet Cherokee"/>
-        <a:font script="Yiii" typeface="Microsoft Yi Baiti"/>
-        <a:font script="Tibt" typeface="Microsoft Himalaya"/>
-        <a:font script="Thaa" typeface="MV Boli"/>
-        <a:font script="Deva" typeface="Mangal"/>
-        <a:font script="Telu" typeface="Gautami"/>
-        <a:font script="Taml" typeface="Latha"/>
-        <a:font script="Syrc" typeface="Estrangelo Edessa"/>
-        <a:font script="Orya" typeface="Kalinga"/>
-        <a:font script="Mlym" typeface="Kartika"/>
-        <a:font script="Laoo" typeface="DokChampa"/>
-        <a:font script="Sinh" typeface="Iskoola Pota"/>
-        <a:font script="Mong" typeface="Mongolian Baiti"/>
-        <a:font script="Viet" typeface="Times New Roman"/>
-        <a:font script="Uigh" typeface="Microsoft Uighur"/>
-      </a:majorFont>
-      <a:minorFont>
-        <a:latin typeface="Calibri"/>
-        <a:ea typeface=""/>
-        <a:cs typeface=""/>
-        <a:font script="Jpan" typeface="ＭＳ Ｐゴシック"/>
-        <a:font script="Hang" typeface="맑은 고딕"/>
-        <a:font script="Hans" typeface="宋体"/>
-        <a:font script="Hant" typeface="新細明體"/>
-        <a:font script="Arab" typeface="Arial"/>
+        <a:font script="Hans" typeface="方正姚体"/>
+        <a:font script="Hant" typeface="微軟正黑體"/>
+        <a:font script="Arab" typeface="Tahoma"/>
         <a:font script="Hebr" typeface="Arial"/>
         <a:font script="Thai" typeface="Cordia New"/>
         <a:font script="Ethi" typeface="Nyala"/>
@@ -6238,11 +9143,47 @@
         <a:font script="Laoo" typeface="DokChampa"/>
         <a:font script="Sinh" typeface="Iskoola Pota"/>
         <a:font script="Mong" typeface="Mongolian Baiti"/>
+        <a:font script="Viet" typeface="Tahoma"/>
+        <a:font script="Uigh" typeface="Microsoft Uighur"/>
+        <a:font script="Geor" typeface="Sylfaen"/>
+      </a:majorFont>
+      <a:minorFont>
+        <a:latin typeface="Trebuchet MS" panose="020B0603020202020204"/>
+        <a:ea typeface=""/>
+        <a:cs typeface=""/>
+        <a:font script="Jpan" typeface="メイリオ"/>
+        <a:font script="Hang" typeface="HY그래픽M"/>
+        <a:font script="Hans" typeface="华文新魏"/>
+        <a:font script="Hant" typeface="微軟正黑體"/>
+        <a:font script="Arab" typeface="Tahoma"/>
+        <a:font script="Hebr" typeface="Gisha"/>
+        <a:font script="Thai" typeface="IrisUPC"/>
+        <a:font script="Ethi" typeface="Nyala"/>
+        <a:font script="Beng" typeface="Vrinda"/>
+        <a:font script="Gujr" typeface="Shruti"/>
+        <a:font script="Khmr" typeface="DaunPenh"/>
+        <a:font script="Knda" typeface="Tunga"/>
+        <a:font script="Guru" typeface="Raavi"/>
+        <a:font script="Cans" typeface="Euphemia"/>
+        <a:font script="Cher" typeface="Plantagenet Cherokee"/>
+        <a:font script="Yiii" typeface="Microsoft Yi Baiti"/>
+        <a:font script="Tibt" typeface="Microsoft Himalaya"/>
+        <a:font script="Thaa" typeface="MV Boli"/>
+        <a:font script="Deva" typeface="Mangal"/>
+        <a:font script="Telu" typeface="Gautami"/>
+        <a:font script="Taml" typeface="Latha"/>
+        <a:font script="Syrc" typeface="Estrangelo Edessa"/>
+        <a:font script="Orya" typeface="Kalinga"/>
+        <a:font script="Mlym" typeface="Kartika"/>
+        <a:font script="Laoo" typeface="DokChampa"/>
+        <a:font script="Sinh" typeface="Iskoola Pota"/>
+        <a:font script="Mong" typeface="Mongolian Baiti"/>
         <a:font script="Viet" typeface="Arial"/>
         <a:font script="Uigh" typeface="Microsoft Uighur"/>
+        <a:font script="Geor" typeface="Sylfaen"/>
       </a:minorFont>
     </a:fontScheme>
-    <a:fmtScheme name="Office">
+    <a:fmtScheme name="Facet">
       <a:fillStyleLst>
         <a:solidFill>
           <a:schemeClr val="phClr"/>
@@ -6251,66 +9192,50 @@
           <a:gsLst>
             <a:gs pos="0">
               <a:schemeClr val="phClr">
-                <a:tint val="50000"/>
-                <a:satMod val="300000"/>
+                <a:tint val="65000"/>
+                <a:lumMod val="110000"/>
               </a:schemeClr>
             </a:gs>
-            <a:gs pos="35000">
+            <a:gs pos="88000">
               <a:schemeClr val="phClr">
-                <a:tint val="37000"/>
-                <a:satMod val="300000"/>
-              </a:schemeClr>
-            </a:gs>
-            <a:gs pos="100000">
-              <a:schemeClr val="phClr">
-                <a:tint val="15000"/>
-                <a:satMod val="350000"/>
+                <a:tint val="90000"/>
               </a:schemeClr>
             </a:gs>
           </a:gsLst>
-          <a:lin ang="16200000" scaled="1"/>
+          <a:lin ang="5400000" scaled="0"/>
         </a:gradFill>
         <a:gradFill rotWithShape="1">
           <a:gsLst>
             <a:gs pos="0">
               <a:schemeClr val="phClr">
-                <a:shade val="51000"/>
-                <a:satMod val="130000"/>
+                <a:tint val="96000"/>
+                <a:lumMod val="100000"/>
               </a:schemeClr>
             </a:gs>
-            <a:gs pos="80000">
-              <a:schemeClr val="phClr">
-                <a:shade val="93000"/>
-                <a:satMod val="130000"/>
-              </a:schemeClr>
-            </a:gs>
-            <a:gs pos="100000">
+            <a:gs pos="78000">
               <a:schemeClr val="phClr">
                 <a:shade val="94000"/>
-                <a:satMod val="135000"/>
+                <a:lumMod val="94000"/>
               </a:schemeClr>
             </a:gs>
           </a:gsLst>
-          <a:lin ang="16200000" scaled="0"/>
+          <a:lin ang="5400000" scaled="0"/>
         </a:gradFill>
       </a:fillStyleLst>
       <a:lnStyleLst>
-        <a:ln w="9525" cap="flat" cmpd="sng" algn="ctr">
-          <a:solidFill>
-            <a:schemeClr val="phClr">
-              <a:shade val="95000"/>
-              <a:satMod val="105000"/>
-            </a:schemeClr>
-          </a:solidFill>
-          <a:prstDash val="solid"/>
-        </a:ln>
-        <a:ln w="25400" cap="flat" cmpd="sng" algn="ctr">
+        <a:ln w="12700" cap="rnd" cmpd="sng" algn="ctr">
           <a:solidFill>
             <a:schemeClr val="phClr"/>
           </a:solidFill>
           <a:prstDash val="solid"/>
         </a:ln>
-        <a:ln w="38100" cap="flat" cmpd="sng" algn="ctr">
+        <a:ln w="19050" cap="rnd" cmpd="sng" algn="ctr">
+          <a:solidFill>
+            <a:schemeClr val="phClr"/>
+          </a:solidFill>
+          <a:prstDash val="solid"/>
+        </a:ln>
+        <a:ln w="25400" cap="rnd" cmpd="sng" algn="ctr">
           <a:solidFill>
             <a:schemeClr val="phClr"/>
           </a:solidFill>
@@ -6319,17 +9244,11 @@
       </a:lnStyleLst>
       <a:effectStyleLst>
         <a:effectStyle>
-          <a:effectLst>
-            <a:outerShdw blurRad="40000" dist="20000" dir="5400000" rotWithShape="0">
-              <a:srgbClr val="000000">
-                <a:alpha val="38000"/>
-              </a:srgbClr>
-            </a:outerShdw>
-          </a:effectLst>
+          <a:effectLst/>
         </a:effectStyle>
         <a:effectStyle>
           <a:effectLst>
-            <a:outerShdw blurRad="40000" dist="23000" dir="5400000" rotWithShape="0">
+            <a:outerShdw blurRad="38100" dist="25400" dir="5400000" rotWithShape="0">
               <a:srgbClr val="000000">
                 <a:alpha val="35000"/>
               </a:srgbClr>
@@ -6338,7 +9257,7 @@
         </a:effectStyle>
         <a:effectStyle>
           <a:effectLst>
-            <a:outerShdw blurRad="40000" dist="23000" dir="5400000" rotWithShape="0">
+            <a:outerShdw blurRad="50800" dist="38100" dir="5400000" rotWithShape="0">
               <a:srgbClr val="000000">
                 <a:alpha val="35000"/>
               </a:srgbClr>
@@ -6348,12 +9267,10 @@
             <a:camera prst="orthographicFront">
               <a:rot lat="0" lon="0" rev="0"/>
             </a:camera>
-            <a:lightRig rig="threePt" dir="t">
-              <a:rot lat="0" lon="0" rev="1200000"/>
-            </a:lightRig>
+            <a:lightRig rig="threePt" dir="tl"/>
           </a:scene3d>
-          <a:sp3d>
-            <a:bevelT w="63500" h="25400"/>
+          <a:sp3d prstMaterial="plastic">
+            <a:bevelT w="0" h="0"/>
           </a:sp3d>
         </a:effectStyle>
       </a:effectStyleLst>
@@ -6365,45 +9282,36 @@
           <a:gsLst>
             <a:gs pos="0">
               <a:schemeClr val="phClr">
-                <a:tint val="40000"/>
-                <a:satMod val="350000"/>
+                <a:tint val="90000"/>
+                <a:lumMod val="104000"/>
               </a:schemeClr>
             </a:gs>
-            <a:gs pos="40000">
+            <a:gs pos="94000">
               <a:schemeClr val="phClr">
-                <a:tint val="45000"/>
-                <a:shade val="99000"/>
-                <a:satMod val="350000"/>
-              </a:schemeClr>
-            </a:gs>
-            <a:gs pos="100000">
-              <a:schemeClr val="phClr">
-                <a:shade val="20000"/>
-                <a:satMod val="255000"/>
+                <a:shade val="96000"/>
+                <a:lumMod val="82000"/>
               </a:schemeClr>
             </a:gs>
           </a:gsLst>
-          <a:path path="circle">
-            <a:fillToRect l="50000" t="-80000" r="50000" b="180000"/>
-          </a:path>
+          <a:lin ang="5400000" scaled="0"/>
         </a:gradFill>
         <a:gradFill rotWithShape="1">
           <a:gsLst>
             <a:gs pos="0">
               <a:schemeClr val="phClr">
-                <a:tint val="80000"/>
-                <a:satMod val="300000"/>
+                <a:tint val="90000"/>
+                <a:lumMod val="110000"/>
               </a:schemeClr>
             </a:gs>
             <a:gs pos="100000">
               <a:schemeClr val="phClr">
-                <a:shade val="30000"/>
-                <a:satMod val="200000"/>
+                <a:shade val="94000"/>
+                <a:lumMod val="96000"/>
               </a:schemeClr>
             </a:gs>
           </a:gsLst>
           <a:path path="circle">
-            <a:fillToRect l="50000" t="50000" r="50000" b="50000"/>
+            <a:fillToRect l="50000" t="50000" r="100000" b="100000"/>
           </a:path>
         </a:gradFill>
       </a:bgFillStyleLst>
@@ -6411,6 +9319,11 @@
   </a:themeElements>
   <a:objectDefaults/>
   <a:extraClrSchemeLst/>
+  <a:extLst>
+    <a:ext uri="{05A4C25C-085E-4340-85A3-A5531E510DB2}">
+      <thm15:themeFamily xmlns:thm15="http://schemas.microsoft.com/office/thememl/2012/main" name="Facet" id="{C0C680CD-088A-49FC-A102-D699147F32B2}" vid="{8C59B386-999D-4CB6-B907-9F3997C027CC}"/>
+    </a:ext>
+  </a:extLst>
 </a:theme>
 </file>
 

--- a/PlantBuddy.pptx
+++ b/PlantBuddy.pptx
@@ -8098,25 +8098,41 @@
           </a:p>
         </p:txBody>
       </p:sp>
-      <p:sp>
-        <p:nvSpPr>
-          <p:cNvPr id="3" name="Content Placeholder 2"/>
-          <p:cNvSpPr>
-            <a:spLocks noGrp="1"/>
-          </p:cNvSpPr>
-          <p:nvPr>
-            <p:ph idx="1"/>
-          </p:nvPr>
-        </p:nvSpPr>
-        <p:spPr/>
-        <p:txBody>
-          <a:bodyPr/>
-          <a:lstStyle/>
-          <a:p>
-            <a:endParaRPr lang="en-CA"/>
-          </a:p>
-        </p:txBody>
-      </p:sp>
+      <p:pic>
+        <p:nvPicPr>
+          <p:cNvPr id="11" name="Picture 10">
+            <a:extLst>
+              <a:ext uri="{FF2B5EF4-FFF2-40B4-BE49-F238E27FC236}">
+                <a16:creationId xmlns:a16="http://schemas.microsoft.com/office/drawing/2014/main" id="{7A54F1B7-6513-4108-96D8-2530DE67E430}"/>
+              </a:ext>
+            </a:extLst>
+          </p:cNvPr>
+          <p:cNvPicPr>
+            <a:picLocks noChangeAspect="1"/>
+          </p:cNvPicPr>
+          <p:nvPr/>
+        </p:nvPicPr>
+        <p:blipFill rotWithShape="1">
+          <a:blip r:embed="rId3">
+            <a:extLst>
+              <a:ext uri="{28A0092B-C50C-407E-A947-70E740481C1C}">
+                <a14:useLocalDpi xmlns:a14="http://schemas.microsoft.com/office/drawing/2010/main" val="0"/>
+              </a:ext>
+            </a:extLst>
+          </a:blip>
+          <a:srcRect l="1394" t="2082" r="1493" b="1566"/>
+          <a:stretch/>
+        </p:blipFill>
+        <p:spPr>
+          <a:xfrm>
+            <a:off x="39038" y="764704"/>
+            <a:ext cx="7845330" cy="5760640"/>
+          </a:xfrm>
+          <a:prstGeom prst="rect">
+            <a:avLst/>
+          </a:prstGeom>
+        </p:spPr>
+      </p:pic>
     </p:spTree>
   </p:cSld>
   <p:clrMapOvr>

--- a/PlantBuddy.pptx
+++ b/PlantBuddy.pptx
@@ -8100,12 +8100,8 @@
       </p:sp>
       <p:pic>
         <p:nvPicPr>
-          <p:cNvPr id="11" name="Picture 10">
-            <a:extLst>
-              <a:ext uri="{FF2B5EF4-FFF2-40B4-BE49-F238E27FC236}">
-                <a16:creationId xmlns:a16="http://schemas.microsoft.com/office/drawing/2014/main" id="{7A54F1B7-6513-4108-96D8-2530DE67E430}"/>
-              </a:ext>
-            </a:extLst>
+          <p:cNvPr id="4" name="Picture 3">
+            <a:extLst/>
           </p:cNvPr>
           <p:cNvPicPr>
             <a:picLocks noChangeAspect="1"/>
@@ -8125,7 +8121,7 @@
         </p:blipFill>
         <p:spPr>
           <a:xfrm>
-            <a:off x="39038" y="764704"/>
+            <a:off x="35496" y="692696"/>
             <a:ext cx="7845330" cy="5760640"/>
           </a:xfrm>
           <a:prstGeom prst="rect">
@@ -8918,24 +8914,432 @@
             <p:ph idx="1"/>
           </p:nvPr>
         </p:nvSpPr>
-        <p:spPr/>
+        <p:spPr>
+          <a:xfrm>
+            <a:off x="-36512" y="2868491"/>
+            <a:ext cx="5616624" cy="2720749"/>
+          </a:xfrm>
+        </p:spPr>
         <p:txBody>
           <a:bodyPr/>
           <a:lstStyle/>
           <a:p>
             <a:r>
               <a:rPr lang="en-CA" dirty="0"/>
-              <a:t>Demo</a:t>
-            </a:r>
-          </a:p>
-          <a:p>
-            <a:r>
-              <a:rPr lang="en-CA" dirty="0"/>
               <a:t>How does it work?</a:t>
             </a:r>
           </a:p>
           <a:p>
+            <a:pPr lvl="1"/>
+            <a:r>
+              <a:rPr lang="en-CA" dirty="0"/>
+              <a:t>User’s plants retrieved and displayed</a:t>
+            </a:r>
+          </a:p>
+          <a:p>
+            <a:pPr lvl="1"/>
+            <a:r>
+              <a:rPr lang="en-CA" dirty="0"/>
+              <a:t>ON/OFF buttons set state for each plant in DB</a:t>
+            </a:r>
+          </a:p>
+          <a:p>
+            <a:pPr lvl="1"/>
+            <a:r>
+              <a:rPr lang="en-CA" dirty="0"/>
+              <a:t>Raspberry pi reads DB</a:t>
+            </a:r>
+          </a:p>
+          <a:p>
+            <a:pPr lvl="1"/>
+            <a:r>
+              <a:rPr lang="en-CA" dirty="0"/>
+              <a:t>Raspberry pi forwards state to Arduino</a:t>
+            </a:r>
+          </a:p>
+          <a:p>
+            <a:pPr lvl="1"/>
+            <a:r>
+              <a:rPr lang="en-CA" dirty="0"/>
+              <a:t>Arduino controls pump</a:t>
+            </a:r>
+          </a:p>
+          <a:p>
             <a:endParaRPr lang="en-CA" dirty="0"/>
+          </a:p>
+        </p:txBody>
+      </p:sp>
+      <p:pic>
+        <p:nvPicPr>
+          <p:cNvPr id="5" name="Picture 4"/>
+          <p:cNvPicPr>
+            <a:picLocks noChangeAspect="1"/>
+          </p:cNvPicPr>
+          <p:nvPr/>
+        </p:nvPicPr>
+        <p:blipFill rotWithShape="1">
+          <a:blip r:embed="rId3">
+            <a:extLst>
+              <a:ext uri="{28A0092B-C50C-407E-A947-70E740481C1C}">
+                <a14:useLocalDpi xmlns:a14="http://schemas.microsoft.com/office/drawing/2010/main" val="0"/>
+              </a:ext>
+            </a:extLst>
+          </a:blip>
+          <a:srcRect l="10626" t="22001" r="23623" b="40201"/>
+          <a:stretch/>
+        </p:blipFill>
+        <p:spPr>
+          <a:xfrm>
+            <a:off x="3257630" y="1307287"/>
+            <a:ext cx="5670346" cy="1833681"/>
+          </a:xfrm>
+          <a:prstGeom prst="rect">
+            <a:avLst/>
+          </a:prstGeom>
+        </p:spPr>
+      </p:pic>
+      <p:pic>
+        <p:nvPicPr>
+          <p:cNvPr id="7" name="Picture 6"/>
+          <p:cNvPicPr>
+            <a:picLocks noChangeAspect="1"/>
+          </p:cNvPicPr>
+          <p:nvPr/>
+        </p:nvPicPr>
+        <p:blipFill>
+          <a:blip r:embed="rId4">
+            <a:extLst>
+              <a:ext uri="{28A0092B-C50C-407E-A947-70E740481C1C}">
+                <a14:useLocalDpi xmlns:a14="http://schemas.microsoft.com/office/drawing/2010/main" val="0"/>
+              </a:ext>
+            </a:extLst>
+          </a:blip>
+          <a:stretch>
+            <a:fillRect/>
+          </a:stretch>
+        </p:blipFill>
+        <p:spPr>
+          <a:xfrm>
+            <a:off x="5738587" y="3521406"/>
+            <a:ext cx="1251014" cy="1485976"/>
+          </a:xfrm>
+          <a:prstGeom prst="rect">
+            <a:avLst/>
+          </a:prstGeom>
+        </p:spPr>
+      </p:pic>
+      <p:pic>
+        <p:nvPicPr>
+          <p:cNvPr id="9" name="Picture 8"/>
+          <p:cNvPicPr>
+            <a:picLocks noChangeAspect="1"/>
+          </p:cNvPicPr>
+          <p:nvPr/>
+        </p:nvPicPr>
+        <p:blipFill>
+          <a:blip r:embed="rId5">
+            <a:extLst>
+              <a:ext uri="{28A0092B-C50C-407E-A947-70E740481C1C}">
+                <a14:useLocalDpi xmlns:a14="http://schemas.microsoft.com/office/drawing/2010/main" val="0"/>
+              </a:ext>
+            </a:extLst>
+          </a:blip>
+          <a:stretch>
+            <a:fillRect/>
+          </a:stretch>
+        </p:blipFill>
+        <p:spPr>
+          <a:xfrm>
+            <a:off x="7678368" y="3545458"/>
+            <a:ext cx="1270065" cy="1447874"/>
+          </a:xfrm>
+          <a:prstGeom prst="rect">
+            <a:avLst/>
+          </a:prstGeom>
+        </p:spPr>
+      </p:pic>
+      <p:sp>
+        <p:nvSpPr>
+          <p:cNvPr id="13" name="Rectangle 12"/>
+          <p:cNvSpPr/>
+          <p:nvPr/>
+        </p:nvSpPr>
+        <p:spPr>
+          <a:xfrm>
+            <a:off x="6156176" y="3861048"/>
+            <a:ext cx="576064" cy="216024"/>
+          </a:xfrm>
+          <a:prstGeom prst="rect">
+            <a:avLst/>
+          </a:prstGeom>
+          <a:solidFill>
+            <a:srgbClr val="E80000">
+              <a:alpha val="25098"/>
+            </a:srgbClr>
+          </a:solidFill>
+        </p:spPr>
+        <p:style>
+          <a:lnRef idx="2">
+            <a:schemeClr val="accent1">
+              <a:shade val="50000"/>
+            </a:schemeClr>
+          </a:lnRef>
+          <a:fillRef idx="1">
+            <a:schemeClr val="accent1"/>
+          </a:fillRef>
+          <a:effectRef idx="0">
+            <a:schemeClr val="accent1"/>
+          </a:effectRef>
+          <a:fontRef idx="minor">
+            <a:schemeClr val="lt1"/>
+          </a:fontRef>
+        </p:style>
+        <p:txBody>
+          <a:bodyPr rtlCol="0" anchor="ctr"/>
+          <a:lstStyle/>
+          <a:p>
+            <a:pPr algn="ctr"/>
+            <a:endParaRPr lang="en-CA"/>
+          </a:p>
+        </p:txBody>
+      </p:sp>
+      <p:sp>
+        <p:nvSpPr>
+          <p:cNvPr id="14" name="Rectangle 13"/>
+          <p:cNvSpPr/>
+          <p:nvPr/>
+        </p:nvSpPr>
+        <p:spPr>
+          <a:xfrm>
+            <a:off x="8100392" y="3861048"/>
+            <a:ext cx="504056" cy="216024"/>
+          </a:xfrm>
+          <a:prstGeom prst="rect">
+            <a:avLst/>
+          </a:prstGeom>
+          <a:solidFill>
+            <a:srgbClr val="E80000">
+              <a:alpha val="25098"/>
+            </a:srgbClr>
+          </a:solidFill>
+        </p:spPr>
+        <p:style>
+          <a:lnRef idx="2">
+            <a:schemeClr val="accent1">
+              <a:shade val="50000"/>
+            </a:schemeClr>
+          </a:lnRef>
+          <a:fillRef idx="1">
+            <a:schemeClr val="accent1"/>
+          </a:fillRef>
+          <a:effectRef idx="0">
+            <a:schemeClr val="accent1"/>
+          </a:effectRef>
+          <a:fontRef idx="minor">
+            <a:schemeClr val="lt1"/>
+          </a:fontRef>
+        </p:style>
+        <p:txBody>
+          <a:bodyPr rtlCol="0" anchor="ctr"/>
+          <a:lstStyle/>
+          <a:p>
+            <a:pPr algn="ctr"/>
+            <a:endParaRPr lang="en-CA"/>
+          </a:p>
+        </p:txBody>
+      </p:sp>
+      <p:sp>
+        <p:nvSpPr>
+          <p:cNvPr id="16" name="Arrow: Down 15"/>
+          <p:cNvSpPr/>
+          <p:nvPr/>
+        </p:nvSpPr>
+        <p:spPr>
+          <a:xfrm>
+            <a:off x="6989601" y="1196752"/>
+            <a:ext cx="462719" cy="504056"/>
+          </a:xfrm>
+          <a:prstGeom prst="downArrow">
+            <a:avLst/>
+          </a:prstGeom>
+          <a:solidFill>
+            <a:srgbClr val="E80000">
+              <a:alpha val="61176"/>
+            </a:srgbClr>
+          </a:solidFill>
+        </p:spPr>
+        <p:style>
+          <a:lnRef idx="2">
+            <a:schemeClr val="accent1">
+              <a:shade val="50000"/>
+            </a:schemeClr>
+          </a:lnRef>
+          <a:fillRef idx="1">
+            <a:schemeClr val="accent1"/>
+          </a:fillRef>
+          <a:effectRef idx="0">
+            <a:schemeClr val="accent1"/>
+          </a:effectRef>
+          <a:fontRef idx="minor">
+            <a:schemeClr val="lt1"/>
+          </a:fontRef>
+        </p:style>
+        <p:txBody>
+          <a:bodyPr rtlCol="0" anchor="ctr"/>
+          <a:lstStyle/>
+          <a:p>
+            <a:pPr algn="ctr"/>
+            <a:endParaRPr lang="en-CA"/>
+          </a:p>
+        </p:txBody>
+      </p:sp>
+      <p:sp>
+        <p:nvSpPr>
+          <p:cNvPr id="17" name="Arrow: Right 16"/>
+          <p:cNvSpPr/>
+          <p:nvPr/>
+        </p:nvSpPr>
+        <p:spPr>
+          <a:xfrm>
+            <a:off x="6989601" y="3987062"/>
+            <a:ext cx="688767" cy="612068"/>
+          </a:xfrm>
+          <a:prstGeom prst="rightArrow">
+            <a:avLst/>
+          </a:prstGeom>
+        </p:spPr>
+        <p:style>
+          <a:lnRef idx="2">
+            <a:schemeClr val="accent1">
+              <a:shade val="50000"/>
+            </a:schemeClr>
+          </a:lnRef>
+          <a:fillRef idx="1">
+            <a:schemeClr val="accent1"/>
+          </a:fillRef>
+          <a:effectRef idx="0">
+            <a:schemeClr val="accent1"/>
+          </a:effectRef>
+          <a:fontRef idx="minor">
+            <a:schemeClr val="lt1"/>
+          </a:fontRef>
+        </p:style>
+        <p:txBody>
+          <a:bodyPr rtlCol="0" anchor="ctr"/>
+          <a:lstStyle/>
+          <a:p>
+            <a:pPr algn="ctr"/>
+            <a:endParaRPr lang="en-CA"/>
+          </a:p>
+        </p:txBody>
+      </p:sp>
+      <p:sp>
+        <p:nvSpPr>
+          <p:cNvPr id="18" name="Arrow: Down 17"/>
+          <p:cNvSpPr/>
+          <p:nvPr/>
+        </p:nvSpPr>
+        <p:spPr>
+          <a:xfrm rot="1644745">
+            <a:off x="6184763" y="2883421"/>
+            <a:ext cx="633364" cy="553955"/>
+          </a:xfrm>
+          <a:prstGeom prst="downArrow">
+            <a:avLst/>
+          </a:prstGeom>
+        </p:spPr>
+        <p:style>
+          <a:lnRef idx="2">
+            <a:schemeClr val="accent1">
+              <a:shade val="50000"/>
+            </a:schemeClr>
+          </a:lnRef>
+          <a:fillRef idx="1">
+            <a:schemeClr val="accent1"/>
+          </a:fillRef>
+          <a:effectRef idx="0">
+            <a:schemeClr val="accent1"/>
+          </a:effectRef>
+          <a:fontRef idx="minor">
+            <a:schemeClr val="lt1"/>
+          </a:fontRef>
+        </p:style>
+        <p:txBody>
+          <a:bodyPr rtlCol="0" anchor="ctr"/>
+          <a:lstStyle/>
+          <a:p>
+            <a:pPr algn="ctr"/>
+            <a:endParaRPr lang="en-CA"/>
+          </a:p>
+        </p:txBody>
+      </p:sp>
+      <p:pic>
+        <p:nvPicPr>
+          <p:cNvPr id="20" name="Picture 19"/>
+          <p:cNvPicPr>
+            <a:picLocks noChangeAspect="1"/>
+          </p:cNvPicPr>
+          <p:nvPr/>
+        </p:nvPicPr>
+        <p:blipFill>
+          <a:blip r:embed="rId6" cstate="print">
+            <a:extLst>
+              <a:ext uri="{28A0092B-C50C-407E-A947-70E740481C1C}">
+                <a14:useLocalDpi xmlns:a14="http://schemas.microsoft.com/office/drawing/2010/main" val="0"/>
+              </a:ext>
+            </a:extLst>
+          </a:blip>
+          <a:stretch>
+            <a:fillRect/>
+          </a:stretch>
+        </p:blipFill>
+        <p:spPr>
+          <a:xfrm>
+            <a:off x="6092803" y="5269789"/>
+            <a:ext cx="1709936" cy="1574566"/>
+          </a:xfrm>
+          <a:prstGeom prst="rect">
+            <a:avLst/>
+          </a:prstGeom>
+        </p:spPr>
+      </p:pic>
+      <p:sp>
+        <p:nvSpPr>
+          <p:cNvPr id="21" name="Arrow: Down 20"/>
+          <p:cNvSpPr/>
+          <p:nvPr/>
+        </p:nvSpPr>
+        <p:spPr>
+          <a:xfrm rot="1644745">
+            <a:off x="7611655" y="5051685"/>
+            <a:ext cx="633364" cy="553955"/>
+          </a:xfrm>
+          <a:prstGeom prst="downArrow">
+            <a:avLst/>
+          </a:prstGeom>
+        </p:spPr>
+        <p:style>
+          <a:lnRef idx="2">
+            <a:schemeClr val="accent1">
+              <a:shade val="50000"/>
+            </a:schemeClr>
+          </a:lnRef>
+          <a:fillRef idx="1">
+            <a:schemeClr val="accent1"/>
+          </a:fillRef>
+          <a:effectRef idx="0">
+            <a:schemeClr val="accent1"/>
+          </a:effectRef>
+          <a:fontRef idx="minor">
+            <a:schemeClr val="lt1"/>
+          </a:fontRef>
+        </p:style>
+        <p:txBody>
+          <a:bodyPr rtlCol="0" anchor="ctr"/>
+          <a:lstStyle/>
+          <a:p>
+            <a:pPr algn="ctr"/>
+            <a:endParaRPr lang="en-CA"/>
           </a:p>
         </p:txBody>
       </p:sp>

--- a/PlantBuddy.pptx
+++ b/PlantBuddy.pptx
@@ -5,7 +5,7 @@
     <p:sldMasterId id="2147483677" r:id="rId1"/>
   </p:sldMasterIdLst>
   <p:notesMasterIdLst>
-    <p:notesMasterId r:id="rId18"/>
+    <p:notesMasterId r:id="rId19"/>
   </p:notesMasterIdLst>
   <p:sldIdLst>
     <p:sldId id="256" r:id="rId2"/>
@@ -13,17 +13,18 @@
     <p:sldId id="271" r:id="rId4"/>
     <p:sldId id="257" r:id="rId5"/>
     <p:sldId id="268" r:id="rId6"/>
-    <p:sldId id="258" r:id="rId7"/>
-    <p:sldId id="259" r:id="rId8"/>
-    <p:sldId id="260" r:id="rId9"/>
-    <p:sldId id="265" r:id="rId10"/>
-    <p:sldId id="266" r:id="rId11"/>
-    <p:sldId id="270" r:id="rId12"/>
-    <p:sldId id="267" r:id="rId13"/>
-    <p:sldId id="262" r:id="rId14"/>
-    <p:sldId id="263" r:id="rId15"/>
-    <p:sldId id="269" r:id="rId16"/>
-    <p:sldId id="264" r:id="rId17"/>
+    <p:sldId id="272" r:id="rId7"/>
+    <p:sldId id="258" r:id="rId8"/>
+    <p:sldId id="259" r:id="rId9"/>
+    <p:sldId id="260" r:id="rId10"/>
+    <p:sldId id="265" r:id="rId11"/>
+    <p:sldId id="266" r:id="rId12"/>
+    <p:sldId id="270" r:id="rId13"/>
+    <p:sldId id="267" r:id="rId14"/>
+    <p:sldId id="262" r:id="rId15"/>
+    <p:sldId id="263" r:id="rId16"/>
+    <p:sldId id="269" r:id="rId17"/>
+    <p:sldId id="264" r:id="rId18"/>
   </p:sldIdLst>
   <p:sldSz cx="9144000" cy="6858000" type="screen4x3"/>
   <p:notesSz cx="6858000" cy="9144000"/>
@@ -223,7 +224,7 @@
           <a:p>
             <a:fld id="{BB07689F-BFF6-4DB0-9566-67CEE402BF24}" type="datetimeFigureOut">
               <a:rPr lang="en-US" smtClean="0"/>
-              <a:t>3/28/2018</a:t>
+              <a:t>28-Mar-18</a:t>
             </a:fld>
             <a:endParaRPr lang="en-CA"/>
           </a:p>
@@ -704,7 +705,7 @@
           <a:p>
             <a:r>
               <a:rPr lang="en-CA" dirty="0"/>
-              <a:t>All</a:t>
+              <a:t>Andy</a:t>
             </a:r>
           </a:p>
         </p:txBody>
@@ -788,7 +789,7 @@
           <a:p>
             <a:r>
               <a:rPr lang="en-CA" dirty="0"/>
-              <a:t>Dean</a:t>
+              <a:t>All</a:t>
             </a:r>
           </a:p>
         </p:txBody>
@@ -872,7 +873,7 @@
           <a:p>
             <a:r>
               <a:rPr lang="en-CA" dirty="0"/>
-              <a:t>All</a:t>
+              <a:t>Dean</a:t>
             </a:r>
           </a:p>
         </p:txBody>
@@ -895,6 +896,90 @@
             <a:fld id="{CB84ACFC-E8EE-4602-8A98-FF37F4AF3E83}" type="slidenum">
               <a:rPr lang="en-CA" smtClean="0"/>
               <a:t>15</a:t>
+            </a:fld>
+            <a:endParaRPr lang="en-CA"/>
+          </a:p>
+        </p:txBody>
+      </p:sp>
+    </p:spTree>
+  </p:cSld>
+  <p:clrMapOvr>
+    <a:masterClrMapping/>
+  </p:clrMapOvr>
+</p:notes>
+</file>
+
+<file path=ppt/notesSlides/notesSlide14.xml><?xml version="1.0" encoding="utf-8"?>
+<p:notes xmlns:a="http://schemas.openxmlformats.org/drawingml/2006/main" xmlns:r="http://schemas.openxmlformats.org/officeDocument/2006/relationships" xmlns:p="http://schemas.openxmlformats.org/presentationml/2006/main">
+  <p:cSld>
+    <p:spTree>
+      <p:nvGrpSpPr>
+        <p:cNvPr id="1" name=""/>
+        <p:cNvGrpSpPr/>
+        <p:nvPr/>
+      </p:nvGrpSpPr>
+      <p:grpSpPr>
+        <a:xfrm>
+          <a:off x="0" y="0"/>
+          <a:ext cx="0" cy="0"/>
+          <a:chOff x="0" y="0"/>
+          <a:chExt cx="0" cy="0"/>
+        </a:xfrm>
+      </p:grpSpPr>
+      <p:sp>
+        <p:nvSpPr>
+          <p:cNvPr id="2" name="Slide Image Placeholder 1"/>
+          <p:cNvSpPr>
+            <a:spLocks noGrp="1" noRot="1" noChangeAspect="1"/>
+          </p:cNvSpPr>
+          <p:nvPr>
+            <p:ph type="sldImg"/>
+          </p:nvPr>
+        </p:nvSpPr>
+        <p:spPr/>
+      </p:sp>
+      <p:sp>
+        <p:nvSpPr>
+          <p:cNvPr id="3" name="Notes Placeholder 2"/>
+          <p:cNvSpPr>
+            <a:spLocks noGrp="1"/>
+          </p:cNvSpPr>
+          <p:nvPr>
+            <p:ph type="body" idx="1"/>
+          </p:nvPr>
+        </p:nvSpPr>
+        <p:spPr/>
+        <p:txBody>
+          <a:bodyPr>
+            <a:normAutofit/>
+          </a:bodyPr>
+          <a:lstStyle/>
+          <a:p>
+            <a:r>
+              <a:rPr lang="en-CA" dirty="0"/>
+              <a:t>All</a:t>
+            </a:r>
+          </a:p>
+        </p:txBody>
+      </p:sp>
+      <p:sp>
+        <p:nvSpPr>
+          <p:cNvPr id="4" name="Slide Number Placeholder 3"/>
+          <p:cNvSpPr>
+            <a:spLocks noGrp="1"/>
+          </p:cNvSpPr>
+          <p:nvPr>
+            <p:ph type="sldNum" sz="quarter" idx="10"/>
+          </p:nvPr>
+        </p:nvSpPr>
+        <p:spPr/>
+        <p:txBody>
+          <a:bodyPr/>
+          <a:lstStyle/>
+          <a:p>
+            <a:fld id="{CB84ACFC-E8EE-4602-8A98-FF37F4AF3E83}" type="slidenum">
+              <a:rPr lang="en-CA" smtClean="0"/>
+              <a:t>16</a:t>
             </a:fld>
             <a:endParaRPr lang="en-CA"/>
           </a:p>
@@ -1153,6 +1238,11 @@
         </p:txBody>
       </p:sp>
     </p:spTree>
+    <p:extLst>
+      <p:ext uri="{BB962C8B-B14F-4D97-AF65-F5344CB8AC3E}">
+        <p14:creationId xmlns:p14="http://schemas.microsoft.com/office/powerpoint/2010/main" val="214174244"/>
+      </p:ext>
+    </p:extLst>
   </p:cSld>
   <p:clrMapOvr>
     <a:masterClrMapping/>
@@ -1207,10 +1297,9 @@
           <a:lstStyle/>
           <a:p>
             <a:r>
-              <a:rPr lang="en-CA"/>
-              <a:t>Wang</a:t>
-            </a:r>
-            <a:endParaRPr lang="en-CA" dirty="0"/>
+              <a:rPr lang="en-CA" dirty="0"/>
+              <a:t>Dom</a:t>
+            </a:r>
           </a:p>
         </p:txBody>
       </p:sp>
@@ -1292,9 +1381,10 @@
           <a:lstStyle/>
           <a:p>
             <a:r>
-              <a:rPr lang="en-CA" dirty="0"/>
-              <a:t>Roman</a:t>
-            </a:r>
+              <a:rPr lang="en-CA"/>
+              <a:t>Wang</a:t>
+            </a:r>
+            <a:endParaRPr lang="en-CA" dirty="0"/>
           </a:p>
         </p:txBody>
       </p:sp>
@@ -1377,7 +1467,7 @@
           <a:p>
             <a:r>
               <a:rPr lang="en-CA" dirty="0"/>
-              <a:t>Andy</a:t>
+              <a:t>Roman</a:t>
             </a:r>
           </a:p>
         </p:txBody>
@@ -2378,7 +2468,7 @@
           <a:p>
             <a:fld id="{EA6D3D03-B31B-4939-8E10-752301E5E0B4}" type="datetimeFigureOut">
               <a:rPr lang="en-US" smtClean="0"/>
-              <a:t>3/28/2018</a:t>
+              <a:t>28-Mar-18</a:t>
             </a:fld>
             <a:endParaRPr lang="en-CA"/>
           </a:p>
@@ -2629,7 +2719,7 @@
           <a:p>
             <a:fld id="{EA6D3D03-B31B-4939-8E10-752301E5E0B4}" type="datetimeFigureOut">
               <a:rPr lang="en-US" smtClean="0"/>
-              <a:t>3/28/2018</a:t>
+              <a:t>28-Mar-18</a:t>
             </a:fld>
             <a:endParaRPr lang="en-CA"/>
           </a:p>
@@ -2943,7 +3033,7 @@
           <a:p>
             <a:fld id="{EA6D3D03-B31B-4939-8E10-752301E5E0B4}" type="datetimeFigureOut">
               <a:rPr lang="en-US" smtClean="0"/>
-              <a:t>3/28/2018</a:t>
+              <a:t>28-Mar-18</a:t>
             </a:fld>
             <a:endParaRPr lang="en-CA"/>
           </a:p>
@@ -3270,7 +3360,7 @@
           <a:p>
             <a:fld id="{EA6D3D03-B31B-4939-8E10-752301E5E0B4}" type="datetimeFigureOut">
               <a:rPr lang="en-US" smtClean="0"/>
-              <a:t>3/28/2018</a:t>
+              <a:t>28-Mar-18</a:t>
             </a:fld>
             <a:endParaRPr lang="en-CA"/>
           </a:p>
@@ -3584,7 +3674,7 @@
           <a:p>
             <a:fld id="{EA6D3D03-B31B-4939-8E10-752301E5E0B4}" type="datetimeFigureOut">
               <a:rPr lang="en-US" smtClean="0"/>
-              <a:t>3/28/2018</a:t>
+              <a:t>28-Mar-18</a:t>
             </a:fld>
             <a:endParaRPr lang="en-CA"/>
           </a:p>
@@ -3971,7 +4061,7 @@
           <a:p>
             <a:fld id="{EA6D3D03-B31B-4939-8E10-752301E5E0B4}" type="datetimeFigureOut">
               <a:rPr lang="en-US" smtClean="0"/>
-              <a:t>3/28/2018</a:t>
+              <a:t>28-Mar-18</a:t>
             </a:fld>
             <a:endParaRPr lang="en-CA"/>
           </a:p>
@@ -4141,7 +4231,7 @@
           <a:p>
             <a:fld id="{EA6D3D03-B31B-4939-8E10-752301E5E0B4}" type="datetimeFigureOut">
               <a:rPr lang="en-US" smtClean="0"/>
-              <a:t>3/28/2018</a:t>
+              <a:t>28-Mar-18</a:t>
             </a:fld>
             <a:endParaRPr lang="en-CA"/>
           </a:p>
@@ -4321,7 +4411,7 @@
           <a:p>
             <a:fld id="{EA6D3D03-B31B-4939-8E10-752301E5E0B4}" type="datetimeFigureOut">
               <a:rPr lang="en-US" smtClean="0"/>
-              <a:t>3/28/2018</a:t>
+              <a:t>28-Mar-18</a:t>
             </a:fld>
             <a:endParaRPr lang="en-CA"/>
           </a:p>
@@ -4497,7 +4587,7 @@
           <a:p>
             <a:fld id="{EA6D3D03-B31B-4939-8E10-752301E5E0B4}" type="datetimeFigureOut">
               <a:rPr lang="en-US" smtClean="0"/>
-              <a:t>3/28/2018</a:t>
+              <a:t>28-Mar-18</a:t>
             </a:fld>
             <a:endParaRPr lang="en-CA"/>
           </a:p>
@@ -4741,7 +4831,7 @@
           <a:p>
             <a:fld id="{EA6D3D03-B31B-4939-8E10-752301E5E0B4}" type="datetimeFigureOut">
               <a:rPr lang="en-US" smtClean="0"/>
-              <a:t>3/28/2018</a:t>
+              <a:t>28-Mar-18</a:t>
             </a:fld>
             <a:endParaRPr lang="en-CA"/>
           </a:p>
@@ -5038,7 +5128,7 @@
           <a:p>
             <a:fld id="{EA6D3D03-B31B-4939-8E10-752301E5E0B4}" type="datetimeFigureOut">
               <a:rPr lang="en-US" smtClean="0"/>
-              <a:t>3/28/2018</a:t>
+              <a:t>28-Mar-18</a:t>
             </a:fld>
             <a:endParaRPr lang="en-CA"/>
           </a:p>
@@ -5417,7 +5507,7 @@
           <a:p>
             <a:fld id="{EA6D3D03-B31B-4939-8E10-752301E5E0B4}" type="datetimeFigureOut">
               <a:rPr lang="en-US" smtClean="0"/>
-              <a:t>3/28/2018</a:t>
+              <a:t>28-Mar-18</a:t>
             </a:fld>
             <a:endParaRPr lang="en-CA"/>
           </a:p>
@@ -5540,7 +5630,7 @@
           <a:p>
             <a:fld id="{EA6D3D03-B31B-4939-8E10-752301E5E0B4}" type="datetimeFigureOut">
               <a:rPr lang="en-US" smtClean="0"/>
-              <a:t>3/28/2018</a:t>
+              <a:t>28-Mar-18</a:t>
             </a:fld>
             <a:endParaRPr lang="en-CA"/>
           </a:p>
@@ -5635,7 +5725,7 @@
           <a:p>
             <a:fld id="{EA6D3D03-B31B-4939-8E10-752301E5E0B4}" type="datetimeFigureOut">
               <a:rPr lang="en-US" smtClean="0"/>
-              <a:t>3/28/2018</a:t>
+              <a:t>28-Mar-18</a:t>
             </a:fld>
             <a:endParaRPr lang="en-CA"/>
           </a:p>
@@ -5890,7 +5980,7 @@
           <a:p>
             <a:fld id="{EA6D3D03-B31B-4939-8E10-752301E5E0B4}" type="datetimeFigureOut">
               <a:rPr lang="en-US" smtClean="0"/>
-              <a:t>3/28/2018</a:t>
+              <a:t>28-Mar-18</a:t>
             </a:fld>
             <a:endParaRPr lang="en-CA"/>
           </a:p>
@@ -6153,7 +6243,7 @@
           <a:p>
             <a:fld id="{EA6D3D03-B31B-4939-8E10-752301E5E0B4}" type="datetimeFigureOut">
               <a:rPr lang="en-US" smtClean="0"/>
-              <a:t>3/28/2018</a:t>
+              <a:t>28-Mar-18</a:t>
             </a:fld>
             <a:endParaRPr lang="en-CA"/>
           </a:p>
@@ -6969,7 +7059,7 @@
           <a:p>
             <a:fld id="{EA6D3D03-B31B-4939-8E10-752301E5E0B4}" type="datetimeFigureOut">
               <a:rPr lang="en-US" smtClean="0"/>
-              <a:t>3/28/2018</a:t>
+              <a:t>28-Mar-18</a:t>
             </a:fld>
             <a:endParaRPr lang="en-CA"/>
           </a:p>
@@ -7587,7 +7677,7 @@
           <a:p>
             <a:r>
               <a:rPr lang="en-CA" dirty="0"/>
-              <a:t>Database Schema</a:t>
+              <a:t>Technologies</a:t>
             </a:r>
           </a:p>
         </p:txBody>
@@ -7609,138 +7699,66 @@
           <a:p>
             <a:r>
               <a:rPr lang="en-CA" dirty="0"/>
-              <a:t>User(username, password, name)</a:t>
-            </a:r>
-          </a:p>
-          <a:p>
-            <a:r>
-              <a:rPr lang="en-CA" dirty="0"/>
-              <a:t>Owner(</a:t>
+              <a:t>Technologies Used:</a:t>
+            </a:r>
+          </a:p>
+          <a:p>
+            <a:pPr lvl="1"/>
+            <a:r>
+              <a:rPr lang="en-CA" dirty="0"/>
+              <a:t>C (for </a:t>
             </a:r>
             <a:r>
               <a:rPr lang="en-CA" dirty="0" err="1"/>
-              <a:t>plantID</a:t>
-            </a:r>
-            <a:r>
-              <a:rPr lang="en-CA" dirty="0"/>
-              <a:t>, username)</a:t>
-            </a:r>
-          </a:p>
-          <a:p>
-            <a:r>
-              <a:rPr lang="en-CA" dirty="0"/>
-              <a:t>Plant(</a:t>
+              <a:t>arduino</a:t>
+            </a:r>
+            <a:r>
+              <a:rPr lang="en-CA" dirty="0"/>
+              <a:t>)</a:t>
+            </a:r>
+          </a:p>
+          <a:p>
+            <a:pPr lvl="1"/>
+            <a:r>
+              <a:rPr lang="en-CA" dirty="0"/>
+              <a:t>Python (on </a:t>
             </a:r>
             <a:r>
               <a:rPr lang="en-CA" dirty="0" err="1"/>
-              <a:t>plantId</a:t>
-            </a:r>
-            <a:r>
-              <a:rPr lang="en-CA" dirty="0"/>
-              <a:t>, </a:t>
-            </a:r>
+              <a:t>RaspberryPi</a:t>
+            </a:r>
+            <a:r>
+              <a:rPr lang="en-CA" dirty="0"/>
+              <a:t>)</a:t>
+            </a:r>
+          </a:p>
+          <a:p>
+            <a:pPr lvl="1"/>
+            <a:r>
+              <a:rPr lang="en-CA" dirty="0"/>
+              <a:t>SQL</a:t>
+            </a:r>
+          </a:p>
+          <a:p>
+            <a:pPr lvl="1"/>
             <a:r>
               <a:rPr lang="en-CA" dirty="0" err="1"/>
-              <a:t>plantType</a:t>
-            </a:r>
-            <a:r>
-              <a:rPr lang="en-CA" dirty="0"/>
-              <a:t>, </a:t>
-            </a:r>
-            <a:r>
-              <a:rPr lang="en-CA" dirty="0" err="1"/>
-              <a:t>plantName</a:t>
-            </a:r>
-            <a:r>
-              <a:rPr lang="en-CA" dirty="0"/>
-              <a:t>)</a:t>
-            </a:r>
-          </a:p>
-          <a:p>
-            <a:r>
-              <a:rPr lang="en-CA" dirty="0"/>
-              <a:t>History(</a:t>
-            </a:r>
-            <a:r>
-              <a:rPr lang="en-CA" dirty="0" err="1"/>
-              <a:t>plantId</a:t>
-            </a:r>
-            <a:r>
-              <a:rPr lang="en-CA" dirty="0"/>
-              <a:t>, </a:t>
-            </a:r>
-            <a:r>
-              <a:rPr lang="en-CA" dirty="0" err="1"/>
-              <a:t>recordDate</a:t>
-            </a:r>
-            <a:r>
-              <a:rPr lang="en-CA" dirty="0"/>
-              <a:t>, moisture, humidity, temp)</a:t>
-            </a:r>
-          </a:p>
-          <a:p>
-            <a:r>
-              <a:rPr lang="en-CA" dirty="0"/>
-              <a:t>Optimal(</a:t>
-            </a:r>
-            <a:r>
-              <a:rPr lang="en-CA" dirty="0" err="1"/>
-              <a:t>plantType</a:t>
-            </a:r>
-            <a:r>
-              <a:rPr lang="en-CA" dirty="0"/>
-              <a:t>, </a:t>
-            </a:r>
-            <a:r>
-              <a:rPr lang="en-CA" dirty="0" err="1"/>
-              <a:t>potMoisture</a:t>
-            </a:r>
-            <a:r>
-              <a:rPr lang="en-CA" dirty="0"/>
-              <a:t>, </a:t>
-            </a:r>
-            <a:r>
-              <a:rPr lang="en-CA" dirty="0" err="1"/>
-              <a:t>optHumidity</a:t>
-            </a:r>
-            <a:r>
-              <a:rPr lang="en-CA" dirty="0"/>
-              <a:t>, </a:t>
-            </a:r>
-            <a:r>
-              <a:rPr lang="en-CA" dirty="0" err="1"/>
-              <a:t>optTemp</a:t>
-            </a:r>
-            <a:r>
-              <a:rPr lang="en-CA" dirty="0"/>
-              <a:t>)</a:t>
-            </a:r>
-          </a:p>
-          <a:p>
-            <a:r>
-              <a:rPr lang="en-CA" dirty="0" err="1"/>
-              <a:t>ManualWater</a:t>
-            </a:r>
-            <a:r>
-              <a:rPr lang="en-CA" dirty="0"/>
-              <a:t>(</a:t>
-            </a:r>
-            <a:r>
-              <a:rPr lang="en-CA" dirty="0" err="1"/>
-              <a:t>plantId</a:t>
-            </a:r>
-            <a:r>
-              <a:rPr lang="en-CA" dirty="0"/>
-              <a:t>, </a:t>
-            </a:r>
-            <a:r>
-              <a:rPr lang="en-CA" dirty="0" err="1"/>
-              <a:t>doWater</a:t>
-            </a:r>
-            <a:r>
-              <a:rPr lang="en-CA" dirty="0"/>
-              <a:t>)</a:t>
-            </a:r>
+              <a:t>Javascript</a:t>
+            </a:r>
+            <a:r>
+              <a:rPr lang="en-CA" dirty="0"/>
+              <a:t> (node.js, AJAX, RESTful API)</a:t>
+            </a:r>
+          </a:p>
+          <a:p>
+            <a:pPr lvl="1"/>
+            <a:r>
+              <a:rPr lang="en-CA" dirty="0"/>
+              <a:t>HTML/CSS</a:t>
+            </a:r>
+          </a:p>
+          <a:p>
+            <a:endParaRPr lang="en-CA" dirty="0"/>
           </a:p>
         </p:txBody>
       </p:sp>
@@ -7786,7 +7804,7 @@
           <a:p>
             <a:r>
               <a:rPr lang="en-CA" dirty="0"/>
-              <a:t>Hardware Code</a:t>
+              <a:t>Database Schema</a:t>
             </a:r>
           </a:p>
         </p:txBody>
@@ -7806,7 +7824,140 @@
           <a:bodyPr/>
           <a:lstStyle/>
           <a:p>
-            <a:endParaRPr lang="en-CA" dirty="0"/>
+            <a:r>
+              <a:rPr lang="en-CA" dirty="0"/>
+              <a:t>User(username, password, name)</a:t>
+            </a:r>
+          </a:p>
+          <a:p>
+            <a:r>
+              <a:rPr lang="en-CA" dirty="0"/>
+              <a:t>Owner(</a:t>
+            </a:r>
+            <a:r>
+              <a:rPr lang="en-CA" dirty="0" err="1"/>
+              <a:t>plantID</a:t>
+            </a:r>
+            <a:r>
+              <a:rPr lang="en-CA" dirty="0"/>
+              <a:t>, username)</a:t>
+            </a:r>
+          </a:p>
+          <a:p>
+            <a:r>
+              <a:rPr lang="en-CA" dirty="0"/>
+              <a:t>Plant(</a:t>
+            </a:r>
+            <a:r>
+              <a:rPr lang="en-CA" dirty="0" err="1"/>
+              <a:t>plantId</a:t>
+            </a:r>
+            <a:r>
+              <a:rPr lang="en-CA" dirty="0"/>
+              <a:t>, </a:t>
+            </a:r>
+            <a:r>
+              <a:rPr lang="en-CA" dirty="0" err="1"/>
+              <a:t>plantType</a:t>
+            </a:r>
+            <a:r>
+              <a:rPr lang="en-CA" dirty="0"/>
+              <a:t>, </a:t>
+            </a:r>
+            <a:r>
+              <a:rPr lang="en-CA" dirty="0" err="1"/>
+              <a:t>plantName</a:t>
+            </a:r>
+            <a:r>
+              <a:rPr lang="en-CA" dirty="0"/>
+              <a:t>)</a:t>
+            </a:r>
+          </a:p>
+          <a:p>
+            <a:r>
+              <a:rPr lang="en-CA" dirty="0"/>
+              <a:t>History(</a:t>
+            </a:r>
+            <a:r>
+              <a:rPr lang="en-CA" dirty="0" err="1"/>
+              <a:t>plantId</a:t>
+            </a:r>
+            <a:r>
+              <a:rPr lang="en-CA" dirty="0"/>
+              <a:t>, </a:t>
+            </a:r>
+            <a:r>
+              <a:rPr lang="en-CA" dirty="0" err="1"/>
+              <a:t>recordDate</a:t>
+            </a:r>
+            <a:r>
+              <a:rPr lang="en-CA" dirty="0"/>
+              <a:t>, moisture, humidity, temp)</a:t>
+            </a:r>
+          </a:p>
+          <a:p>
+            <a:r>
+              <a:rPr lang="en-CA" dirty="0"/>
+              <a:t>Optimal(</a:t>
+            </a:r>
+            <a:r>
+              <a:rPr lang="en-CA" dirty="0" err="1"/>
+              <a:t>plantType</a:t>
+            </a:r>
+            <a:r>
+              <a:rPr lang="en-CA" dirty="0"/>
+              <a:t>, </a:t>
+            </a:r>
+            <a:r>
+              <a:rPr lang="en-CA" dirty="0" err="1"/>
+              <a:t>potMoisture</a:t>
+            </a:r>
+            <a:r>
+              <a:rPr lang="en-CA" dirty="0"/>
+              <a:t>, </a:t>
+            </a:r>
+            <a:r>
+              <a:rPr lang="en-CA" dirty="0" err="1"/>
+              <a:t>optHumidity</a:t>
+            </a:r>
+            <a:r>
+              <a:rPr lang="en-CA" dirty="0"/>
+              <a:t>, </a:t>
+            </a:r>
+            <a:r>
+              <a:rPr lang="en-CA" dirty="0" err="1"/>
+              <a:t>optTemp</a:t>
+            </a:r>
+            <a:r>
+              <a:rPr lang="en-CA" dirty="0"/>
+              <a:t>)</a:t>
+            </a:r>
+          </a:p>
+          <a:p>
+            <a:r>
+              <a:rPr lang="en-CA" dirty="0" err="1"/>
+              <a:t>ManualWater</a:t>
+            </a:r>
+            <a:r>
+              <a:rPr lang="en-CA" dirty="0"/>
+              <a:t>(</a:t>
+            </a:r>
+            <a:r>
+              <a:rPr lang="en-CA" dirty="0" err="1"/>
+              <a:t>plantId</a:t>
+            </a:r>
+            <a:r>
+              <a:rPr lang="en-CA" dirty="0"/>
+              <a:t>, </a:t>
+            </a:r>
+            <a:r>
+              <a:rPr lang="en-CA" dirty="0" err="1"/>
+              <a:t>doWater</a:t>
+            </a:r>
+            <a:r>
+              <a:rPr lang="en-CA" dirty="0"/>
+              <a:t>)</a:t>
+            </a:r>
           </a:p>
         </p:txBody>
       </p:sp>
@@ -7852,7 +8003,7 @@
           <a:p>
             <a:r>
               <a:rPr lang="en-CA" dirty="0"/>
-              <a:t>Website Code</a:t>
+              <a:t>Hardware Code</a:t>
             </a:r>
           </a:p>
         </p:txBody>
@@ -7872,7 +8023,7 @@
           <a:bodyPr/>
           <a:lstStyle/>
           <a:p>
-            <a:endParaRPr lang="en-CA"/>
+            <a:endParaRPr lang="en-CA" dirty="0"/>
           </a:p>
         </p:txBody>
       </p:sp>
@@ -7918,7 +8069,7 @@
           <a:p>
             <a:r>
               <a:rPr lang="en-CA" dirty="0"/>
-              <a:t>Software Process</a:t>
+              <a:t>Website Code</a:t>
             </a:r>
           </a:p>
         </p:txBody>
@@ -7935,119 +8086,10 @@
         </p:nvSpPr>
         <p:spPr/>
         <p:txBody>
-          <a:bodyPr>
-            <a:normAutofit fontScale="85000" lnSpcReduction="20000"/>
-          </a:bodyPr>
-          <a:lstStyle/>
-          <a:p>
-            <a:r>
-              <a:rPr lang="en-CA" dirty="0"/>
-              <a:t>Communication: </a:t>
-            </a:r>
-          </a:p>
-          <a:p>
-            <a:pPr lvl="1"/>
-            <a:r>
-              <a:rPr lang="en-CA" dirty="0"/>
-              <a:t>Messenger</a:t>
-            </a:r>
-          </a:p>
-          <a:p>
-            <a:pPr lvl="1"/>
-            <a:r>
-              <a:rPr lang="en-CA" dirty="0" err="1"/>
-              <a:t>Github</a:t>
-            </a:r>
-            <a:endParaRPr lang="en-CA" dirty="0"/>
-          </a:p>
-          <a:p>
-            <a:pPr lvl="1"/>
-            <a:r>
-              <a:rPr lang="en-CA" dirty="0"/>
-              <a:t>Meetings:</a:t>
-            </a:r>
-          </a:p>
-          <a:p>
-            <a:pPr lvl="2"/>
-            <a:r>
-              <a:rPr lang="en-CA" dirty="0"/>
-              <a:t>Whiteboard</a:t>
-            </a:r>
-          </a:p>
-          <a:p>
-            <a:pPr lvl="2"/>
-            <a:r>
-              <a:rPr lang="en-CA" dirty="0"/>
-              <a:t>For decision Making /Assigning Tasks</a:t>
-            </a:r>
-          </a:p>
-          <a:p>
-            <a:r>
-              <a:rPr lang="en-CA" dirty="0"/>
-              <a:t>Assigning tasks: based on skills and interest</a:t>
-            </a:r>
-          </a:p>
-          <a:p>
-            <a:pPr lvl="1"/>
-            <a:r>
-              <a:rPr lang="en-CA" dirty="0"/>
-              <a:t>Dom: hardware (</a:t>
-            </a:r>
-            <a:r>
-              <a:rPr lang="en-CA" dirty="0" err="1"/>
-              <a:t>Arduino</a:t>
-            </a:r>
-            <a:r>
-              <a:rPr lang="en-CA" dirty="0"/>
-              <a:t>)</a:t>
-            </a:r>
-          </a:p>
-          <a:p>
-            <a:pPr lvl="1"/>
-            <a:r>
-              <a:rPr lang="en-CA" dirty="0"/>
-              <a:t>Andy:  hardware (</a:t>
-            </a:r>
-            <a:r>
-              <a:rPr lang="en-CA" dirty="0" err="1"/>
-              <a:t>RaspberryPi</a:t>
-            </a:r>
-            <a:r>
-              <a:rPr lang="en-CA" dirty="0"/>
-              <a:t>)</a:t>
-            </a:r>
-          </a:p>
-          <a:p>
-            <a:pPr lvl="1"/>
-            <a:r>
-              <a:rPr lang="en-CA" dirty="0"/>
-              <a:t>Roman: Web (Database and node.js)</a:t>
-            </a:r>
-          </a:p>
-          <a:p>
-            <a:pPr lvl="1"/>
-            <a:r>
-              <a:rPr lang="en-CA" dirty="0"/>
-              <a:t>Dean: Web (UI/Aesthetics)</a:t>
-            </a:r>
-          </a:p>
-          <a:p>
-            <a:pPr lvl="1"/>
-            <a:r>
-              <a:rPr lang="en-CA" dirty="0"/>
-              <a:t>Eugene: Web (Controls/Navigation)</a:t>
-            </a:r>
-          </a:p>
-          <a:p>
-            <a:pPr lvl="1"/>
-            <a:r>
-              <a:rPr lang="en-CA" dirty="0"/>
-              <a:t>Daniel: Web (Graphing)</a:t>
-            </a:r>
-          </a:p>
-          <a:p>
-            <a:pPr lvl="1"/>
-            <a:endParaRPr lang="en-CA" dirty="0"/>
+          <a:bodyPr/>
+          <a:lstStyle/>
+          <a:p>
+            <a:endParaRPr lang="en-CA"/>
           </a:p>
         </p:txBody>
       </p:sp>
@@ -8060,6 +8102,181 @@
 </file>
 
 <file path=ppt/slides/slide14.xml><?xml version="1.0" encoding="utf-8"?>
+<p:sld xmlns:a="http://schemas.openxmlformats.org/drawingml/2006/main" xmlns:r="http://schemas.openxmlformats.org/officeDocument/2006/relationships" xmlns:p="http://schemas.openxmlformats.org/presentationml/2006/main">
+  <p:cSld>
+    <p:spTree>
+      <p:nvGrpSpPr>
+        <p:cNvPr id="1" name=""/>
+        <p:cNvGrpSpPr/>
+        <p:nvPr/>
+      </p:nvGrpSpPr>
+      <p:grpSpPr>
+        <a:xfrm>
+          <a:off x="0" y="0"/>
+          <a:ext cx="0" cy="0"/>
+          <a:chOff x="0" y="0"/>
+          <a:chExt cx="0" cy="0"/>
+        </a:xfrm>
+      </p:grpSpPr>
+      <p:sp>
+        <p:nvSpPr>
+          <p:cNvPr id="2" name="Title 1"/>
+          <p:cNvSpPr>
+            <a:spLocks noGrp="1"/>
+          </p:cNvSpPr>
+          <p:nvPr>
+            <p:ph type="title"/>
+          </p:nvPr>
+        </p:nvSpPr>
+        <p:spPr/>
+        <p:txBody>
+          <a:bodyPr/>
+          <a:lstStyle/>
+          <a:p>
+            <a:r>
+              <a:rPr lang="en-CA" dirty="0"/>
+              <a:t>Software Process</a:t>
+            </a:r>
+          </a:p>
+        </p:txBody>
+      </p:sp>
+      <p:sp>
+        <p:nvSpPr>
+          <p:cNvPr id="3" name="Content Placeholder 2"/>
+          <p:cNvSpPr>
+            <a:spLocks noGrp="1"/>
+          </p:cNvSpPr>
+          <p:nvPr>
+            <p:ph idx="1"/>
+          </p:nvPr>
+        </p:nvSpPr>
+        <p:spPr/>
+        <p:txBody>
+          <a:bodyPr>
+            <a:normAutofit fontScale="85000" lnSpcReduction="20000"/>
+          </a:bodyPr>
+          <a:lstStyle/>
+          <a:p>
+            <a:r>
+              <a:rPr lang="en-CA" dirty="0"/>
+              <a:t>Communication: </a:t>
+            </a:r>
+          </a:p>
+          <a:p>
+            <a:pPr lvl="1"/>
+            <a:r>
+              <a:rPr lang="en-CA" dirty="0"/>
+              <a:t>Messenger</a:t>
+            </a:r>
+          </a:p>
+          <a:p>
+            <a:pPr lvl="1"/>
+            <a:r>
+              <a:rPr lang="en-CA" dirty="0" err="1"/>
+              <a:t>Github</a:t>
+            </a:r>
+            <a:endParaRPr lang="en-CA" dirty="0"/>
+          </a:p>
+          <a:p>
+            <a:pPr lvl="1"/>
+            <a:r>
+              <a:rPr lang="en-CA" dirty="0"/>
+              <a:t>Meetings:</a:t>
+            </a:r>
+          </a:p>
+          <a:p>
+            <a:pPr lvl="2"/>
+            <a:r>
+              <a:rPr lang="en-CA" dirty="0"/>
+              <a:t>Whiteboard</a:t>
+            </a:r>
+          </a:p>
+          <a:p>
+            <a:pPr lvl="2"/>
+            <a:r>
+              <a:rPr lang="en-CA" dirty="0"/>
+              <a:t>For decision Making /Assigning Tasks</a:t>
+            </a:r>
+          </a:p>
+          <a:p>
+            <a:r>
+              <a:rPr lang="en-CA" dirty="0"/>
+              <a:t>Assigning tasks: based on skills and interest</a:t>
+            </a:r>
+          </a:p>
+          <a:p>
+            <a:pPr lvl="1"/>
+            <a:r>
+              <a:rPr lang="en-CA" dirty="0"/>
+              <a:t>Dom: hardware (</a:t>
+            </a:r>
+            <a:r>
+              <a:rPr lang="en-CA" dirty="0" err="1"/>
+              <a:t>Arduino</a:t>
+            </a:r>
+            <a:r>
+              <a:rPr lang="en-CA" dirty="0"/>
+              <a:t>)</a:t>
+            </a:r>
+          </a:p>
+          <a:p>
+            <a:pPr lvl="1"/>
+            <a:r>
+              <a:rPr lang="en-CA" dirty="0"/>
+              <a:t>Andy:  hardware (</a:t>
+            </a:r>
+            <a:r>
+              <a:rPr lang="en-CA" dirty="0" err="1"/>
+              <a:t>RaspberryPi</a:t>
+            </a:r>
+            <a:r>
+              <a:rPr lang="en-CA" dirty="0"/>
+              <a:t>)</a:t>
+            </a:r>
+          </a:p>
+          <a:p>
+            <a:pPr lvl="1"/>
+            <a:r>
+              <a:rPr lang="en-CA" dirty="0"/>
+              <a:t>Roman: Web (Database and node.js)</a:t>
+            </a:r>
+          </a:p>
+          <a:p>
+            <a:pPr lvl="1"/>
+            <a:r>
+              <a:rPr lang="en-CA" dirty="0"/>
+              <a:t>Dean: Web (UI/Aesthetics)</a:t>
+            </a:r>
+          </a:p>
+          <a:p>
+            <a:pPr lvl="1"/>
+            <a:r>
+              <a:rPr lang="en-CA" dirty="0"/>
+              <a:t>Eugene: Web (Controls/Navigation)</a:t>
+            </a:r>
+          </a:p>
+          <a:p>
+            <a:pPr lvl="1"/>
+            <a:r>
+              <a:rPr lang="en-CA" dirty="0"/>
+              <a:t>Daniel: Web (Graphing)</a:t>
+            </a:r>
+          </a:p>
+          <a:p>
+            <a:pPr lvl="1"/>
+            <a:endParaRPr lang="en-CA" dirty="0"/>
+          </a:p>
+        </p:txBody>
+      </p:sp>
+    </p:spTree>
+  </p:cSld>
+  <p:clrMapOvr>
+    <a:masterClrMapping/>
+  </p:clrMapOvr>
+</p:sld>
+</file>
+
+<file path=ppt/slides/slide15.xml><?xml version="1.0" encoding="utf-8"?>
 <p:sld xmlns:a="http://schemas.openxmlformats.org/drawingml/2006/main" xmlns:r="http://schemas.openxmlformats.org/officeDocument/2006/relationships" xmlns:p="http://schemas.openxmlformats.org/presentationml/2006/main">
   <p:cSld>
     <p:spTree>
@@ -8137,7 +8354,7 @@
 </p:sld>
 </file>
 
-<file path=ppt/slides/slide15.xml><?xml version="1.0" encoding="utf-8"?>
+<file path=ppt/slides/slide16.xml><?xml version="1.0" encoding="utf-8"?>
 <p:sld xmlns:a="http://schemas.openxmlformats.org/drawingml/2006/main" xmlns:r="http://schemas.openxmlformats.org/officeDocument/2006/relationships" xmlns:p="http://schemas.openxmlformats.org/presentationml/2006/main">
   <p:cSld>
     <p:spTree>
@@ -8244,7 +8461,7 @@
 </p:sld>
 </file>
 
-<file path=ppt/slides/slide16.xml><?xml version="1.0" encoding="utf-8"?>
+<file path=ppt/slides/slide17.xml><?xml version="1.0" encoding="utf-8"?>
 <p:sld xmlns:a="http://schemas.openxmlformats.org/drawingml/2006/main" xmlns:r="http://schemas.openxmlformats.org/officeDocument/2006/relationships" xmlns:p="http://schemas.openxmlformats.org/presentationml/2006/main">
   <p:cSld>
     <p:spTree>
@@ -8591,15 +8808,7 @@
             <a:pPr lvl="1"/>
             <a:r>
               <a:rPr lang="en-CA" dirty="0"/>
-              <a:t>Measuring data such as: temperature, </a:t>
-            </a:r>
-            <a:r>
-              <a:rPr lang="en-CA" dirty="0" err="1"/>
-              <a:t>mpoisture</a:t>
-            </a:r>
-            <a:r>
-              <a:rPr lang="en-CA" dirty="0"/>
-              <a:t>, and humidity over time</a:t>
+              <a:t>Measuring data such as: temperature, moisture, and humidity over time</a:t>
             </a:r>
           </a:p>
           <a:p>
@@ -8675,9 +8884,16 @@
             <p:ph idx="1"/>
           </p:nvPr>
         </p:nvSpPr>
-        <p:spPr/>
-        <p:txBody>
-          <a:bodyPr/>
+        <p:spPr>
+          <a:xfrm>
+            <a:off x="609599" y="2403094"/>
+            <a:ext cx="3386337" cy="3880773"/>
+          </a:xfrm>
+        </p:spPr>
+        <p:txBody>
+          <a:bodyPr>
+            <a:normAutofit fontScale="92500"/>
+          </a:bodyPr>
           <a:lstStyle/>
           <a:p>
             <a:endParaRPr lang="en-CA" dirty="0"/>
@@ -8689,12 +8905,11 @@
             </a:r>
           </a:p>
           <a:p>
-            <a:pPr marL="742950" lvl="2" indent="-342900"/>
-            <a:r>
-              <a:rPr lang="en-CA" dirty="0" err="1"/>
-              <a:t>uhh</a:t>
-            </a:r>
-            <a:endParaRPr lang="en-CA" dirty="0"/>
+            <a:pPr lvl="1"/>
+            <a:r>
+              <a:rPr lang="en-CA" dirty="0"/>
+              <a:t>Automatically measures and waters outdoor gardens based on a database of over 5000 plants</a:t>
+            </a:r>
           </a:p>
           <a:p>
             <a:r>
@@ -8702,8 +8917,128 @@
               <a:t>Our advantage:</a:t>
             </a:r>
           </a:p>
-        </p:txBody>
-      </p:sp>
+          <a:p>
+            <a:pPr lvl="1"/>
+            <a:r>
+              <a:rPr lang="en-CA" dirty="0"/>
+              <a:t>Our product can operate offline, we don’t have to be connected to the internet at all times</a:t>
+            </a:r>
+          </a:p>
+          <a:p>
+            <a:pPr lvl="1"/>
+            <a:r>
+              <a:rPr lang="en-CA" dirty="0"/>
+              <a:t>We will not sell your data to third party companies</a:t>
+            </a:r>
+          </a:p>
+        </p:txBody>
+      </p:sp>
+      <p:pic>
+        <p:nvPicPr>
+          <p:cNvPr id="1030" name="Picture 6" descr="Image result for edyn">
+            <a:extLst>
+              <a:ext uri="{FF2B5EF4-FFF2-40B4-BE49-F238E27FC236}">
+                <a16:creationId xmlns:a16="http://schemas.microsoft.com/office/drawing/2014/main" id="{C4920E97-174E-46D7-A3E2-AA57B287F4B1}"/>
+              </a:ext>
+            </a:extLst>
+          </p:cNvPr>
+          <p:cNvPicPr>
+            <a:picLocks noChangeAspect="1" noChangeArrowheads="1"/>
+          </p:cNvPicPr>
+          <p:nvPr/>
+        </p:nvPicPr>
+        <p:blipFill>
+          <a:blip r:embed="rId3">
+            <a:extLst>
+              <a:ext uri="{28A0092B-C50C-407E-A947-70E740481C1C}">
+                <a14:useLocalDpi xmlns:a14="http://schemas.microsoft.com/office/drawing/2010/main" val="0"/>
+              </a:ext>
+            </a:extLst>
+          </a:blip>
+          <a:srcRect/>
+          <a:stretch>
+            <a:fillRect/>
+          </a:stretch>
+        </p:blipFill>
+        <p:spPr bwMode="auto">
+          <a:xfrm>
+            <a:off x="683568" y="1124744"/>
+            <a:ext cx="2771775" cy="1752600"/>
+          </a:xfrm>
+          <a:prstGeom prst="rect">
+            <a:avLst/>
+          </a:prstGeom>
+          <a:noFill/>
+          <a:extLst>
+            <a:ext uri="{909E8E84-426E-40DD-AFC4-6F175D3DCCD1}">
+              <a14:hiddenFill xmlns:a14="http://schemas.microsoft.com/office/drawing/2010/main">
+                <a:solidFill>
+                  <a:srgbClr val="FFFFFF"/>
+                </a:solidFill>
+              </a14:hiddenFill>
+            </a:ext>
+          </a:extLst>
+        </p:spPr>
+      </p:pic>
+      <p:pic>
+        <p:nvPicPr>
+          <p:cNvPr id="1032" name="Picture 8" descr="Image result for edyn">
+            <a:extLst>
+              <a:ext uri="{FF2B5EF4-FFF2-40B4-BE49-F238E27FC236}">
+                <a16:creationId xmlns:a16="http://schemas.microsoft.com/office/drawing/2014/main" id="{17DB3107-594A-4A75-A78F-B5E2BD0BACB5}"/>
+              </a:ext>
+            </a:extLst>
+          </p:cNvPr>
+          <p:cNvPicPr>
+            <a:picLocks noChangeAspect="1" noChangeArrowheads="1"/>
+          </p:cNvPicPr>
+          <p:nvPr/>
+        </p:nvPicPr>
+        <p:blipFill>
+          <a:blip r:embed="rId4">
+            <a:extLst>
+              <a:ext uri="{28A0092B-C50C-407E-A947-70E740481C1C}">
+                <a14:useLocalDpi xmlns:a14="http://schemas.microsoft.com/office/drawing/2010/main" val="0"/>
+              </a:ext>
+            </a:extLst>
+          </a:blip>
+          <a:srcRect/>
+          <a:stretch>
+            <a:fillRect/>
+          </a:stretch>
+        </p:blipFill>
+        <p:spPr bwMode="auto">
+          <a:xfrm>
+            <a:off x="4269348" y="1054100"/>
+            <a:ext cx="2949061" cy="3873501"/>
+          </a:xfrm>
+          <a:prstGeom prst="roundRect">
+            <a:avLst>
+              <a:gd name="adj" fmla="val 8594"/>
+            </a:avLst>
+          </a:prstGeom>
+          <a:solidFill>
+            <a:srgbClr val="FFFFFF">
+              <a:shade val="85000"/>
+            </a:srgbClr>
+          </a:solidFill>
+          <a:ln>
+            <a:noFill/>
+          </a:ln>
+          <a:effectLst>
+            <a:reflection blurRad="12700" stA="38000" endPos="28000" dist="5000" dir="5400000" sy="-100000" algn="bl" rotWithShape="0"/>
+          </a:effectLst>
+          <a:extLst>
+            <a:ext uri="{909E8E84-426E-40DD-AFC4-6F175D3DCCD1}">
+              <a14:hiddenFill xmlns:a14="http://schemas.microsoft.com/office/drawing/2010/main">
+                <a:solidFill>
+                  <a:srgbClr val="FFFFFF"/>
+                </a:solidFill>
+              </a14:hiddenFill>
+            </a:ext>
+          </a:extLst>
+        </p:spPr>
+      </p:pic>
     </p:spTree>
   </p:cSld>
   <p:clrMapOvr>
@@ -8746,7 +9081,7 @@
           <a:p>
             <a:r>
               <a:rPr lang="en-CA" dirty="0"/>
-              <a:t>Feature 1: Automatic Watering</a:t>
+              <a:t>Competitors</a:t>
             </a:r>
           </a:p>
         </p:txBody>
@@ -8761,25 +9096,176 @@
             <p:ph idx="1"/>
           </p:nvPr>
         </p:nvSpPr>
-        <p:spPr/>
-        <p:txBody>
-          <a:bodyPr/>
-          <a:lstStyle/>
-          <a:p>
-            <a:r>
-              <a:rPr lang="en-CA" dirty="0"/>
-              <a:t>Demo</a:t>
-            </a:r>
-          </a:p>
-          <a:p>
-            <a:r>
-              <a:rPr lang="en-CA" dirty="0"/>
-              <a:t>How does it work?</a:t>
-            </a:r>
-          </a:p>
-        </p:txBody>
-      </p:sp>
+        <p:spPr>
+          <a:xfrm>
+            <a:off x="609599" y="2090916"/>
+            <a:ext cx="3962401" cy="3880773"/>
+          </a:xfrm>
+        </p:spPr>
+        <p:txBody>
+          <a:bodyPr>
+            <a:normAutofit fontScale="92500"/>
+          </a:bodyPr>
+          <a:lstStyle/>
+          <a:p>
+            <a:endParaRPr lang="en-CA" dirty="0"/>
+          </a:p>
+          <a:p>
+            <a:r>
+              <a:rPr lang="en-CA" dirty="0"/>
+              <a:t>Their product:</a:t>
+            </a:r>
+          </a:p>
+          <a:p>
+            <a:pPr lvl="1"/>
+            <a:r>
+              <a:rPr lang="en-US" dirty="0"/>
+              <a:t>Tall vertical towers which automate watering and light source</a:t>
+            </a:r>
+          </a:p>
+          <a:p>
+            <a:pPr lvl="1"/>
+            <a:r>
+              <a:rPr lang="en-CA" dirty="0"/>
+              <a:t>M</a:t>
+            </a:r>
+            <a:r>
+              <a:rPr lang="en-US" dirty="0" err="1"/>
+              <a:t>inimal</a:t>
+            </a:r>
+            <a:r>
+              <a:rPr lang="en-US" dirty="0"/>
+              <a:t> interaction required once it's set up</a:t>
+            </a:r>
+            <a:endParaRPr lang="en-CA" dirty="0"/>
+          </a:p>
+          <a:p>
+            <a:r>
+              <a:rPr lang="en-CA" dirty="0"/>
+              <a:t>Our advantage:</a:t>
+            </a:r>
+          </a:p>
+          <a:p>
+            <a:pPr lvl="1"/>
+            <a:r>
+              <a:rPr lang="en-CA" dirty="0"/>
+              <a:t>Our product can be monitored, tracked and interacted with online</a:t>
+            </a:r>
+          </a:p>
+          <a:p>
+            <a:pPr lvl="1"/>
+            <a:r>
+              <a:rPr lang="en-CA" dirty="0"/>
+              <a:t>Our product can be used on any plant, not a specific set of plants</a:t>
+            </a:r>
+          </a:p>
+        </p:txBody>
+      </p:sp>
+      <p:pic>
+        <p:nvPicPr>
+          <p:cNvPr id="2050" name="Picture 2" descr="ZipGrow Canada">
+            <a:extLst>
+              <a:ext uri="{FF2B5EF4-FFF2-40B4-BE49-F238E27FC236}">
+                <a16:creationId xmlns:a16="http://schemas.microsoft.com/office/drawing/2014/main" id="{DDA419EB-20DF-4146-9749-284F94E89A6C}"/>
+              </a:ext>
+            </a:extLst>
+          </p:cNvPr>
+          <p:cNvPicPr>
+            <a:picLocks noChangeAspect="1" noChangeArrowheads="1"/>
+          </p:cNvPicPr>
+          <p:nvPr/>
+        </p:nvPicPr>
+        <p:blipFill>
+          <a:blip r:embed="rId3">
+            <a:extLst>
+              <a:ext uri="{28A0092B-C50C-407E-A947-70E740481C1C}">
+                <a14:useLocalDpi xmlns:a14="http://schemas.microsoft.com/office/drawing/2010/main" val="0"/>
+              </a:ext>
+            </a:extLst>
+          </a:blip>
+          <a:srcRect/>
+          <a:stretch>
+            <a:fillRect/>
+          </a:stretch>
+        </p:blipFill>
+        <p:spPr bwMode="auto">
+          <a:xfrm>
+            <a:off x="1331640" y="489935"/>
+            <a:ext cx="4675012" cy="1913159"/>
+          </a:xfrm>
+          <a:prstGeom prst="rect">
+            <a:avLst/>
+          </a:prstGeom>
+          <a:noFill/>
+          <a:extLst>
+            <a:ext uri="{909E8E84-426E-40DD-AFC4-6F175D3DCCD1}">
+              <a14:hiddenFill xmlns:a14="http://schemas.microsoft.com/office/drawing/2010/main">
+                <a:solidFill>
+                  <a:srgbClr val="FFFFFF"/>
+                </a:solidFill>
+              </a14:hiddenFill>
+            </a:ext>
+          </a:extLst>
+        </p:spPr>
+      </p:pic>
+      <p:pic>
+        <p:nvPicPr>
+          <p:cNvPr id="2054" name="Picture 6" descr="This vertical gardening system is lightweight and designed for abundant crop yields.">
+            <a:extLst>
+              <a:ext uri="{FF2B5EF4-FFF2-40B4-BE49-F238E27FC236}">
+                <a16:creationId xmlns:a16="http://schemas.microsoft.com/office/drawing/2014/main" id="{1C9B796E-3935-4BEB-9794-A2009C39F6D0}"/>
+              </a:ext>
+            </a:extLst>
+          </p:cNvPr>
+          <p:cNvPicPr>
+            <a:picLocks noChangeAspect="1" noChangeArrowheads="1"/>
+          </p:cNvPicPr>
+          <p:nvPr/>
+        </p:nvPicPr>
+        <p:blipFill>
+          <a:blip r:embed="rId4">
+            <a:extLst>
+              <a:ext uri="{28A0092B-C50C-407E-A947-70E740481C1C}">
+                <a14:useLocalDpi xmlns:a14="http://schemas.microsoft.com/office/drawing/2010/main" val="0"/>
+              </a:ext>
+            </a:extLst>
+          </a:blip>
+          <a:srcRect/>
+          <a:stretch>
+            <a:fillRect/>
+          </a:stretch>
+        </p:blipFill>
+        <p:spPr bwMode="auto">
+          <a:xfrm>
+            <a:off x="4793577" y="1198489"/>
+            <a:ext cx="3557457" cy="4461021"/>
+          </a:xfrm>
+          <a:prstGeom prst="rect">
+            <a:avLst/>
+          </a:prstGeom>
+          <a:ln>
+            <a:noFill/>
+          </a:ln>
+          <a:effectLst>
+            <a:softEdge rad="112500"/>
+          </a:effectLst>
+          <a:extLst>
+            <a:ext uri="{909E8E84-426E-40DD-AFC4-6F175D3DCCD1}">
+              <a14:hiddenFill xmlns:a14="http://schemas.microsoft.com/office/drawing/2010/main">
+                <a:solidFill>
+                  <a:srgbClr val="FFFFFF"/>
+                </a:solidFill>
+              </a14:hiddenFill>
+            </a:ext>
+          </a:extLst>
+        </p:spPr>
+      </p:pic>
     </p:spTree>
+    <p:extLst>
+      <p:ext uri="{BB962C8B-B14F-4D97-AF65-F5344CB8AC3E}">
+        <p14:creationId xmlns:p14="http://schemas.microsoft.com/office/powerpoint/2010/main" val="1178452403"/>
+      </p:ext>
+    </p:extLst>
   </p:cSld>
   <p:clrMapOvr>
     <a:masterClrMapping/>
@@ -8821,7 +9307,7 @@
           <a:p>
             <a:r>
               <a:rPr lang="en-CA" dirty="0"/>
-              <a:t>Feature 2: Web and History</a:t>
+              <a:t>Feature 1: Automatic Watering</a:t>
             </a:r>
           </a:p>
         </p:txBody>
@@ -8851,9 +9337,6 @@
               <a:rPr lang="en-CA" dirty="0"/>
               <a:t>How does it work?</a:t>
             </a:r>
-          </a:p>
-          <a:p>
-            <a:endParaRPr lang="en-CA" dirty="0"/>
           </a:p>
         </p:txBody>
       </p:sp>
@@ -8866,6 +9349,84 @@
 </file>
 
 <file path=ppt/slides/slide8.xml><?xml version="1.0" encoding="utf-8"?>
+<p:sld xmlns:a="http://schemas.openxmlformats.org/drawingml/2006/main" xmlns:r="http://schemas.openxmlformats.org/officeDocument/2006/relationships" xmlns:p="http://schemas.openxmlformats.org/presentationml/2006/main">
+  <p:cSld>
+    <p:spTree>
+      <p:nvGrpSpPr>
+        <p:cNvPr id="1" name=""/>
+        <p:cNvGrpSpPr/>
+        <p:nvPr/>
+      </p:nvGrpSpPr>
+      <p:grpSpPr>
+        <a:xfrm>
+          <a:off x="0" y="0"/>
+          <a:ext cx="0" cy="0"/>
+          <a:chOff x="0" y="0"/>
+          <a:chExt cx="0" cy="0"/>
+        </a:xfrm>
+      </p:grpSpPr>
+      <p:sp>
+        <p:nvSpPr>
+          <p:cNvPr id="2" name="Title 1"/>
+          <p:cNvSpPr>
+            <a:spLocks noGrp="1"/>
+          </p:cNvSpPr>
+          <p:nvPr>
+            <p:ph type="title"/>
+          </p:nvPr>
+        </p:nvSpPr>
+        <p:spPr/>
+        <p:txBody>
+          <a:bodyPr/>
+          <a:lstStyle/>
+          <a:p>
+            <a:r>
+              <a:rPr lang="en-CA" dirty="0"/>
+              <a:t>Feature 2: Web and History</a:t>
+            </a:r>
+          </a:p>
+        </p:txBody>
+      </p:sp>
+      <p:sp>
+        <p:nvSpPr>
+          <p:cNvPr id="3" name="Content Placeholder 2"/>
+          <p:cNvSpPr>
+            <a:spLocks noGrp="1"/>
+          </p:cNvSpPr>
+          <p:nvPr>
+            <p:ph idx="1"/>
+          </p:nvPr>
+        </p:nvSpPr>
+        <p:spPr/>
+        <p:txBody>
+          <a:bodyPr/>
+          <a:lstStyle/>
+          <a:p>
+            <a:r>
+              <a:rPr lang="en-CA" dirty="0"/>
+              <a:t>Demo</a:t>
+            </a:r>
+          </a:p>
+          <a:p>
+            <a:r>
+              <a:rPr lang="en-CA" dirty="0"/>
+              <a:t>How does it work?</a:t>
+            </a:r>
+          </a:p>
+          <a:p>
+            <a:endParaRPr lang="en-CA" dirty="0"/>
+          </a:p>
+        </p:txBody>
+      </p:sp>
+    </p:spTree>
+  </p:cSld>
+  <p:clrMapOvr>
+    <a:masterClrMapping/>
+  </p:clrMapOvr>
+</p:sld>
+</file>
+
+<file path=ppt/slides/slide9.xml><?xml version="1.0" encoding="utf-8"?>
 <p:sld xmlns:a="http://schemas.openxmlformats.org/drawingml/2006/main" xmlns:r="http://schemas.openxmlformats.org/officeDocument/2006/relationships" xmlns:p="http://schemas.openxmlformats.org/presentationml/2006/main">
   <p:cSld>
     <p:spTree>
@@ -9340,145 +9901,6 @@
           <a:p>
             <a:pPr algn="ctr"/>
             <a:endParaRPr lang="en-CA"/>
-          </a:p>
-        </p:txBody>
-      </p:sp>
-    </p:spTree>
-  </p:cSld>
-  <p:clrMapOvr>
-    <a:masterClrMapping/>
-  </p:clrMapOvr>
-</p:sld>
-</file>
-
-<file path=ppt/slides/slide9.xml><?xml version="1.0" encoding="utf-8"?>
-<p:sld xmlns:a="http://schemas.openxmlformats.org/drawingml/2006/main" xmlns:r="http://schemas.openxmlformats.org/officeDocument/2006/relationships" xmlns:p="http://schemas.openxmlformats.org/presentationml/2006/main">
-  <p:cSld>
-    <p:spTree>
-      <p:nvGrpSpPr>
-        <p:cNvPr id="1" name=""/>
-        <p:cNvGrpSpPr/>
-        <p:nvPr/>
-      </p:nvGrpSpPr>
-      <p:grpSpPr>
-        <a:xfrm>
-          <a:off x="0" y="0"/>
-          <a:ext cx="0" cy="0"/>
-          <a:chOff x="0" y="0"/>
-          <a:chExt cx="0" cy="0"/>
-        </a:xfrm>
-      </p:grpSpPr>
-      <p:sp>
-        <p:nvSpPr>
-          <p:cNvPr id="2" name="Title 1"/>
-          <p:cNvSpPr>
-            <a:spLocks noGrp="1"/>
-          </p:cNvSpPr>
-          <p:nvPr>
-            <p:ph type="title"/>
-          </p:nvPr>
-        </p:nvSpPr>
-        <p:spPr/>
-        <p:txBody>
-          <a:bodyPr/>
-          <a:lstStyle/>
-          <a:p>
-            <a:r>
-              <a:rPr lang="en-CA" dirty="0"/>
-              <a:t>Technologies</a:t>
-            </a:r>
-          </a:p>
-        </p:txBody>
-      </p:sp>
-      <p:sp>
-        <p:nvSpPr>
-          <p:cNvPr id="3" name="Content Placeholder 2"/>
-          <p:cNvSpPr>
-            <a:spLocks noGrp="1"/>
-          </p:cNvSpPr>
-          <p:nvPr>
-            <p:ph idx="1"/>
-          </p:nvPr>
-        </p:nvSpPr>
-        <p:spPr/>
-        <p:txBody>
-          <a:bodyPr/>
-          <a:lstStyle/>
-          <a:p>
-            <a:r>
-              <a:rPr lang="en-CA" dirty="0"/>
-              <a:t>Technologies Used:</a:t>
-            </a:r>
-          </a:p>
-          <a:p>
-            <a:pPr lvl="1"/>
-            <a:r>
-              <a:rPr lang="en-CA" dirty="0"/>
-              <a:t>C (for </a:t>
-            </a:r>
-            <a:r>
-              <a:rPr lang="en-CA" dirty="0" err="1"/>
-              <a:t>arduino</a:t>
-            </a:r>
-            <a:r>
-              <a:rPr lang="en-CA" dirty="0"/>
-              <a:t>)</a:t>
-            </a:r>
-          </a:p>
-          <a:p>
-            <a:pPr lvl="1"/>
-            <a:r>
-              <a:rPr lang="en-CA" dirty="0"/>
-              <a:t>Python (on </a:t>
-            </a:r>
-            <a:r>
-              <a:rPr lang="en-CA" dirty="0" err="1"/>
-              <a:t>RaspberryPi</a:t>
-            </a:r>
-            <a:r>
-              <a:rPr lang="en-CA" dirty="0"/>
-              <a:t>)</a:t>
-            </a:r>
-          </a:p>
-          <a:p>
-            <a:pPr lvl="1"/>
-            <a:r>
-              <a:rPr lang="en-CA" dirty="0"/>
-              <a:t>SQL</a:t>
-            </a:r>
-          </a:p>
-          <a:p>
-            <a:pPr lvl="1"/>
-            <a:r>
-              <a:rPr lang="en-CA" dirty="0"/>
-              <a:t> </a:t>
-            </a:r>
-            <a:r>
-              <a:rPr lang="en-CA" dirty="0" err="1"/>
-              <a:t>Javascript</a:t>
-            </a:r>
-            <a:r>
-              <a:rPr lang="en-CA" dirty="0"/>
-              <a:t> (node.js, AJAX, </a:t>
-            </a:r>
-            <a:r>
-              <a:rPr lang="en-CA" dirty="0" err="1"/>
-              <a:t>RESTful</a:t>
-            </a:r>
-            <a:r>
-              <a:rPr lang="en-CA" dirty="0"/>
-              <a:t> API)</a:t>
-            </a:r>
-          </a:p>
-          <a:p>
-            <a:pPr lvl="1"/>
-            <a:r>
-              <a:rPr lang="en-CA" dirty="0"/>
-              <a:t>HTML/CSS</a:t>
-            </a:r>
-          </a:p>
-          <a:p>
-            <a:endParaRPr lang="en-CA" dirty="0"/>
           </a:p>
         </p:txBody>
       </p:sp>
